--- a/connections/connections.pptx
+++ b/connections/connections.pptx
@@ -6,6 +6,8 @@
   </p:sldMasterIdLst>
   <p:sldIdLst>
     <p:sldId id="256" r:id="rId2"/>
+    <p:sldId id="257" r:id="rId3"/>
+    <p:sldId id="258" r:id="rId4"/>
   </p:sldIdLst>
   <p:sldSz cx="12192000" cy="6858000"/>
   <p:notesSz cx="6858000" cy="9144000"/>
@@ -104,6 +106,11 @@
       </a:defRPr>
     </a:lvl9pPr>
   </p:defaultTextStyle>
+  <p:extLst>
+    <p:ext uri="{EFAFB233-063F-42B5-8137-9DF3F51BA10A}">
+      <p15:sldGuideLst xmlns:p15="http://schemas.microsoft.com/office/powerpoint/2012/main"/>
+    </p:ext>
+  </p:extLst>
 </p:presentation>
 </file>
 
@@ -3913,10 +3920,1650 @@
           </a:fontRef>
         </p:style>
       </p:cxnSp>
+      <p:cxnSp>
+        <p:nvCxnSpPr>
+          <p:cNvPr id="16" name="Conector: angular 15">
+            <a:extLst>
+              <a:ext uri="{FF2B5EF4-FFF2-40B4-BE49-F238E27FC236}">
+                <a16:creationId xmlns:a16="http://schemas.microsoft.com/office/drawing/2014/main" id="{B7CEC4FF-D82C-4CD5-BB89-F03DAD40A566}"/>
+              </a:ext>
+            </a:extLst>
+          </p:cNvPr>
+          <p:cNvCxnSpPr>
+            <a:cxnSpLocks/>
+          </p:cNvCxnSpPr>
+          <p:nvPr/>
+        </p:nvCxnSpPr>
+        <p:spPr>
+          <a:xfrm flipV="1">
+            <a:off x="3388012" y="942736"/>
+            <a:ext cx="2911641" cy="1030888"/>
+          </a:xfrm>
+          <a:prstGeom prst="bentConnector3">
+            <a:avLst>
+              <a:gd name="adj1" fmla="val 50000"/>
+            </a:avLst>
+          </a:prstGeom>
+          <a:ln>
+            <a:tailEnd type="triangle"/>
+          </a:ln>
+        </p:spPr>
+        <p:style>
+          <a:lnRef idx="1">
+            <a:schemeClr val="dk1"/>
+          </a:lnRef>
+          <a:fillRef idx="0">
+            <a:schemeClr val="dk1"/>
+          </a:fillRef>
+          <a:effectRef idx="0">
+            <a:schemeClr val="dk1"/>
+          </a:effectRef>
+          <a:fontRef idx="minor">
+            <a:schemeClr val="tx1"/>
+          </a:fontRef>
+        </p:style>
+      </p:cxnSp>
+      <p:cxnSp>
+        <p:nvCxnSpPr>
+          <p:cNvPr id="18" name="Conector: angular 17">
+            <a:extLst>
+              <a:ext uri="{FF2B5EF4-FFF2-40B4-BE49-F238E27FC236}">
+                <a16:creationId xmlns:a16="http://schemas.microsoft.com/office/drawing/2014/main" id="{C5EC32E0-6B1B-4CC9-9576-F5CF13DCDB2C}"/>
+              </a:ext>
+            </a:extLst>
+          </p:cNvPr>
+          <p:cNvCxnSpPr>
+            <a:cxnSpLocks/>
+          </p:cNvCxnSpPr>
+          <p:nvPr/>
+        </p:nvCxnSpPr>
+        <p:spPr>
+          <a:xfrm flipV="1">
+            <a:off x="3388011" y="1133598"/>
+            <a:ext cx="2942686" cy="1261340"/>
+          </a:xfrm>
+          <a:prstGeom prst="bentConnector3">
+            <a:avLst>
+              <a:gd name="adj1" fmla="val 56565"/>
+            </a:avLst>
+          </a:prstGeom>
+          <a:ln>
+            <a:tailEnd type="triangle"/>
+          </a:ln>
+        </p:spPr>
+        <p:style>
+          <a:lnRef idx="1">
+            <a:schemeClr val="accent1"/>
+          </a:lnRef>
+          <a:fillRef idx="0">
+            <a:schemeClr val="accent1"/>
+          </a:fillRef>
+          <a:effectRef idx="0">
+            <a:schemeClr val="accent1"/>
+          </a:effectRef>
+          <a:fontRef idx="minor">
+            <a:schemeClr val="tx1"/>
+          </a:fontRef>
+        </p:style>
+      </p:cxnSp>
+      <p:cxnSp>
+        <p:nvCxnSpPr>
+          <p:cNvPr id="22" name="Conector: angular 21">
+            <a:extLst>
+              <a:ext uri="{FF2B5EF4-FFF2-40B4-BE49-F238E27FC236}">
+                <a16:creationId xmlns:a16="http://schemas.microsoft.com/office/drawing/2014/main" id="{C468AAAD-2C51-42E8-A8D1-D2BF4EC492E9}"/>
+              </a:ext>
+            </a:extLst>
+          </p:cNvPr>
+          <p:cNvCxnSpPr>
+            <a:cxnSpLocks/>
+          </p:cNvCxnSpPr>
+          <p:nvPr/>
+        </p:nvCxnSpPr>
+        <p:spPr>
+          <a:xfrm flipV="1">
+            <a:off x="3450525" y="1308379"/>
+            <a:ext cx="2817662" cy="1507151"/>
+          </a:xfrm>
+          <a:prstGeom prst="bentConnector3">
+            <a:avLst>
+              <a:gd name="adj1" fmla="val 63255"/>
+            </a:avLst>
+          </a:prstGeom>
+          <a:ln>
+            <a:solidFill>
+              <a:srgbClr val="00B050"/>
+            </a:solidFill>
+            <a:tailEnd type="triangle"/>
+          </a:ln>
+        </p:spPr>
+        <p:style>
+          <a:lnRef idx="1">
+            <a:schemeClr val="accent1"/>
+          </a:lnRef>
+          <a:fillRef idx="0">
+            <a:schemeClr val="accent1"/>
+          </a:fillRef>
+          <a:effectRef idx="0">
+            <a:schemeClr val="accent1"/>
+          </a:effectRef>
+          <a:fontRef idx="minor">
+            <a:schemeClr val="tx1"/>
+          </a:fontRef>
+        </p:style>
+      </p:cxnSp>
     </p:spTree>
     <p:extLst>
       <p:ext uri="{BB962C8B-B14F-4D97-AF65-F5344CB8AC3E}">
         <p14:creationId xmlns:p14="http://schemas.microsoft.com/office/powerpoint/2010/main" val="3783520236"/>
+      </p:ext>
+    </p:extLst>
+  </p:cSld>
+  <p:clrMapOvr>
+    <a:masterClrMapping/>
+  </p:clrMapOvr>
+</p:sld>
+</file>
+
+<file path=ppt/slides/slide2.xml><?xml version="1.0" encoding="utf-8"?>
+<p:sld xmlns:a="http://schemas.openxmlformats.org/drawingml/2006/main" xmlns:r="http://schemas.openxmlformats.org/officeDocument/2006/relationships" xmlns:p="http://schemas.openxmlformats.org/presentationml/2006/main">
+  <p:cSld>
+    <p:spTree>
+      <p:nvGrpSpPr>
+        <p:cNvPr id="1" name=""/>
+        <p:cNvGrpSpPr/>
+        <p:nvPr/>
+      </p:nvGrpSpPr>
+      <p:grpSpPr>
+        <a:xfrm>
+          <a:off x="0" y="0"/>
+          <a:ext cx="0" cy="0"/>
+          <a:chOff x="0" y="0"/>
+          <a:chExt cx="0" cy="0"/>
+        </a:xfrm>
+      </p:grpSpPr>
+      <p:sp>
+        <p:nvSpPr>
+          <p:cNvPr id="4" name="Rectángulo 3">
+            <a:extLst>
+              <a:ext uri="{FF2B5EF4-FFF2-40B4-BE49-F238E27FC236}">
+                <a16:creationId xmlns:a16="http://schemas.microsoft.com/office/drawing/2014/main" id="{1A8A97F7-4E6F-4739-A9E3-E64DE17F3EFE}"/>
+              </a:ext>
+            </a:extLst>
+          </p:cNvPr>
+          <p:cNvSpPr/>
+          <p:nvPr/>
+        </p:nvSpPr>
+        <p:spPr>
+          <a:xfrm>
+            <a:off x="350607" y="133983"/>
+            <a:ext cx="4381649" cy="923330"/>
+          </a:xfrm>
+          <a:prstGeom prst="rect">
+            <a:avLst/>
+          </a:prstGeom>
+          <a:noFill/>
+        </p:spPr>
+        <p:txBody>
+          <a:bodyPr wrap="none" lIns="91440" tIns="45720" rIns="91440" bIns="45720">
+            <a:spAutoFit/>
+          </a:bodyPr>
+          <a:lstStyle/>
+          <a:p>
+            <a:pPr algn="ctr"/>
+            <a:r>
+              <a:rPr lang="es-ES" sz="5400" b="0" cap="none" spc="0" dirty="0">
+                <a:ln w="0"/>
+                <a:solidFill>
+                  <a:schemeClr val="tx1"/>
+                </a:solidFill>
+                <a:effectLst>
+                  <a:outerShdw blurRad="38100" dist="19050" dir="2700000" algn="tl" rotWithShape="0">
+                    <a:schemeClr val="dk1">
+                      <a:alpha val="40000"/>
+                    </a:schemeClr>
+                  </a:outerShdw>
+                </a:effectLst>
+              </a:rPr>
+              <a:t>STEP MOTOR 2</a:t>
+            </a:r>
+          </a:p>
+        </p:txBody>
+      </p:sp>
+      <p:pic>
+        <p:nvPicPr>
+          <p:cNvPr id="5" name="Imagen 4">
+            <a:extLst>
+              <a:ext uri="{FF2B5EF4-FFF2-40B4-BE49-F238E27FC236}">
+                <a16:creationId xmlns:a16="http://schemas.microsoft.com/office/drawing/2014/main" id="{ADA15C06-A964-4FEF-B2AD-8F49DA65238D}"/>
+              </a:ext>
+            </a:extLst>
+          </p:cNvPr>
+          <p:cNvPicPr>
+            <a:picLocks noChangeAspect="1"/>
+          </p:cNvPicPr>
+          <p:nvPr/>
+        </p:nvPicPr>
+        <p:blipFill>
+          <a:blip r:embed="rId2"/>
+          <a:stretch>
+            <a:fillRect/>
+          </a:stretch>
+        </p:blipFill>
+        <p:spPr>
+          <a:xfrm>
+            <a:off x="844840" y="1504748"/>
+            <a:ext cx="2543175" cy="3590925"/>
+          </a:xfrm>
+          <a:prstGeom prst="rect">
+            <a:avLst/>
+          </a:prstGeom>
+        </p:spPr>
+      </p:pic>
+      <p:pic>
+        <p:nvPicPr>
+          <p:cNvPr id="1026" name="Picture 2" descr="ESP32 Wroom32 DevKit Analog Read Example | Circuits4you.com">
+            <a:extLst>
+              <a:ext uri="{FF2B5EF4-FFF2-40B4-BE49-F238E27FC236}">
+                <a16:creationId xmlns:a16="http://schemas.microsoft.com/office/drawing/2014/main" id="{070BCC20-3243-4869-8E35-686DDE0E662D}"/>
+              </a:ext>
+            </a:extLst>
+          </p:cNvPr>
+          <p:cNvPicPr>
+            <a:picLocks noChangeAspect="1" noChangeArrowheads="1"/>
+          </p:cNvPicPr>
+          <p:nvPr/>
+        </p:nvPicPr>
+        <p:blipFill rotWithShape="1">
+          <a:blip r:embed="rId3">
+            <a:extLst>
+              <a:ext uri="{28A0092B-C50C-407E-A947-70E740481C1C}">
+                <a14:useLocalDpi xmlns:a14="http://schemas.microsoft.com/office/drawing/2010/main" val="0"/>
+              </a:ext>
+            </a:extLst>
+          </a:blip>
+          <a:srcRect l="18996" r="18243" b="26775"/>
+          <a:stretch/>
+        </p:blipFill>
+        <p:spPr bwMode="auto">
+          <a:xfrm>
+            <a:off x="6362163" y="400303"/>
+            <a:ext cx="4984997" cy="3590925"/>
+          </a:xfrm>
+          <a:prstGeom prst="rect">
+            <a:avLst/>
+          </a:prstGeom>
+          <a:noFill/>
+          <a:extLst>
+            <a:ext uri="{909E8E84-426E-40DD-AFC4-6F175D3DCCD1}">
+              <a14:hiddenFill xmlns:a14="http://schemas.microsoft.com/office/drawing/2010/main">
+                <a:solidFill>
+                  <a:srgbClr val="FFFFFF"/>
+                </a:solidFill>
+              </a14:hiddenFill>
+            </a:ext>
+          </a:extLst>
+        </p:spPr>
+      </p:pic>
+      <p:pic>
+        <p:nvPicPr>
+          <p:cNvPr id="6" name="Imagen 5">
+            <a:extLst>
+              <a:ext uri="{FF2B5EF4-FFF2-40B4-BE49-F238E27FC236}">
+                <a16:creationId xmlns:a16="http://schemas.microsoft.com/office/drawing/2014/main" id="{2415C8A4-0123-4E17-AA69-391DA96641EF}"/>
+              </a:ext>
+            </a:extLst>
+          </p:cNvPr>
+          <p:cNvPicPr>
+            <a:picLocks noChangeAspect="1"/>
+          </p:cNvPicPr>
+          <p:nvPr/>
+        </p:nvPicPr>
+        <p:blipFill>
+          <a:blip r:embed="rId4"/>
+          <a:stretch>
+            <a:fillRect/>
+          </a:stretch>
+        </p:blipFill>
+        <p:spPr>
+          <a:xfrm>
+            <a:off x="6679375" y="4756878"/>
+            <a:ext cx="3228503" cy="1348302"/>
+          </a:xfrm>
+          <a:prstGeom prst="rect">
+            <a:avLst/>
+          </a:prstGeom>
+        </p:spPr>
+      </p:pic>
+      <p:pic>
+        <p:nvPicPr>
+          <p:cNvPr id="7" name="Imagen 6">
+            <a:extLst>
+              <a:ext uri="{FF2B5EF4-FFF2-40B4-BE49-F238E27FC236}">
+                <a16:creationId xmlns:a16="http://schemas.microsoft.com/office/drawing/2014/main" id="{140DA9D9-1894-4C7D-8568-D313EEA7ECEE}"/>
+              </a:ext>
+            </a:extLst>
+          </p:cNvPr>
+          <p:cNvPicPr>
+            <a:picLocks noChangeAspect="1"/>
+          </p:cNvPicPr>
+          <p:nvPr/>
+        </p:nvPicPr>
+        <p:blipFill>
+          <a:blip r:embed="rId5"/>
+          <a:stretch>
+            <a:fillRect/>
+          </a:stretch>
+        </p:blipFill>
+        <p:spPr>
+          <a:xfrm>
+            <a:off x="4070268" y="4780526"/>
+            <a:ext cx="1323975" cy="419100"/>
+          </a:xfrm>
+          <a:prstGeom prst="rect">
+            <a:avLst/>
+          </a:prstGeom>
+        </p:spPr>
+      </p:pic>
+      <p:cxnSp>
+        <p:nvCxnSpPr>
+          <p:cNvPr id="9" name="Conector: angular 8">
+            <a:extLst>
+              <a:ext uri="{FF2B5EF4-FFF2-40B4-BE49-F238E27FC236}">
+                <a16:creationId xmlns:a16="http://schemas.microsoft.com/office/drawing/2014/main" id="{86820B00-B22B-4B27-B764-8DD6A29361BD}"/>
+              </a:ext>
+            </a:extLst>
+          </p:cNvPr>
+          <p:cNvCxnSpPr/>
+          <p:nvPr/>
+        </p:nvCxnSpPr>
+        <p:spPr>
+          <a:xfrm>
+            <a:off x="3388015" y="4398579"/>
+            <a:ext cx="682253" cy="381947"/>
+          </a:xfrm>
+          <a:prstGeom prst="bentConnector3">
+            <a:avLst/>
+          </a:prstGeom>
+          <a:ln w="12700">
+            <a:solidFill>
+              <a:schemeClr val="tx1"/>
+            </a:solidFill>
+            <a:tailEnd type="triangle"/>
+          </a:ln>
+        </p:spPr>
+        <p:style>
+          <a:lnRef idx="1">
+            <a:schemeClr val="accent1"/>
+          </a:lnRef>
+          <a:fillRef idx="0">
+            <a:schemeClr val="accent1"/>
+          </a:fillRef>
+          <a:effectRef idx="0">
+            <a:schemeClr val="accent1"/>
+          </a:effectRef>
+          <a:fontRef idx="minor">
+            <a:schemeClr val="tx1"/>
+          </a:fontRef>
+        </p:style>
+      </p:cxnSp>
+      <p:cxnSp>
+        <p:nvCxnSpPr>
+          <p:cNvPr id="11" name="Conector: angular 10">
+            <a:extLst>
+              <a:ext uri="{FF2B5EF4-FFF2-40B4-BE49-F238E27FC236}">
+                <a16:creationId xmlns:a16="http://schemas.microsoft.com/office/drawing/2014/main" id="{2F47B22D-D330-488D-8696-756EC19958B1}"/>
+              </a:ext>
+            </a:extLst>
+          </p:cNvPr>
+          <p:cNvCxnSpPr/>
+          <p:nvPr/>
+        </p:nvCxnSpPr>
+        <p:spPr>
+          <a:xfrm>
+            <a:off x="3388015" y="4608129"/>
+            <a:ext cx="682253" cy="381947"/>
+          </a:xfrm>
+          <a:prstGeom prst="bentConnector3">
+            <a:avLst>
+              <a:gd name="adj1" fmla="val 27347"/>
+            </a:avLst>
+          </a:prstGeom>
+          <a:ln w="12700">
+            <a:solidFill>
+              <a:srgbClr val="FF0000"/>
+            </a:solidFill>
+            <a:tailEnd type="triangle"/>
+          </a:ln>
+        </p:spPr>
+        <p:style>
+          <a:lnRef idx="1">
+            <a:schemeClr val="accent1"/>
+          </a:lnRef>
+          <a:fillRef idx="0">
+            <a:schemeClr val="accent1"/>
+          </a:fillRef>
+          <a:effectRef idx="0">
+            <a:schemeClr val="accent1"/>
+          </a:effectRef>
+          <a:fontRef idx="minor">
+            <a:schemeClr val="tx1"/>
+          </a:fontRef>
+        </p:style>
+      </p:cxnSp>
+      <p:cxnSp>
+        <p:nvCxnSpPr>
+          <p:cNvPr id="14" name="Conector: angular 13">
+            <a:extLst>
+              <a:ext uri="{FF2B5EF4-FFF2-40B4-BE49-F238E27FC236}">
+                <a16:creationId xmlns:a16="http://schemas.microsoft.com/office/drawing/2014/main" id="{547ED3BE-E553-4F3D-A9EA-87C24DED7CB8}"/>
+              </a:ext>
+            </a:extLst>
+          </p:cNvPr>
+          <p:cNvCxnSpPr>
+            <a:cxnSpLocks/>
+          </p:cNvCxnSpPr>
+          <p:nvPr/>
+        </p:nvCxnSpPr>
+        <p:spPr>
+          <a:xfrm>
+            <a:off x="3388015" y="3507828"/>
+            <a:ext cx="3291360" cy="1654645"/>
+          </a:xfrm>
+          <a:prstGeom prst="bentConnector3">
+            <a:avLst>
+              <a:gd name="adj1" fmla="val 90303"/>
+            </a:avLst>
+          </a:prstGeom>
+          <a:ln w="12700">
+            <a:solidFill>
+              <a:schemeClr val="tx1"/>
+            </a:solidFill>
+            <a:tailEnd type="triangle"/>
+          </a:ln>
+        </p:spPr>
+        <p:style>
+          <a:lnRef idx="1">
+            <a:schemeClr val="accent1"/>
+          </a:lnRef>
+          <a:fillRef idx="0">
+            <a:schemeClr val="accent1"/>
+          </a:fillRef>
+          <a:effectRef idx="0">
+            <a:schemeClr val="accent1"/>
+          </a:effectRef>
+          <a:fontRef idx="minor">
+            <a:schemeClr val="tx1"/>
+          </a:fontRef>
+        </p:style>
+      </p:cxnSp>
+      <p:cxnSp>
+        <p:nvCxnSpPr>
+          <p:cNvPr id="17" name="Conector: angular 16">
+            <a:extLst>
+              <a:ext uri="{FF2B5EF4-FFF2-40B4-BE49-F238E27FC236}">
+                <a16:creationId xmlns:a16="http://schemas.microsoft.com/office/drawing/2014/main" id="{BF04249D-5249-4A84-8044-DFB2BC929381}"/>
+              </a:ext>
+            </a:extLst>
+          </p:cNvPr>
+          <p:cNvCxnSpPr>
+            <a:cxnSpLocks/>
+            <a:endCxn id="6" idx="1"/>
+          </p:cNvCxnSpPr>
+          <p:nvPr/>
+        </p:nvCxnSpPr>
+        <p:spPr>
+          <a:xfrm>
+            <a:off x="3450525" y="3762229"/>
+            <a:ext cx="3228850" cy="1668800"/>
+          </a:xfrm>
+          <a:prstGeom prst="bentConnector3">
+            <a:avLst>
+              <a:gd name="adj1" fmla="val 81910"/>
+            </a:avLst>
+          </a:prstGeom>
+          <a:ln w="12700">
+            <a:solidFill>
+              <a:srgbClr val="00B050"/>
+            </a:solidFill>
+            <a:tailEnd type="triangle"/>
+          </a:ln>
+        </p:spPr>
+        <p:style>
+          <a:lnRef idx="1">
+            <a:schemeClr val="accent1"/>
+          </a:lnRef>
+          <a:fillRef idx="0">
+            <a:schemeClr val="accent1"/>
+          </a:fillRef>
+          <a:effectRef idx="0">
+            <a:schemeClr val="accent1"/>
+          </a:effectRef>
+          <a:fontRef idx="minor">
+            <a:schemeClr val="tx1"/>
+          </a:fontRef>
+        </p:style>
+      </p:cxnSp>
+      <p:cxnSp>
+        <p:nvCxnSpPr>
+          <p:cNvPr id="21" name="Conector: angular 20">
+            <a:extLst>
+              <a:ext uri="{FF2B5EF4-FFF2-40B4-BE49-F238E27FC236}">
+                <a16:creationId xmlns:a16="http://schemas.microsoft.com/office/drawing/2014/main" id="{969E7FB1-2AD9-4EFC-A734-083D6D695596}"/>
+              </a:ext>
+            </a:extLst>
+          </p:cNvPr>
+          <p:cNvCxnSpPr>
+            <a:cxnSpLocks/>
+          </p:cNvCxnSpPr>
+          <p:nvPr/>
+        </p:nvCxnSpPr>
+        <p:spPr>
+          <a:xfrm>
+            <a:off x="3388015" y="3991228"/>
+            <a:ext cx="3862791" cy="2113952"/>
+          </a:xfrm>
+          <a:prstGeom prst="bentConnector3">
+            <a:avLst>
+              <a:gd name="adj1" fmla="val 65337"/>
+            </a:avLst>
+          </a:prstGeom>
+          <a:ln w="12700">
+            <a:solidFill>
+              <a:srgbClr val="FF0000"/>
+            </a:solidFill>
+            <a:tailEnd type="triangle"/>
+          </a:ln>
+        </p:spPr>
+        <p:style>
+          <a:lnRef idx="1">
+            <a:schemeClr val="accent1"/>
+          </a:lnRef>
+          <a:fillRef idx="0">
+            <a:schemeClr val="accent1"/>
+          </a:fillRef>
+          <a:effectRef idx="0">
+            <a:schemeClr val="accent1"/>
+          </a:effectRef>
+          <a:fontRef idx="minor">
+            <a:schemeClr val="tx1"/>
+          </a:fontRef>
+        </p:style>
+      </p:cxnSp>
+      <p:cxnSp>
+        <p:nvCxnSpPr>
+          <p:cNvPr id="25" name="Conector: angular 24">
+            <a:extLst>
+              <a:ext uri="{FF2B5EF4-FFF2-40B4-BE49-F238E27FC236}">
+                <a16:creationId xmlns:a16="http://schemas.microsoft.com/office/drawing/2014/main" id="{4C60193E-BEEF-43A9-A2EB-B0394AEA5EDB}"/>
+              </a:ext>
+            </a:extLst>
+          </p:cNvPr>
+          <p:cNvCxnSpPr>
+            <a:cxnSpLocks/>
+          </p:cNvCxnSpPr>
+          <p:nvPr/>
+        </p:nvCxnSpPr>
+        <p:spPr>
+          <a:xfrm>
+            <a:off x="3395287" y="4213804"/>
+            <a:ext cx="4190369" cy="2120375"/>
+          </a:xfrm>
+          <a:prstGeom prst="bentConnector3">
+            <a:avLst>
+              <a:gd name="adj1" fmla="val 50000"/>
+            </a:avLst>
+          </a:prstGeom>
+          <a:ln>
+            <a:solidFill>
+              <a:srgbClr val="190060"/>
+            </a:solidFill>
+            <a:tailEnd type="triangle"/>
+          </a:ln>
+        </p:spPr>
+        <p:style>
+          <a:lnRef idx="1">
+            <a:schemeClr val="accent1"/>
+          </a:lnRef>
+          <a:fillRef idx="0">
+            <a:schemeClr val="accent1"/>
+          </a:fillRef>
+          <a:effectRef idx="0">
+            <a:schemeClr val="accent1"/>
+          </a:effectRef>
+          <a:fontRef idx="minor">
+            <a:schemeClr val="tx1"/>
+          </a:fontRef>
+        </p:style>
+      </p:cxnSp>
+      <p:cxnSp>
+        <p:nvCxnSpPr>
+          <p:cNvPr id="28" name="Conector: angular 27">
+            <a:extLst>
+              <a:ext uri="{FF2B5EF4-FFF2-40B4-BE49-F238E27FC236}">
+                <a16:creationId xmlns:a16="http://schemas.microsoft.com/office/drawing/2014/main" id="{94565DB2-AB63-4646-94A1-9EF9A78DA23B}"/>
+              </a:ext>
+            </a:extLst>
+          </p:cNvPr>
+          <p:cNvCxnSpPr>
+            <a:cxnSpLocks/>
+          </p:cNvCxnSpPr>
+          <p:nvPr/>
+        </p:nvCxnSpPr>
+        <p:spPr>
+          <a:xfrm>
+            <a:off x="3388014" y="2183174"/>
+            <a:ext cx="3128696" cy="942707"/>
+          </a:xfrm>
+          <a:prstGeom prst="bentConnector3">
+            <a:avLst>
+              <a:gd name="adj1" fmla="val 50000"/>
+            </a:avLst>
+          </a:prstGeom>
+          <a:ln w="12700">
+            <a:solidFill>
+              <a:srgbClr val="FF0000"/>
+            </a:solidFill>
+            <a:tailEnd type="triangle"/>
+          </a:ln>
+        </p:spPr>
+        <p:style>
+          <a:lnRef idx="1">
+            <a:schemeClr val="accent1"/>
+          </a:lnRef>
+          <a:fillRef idx="0">
+            <a:schemeClr val="accent1"/>
+          </a:fillRef>
+          <a:effectRef idx="0">
+            <a:schemeClr val="accent1"/>
+          </a:effectRef>
+          <a:fontRef idx="minor">
+            <a:schemeClr val="tx1"/>
+          </a:fontRef>
+        </p:style>
+      </p:cxnSp>
+      <p:cxnSp>
+        <p:nvCxnSpPr>
+          <p:cNvPr id="30" name="Conector: angular 29">
+            <a:extLst>
+              <a:ext uri="{FF2B5EF4-FFF2-40B4-BE49-F238E27FC236}">
+                <a16:creationId xmlns:a16="http://schemas.microsoft.com/office/drawing/2014/main" id="{2622BD32-B898-4F13-9721-AF3E261AF7DD}"/>
+              </a:ext>
+            </a:extLst>
+          </p:cNvPr>
+          <p:cNvCxnSpPr>
+            <a:cxnSpLocks/>
+          </p:cNvCxnSpPr>
+          <p:nvPr/>
+        </p:nvCxnSpPr>
+        <p:spPr>
+          <a:xfrm>
+            <a:off x="3388013" y="2615846"/>
+            <a:ext cx="3128697" cy="510035"/>
+          </a:xfrm>
+          <a:prstGeom prst="bentConnector3">
+            <a:avLst>
+              <a:gd name="adj1" fmla="val 50000"/>
+            </a:avLst>
+          </a:prstGeom>
+          <a:ln w="12700">
+            <a:solidFill>
+              <a:srgbClr val="FF0000"/>
+            </a:solidFill>
+            <a:tailEnd type="triangle"/>
+          </a:ln>
+        </p:spPr>
+        <p:style>
+          <a:lnRef idx="1">
+            <a:schemeClr val="accent1"/>
+          </a:lnRef>
+          <a:fillRef idx="0">
+            <a:schemeClr val="accent1"/>
+          </a:fillRef>
+          <a:effectRef idx="0">
+            <a:schemeClr val="accent1"/>
+          </a:effectRef>
+          <a:fontRef idx="minor">
+            <a:schemeClr val="tx1"/>
+          </a:fontRef>
+        </p:style>
+      </p:cxnSp>
+      <p:cxnSp>
+        <p:nvCxnSpPr>
+          <p:cNvPr id="32" name="Conector: angular 31">
+            <a:extLst>
+              <a:ext uri="{FF2B5EF4-FFF2-40B4-BE49-F238E27FC236}">
+                <a16:creationId xmlns:a16="http://schemas.microsoft.com/office/drawing/2014/main" id="{97EFC839-CB7F-4F72-BB91-692A44CDEF94}"/>
+              </a:ext>
+            </a:extLst>
+          </p:cNvPr>
+          <p:cNvCxnSpPr>
+            <a:cxnSpLocks/>
+          </p:cNvCxnSpPr>
+          <p:nvPr/>
+        </p:nvCxnSpPr>
+        <p:spPr>
+          <a:xfrm>
+            <a:off x="3388012" y="3061547"/>
+            <a:ext cx="3128698" cy="64334"/>
+          </a:xfrm>
+          <a:prstGeom prst="bentConnector3">
+            <a:avLst>
+              <a:gd name="adj1" fmla="val 50000"/>
+            </a:avLst>
+          </a:prstGeom>
+          <a:ln w="12700">
+            <a:solidFill>
+              <a:srgbClr val="FF0000"/>
+            </a:solidFill>
+            <a:tailEnd type="triangle"/>
+          </a:ln>
+        </p:spPr>
+        <p:style>
+          <a:lnRef idx="1">
+            <a:schemeClr val="accent1"/>
+          </a:lnRef>
+          <a:fillRef idx="0">
+            <a:schemeClr val="accent1"/>
+          </a:fillRef>
+          <a:effectRef idx="0">
+            <a:schemeClr val="accent1"/>
+          </a:effectRef>
+          <a:fontRef idx="minor">
+            <a:schemeClr val="tx1"/>
+          </a:fontRef>
+        </p:style>
+      </p:cxnSp>
+      <p:cxnSp>
+        <p:nvCxnSpPr>
+          <p:cNvPr id="16" name="Conector: angular 15">
+            <a:extLst>
+              <a:ext uri="{FF2B5EF4-FFF2-40B4-BE49-F238E27FC236}">
+                <a16:creationId xmlns:a16="http://schemas.microsoft.com/office/drawing/2014/main" id="{B7CEC4FF-D82C-4CD5-BB89-F03DAD40A566}"/>
+              </a:ext>
+            </a:extLst>
+          </p:cNvPr>
+          <p:cNvCxnSpPr>
+            <a:cxnSpLocks/>
+          </p:cNvCxnSpPr>
+          <p:nvPr/>
+        </p:nvCxnSpPr>
+        <p:spPr>
+          <a:xfrm flipV="1">
+            <a:off x="3388012" y="1426971"/>
+            <a:ext cx="2880175" cy="546654"/>
+          </a:xfrm>
+          <a:prstGeom prst="bentConnector3">
+            <a:avLst>
+              <a:gd name="adj1" fmla="val 69228"/>
+            </a:avLst>
+          </a:prstGeom>
+          <a:ln>
+            <a:tailEnd type="triangle"/>
+          </a:ln>
+        </p:spPr>
+        <p:style>
+          <a:lnRef idx="1">
+            <a:schemeClr val="dk1"/>
+          </a:lnRef>
+          <a:fillRef idx="0">
+            <a:schemeClr val="dk1"/>
+          </a:fillRef>
+          <a:effectRef idx="0">
+            <a:schemeClr val="dk1"/>
+          </a:effectRef>
+          <a:fontRef idx="minor">
+            <a:schemeClr val="tx1"/>
+          </a:fontRef>
+        </p:style>
+      </p:cxnSp>
+      <p:cxnSp>
+        <p:nvCxnSpPr>
+          <p:cNvPr id="18" name="Conector: angular 17">
+            <a:extLst>
+              <a:ext uri="{FF2B5EF4-FFF2-40B4-BE49-F238E27FC236}">
+                <a16:creationId xmlns:a16="http://schemas.microsoft.com/office/drawing/2014/main" id="{C5EC32E0-6B1B-4CC9-9576-F5CF13DCDB2C}"/>
+              </a:ext>
+            </a:extLst>
+          </p:cNvPr>
+          <p:cNvCxnSpPr>
+            <a:cxnSpLocks/>
+          </p:cNvCxnSpPr>
+          <p:nvPr/>
+        </p:nvCxnSpPr>
+        <p:spPr>
+          <a:xfrm flipV="1">
+            <a:off x="3388011" y="1658374"/>
+            <a:ext cx="2880176" cy="736564"/>
+          </a:xfrm>
+          <a:prstGeom prst="bentConnector3">
+            <a:avLst>
+              <a:gd name="adj1" fmla="val 75488"/>
+            </a:avLst>
+          </a:prstGeom>
+          <a:ln>
+            <a:tailEnd type="triangle"/>
+          </a:ln>
+        </p:spPr>
+        <p:style>
+          <a:lnRef idx="1">
+            <a:schemeClr val="accent1"/>
+          </a:lnRef>
+          <a:fillRef idx="0">
+            <a:schemeClr val="accent1"/>
+          </a:fillRef>
+          <a:effectRef idx="0">
+            <a:schemeClr val="accent1"/>
+          </a:effectRef>
+          <a:fontRef idx="minor">
+            <a:schemeClr val="tx1"/>
+          </a:fontRef>
+        </p:style>
+      </p:cxnSp>
+      <p:cxnSp>
+        <p:nvCxnSpPr>
+          <p:cNvPr id="22" name="Conector: angular 21">
+            <a:extLst>
+              <a:ext uri="{FF2B5EF4-FFF2-40B4-BE49-F238E27FC236}">
+                <a16:creationId xmlns:a16="http://schemas.microsoft.com/office/drawing/2014/main" id="{C468AAAD-2C51-42E8-A8D1-D2BF4EC492E9}"/>
+              </a:ext>
+            </a:extLst>
+          </p:cNvPr>
+          <p:cNvCxnSpPr>
+            <a:cxnSpLocks/>
+          </p:cNvCxnSpPr>
+          <p:nvPr/>
+        </p:nvCxnSpPr>
+        <p:spPr>
+          <a:xfrm flipV="1">
+            <a:off x="3450525" y="1815921"/>
+            <a:ext cx="2817662" cy="999610"/>
+          </a:xfrm>
+          <a:prstGeom prst="bentConnector3">
+            <a:avLst>
+              <a:gd name="adj1" fmla="val 81538"/>
+            </a:avLst>
+          </a:prstGeom>
+          <a:ln>
+            <a:solidFill>
+              <a:srgbClr val="00B050"/>
+            </a:solidFill>
+            <a:tailEnd type="triangle"/>
+          </a:ln>
+        </p:spPr>
+        <p:style>
+          <a:lnRef idx="1">
+            <a:schemeClr val="accent1"/>
+          </a:lnRef>
+          <a:fillRef idx="0">
+            <a:schemeClr val="accent1"/>
+          </a:fillRef>
+          <a:effectRef idx="0">
+            <a:schemeClr val="accent1"/>
+          </a:effectRef>
+          <a:fontRef idx="minor">
+            <a:schemeClr val="tx1"/>
+          </a:fontRef>
+        </p:style>
+      </p:cxnSp>
+    </p:spTree>
+    <p:extLst>
+      <p:ext uri="{BB962C8B-B14F-4D97-AF65-F5344CB8AC3E}">
+        <p14:creationId xmlns:p14="http://schemas.microsoft.com/office/powerpoint/2010/main" val="2006235263"/>
+      </p:ext>
+    </p:extLst>
+  </p:cSld>
+  <p:clrMapOvr>
+    <a:masterClrMapping/>
+  </p:clrMapOvr>
+</p:sld>
+</file>
+
+<file path=ppt/slides/slide3.xml><?xml version="1.0" encoding="utf-8"?>
+<p:sld xmlns:a="http://schemas.openxmlformats.org/drawingml/2006/main" xmlns:r="http://schemas.openxmlformats.org/officeDocument/2006/relationships" xmlns:p="http://schemas.openxmlformats.org/presentationml/2006/main">
+  <p:cSld>
+    <p:spTree>
+      <p:nvGrpSpPr>
+        <p:cNvPr id="1" name=""/>
+        <p:cNvGrpSpPr/>
+        <p:nvPr/>
+      </p:nvGrpSpPr>
+      <p:grpSpPr>
+        <a:xfrm>
+          <a:off x="0" y="0"/>
+          <a:ext cx="0" cy="0"/>
+          <a:chOff x="0" y="0"/>
+          <a:chExt cx="0" cy="0"/>
+        </a:xfrm>
+      </p:grpSpPr>
+      <p:sp>
+        <p:nvSpPr>
+          <p:cNvPr id="4" name="Rectángulo 3">
+            <a:extLst>
+              <a:ext uri="{FF2B5EF4-FFF2-40B4-BE49-F238E27FC236}">
+                <a16:creationId xmlns:a16="http://schemas.microsoft.com/office/drawing/2014/main" id="{1A8A97F7-4E6F-4739-A9E3-E64DE17F3EFE}"/>
+              </a:ext>
+            </a:extLst>
+          </p:cNvPr>
+          <p:cNvSpPr/>
+          <p:nvPr/>
+        </p:nvSpPr>
+        <p:spPr>
+          <a:xfrm>
+            <a:off x="350607" y="133983"/>
+            <a:ext cx="4381649" cy="923330"/>
+          </a:xfrm>
+          <a:prstGeom prst="rect">
+            <a:avLst/>
+          </a:prstGeom>
+          <a:noFill/>
+        </p:spPr>
+        <p:txBody>
+          <a:bodyPr wrap="none" lIns="91440" tIns="45720" rIns="91440" bIns="45720">
+            <a:spAutoFit/>
+          </a:bodyPr>
+          <a:lstStyle/>
+          <a:p>
+            <a:pPr algn="ctr"/>
+            <a:r>
+              <a:rPr lang="es-ES" sz="5400" b="0" cap="none" spc="0" dirty="0">
+                <a:ln w="0"/>
+                <a:solidFill>
+                  <a:schemeClr val="tx1"/>
+                </a:solidFill>
+                <a:effectLst>
+                  <a:outerShdw blurRad="38100" dist="19050" dir="2700000" algn="tl" rotWithShape="0">
+                    <a:schemeClr val="dk1">
+                      <a:alpha val="40000"/>
+                    </a:schemeClr>
+                  </a:outerShdw>
+                </a:effectLst>
+              </a:rPr>
+              <a:t>STEP MOTOR 3</a:t>
+            </a:r>
+          </a:p>
+        </p:txBody>
+      </p:sp>
+      <p:pic>
+        <p:nvPicPr>
+          <p:cNvPr id="5" name="Imagen 4">
+            <a:extLst>
+              <a:ext uri="{FF2B5EF4-FFF2-40B4-BE49-F238E27FC236}">
+                <a16:creationId xmlns:a16="http://schemas.microsoft.com/office/drawing/2014/main" id="{ADA15C06-A964-4FEF-B2AD-8F49DA65238D}"/>
+              </a:ext>
+            </a:extLst>
+          </p:cNvPr>
+          <p:cNvPicPr>
+            <a:picLocks noChangeAspect="1"/>
+          </p:cNvPicPr>
+          <p:nvPr/>
+        </p:nvPicPr>
+        <p:blipFill>
+          <a:blip r:embed="rId2"/>
+          <a:stretch>
+            <a:fillRect/>
+          </a:stretch>
+        </p:blipFill>
+        <p:spPr>
+          <a:xfrm>
+            <a:off x="844840" y="1504748"/>
+            <a:ext cx="2543175" cy="3590925"/>
+          </a:xfrm>
+          <a:prstGeom prst="rect">
+            <a:avLst/>
+          </a:prstGeom>
+        </p:spPr>
+      </p:pic>
+      <p:pic>
+        <p:nvPicPr>
+          <p:cNvPr id="1026" name="Picture 2" descr="ESP32 Wroom32 DevKit Analog Read Example | Circuits4you.com">
+            <a:extLst>
+              <a:ext uri="{FF2B5EF4-FFF2-40B4-BE49-F238E27FC236}">
+                <a16:creationId xmlns:a16="http://schemas.microsoft.com/office/drawing/2014/main" id="{070BCC20-3243-4869-8E35-686DDE0E662D}"/>
+              </a:ext>
+            </a:extLst>
+          </p:cNvPr>
+          <p:cNvPicPr>
+            <a:picLocks noChangeAspect="1" noChangeArrowheads="1"/>
+          </p:cNvPicPr>
+          <p:nvPr/>
+        </p:nvPicPr>
+        <p:blipFill rotWithShape="1">
+          <a:blip r:embed="rId3">
+            <a:extLst>
+              <a:ext uri="{28A0092B-C50C-407E-A947-70E740481C1C}">
+                <a14:useLocalDpi xmlns:a14="http://schemas.microsoft.com/office/drawing/2010/main" val="0"/>
+              </a:ext>
+            </a:extLst>
+          </a:blip>
+          <a:srcRect l="18996" r="18243" b="26775"/>
+          <a:stretch/>
+        </p:blipFill>
+        <p:spPr bwMode="auto">
+          <a:xfrm>
+            <a:off x="6362163" y="400303"/>
+            <a:ext cx="4984997" cy="3590925"/>
+          </a:xfrm>
+          <a:prstGeom prst="rect">
+            <a:avLst/>
+          </a:prstGeom>
+          <a:noFill/>
+          <a:extLst>
+            <a:ext uri="{909E8E84-426E-40DD-AFC4-6F175D3DCCD1}">
+              <a14:hiddenFill xmlns:a14="http://schemas.microsoft.com/office/drawing/2010/main">
+                <a:solidFill>
+                  <a:srgbClr val="FFFFFF"/>
+                </a:solidFill>
+              </a14:hiddenFill>
+            </a:ext>
+          </a:extLst>
+        </p:spPr>
+      </p:pic>
+      <p:pic>
+        <p:nvPicPr>
+          <p:cNvPr id="6" name="Imagen 5">
+            <a:extLst>
+              <a:ext uri="{FF2B5EF4-FFF2-40B4-BE49-F238E27FC236}">
+                <a16:creationId xmlns:a16="http://schemas.microsoft.com/office/drawing/2014/main" id="{2415C8A4-0123-4E17-AA69-391DA96641EF}"/>
+              </a:ext>
+            </a:extLst>
+          </p:cNvPr>
+          <p:cNvPicPr>
+            <a:picLocks noChangeAspect="1"/>
+          </p:cNvPicPr>
+          <p:nvPr/>
+        </p:nvPicPr>
+        <p:blipFill>
+          <a:blip r:embed="rId4"/>
+          <a:stretch>
+            <a:fillRect/>
+          </a:stretch>
+        </p:blipFill>
+        <p:spPr>
+          <a:xfrm>
+            <a:off x="6679375" y="4756878"/>
+            <a:ext cx="3228503" cy="1348302"/>
+          </a:xfrm>
+          <a:prstGeom prst="rect">
+            <a:avLst/>
+          </a:prstGeom>
+        </p:spPr>
+      </p:pic>
+      <p:pic>
+        <p:nvPicPr>
+          <p:cNvPr id="7" name="Imagen 6">
+            <a:extLst>
+              <a:ext uri="{FF2B5EF4-FFF2-40B4-BE49-F238E27FC236}">
+                <a16:creationId xmlns:a16="http://schemas.microsoft.com/office/drawing/2014/main" id="{140DA9D9-1894-4C7D-8568-D313EEA7ECEE}"/>
+              </a:ext>
+            </a:extLst>
+          </p:cNvPr>
+          <p:cNvPicPr>
+            <a:picLocks noChangeAspect="1"/>
+          </p:cNvPicPr>
+          <p:nvPr/>
+        </p:nvPicPr>
+        <p:blipFill>
+          <a:blip r:embed="rId5"/>
+          <a:stretch>
+            <a:fillRect/>
+          </a:stretch>
+        </p:blipFill>
+        <p:spPr>
+          <a:xfrm>
+            <a:off x="4070268" y="4780526"/>
+            <a:ext cx="1323975" cy="419100"/>
+          </a:xfrm>
+          <a:prstGeom prst="rect">
+            <a:avLst/>
+          </a:prstGeom>
+        </p:spPr>
+      </p:pic>
+      <p:cxnSp>
+        <p:nvCxnSpPr>
+          <p:cNvPr id="9" name="Conector: angular 8">
+            <a:extLst>
+              <a:ext uri="{FF2B5EF4-FFF2-40B4-BE49-F238E27FC236}">
+                <a16:creationId xmlns:a16="http://schemas.microsoft.com/office/drawing/2014/main" id="{86820B00-B22B-4B27-B764-8DD6A29361BD}"/>
+              </a:ext>
+            </a:extLst>
+          </p:cNvPr>
+          <p:cNvCxnSpPr/>
+          <p:nvPr/>
+        </p:nvCxnSpPr>
+        <p:spPr>
+          <a:xfrm>
+            <a:off x="3388015" y="4398579"/>
+            <a:ext cx="682253" cy="381947"/>
+          </a:xfrm>
+          <a:prstGeom prst="bentConnector3">
+            <a:avLst/>
+          </a:prstGeom>
+          <a:ln w="12700">
+            <a:solidFill>
+              <a:schemeClr val="tx1"/>
+            </a:solidFill>
+            <a:tailEnd type="triangle"/>
+          </a:ln>
+        </p:spPr>
+        <p:style>
+          <a:lnRef idx="1">
+            <a:schemeClr val="accent1"/>
+          </a:lnRef>
+          <a:fillRef idx="0">
+            <a:schemeClr val="accent1"/>
+          </a:fillRef>
+          <a:effectRef idx="0">
+            <a:schemeClr val="accent1"/>
+          </a:effectRef>
+          <a:fontRef idx="minor">
+            <a:schemeClr val="tx1"/>
+          </a:fontRef>
+        </p:style>
+      </p:cxnSp>
+      <p:cxnSp>
+        <p:nvCxnSpPr>
+          <p:cNvPr id="11" name="Conector: angular 10">
+            <a:extLst>
+              <a:ext uri="{FF2B5EF4-FFF2-40B4-BE49-F238E27FC236}">
+                <a16:creationId xmlns:a16="http://schemas.microsoft.com/office/drawing/2014/main" id="{2F47B22D-D330-488D-8696-756EC19958B1}"/>
+              </a:ext>
+            </a:extLst>
+          </p:cNvPr>
+          <p:cNvCxnSpPr/>
+          <p:nvPr/>
+        </p:nvCxnSpPr>
+        <p:spPr>
+          <a:xfrm>
+            <a:off x="3388015" y="4608129"/>
+            <a:ext cx="682253" cy="381947"/>
+          </a:xfrm>
+          <a:prstGeom prst="bentConnector3">
+            <a:avLst>
+              <a:gd name="adj1" fmla="val 27347"/>
+            </a:avLst>
+          </a:prstGeom>
+          <a:ln w="12700">
+            <a:solidFill>
+              <a:srgbClr val="FF0000"/>
+            </a:solidFill>
+            <a:tailEnd type="triangle"/>
+          </a:ln>
+        </p:spPr>
+        <p:style>
+          <a:lnRef idx="1">
+            <a:schemeClr val="accent1"/>
+          </a:lnRef>
+          <a:fillRef idx="0">
+            <a:schemeClr val="accent1"/>
+          </a:fillRef>
+          <a:effectRef idx="0">
+            <a:schemeClr val="accent1"/>
+          </a:effectRef>
+          <a:fontRef idx="minor">
+            <a:schemeClr val="tx1"/>
+          </a:fontRef>
+        </p:style>
+      </p:cxnSp>
+      <p:cxnSp>
+        <p:nvCxnSpPr>
+          <p:cNvPr id="14" name="Conector: angular 13">
+            <a:extLst>
+              <a:ext uri="{FF2B5EF4-FFF2-40B4-BE49-F238E27FC236}">
+                <a16:creationId xmlns:a16="http://schemas.microsoft.com/office/drawing/2014/main" id="{547ED3BE-E553-4F3D-A9EA-87C24DED7CB8}"/>
+              </a:ext>
+            </a:extLst>
+          </p:cNvPr>
+          <p:cNvCxnSpPr>
+            <a:cxnSpLocks/>
+          </p:cNvCxnSpPr>
+          <p:nvPr/>
+        </p:nvCxnSpPr>
+        <p:spPr>
+          <a:xfrm>
+            <a:off x="3388015" y="3507828"/>
+            <a:ext cx="3291360" cy="1654645"/>
+          </a:xfrm>
+          <a:prstGeom prst="bentConnector3">
+            <a:avLst>
+              <a:gd name="adj1" fmla="val 90303"/>
+            </a:avLst>
+          </a:prstGeom>
+          <a:ln w="12700">
+            <a:solidFill>
+              <a:schemeClr val="tx1"/>
+            </a:solidFill>
+            <a:tailEnd type="triangle"/>
+          </a:ln>
+        </p:spPr>
+        <p:style>
+          <a:lnRef idx="1">
+            <a:schemeClr val="accent1"/>
+          </a:lnRef>
+          <a:fillRef idx="0">
+            <a:schemeClr val="accent1"/>
+          </a:fillRef>
+          <a:effectRef idx="0">
+            <a:schemeClr val="accent1"/>
+          </a:effectRef>
+          <a:fontRef idx="minor">
+            <a:schemeClr val="tx1"/>
+          </a:fontRef>
+        </p:style>
+      </p:cxnSp>
+      <p:cxnSp>
+        <p:nvCxnSpPr>
+          <p:cNvPr id="17" name="Conector: angular 16">
+            <a:extLst>
+              <a:ext uri="{FF2B5EF4-FFF2-40B4-BE49-F238E27FC236}">
+                <a16:creationId xmlns:a16="http://schemas.microsoft.com/office/drawing/2014/main" id="{BF04249D-5249-4A84-8044-DFB2BC929381}"/>
+              </a:ext>
+            </a:extLst>
+          </p:cNvPr>
+          <p:cNvCxnSpPr>
+            <a:cxnSpLocks/>
+            <a:endCxn id="6" idx="1"/>
+          </p:cNvCxnSpPr>
+          <p:nvPr/>
+        </p:nvCxnSpPr>
+        <p:spPr>
+          <a:xfrm>
+            <a:off x="3450525" y="3762229"/>
+            <a:ext cx="3228850" cy="1668800"/>
+          </a:xfrm>
+          <a:prstGeom prst="bentConnector3">
+            <a:avLst>
+              <a:gd name="adj1" fmla="val 81910"/>
+            </a:avLst>
+          </a:prstGeom>
+          <a:ln w="12700">
+            <a:solidFill>
+              <a:srgbClr val="00B050"/>
+            </a:solidFill>
+            <a:tailEnd type="triangle"/>
+          </a:ln>
+        </p:spPr>
+        <p:style>
+          <a:lnRef idx="1">
+            <a:schemeClr val="accent1"/>
+          </a:lnRef>
+          <a:fillRef idx="0">
+            <a:schemeClr val="accent1"/>
+          </a:fillRef>
+          <a:effectRef idx="0">
+            <a:schemeClr val="accent1"/>
+          </a:effectRef>
+          <a:fontRef idx="minor">
+            <a:schemeClr val="tx1"/>
+          </a:fontRef>
+        </p:style>
+      </p:cxnSp>
+      <p:cxnSp>
+        <p:nvCxnSpPr>
+          <p:cNvPr id="21" name="Conector: angular 20">
+            <a:extLst>
+              <a:ext uri="{FF2B5EF4-FFF2-40B4-BE49-F238E27FC236}">
+                <a16:creationId xmlns:a16="http://schemas.microsoft.com/office/drawing/2014/main" id="{969E7FB1-2AD9-4EFC-A734-083D6D695596}"/>
+              </a:ext>
+            </a:extLst>
+          </p:cNvPr>
+          <p:cNvCxnSpPr>
+            <a:cxnSpLocks/>
+          </p:cNvCxnSpPr>
+          <p:nvPr/>
+        </p:nvCxnSpPr>
+        <p:spPr>
+          <a:xfrm>
+            <a:off x="3388015" y="3991228"/>
+            <a:ext cx="3862791" cy="2113952"/>
+          </a:xfrm>
+          <a:prstGeom prst="bentConnector3">
+            <a:avLst>
+              <a:gd name="adj1" fmla="val 65337"/>
+            </a:avLst>
+          </a:prstGeom>
+          <a:ln w="12700">
+            <a:solidFill>
+              <a:srgbClr val="FF0000"/>
+            </a:solidFill>
+            <a:tailEnd type="triangle"/>
+          </a:ln>
+        </p:spPr>
+        <p:style>
+          <a:lnRef idx="1">
+            <a:schemeClr val="accent1"/>
+          </a:lnRef>
+          <a:fillRef idx="0">
+            <a:schemeClr val="accent1"/>
+          </a:fillRef>
+          <a:effectRef idx="0">
+            <a:schemeClr val="accent1"/>
+          </a:effectRef>
+          <a:fontRef idx="minor">
+            <a:schemeClr val="tx1"/>
+          </a:fontRef>
+        </p:style>
+      </p:cxnSp>
+      <p:cxnSp>
+        <p:nvCxnSpPr>
+          <p:cNvPr id="25" name="Conector: angular 24">
+            <a:extLst>
+              <a:ext uri="{FF2B5EF4-FFF2-40B4-BE49-F238E27FC236}">
+                <a16:creationId xmlns:a16="http://schemas.microsoft.com/office/drawing/2014/main" id="{4C60193E-BEEF-43A9-A2EB-B0394AEA5EDB}"/>
+              </a:ext>
+            </a:extLst>
+          </p:cNvPr>
+          <p:cNvCxnSpPr>
+            <a:cxnSpLocks/>
+          </p:cNvCxnSpPr>
+          <p:nvPr/>
+        </p:nvCxnSpPr>
+        <p:spPr>
+          <a:xfrm>
+            <a:off x="3395287" y="4213804"/>
+            <a:ext cx="4190369" cy="2120375"/>
+          </a:xfrm>
+          <a:prstGeom prst="bentConnector3">
+            <a:avLst>
+              <a:gd name="adj1" fmla="val 50000"/>
+            </a:avLst>
+          </a:prstGeom>
+          <a:ln>
+            <a:solidFill>
+              <a:srgbClr val="190060"/>
+            </a:solidFill>
+            <a:tailEnd type="triangle"/>
+          </a:ln>
+        </p:spPr>
+        <p:style>
+          <a:lnRef idx="1">
+            <a:schemeClr val="accent1"/>
+          </a:lnRef>
+          <a:fillRef idx="0">
+            <a:schemeClr val="accent1"/>
+          </a:fillRef>
+          <a:effectRef idx="0">
+            <a:schemeClr val="accent1"/>
+          </a:effectRef>
+          <a:fontRef idx="minor">
+            <a:schemeClr val="tx1"/>
+          </a:fontRef>
+        </p:style>
+      </p:cxnSp>
+      <p:cxnSp>
+        <p:nvCxnSpPr>
+          <p:cNvPr id="28" name="Conector: angular 27">
+            <a:extLst>
+              <a:ext uri="{FF2B5EF4-FFF2-40B4-BE49-F238E27FC236}">
+                <a16:creationId xmlns:a16="http://schemas.microsoft.com/office/drawing/2014/main" id="{94565DB2-AB63-4646-94A1-9EF9A78DA23B}"/>
+              </a:ext>
+            </a:extLst>
+          </p:cNvPr>
+          <p:cNvCxnSpPr>
+            <a:cxnSpLocks/>
+          </p:cNvCxnSpPr>
+          <p:nvPr/>
+        </p:nvCxnSpPr>
+        <p:spPr>
+          <a:xfrm>
+            <a:off x="3388014" y="2183174"/>
+            <a:ext cx="3128696" cy="942707"/>
+          </a:xfrm>
+          <a:prstGeom prst="bentConnector3">
+            <a:avLst>
+              <a:gd name="adj1" fmla="val 50000"/>
+            </a:avLst>
+          </a:prstGeom>
+          <a:ln w="12700">
+            <a:solidFill>
+              <a:srgbClr val="FF0000"/>
+            </a:solidFill>
+            <a:tailEnd type="triangle"/>
+          </a:ln>
+        </p:spPr>
+        <p:style>
+          <a:lnRef idx="1">
+            <a:schemeClr val="accent1"/>
+          </a:lnRef>
+          <a:fillRef idx="0">
+            <a:schemeClr val="accent1"/>
+          </a:fillRef>
+          <a:effectRef idx="0">
+            <a:schemeClr val="accent1"/>
+          </a:effectRef>
+          <a:fontRef idx="minor">
+            <a:schemeClr val="tx1"/>
+          </a:fontRef>
+        </p:style>
+      </p:cxnSp>
+      <p:cxnSp>
+        <p:nvCxnSpPr>
+          <p:cNvPr id="30" name="Conector: angular 29">
+            <a:extLst>
+              <a:ext uri="{FF2B5EF4-FFF2-40B4-BE49-F238E27FC236}">
+                <a16:creationId xmlns:a16="http://schemas.microsoft.com/office/drawing/2014/main" id="{2622BD32-B898-4F13-9721-AF3E261AF7DD}"/>
+              </a:ext>
+            </a:extLst>
+          </p:cNvPr>
+          <p:cNvCxnSpPr>
+            <a:cxnSpLocks/>
+          </p:cNvCxnSpPr>
+          <p:nvPr/>
+        </p:nvCxnSpPr>
+        <p:spPr>
+          <a:xfrm>
+            <a:off x="3388013" y="2615846"/>
+            <a:ext cx="3128697" cy="510035"/>
+          </a:xfrm>
+          <a:prstGeom prst="bentConnector3">
+            <a:avLst>
+              <a:gd name="adj1" fmla="val 50000"/>
+            </a:avLst>
+          </a:prstGeom>
+          <a:ln w="12700">
+            <a:solidFill>
+              <a:srgbClr val="FF0000"/>
+            </a:solidFill>
+            <a:tailEnd type="triangle"/>
+          </a:ln>
+        </p:spPr>
+        <p:style>
+          <a:lnRef idx="1">
+            <a:schemeClr val="accent1"/>
+          </a:lnRef>
+          <a:fillRef idx="0">
+            <a:schemeClr val="accent1"/>
+          </a:fillRef>
+          <a:effectRef idx="0">
+            <a:schemeClr val="accent1"/>
+          </a:effectRef>
+          <a:fontRef idx="minor">
+            <a:schemeClr val="tx1"/>
+          </a:fontRef>
+        </p:style>
+      </p:cxnSp>
+      <p:cxnSp>
+        <p:nvCxnSpPr>
+          <p:cNvPr id="32" name="Conector: angular 31">
+            <a:extLst>
+              <a:ext uri="{FF2B5EF4-FFF2-40B4-BE49-F238E27FC236}">
+                <a16:creationId xmlns:a16="http://schemas.microsoft.com/office/drawing/2014/main" id="{97EFC839-CB7F-4F72-BB91-692A44CDEF94}"/>
+              </a:ext>
+            </a:extLst>
+          </p:cNvPr>
+          <p:cNvCxnSpPr>
+            <a:cxnSpLocks/>
+          </p:cNvCxnSpPr>
+          <p:nvPr/>
+        </p:nvCxnSpPr>
+        <p:spPr>
+          <a:xfrm>
+            <a:off x="3388012" y="3061547"/>
+            <a:ext cx="3128698" cy="64334"/>
+          </a:xfrm>
+          <a:prstGeom prst="bentConnector3">
+            <a:avLst>
+              <a:gd name="adj1" fmla="val 50000"/>
+            </a:avLst>
+          </a:prstGeom>
+          <a:ln w="12700">
+            <a:solidFill>
+              <a:srgbClr val="FF0000"/>
+            </a:solidFill>
+            <a:tailEnd type="triangle"/>
+          </a:ln>
+        </p:spPr>
+        <p:style>
+          <a:lnRef idx="1">
+            <a:schemeClr val="accent1"/>
+          </a:lnRef>
+          <a:fillRef idx="0">
+            <a:schemeClr val="accent1"/>
+          </a:fillRef>
+          <a:effectRef idx="0">
+            <a:schemeClr val="accent1"/>
+          </a:effectRef>
+          <a:fontRef idx="minor">
+            <a:schemeClr val="tx1"/>
+          </a:fontRef>
+        </p:style>
+      </p:cxnSp>
+      <p:cxnSp>
+        <p:nvCxnSpPr>
+          <p:cNvPr id="16" name="Conector: angular 15">
+            <a:extLst>
+              <a:ext uri="{FF2B5EF4-FFF2-40B4-BE49-F238E27FC236}">
+                <a16:creationId xmlns:a16="http://schemas.microsoft.com/office/drawing/2014/main" id="{B7CEC4FF-D82C-4CD5-BB89-F03DAD40A566}"/>
+              </a:ext>
+            </a:extLst>
+          </p:cNvPr>
+          <p:cNvCxnSpPr>
+            <a:cxnSpLocks/>
+          </p:cNvCxnSpPr>
+          <p:nvPr/>
+        </p:nvCxnSpPr>
+        <p:spPr>
+          <a:xfrm flipV="1">
+            <a:off x="3388012" y="1962266"/>
+            <a:ext cx="2911641" cy="11359"/>
+          </a:xfrm>
+          <a:prstGeom prst="bentConnector3">
+            <a:avLst>
+              <a:gd name="adj1" fmla="val 50000"/>
+            </a:avLst>
+          </a:prstGeom>
+          <a:ln>
+            <a:tailEnd type="triangle"/>
+          </a:ln>
+        </p:spPr>
+        <p:style>
+          <a:lnRef idx="1">
+            <a:schemeClr val="dk1"/>
+          </a:lnRef>
+          <a:fillRef idx="0">
+            <a:schemeClr val="dk1"/>
+          </a:fillRef>
+          <a:effectRef idx="0">
+            <a:schemeClr val="dk1"/>
+          </a:effectRef>
+          <a:fontRef idx="minor">
+            <a:schemeClr val="tx1"/>
+          </a:fontRef>
+        </p:style>
+      </p:cxnSp>
+      <p:cxnSp>
+        <p:nvCxnSpPr>
+          <p:cNvPr id="18" name="Conector: angular 17">
+            <a:extLst>
+              <a:ext uri="{FF2B5EF4-FFF2-40B4-BE49-F238E27FC236}">
+                <a16:creationId xmlns:a16="http://schemas.microsoft.com/office/drawing/2014/main" id="{C5EC32E0-6B1B-4CC9-9576-F5CF13DCDB2C}"/>
+              </a:ext>
+            </a:extLst>
+          </p:cNvPr>
+          <p:cNvCxnSpPr>
+            <a:cxnSpLocks/>
+          </p:cNvCxnSpPr>
+          <p:nvPr/>
+        </p:nvCxnSpPr>
+        <p:spPr>
+          <a:xfrm flipV="1">
+            <a:off x="3430099" y="2127734"/>
+            <a:ext cx="2880176" cy="278564"/>
+          </a:xfrm>
+          <a:prstGeom prst="bentConnector3">
+            <a:avLst>
+              <a:gd name="adj1" fmla="val 68781"/>
+            </a:avLst>
+          </a:prstGeom>
+          <a:ln>
+            <a:tailEnd type="triangle"/>
+          </a:ln>
+        </p:spPr>
+        <p:style>
+          <a:lnRef idx="1">
+            <a:schemeClr val="accent1"/>
+          </a:lnRef>
+          <a:fillRef idx="0">
+            <a:schemeClr val="accent1"/>
+          </a:fillRef>
+          <a:effectRef idx="0">
+            <a:schemeClr val="accent1"/>
+          </a:effectRef>
+          <a:fontRef idx="minor">
+            <a:schemeClr val="tx1"/>
+          </a:fontRef>
+        </p:style>
+      </p:cxnSp>
+      <p:cxnSp>
+        <p:nvCxnSpPr>
+          <p:cNvPr id="22" name="Conector: angular 21">
+            <a:extLst>
+              <a:ext uri="{FF2B5EF4-FFF2-40B4-BE49-F238E27FC236}">
+                <a16:creationId xmlns:a16="http://schemas.microsoft.com/office/drawing/2014/main" id="{C468AAAD-2C51-42E8-A8D1-D2BF4EC492E9}"/>
+              </a:ext>
+            </a:extLst>
+          </p:cNvPr>
+          <p:cNvCxnSpPr>
+            <a:cxnSpLocks/>
+          </p:cNvCxnSpPr>
+          <p:nvPr/>
+        </p:nvCxnSpPr>
+        <p:spPr>
+          <a:xfrm flipV="1">
+            <a:off x="3450525" y="2319773"/>
+            <a:ext cx="2817662" cy="495759"/>
+          </a:xfrm>
+          <a:prstGeom prst="bentConnector3">
+            <a:avLst>
+              <a:gd name="adj1" fmla="val 75139"/>
+            </a:avLst>
+          </a:prstGeom>
+          <a:ln>
+            <a:solidFill>
+              <a:srgbClr val="00B050"/>
+            </a:solidFill>
+            <a:tailEnd type="triangle"/>
+          </a:ln>
+        </p:spPr>
+        <p:style>
+          <a:lnRef idx="1">
+            <a:schemeClr val="accent1"/>
+          </a:lnRef>
+          <a:fillRef idx="0">
+            <a:schemeClr val="accent1"/>
+          </a:fillRef>
+          <a:effectRef idx="0">
+            <a:schemeClr val="accent1"/>
+          </a:effectRef>
+          <a:fontRef idx="minor">
+            <a:schemeClr val="tx1"/>
+          </a:fontRef>
+        </p:style>
+      </p:cxnSp>
+    </p:spTree>
+    <p:extLst>
+      <p:ext uri="{BB962C8B-B14F-4D97-AF65-F5344CB8AC3E}">
+        <p14:creationId xmlns:p14="http://schemas.microsoft.com/office/powerpoint/2010/main" val="3758172438"/>
       </p:ext>
     </p:extLst>
   </p:cSld>

--- a/connections/connections.pptx
+++ b/connections/connections.pptx
@@ -6,8 +6,11 @@
   </p:sldMasterIdLst>
   <p:sldIdLst>
     <p:sldId id="256" r:id="rId2"/>
-    <p:sldId id="257" r:id="rId3"/>
-    <p:sldId id="258" r:id="rId4"/>
+    <p:sldId id="262" r:id="rId3"/>
+    <p:sldId id="263" r:id="rId4"/>
+    <p:sldId id="259" r:id="rId5"/>
+    <p:sldId id="260" r:id="rId6"/>
+    <p:sldId id="261" r:id="rId7"/>
   </p:sldIdLst>
   <p:sldSz cx="12192000" cy="6858000"/>
   <p:notesSz cx="6858000" cy="9144000"/>
@@ -261,7 +264,7 @@
           <a:p>
             <a:fld id="{07AAE364-0E33-47A9-924B-88C103971447}" type="datetimeFigureOut">
               <a:rPr lang="es-ES" smtClean="0"/>
-              <a:t>14/07/2020</a:t>
+              <a:t>15/07/2020</a:t>
             </a:fld>
             <a:endParaRPr lang="es-ES"/>
           </a:p>
@@ -459,7 +462,7 @@
           <a:p>
             <a:fld id="{07AAE364-0E33-47A9-924B-88C103971447}" type="datetimeFigureOut">
               <a:rPr lang="es-ES" smtClean="0"/>
-              <a:t>14/07/2020</a:t>
+              <a:t>15/07/2020</a:t>
             </a:fld>
             <a:endParaRPr lang="es-ES"/>
           </a:p>
@@ -667,7 +670,7 @@
           <a:p>
             <a:fld id="{07AAE364-0E33-47A9-924B-88C103971447}" type="datetimeFigureOut">
               <a:rPr lang="es-ES" smtClean="0"/>
-              <a:t>14/07/2020</a:t>
+              <a:t>15/07/2020</a:t>
             </a:fld>
             <a:endParaRPr lang="es-ES"/>
           </a:p>
@@ -865,7 +868,7 @@
           <a:p>
             <a:fld id="{07AAE364-0E33-47A9-924B-88C103971447}" type="datetimeFigureOut">
               <a:rPr lang="es-ES" smtClean="0"/>
-              <a:t>14/07/2020</a:t>
+              <a:t>15/07/2020</a:t>
             </a:fld>
             <a:endParaRPr lang="es-ES"/>
           </a:p>
@@ -1140,7 +1143,7 @@
           <a:p>
             <a:fld id="{07AAE364-0E33-47A9-924B-88C103971447}" type="datetimeFigureOut">
               <a:rPr lang="es-ES" smtClean="0"/>
-              <a:t>14/07/2020</a:t>
+              <a:t>15/07/2020</a:t>
             </a:fld>
             <a:endParaRPr lang="es-ES"/>
           </a:p>
@@ -1405,7 +1408,7 @@
           <a:p>
             <a:fld id="{07AAE364-0E33-47A9-924B-88C103971447}" type="datetimeFigureOut">
               <a:rPr lang="es-ES" smtClean="0"/>
-              <a:t>14/07/2020</a:t>
+              <a:t>15/07/2020</a:t>
             </a:fld>
             <a:endParaRPr lang="es-ES"/>
           </a:p>
@@ -1817,7 +1820,7 @@
           <a:p>
             <a:fld id="{07AAE364-0E33-47A9-924B-88C103971447}" type="datetimeFigureOut">
               <a:rPr lang="es-ES" smtClean="0"/>
-              <a:t>14/07/2020</a:t>
+              <a:t>15/07/2020</a:t>
             </a:fld>
             <a:endParaRPr lang="es-ES"/>
           </a:p>
@@ -1958,7 +1961,7 @@
           <a:p>
             <a:fld id="{07AAE364-0E33-47A9-924B-88C103971447}" type="datetimeFigureOut">
               <a:rPr lang="es-ES" smtClean="0"/>
-              <a:t>14/07/2020</a:t>
+              <a:t>15/07/2020</a:t>
             </a:fld>
             <a:endParaRPr lang="es-ES"/>
           </a:p>
@@ -2071,7 +2074,7 @@
           <a:p>
             <a:fld id="{07AAE364-0E33-47A9-924B-88C103971447}" type="datetimeFigureOut">
               <a:rPr lang="es-ES" smtClean="0"/>
-              <a:t>14/07/2020</a:t>
+              <a:t>15/07/2020</a:t>
             </a:fld>
             <a:endParaRPr lang="es-ES"/>
           </a:p>
@@ -2382,7 +2385,7 @@
           <a:p>
             <a:fld id="{07AAE364-0E33-47A9-924B-88C103971447}" type="datetimeFigureOut">
               <a:rPr lang="es-ES" smtClean="0"/>
-              <a:t>14/07/2020</a:t>
+              <a:t>15/07/2020</a:t>
             </a:fld>
             <a:endParaRPr lang="es-ES"/>
           </a:p>
@@ -2670,7 +2673,7 @@
           <a:p>
             <a:fld id="{07AAE364-0E33-47A9-924B-88C103971447}" type="datetimeFigureOut">
               <a:rPr lang="es-ES" smtClean="0"/>
-              <a:t>14/07/2020</a:t>
+              <a:t>15/07/2020</a:t>
             </a:fld>
             <a:endParaRPr lang="es-ES"/>
           </a:p>
@@ -2911,7 +2914,7 @@
           <a:p>
             <a:fld id="{07AAE364-0E33-47A9-924B-88C103971447}" type="datetimeFigureOut">
               <a:rPr lang="es-ES" smtClean="0"/>
-              <a:t>14/07/2020</a:t>
+              <a:t>15/07/2020</a:t>
             </a:fld>
             <a:endParaRPr lang="es-ES"/>
           </a:p>
@@ -3408,55 +3411,40 @@
       </p:pic>
       <p:pic>
         <p:nvPicPr>
-          <p:cNvPr id="1026" name="Picture 2" descr="ESP32 Wroom32 DevKit Analog Read Example | Circuits4you.com">
-            <a:extLst>
-              <a:ext uri="{FF2B5EF4-FFF2-40B4-BE49-F238E27FC236}">
-                <a16:creationId xmlns:a16="http://schemas.microsoft.com/office/drawing/2014/main" id="{070BCC20-3243-4869-8E35-686DDE0E662D}"/>
+          <p:cNvPr id="6" name="Imagen 5">
+            <a:extLst>
+              <a:ext uri="{FF2B5EF4-FFF2-40B4-BE49-F238E27FC236}">
+                <a16:creationId xmlns:a16="http://schemas.microsoft.com/office/drawing/2014/main" id="{2415C8A4-0123-4E17-AA69-391DA96641EF}"/>
               </a:ext>
             </a:extLst>
           </p:cNvPr>
           <p:cNvPicPr>
-            <a:picLocks noChangeAspect="1" noChangeArrowheads="1"/>
+            <a:picLocks noChangeAspect="1"/>
           </p:cNvPicPr>
           <p:nvPr/>
         </p:nvPicPr>
-        <p:blipFill rotWithShape="1">
-          <a:blip r:embed="rId3">
-            <a:extLst>
-              <a:ext uri="{28A0092B-C50C-407E-A947-70E740481C1C}">
-                <a14:useLocalDpi xmlns:a14="http://schemas.microsoft.com/office/drawing/2010/main" val="0"/>
-              </a:ext>
-            </a:extLst>
-          </a:blip>
-          <a:srcRect l="18996" r="18243" b="26775"/>
-          <a:stretch/>
+        <p:blipFill>
+          <a:blip r:embed="rId3"/>
+          <a:stretch>
+            <a:fillRect/>
+          </a:stretch>
         </p:blipFill>
-        <p:spPr bwMode="auto">
-          <a:xfrm>
-            <a:off x="6362163" y="400303"/>
-            <a:ext cx="4984997" cy="3590925"/>
+        <p:spPr>
+          <a:xfrm>
+            <a:off x="6679375" y="4756878"/>
+            <a:ext cx="3228503" cy="1348302"/>
           </a:xfrm>
           <a:prstGeom prst="rect">
             <a:avLst/>
           </a:prstGeom>
-          <a:noFill/>
-          <a:extLst>
-            <a:ext uri="{909E8E84-426E-40DD-AFC4-6F175D3DCCD1}">
-              <a14:hiddenFill xmlns:a14="http://schemas.microsoft.com/office/drawing/2010/main">
-                <a:solidFill>
-                  <a:srgbClr val="FFFFFF"/>
-                </a:solidFill>
-              </a14:hiddenFill>
-            </a:ext>
-          </a:extLst>
         </p:spPr>
       </p:pic>
       <p:pic>
         <p:nvPicPr>
-          <p:cNvPr id="6" name="Imagen 5">
-            <a:extLst>
-              <a:ext uri="{FF2B5EF4-FFF2-40B4-BE49-F238E27FC236}">
-                <a16:creationId xmlns:a16="http://schemas.microsoft.com/office/drawing/2014/main" id="{2415C8A4-0123-4E17-AA69-391DA96641EF}"/>
+          <p:cNvPr id="7" name="Imagen 6">
+            <a:extLst>
+              <a:ext uri="{FF2B5EF4-FFF2-40B4-BE49-F238E27FC236}">
+                <a16:creationId xmlns:a16="http://schemas.microsoft.com/office/drawing/2014/main" id="{140DA9D9-1894-4C7D-8568-D313EEA7ECEE}"/>
               </a:ext>
             </a:extLst>
           </p:cNvPr>
@@ -3473,36 +3461,6 @@
         </p:blipFill>
         <p:spPr>
           <a:xfrm>
-            <a:off x="6679375" y="4756878"/>
-            <a:ext cx="3228503" cy="1348302"/>
-          </a:xfrm>
-          <a:prstGeom prst="rect">
-            <a:avLst/>
-          </a:prstGeom>
-        </p:spPr>
-      </p:pic>
-      <p:pic>
-        <p:nvPicPr>
-          <p:cNvPr id="7" name="Imagen 6">
-            <a:extLst>
-              <a:ext uri="{FF2B5EF4-FFF2-40B4-BE49-F238E27FC236}">
-                <a16:creationId xmlns:a16="http://schemas.microsoft.com/office/drawing/2014/main" id="{140DA9D9-1894-4C7D-8568-D313EEA7ECEE}"/>
-              </a:ext>
-            </a:extLst>
-          </p:cNvPr>
-          <p:cNvPicPr>
-            <a:picLocks noChangeAspect="1"/>
-          </p:cNvPicPr>
-          <p:nvPr/>
-        </p:nvPicPr>
-        <p:blipFill>
-          <a:blip r:embed="rId5"/>
-          <a:stretch>
-            <a:fillRect/>
-          </a:stretch>
-        </p:blipFill>
-        <p:spPr>
-          <a:xfrm>
             <a:off x="4070268" y="4780526"/>
             <a:ext cx="1323975" cy="419100"/>
           </a:xfrm>
@@ -3797,9 +3755,9 @@
           <p:nvPr/>
         </p:nvCxnSpPr>
         <p:spPr>
-          <a:xfrm>
-            <a:off x="3388014" y="2183174"/>
-            <a:ext cx="3128696" cy="942707"/>
+          <a:xfrm flipV="1">
+            <a:off x="3388014" y="686785"/>
+            <a:ext cx="3554458" cy="1496389"/>
           </a:xfrm>
           <a:prstGeom prst="bentConnector3">
             <a:avLst>
@@ -3843,9 +3801,9 @@
           <p:nvPr/>
         </p:nvCxnSpPr>
         <p:spPr>
-          <a:xfrm>
-            <a:off x="3388013" y="2615846"/>
-            <a:ext cx="3128697" cy="510035"/>
+          <a:xfrm flipV="1">
+            <a:off x="3388013" y="686785"/>
+            <a:ext cx="3554459" cy="1929061"/>
           </a:xfrm>
           <a:prstGeom prst="bentConnector3">
             <a:avLst>
@@ -3889,9 +3847,9 @@
           <p:nvPr/>
         </p:nvCxnSpPr>
         <p:spPr>
-          <a:xfrm>
-            <a:off x="3388012" y="3061547"/>
-            <a:ext cx="3128698" cy="64334"/>
+          <a:xfrm flipV="1">
+            <a:off x="3388012" y="700926"/>
+            <a:ext cx="3554460" cy="2360621"/>
           </a:xfrm>
           <a:prstGeom prst="bentConnector3">
             <a:avLst>
@@ -3936,12 +3894,12 @@
         </p:nvCxnSpPr>
         <p:spPr>
           <a:xfrm flipV="1">
-            <a:off x="3388012" y="942736"/>
-            <a:ext cx="2911641" cy="1030888"/>
+            <a:off x="3388012" y="1028001"/>
+            <a:ext cx="3554460" cy="945623"/>
           </a:xfrm>
           <a:prstGeom prst="bentConnector3">
             <a:avLst>
-              <a:gd name="adj1" fmla="val 50000"/>
+              <a:gd name="adj1" fmla="val 58334"/>
             </a:avLst>
           </a:prstGeom>
           <a:ln>
@@ -3979,12 +3937,12 @@
         </p:nvCxnSpPr>
         <p:spPr>
           <a:xfrm flipV="1">
-            <a:off x="3388011" y="1133598"/>
-            <a:ext cx="2942686" cy="1261340"/>
+            <a:off x="3450525" y="1172450"/>
+            <a:ext cx="3491947" cy="1220275"/>
           </a:xfrm>
           <a:prstGeom prst="bentConnector3">
             <a:avLst>
-              <a:gd name="adj1" fmla="val 56565"/>
+              <a:gd name="adj1" fmla="val 63277"/>
             </a:avLst>
           </a:prstGeom>
           <a:ln>
@@ -4022,12 +3980,12 @@
         </p:nvCxnSpPr>
         <p:spPr>
           <a:xfrm flipV="1">
-            <a:off x="3450525" y="1308379"/>
-            <a:ext cx="2817662" cy="1507151"/>
+            <a:off x="3450525" y="1365156"/>
+            <a:ext cx="3491947" cy="1499195"/>
           </a:xfrm>
           <a:prstGeom prst="bentConnector3">
             <a:avLst>
-              <a:gd name="adj1" fmla="val 63255"/>
+              <a:gd name="adj1" fmla="val 69178"/>
             </a:avLst>
           </a:prstGeom>
           <a:ln>
@@ -4052,6 +4010,51 @@
           </a:fontRef>
         </p:style>
       </p:cxnSp>
+      <p:pic>
+        <p:nvPicPr>
+          <p:cNvPr id="2" name="Picture 2" descr="Wireless Energy Monitoring System using ESP32 with Blynk ...">
+            <a:extLst>
+              <a:ext uri="{FF2B5EF4-FFF2-40B4-BE49-F238E27FC236}">
+                <a16:creationId xmlns:a16="http://schemas.microsoft.com/office/drawing/2014/main" id="{7E5C0E54-F98E-40C0-8CDB-A2B42B781F80}"/>
+              </a:ext>
+            </a:extLst>
+          </p:cNvPr>
+          <p:cNvPicPr>
+            <a:picLocks noChangeAspect="1" noChangeArrowheads="1"/>
+          </p:cNvPicPr>
+          <p:nvPr/>
+        </p:nvPicPr>
+        <p:blipFill rotWithShape="1">
+          <a:blip r:embed="rId5">
+            <a:extLst>
+              <a:ext uri="{28A0092B-C50C-407E-A947-70E740481C1C}">
+                <a14:useLocalDpi xmlns:a14="http://schemas.microsoft.com/office/drawing/2010/main" val="0"/>
+              </a:ext>
+            </a:extLst>
+          </a:blip>
+          <a:srcRect l="21303" r="21259"/>
+          <a:stretch/>
+        </p:blipFill>
+        <p:spPr bwMode="auto">
+          <a:xfrm>
+            <a:off x="6942472" y="366086"/>
+            <a:ext cx="3862791" cy="3539875"/>
+          </a:xfrm>
+          <a:prstGeom prst="rect">
+            <a:avLst/>
+          </a:prstGeom>
+          <a:noFill/>
+          <a:extLst>
+            <a:ext uri="{909E8E84-426E-40DD-AFC4-6F175D3DCCD1}">
+              <a14:hiddenFill xmlns:a14="http://schemas.microsoft.com/office/drawing/2010/main">
+                <a:solidFill>
+                  <a:srgbClr val="FFFFFF"/>
+                </a:solidFill>
+              </a14:hiddenFill>
+            </a:ext>
+          </a:extLst>
+        </p:spPr>
+      </p:pic>
     </p:spTree>
     <p:extLst>
       <p:ext uri="{BB962C8B-B14F-4D97-AF65-F5344CB8AC3E}">
@@ -4162,55 +4165,40 @@
       </p:pic>
       <p:pic>
         <p:nvPicPr>
-          <p:cNvPr id="1026" name="Picture 2" descr="ESP32 Wroom32 DevKit Analog Read Example | Circuits4you.com">
-            <a:extLst>
-              <a:ext uri="{FF2B5EF4-FFF2-40B4-BE49-F238E27FC236}">
-                <a16:creationId xmlns:a16="http://schemas.microsoft.com/office/drawing/2014/main" id="{070BCC20-3243-4869-8E35-686DDE0E662D}"/>
+          <p:cNvPr id="6" name="Imagen 5">
+            <a:extLst>
+              <a:ext uri="{FF2B5EF4-FFF2-40B4-BE49-F238E27FC236}">
+                <a16:creationId xmlns:a16="http://schemas.microsoft.com/office/drawing/2014/main" id="{2415C8A4-0123-4E17-AA69-391DA96641EF}"/>
               </a:ext>
             </a:extLst>
           </p:cNvPr>
           <p:cNvPicPr>
-            <a:picLocks noChangeAspect="1" noChangeArrowheads="1"/>
+            <a:picLocks noChangeAspect="1"/>
           </p:cNvPicPr>
           <p:nvPr/>
         </p:nvPicPr>
-        <p:blipFill rotWithShape="1">
-          <a:blip r:embed="rId3">
-            <a:extLst>
-              <a:ext uri="{28A0092B-C50C-407E-A947-70E740481C1C}">
-                <a14:useLocalDpi xmlns:a14="http://schemas.microsoft.com/office/drawing/2010/main" val="0"/>
-              </a:ext>
-            </a:extLst>
-          </a:blip>
-          <a:srcRect l="18996" r="18243" b="26775"/>
-          <a:stretch/>
+        <p:blipFill>
+          <a:blip r:embed="rId3"/>
+          <a:stretch>
+            <a:fillRect/>
+          </a:stretch>
         </p:blipFill>
-        <p:spPr bwMode="auto">
-          <a:xfrm>
-            <a:off x="6362163" y="400303"/>
-            <a:ext cx="4984997" cy="3590925"/>
+        <p:spPr>
+          <a:xfrm>
+            <a:off x="6679375" y="4756878"/>
+            <a:ext cx="3228503" cy="1348302"/>
           </a:xfrm>
           <a:prstGeom prst="rect">
             <a:avLst/>
           </a:prstGeom>
-          <a:noFill/>
-          <a:extLst>
-            <a:ext uri="{909E8E84-426E-40DD-AFC4-6F175D3DCCD1}">
-              <a14:hiddenFill xmlns:a14="http://schemas.microsoft.com/office/drawing/2010/main">
-                <a:solidFill>
-                  <a:srgbClr val="FFFFFF"/>
-                </a:solidFill>
-              </a14:hiddenFill>
-            </a:ext>
-          </a:extLst>
         </p:spPr>
       </p:pic>
       <p:pic>
         <p:nvPicPr>
-          <p:cNvPr id="6" name="Imagen 5">
-            <a:extLst>
-              <a:ext uri="{FF2B5EF4-FFF2-40B4-BE49-F238E27FC236}">
-                <a16:creationId xmlns:a16="http://schemas.microsoft.com/office/drawing/2014/main" id="{2415C8A4-0123-4E17-AA69-391DA96641EF}"/>
+          <p:cNvPr id="7" name="Imagen 6">
+            <a:extLst>
+              <a:ext uri="{FF2B5EF4-FFF2-40B4-BE49-F238E27FC236}">
+                <a16:creationId xmlns:a16="http://schemas.microsoft.com/office/drawing/2014/main" id="{140DA9D9-1894-4C7D-8568-D313EEA7ECEE}"/>
               </a:ext>
             </a:extLst>
           </p:cNvPr>
@@ -4227,36 +4215,6 @@
         </p:blipFill>
         <p:spPr>
           <a:xfrm>
-            <a:off x="6679375" y="4756878"/>
-            <a:ext cx="3228503" cy="1348302"/>
-          </a:xfrm>
-          <a:prstGeom prst="rect">
-            <a:avLst/>
-          </a:prstGeom>
-        </p:spPr>
-      </p:pic>
-      <p:pic>
-        <p:nvPicPr>
-          <p:cNvPr id="7" name="Imagen 6">
-            <a:extLst>
-              <a:ext uri="{FF2B5EF4-FFF2-40B4-BE49-F238E27FC236}">
-                <a16:creationId xmlns:a16="http://schemas.microsoft.com/office/drawing/2014/main" id="{140DA9D9-1894-4C7D-8568-D313EEA7ECEE}"/>
-              </a:ext>
-            </a:extLst>
-          </p:cNvPr>
-          <p:cNvPicPr>
-            <a:picLocks noChangeAspect="1"/>
-          </p:cNvPicPr>
-          <p:nvPr/>
-        </p:nvPicPr>
-        <p:blipFill>
-          <a:blip r:embed="rId5"/>
-          <a:stretch>
-            <a:fillRect/>
-          </a:stretch>
-        </p:blipFill>
-        <p:spPr>
-          <a:xfrm>
             <a:off x="4070268" y="4780526"/>
             <a:ext cx="1323975" cy="419100"/>
           </a:xfrm>
@@ -4551,9 +4509,9 @@
           <p:nvPr/>
         </p:nvCxnSpPr>
         <p:spPr>
-          <a:xfrm>
-            <a:off x="3388014" y="2183174"/>
-            <a:ext cx="3128696" cy="942707"/>
+          <a:xfrm flipV="1">
+            <a:off x="3388014" y="686785"/>
+            <a:ext cx="3554458" cy="1496389"/>
           </a:xfrm>
           <a:prstGeom prst="bentConnector3">
             <a:avLst>
@@ -4597,9 +4555,9 @@
           <p:nvPr/>
         </p:nvCxnSpPr>
         <p:spPr>
-          <a:xfrm>
-            <a:off x="3388013" y="2615846"/>
-            <a:ext cx="3128697" cy="510035"/>
+          <a:xfrm flipV="1">
+            <a:off x="3388013" y="686785"/>
+            <a:ext cx="3554459" cy="1929061"/>
           </a:xfrm>
           <a:prstGeom prst="bentConnector3">
             <a:avLst>
@@ -4643,9 +4601,9 @@
           <p:nvPr/>
         </p:nvCxnSpPr>
         <p:spPr>
-          <a:xfrm>
-            <a:off x="3388012" y="3061547"/>
-            <a:ext cx="3128698" cy="64334"/>
+          <a:xfrm flipV="1">
+            <a:off x="3388012" y="700926"/>
+            <a:ext cx="3554460" cy="2360621"/>
           </a:xfrm>
           <a:prstGeom prst="bentConnector3">
             <a:avLst>
@@ -4690,12 +4648,12 @@
         </p:nvCxnSpPr>
         <p:spPr>
           <a:xfrm flipV="1">
-            <a:off x="3388012" y="1426971"/>
-            <a:ext cx="2880175" cy="546654"/>
+            <a:off x="3388012" y="1528837"/>
+            <a:ext cx="3554460" cy="444788"/>
           </a:xfrm>
           <a:prstGeom prst="bentConnector3">
             <a:avLst>
-              <a:gd name="adj1" fmla="val 69228"/>
+              <a:gd name="adj1" fmla="val 63406"/>
             </a:avLst>
           </a:prstGeom>
           <a:ln>
@@ -4733,12 +4691,12 @@
         </p:nvCxnSpPr>
         <p:spPr>
           <a:xfrm flipV="1">
-            <a:off x="3388011" y="1658374"/>
-            <a:ext cx="2880176" cy="736564"/>
+            <a:off x="3432528" y="1658374"/>
+            <a:ext cx="3509944" cy="747376"/>
           </a:xfrm>
           <a:prstGeom prst="bentConnector3">
             <a:avLst>
-              <a:gd name="adj1" fmla="val 75488"/>
+              <a:gd name="adj1" fmla="val 68713"/>
             </a:avLst>
           </a:prstGeom>
           <a:ln>
@@ -4776,12 +4734,12 @@
         </p:nvCxnSpPr>
         <p:spPr>
           <a:xfrm flipV="1">
-            <a:off x="3450525" y="1815921"/>
-            <a:ext cx="2817662" cy="999610"/>
+            <a:off x="3450525" y="1783918"/>
+            <a:ext cx="3491947" cy="1080434"/>
           </a:xfrm>
           <a:prstGeom prst="bentConnector3">
             <a:avLst>
-              <a:gd name="adj1" fmla="val 81538"/>
+              <a:gd name="adj1" fmla="val 75448"/>
             </a:avLst>
           </a:prstGeom>
           <a:ln>
@@ -4806,10 +4764,55 @@
           </a:fontRef>
         </p:style>
       </p:cxnSp>
+      <p:pic>
+        <p:nvPicPr>
+          <p:cNvPr id="2" name="Picture 2" descr="Wireless Energy Monitoring System using ESP32 with Blynk ...">
+            <a:extLst>
+              <a:ext uri="{FF2B5EF4-FFF2-40B4-BE49-F238E27FC236}">
+                <a16:creationId xmlns:a16="http://schemas.microsoft.com/office/drawing/2014/main" id="{7E5C0E54-F98E-40C0-8CDB-A2B42B781F80}"/>
+              </a:ext>
+            </a:extLst>
+          </p:cNvPr>
+          <p:cNvPicPr>
+            <a:picLocks noChangeAspect="1" noChangeArrowheads="1"/>
+          </p:cNvPicPr>
+          <p:nvPr/>
+        </p:nvPicPr>
+        <p:blipFill rotWithShape="1">
+          <a:blip r:embed="rId5">
+            <a:extLst>
+              <a:ext uri="{28A0092B-C50C-407E-A947-70E740481C1C}">
+                <a14:useLocalDpi xmlns:a14="http://schemas.microsoft.com/office/drawing/2010/main" val="0"/>
+              </a:ext>
+            </a:extLst>
+          </a:blip>
+          <a:srcRect l="21303" r="21259"/>
+          <a:stretch/>
+        </p:blipFill>
+        <p:spPr bwMode="auto">
+          <a:xfrm>
+            <a:off x="6942472" y="366086"/>
+            <a:ext cx="3862791" cy="3539875"/>
+          </a:xfrm>
+          <a:prstGeom prst="rect">
+            <a:avLst/>
+          </a:prstGeom>
+          <a:noFill/>
+          <a:extLst>
+            <a:ext uri="{909E8E84-426E-40DD-AFC4-6F175D3DCCD1}">
+              <a14:hiddenFill xmlns:a14="http://schemas.microsoft.com/office/drawing/2010/main">
+                <a:solidFill>
+                  <a:srgbClr val="FFFFFF"/>
+                </a:solidFill>
+              </a14:hiddenFill>
+            </a:ext>
+          </a:extLst>
+        </p:spPr>
+      </p:pic>
     </p:spTree>
     <p:extLst>
       <p:ext uri="{BB962C8B-B14F-4D97-AF65-F5344CB8AC3E}">
-        <p14:creationId xmlns:p14="http://schemas.microsoft.com/office/powerpoint/2010/main" val="2006235263"/>
+        <p14:creationId xmlns:p14="http://schemas.microsoft.com/office/powerpoint/2010/main" val="3371950969"/>
       </p:ext>
     </p:extLst>
   </p:cSld>
@@ -4916,55 +4919,40 @@
       </p:pic>
       <p:pic>
         <p:nvPicPr>
-          <p:cNvPr id="1026" name="Picture 2" descr="ESP32 Wroom32 DevKit Analog Read Example | Circuits4you.com">
-            <a:extLst>
-              <a:ext uri="{FF2B5EF4-FFF2-40B4-BE49-F238E27FC236}">
-                <a16:creationId xmlns:a16="http://schemas.microsoft.com/office/drawing/2014/main" id="{070BCC20-3243-4869-8E35-686DDE0E662D}"/>
+          <p:cNvPr id="6" name="Imagen 5">
+            <a:extLst>
+              <a:ext uri="{FF2B5EF4-FFF2-40B4-BE49-F238E27FC236}">
+                <a16:creationId xmlns:a16="http://schemas.microsoft.com/office/drawing/2014/main" id="{2415C8A4-0123-4E17-AA69-391DA96641EF}"/>
               </a:ext>
             </a:extLst>
           </p:cNvPr>
           <p:cNvPicPr>
-            <a:picLocks noChangeAspect="1" noChangeArrowheads="1"/>
+            <a:picLocks noChangeAspect="1"/>
           </p:cNvPicPr>
           <p:nvPr/>
         </p:nvPicPr>
-        <p:blipFill rotWithShape="1">
-          <a:blip r:embed="rId3">
-            <a:extLst>
-              <a:ext uri="{28A0092B-C50C-407E-A947-70E740481C1C}">
-                <a14:useLocalDpi xmlns:a14="http://schemas.microsoft.com/office/drawing/2010/main" val="0"/>
-              </a:ext>
-            </a:extLst>
-          </a:blip>
-          <a:srcRect l="18996" r="18243" b="26775"/>
-          <a:stretch/>
+        <p:blipFill>
+          <a:blip r:embed="rId3"/>
+          <a:stretch>
+            <a:fillRect/>
+          </a:stretch>
         </p:blipFill>
-        <p:spPr bwMode="auto">
-          <a:xfrm>
-            <a:off x="6362163" y="400303"/>
-            <a:ext cx="4984997" cy="3590925"/>
+        <p:spPr>
+          <a:xfrm>
+            <a:off x="6679375" y="4756878"/>
+            <a:ext cx="3228503" cy="1348302"/>
           </a:xfrm>
           <a:prstGeom prst="rect">
             <a:avLst/>
           </a:prstGeom>
-          <a:noFill/>
-          <a:extLst>
-            <a:ext uri="{909E8E84-426E-40DD-AFC4-6F175D3DCCD1}">
-              <a14:hiddenFill xmlns:a14="http://schemas.microsoft.com/office/drawing/2010/main">
-                <a:solidFill>
-                  <a:srgbClr val="FFFFFF"/>
-                </a:solidFill>
-              </a14:hiddenFill>
-            </a:ext>
-          </a:extLst>
         </p:spPr>
       </p:pic>
       <p:pic>
         <p:nvPicPr>
-          <p:cNvPr id="6" name="Imagen 5">
-            <a:extLst>
-              <a:ext uri="{FF2B5EF4-FFF2-40B4-BE49-F238E27FC236}">
-                <a16:creationId xmlns:a16="http://schemas.microsoft.com/office/drawing/2014/main" id="{2415C8A4-0123-4E17-AA69-391DA96641EF}"/>
+          <p:cNvPr id="7" name="Imagen 6">
+            <a:extLst>
+              <a:ext uri="{FF2B5EF4-FFF2-40B4-BE49-F238E27FC236}">
+                <a16:creationId xmlns:a16="http://schemas.microsoft.com/office/drawing/2014/main" id="{140DA9D9-1894-4C7D-8568-D313EEA7ECEE}"/>
               </a:ext>
             </a:extLst>
           </p:cNvPr>
@@ -4981,36 +4969,6 @@
         </p:blipFill>
         <p:spPr>
           <a:xfrm>
-            <a:off x="6679375" y="4756878"/>
-            <a:ext cx="3228503" cy="1348302"/>
-          </a:xfrm>
-          <a:prstGeom prst="rect">
-            <a:avLst/>
-          </a:prstGeom>
-        </p:spPr>
-      </p:pic>
-      <p:pic>
-        <p:nvPicPr>
-          <p:cNvPr id="7" name="Imagen 6">
-            <a:extLst>
-              <a:ext uri="{FF2B5EF4-FFF2-40B4-BE49-F238E27FC236}">
-                <a16:creationId xmlns:a16="http://schemas.microsoft.com/office/drawing/2014/main" id="{140DA9D9-1894-4C7D-8568-D313EEA7ECEE}"/>
-              </a:ext>
-            </a:extLst>
-          </p:cNvPr>
-          <p:cNvPicPr>
-            <a:picLocks noChangeAspect="1"/>
-          </p:cNvPicPr>
-          <p:nvPr/>
-        </p:nvPicPr>
-        <p:blipFill>
-          <a:blip r:embed="rId5"/>
-          <a:stretch>
-            <a:fillRect/>
-          </a:stretch>
-        </p:blipFill>
-        <p:spPr>
-          <a:xfrm>
             <a:off x="4070268" y="4780526"/>
             <a:ext cx="1323975" cy="419100"/>
           </a:xfrm>
@@ -5305,9 +5263,9 @@
           <p:nvPr/>
         </p:nvCxnSpPr>
         <p:spPr>
-          <a:xfrm>
-            <a:off x="3388014" y="2183174"/>
-            <a:ext cx="3128696" cy="942707"/>
+          <a:xfrm flipV="1">
+            <a:off x="3388014" y="686785"/>
+            <a:ext cx="3554458" cy="1496389"/>
           </a:xfrm>
           <a:prstGeom prst="bentConnector3">
             <a:avLst>
@@ -5351,9 +5309,9 @@
           <p:nvPr/>
         </p:nvCxnSpPr>
         <p:spPr>
-          <a:xfrm>
-            <a:off x="3388013" y="2615846"/>
-            <a:ext cx="3128697" cy="510035"/>
+          <a:xfrm flipV="1">
+            <a:off x="3388013" y="686785"/>
+            <a:ext cx="3554459" cy="1929061"/>
           </a:xfrm>
           <a:prstGeom prst="bentConnector3">
             <a:avLst>
@@ -5397,9 +5355,9 @@
           <p:nvPr/>
         </p:nvCxnSpPr>
         <p:spPr>
-          <a:xfrm>
-            <a:off x="3388012" y="3061547"/>
-            <a:ext cx="3128698" cy="64334"/>
+          <a:xfrm flipV="1">
+            <a:off x="3388012" y="700926"/>
+            <a:ext cx="3554460" cy="2360621"/>
           </a:xfrm>
           <a:prstGeom prst="bentConnector3">
             <a:avLst>
@@ -5444,8 +5402,8 @@
         </p:nvCxnSpPr>
         <p:spPr>
           <a:xfrm flipV="1">
-            <a:off x="3388012" y="1962266"/>
-            <a:ext cx="2911641" cy="11359"/>
+            <a:off x="3388012" y="1973624"/>
+            <a:ext cx="3554460" cy="1"/>
           </a:xfrm>
           <a:prstGeom prst="bentConnector3">
             <a:avLst>
@@ -5482,17 +5440,18 @@
           </p:cNvPr>
           <p:cNvCxnSpPr>
             <a:cxnSpLocks/>
+            <a:endCxn id="2" idx="1"/>
           </p:cNvCxnSpPr>
           <p:nvPr/>
         </p:nvCxnSpPr>
         <p:spPr>
           <a:xfrm flipV="1">
-            <a:off x="3430099" y="2127734"/>
-            <a:ext cx="2880176" cy="278564"/>
+            <a:off x="3450525" y="2136024"/>
+            <a:ext cx="3491947" cy="256702"/>
           </a:xfrm>
           <a:prstGeom prst="bentConnector3">
             <a:avLst>
-              <a:gd name="adj1" fmla="val 68781"/>
+              <a:gd name="adj1" fmla="val 71760"/>
             </a:avLst>
           </a:prstGeom>
           <a:ln>
@@ -5530,12 +5489,12 @@
         </p:nvCxnSpPr>
         <p:spPr>
           <a:xfrm flipV="1">
-            <a:off x="3450525" y="2319773"/>
-            <a:ext cx="2817662" cy="495759"/>
+            <a:off x="3450525" y="2330526"/>
+            <a:ext cx="3491947" cy="533826"/>
           </a:xfrm>
           <a:prstGeom prst="bentConnector3">
             <a:avLst>
-              <a:gd name="adj1" fmla="val 75139"/>
+              <a:gd name="adj1" fmla="val 79137"/>
             </a:avLst>
           </a:prstGeom>
           <a:ln>
@@ -5560,10 +5519,1520 @@
           </a:fontRef>
         </p:style>
       </p:cxnSp>
+      <p:pic>
+        <p:nvPicPr>
+          <p:cNvPr id="2" name="Picture 2" descr="Wireless Energy Monitoring System using ESP32 with Blynk ...">
+            <a:extLst>
+              <a:ext uri="{FF2B5EF4-FFF2-40B4-BE49-F238E27FC236}">
+                <a16:creationId xmlns:a16="http://schemas.microsoft.com/office/drawing/2014/main" id="{7E5C0E54-F98E-40C0-8CDB-A2B42B781F80}"/>
+              </a:ext>
+            </a:extLst>
+          </p:cNvPr>
+          <p:cNvPicPr>
+            <a:picLocks noChangeAspect="1" noChangeArrowheads="1"/>
+          </p:cNvPicPr>
+          <p:nvPr/>
+        </p:nvPicPr>
+        <p:blipFill rotWithShape="1">
+          <a:blip r:embed="rId5">
+            <a:extLst>
+              <a:ext uri="{28A0092B-C50C-407E-A947-70E740481C1C}">
+                <a14:useLocalDpi xmlns:a14="http://schemas.microsoft.com/office/drawing/2010/main" val="0"/>
+              </a:ext>
+            </a:extLst>
+          </a:blip>
+          <a:srcRect l="21303" r="21259"/>
+          <a:stretch/>
+        </p:blipFill>
+        <p:spPr bwMode="auto">
+          <a:xfrm>
+            <a:off x="6942472" y="366086"/>
+            <a:ext cx="3862791" cy="3539875"/>
+          </a:xfrm>
+          <a:prstGeom prst="rect">
+            <a:avLst/>
+          </a:prstGeom>
+          <a:noFill/>
+          <a:extLst>
+            <a:ext uri="{909E8E84-426E-40DD-AFC4-6F175D3DCCD1}">
+              <a14:hiddenFill xmlns:a14="http://schemas.microsoft.com/office/drawing/2010/main">
+                <a:solidFill>
+                  <a:srgbClr val="FFFFFF"/>
+                </a:solidFill>
+              </a14:hiddenFill>
+            </a:ext>
+          </a:extLst>
+        </p:spPr>
+      </p:pic>
     </p:spTree>
     <p:extLst>
       <p:ext uri="{BB962C8B-B14F-4D97-AF65-F5344CB8AC3E}">
-        <p14:creationId xmlns:p14="http://schemas.microsoft.com/office/powerpoint/2010/main" val="3758172438"/>
+        <p14:creationId xmlns:p14="http://schemas.microsoft.com/office/powerpoint/2010/main" val="1809177475"/>
+      </p:ext>
+    </p:extLst>
+  </p:cSld>
+  <p:clrMapOvr>
+    <a:masterClrMapping/>
+  </p:clrMapOvr>
+</p:sld>
+</file>
+
+<file path=ppt/slides/slide4.xml><?xml version="1.0" encoding="utf-8"?>
+<p:sld xmlns:a="http://schemas.openxmlformats.org/drawingml/2006/main" xmlns:r="http://schemas.openxmlformats.org/officeDocument/2006/relationships" xmlns:p="http://schemas.openxmlformats.org/presentationml/2006/main">
+  <p:cSld>
+    <p:bg>
+      <p:bgPr>
+        <a:solidFill>
+          <a:schemeClr val="bg1"/>
+        </a:solidFill>
+        <a:effectLst/>
+      </p:bgPr>
+    </p:bg>
+    <p:spTree>
+      <p:nvGrpSpPr>
+        <p:cNvPr id="1" name=""/>
+        <p:cNvGrpSpPr/>
+        <p:nvPr/>
+      </p:nvGrpSpPr>
+      <p:grpSpPr>
+        <a:xfrm>
+          <a:off x="0" y="0"/>
+          <a:ext cx="0" cy="0"/>
+          <a:chOff x="0" y="0"/>
+          <a:chExt cx="0" cy="0"/>
+        </a:xfrm>
+      </p:grpSpPr>
+      <p:sp useBgFill="1">
+        <p:nvSpPr>
+          <p:cNvPr id="71" name="Rectangle 70">
+            <a:extLst>
+              <a:ext uri="{FF2B5EF4-FFF2-40B4-BE49-F238E27FC236}">
+                <a16:creationId xmlns:a16="http://schemas.microsoft.com/office/drawing/2014/main" id="{6EFFF4A2-EB01-4738-9824-8D9A72A51BB9}"/>
+              </a:ext>
+              <a:ext uri="{C183D7F6-B498-43B3-948B-1728B52AA6E4}">
+                <adec:decorative xmlns:adec="http://schemas.microsoft.com/office/drawing/2017/decorative" val="1"/>
+              </a:ext>
+            </a:extLst>
+          </p:cNvPr>
+          <p:cNvSpPr>
+            <a:spLocks noGrp="1" noRot="1" noChangeAspect="1" noMove="1" noResize="1" noEditPoints="1" noAdjustHandles="1" noChangeArrowheads="1" noChangeShapeType="1" noTextEdit="1"/>
+          </p:cNvSpPr>
+          <p:nvPr>
+            <p:extLst>
+              <p:ext uri="{386F3935-93C4-4BCD-93E2-E3B085C9AB24}">
+                <p16:designElem xmlns:p16="http://schemas.microsoft.com/office/powerpoint/2015/main" val="1"/>
+              </p:ext>
+            </p:extLst>
+          </p:nvPr>
+        </p:nvSpPr>
+        <p:spPr>
+          <a:xfrm>
+            <a:off x="0" y="0"/>
+            <a:ext cx="12192000" cy="6858000"/>
+          </a:xfrm>
+          <a:prstGeom prst="rect">
+            <a:avLst/>
+          </a:prstGeom>
+          <a:ln>
+            <a:noFill/>
+          </a:ln>
+        </p:spPr>
+        <p:style>
+          <a:lnRef idx="2">
+            <a:schemeClr val="accent1">
+              <a:shade val="50000"/>
+            </a:schemeClr>
+          </a:lnRef>
+          <a:fillRef idx="1">
+            <a:schemeClr val="accent1"/>
+          </a:fillRef>
+          <a:effectRef idx="0">
+            <a:schemeClr val="accent1"/>
+          </a:effectRef>
+          <a:fontRef idx="minor">
+            <a:schemeClr val="lt1"/>
+          </a:fontRef>
+        </p:style>
+        <p:txBody>
+          <a:bodyPr rtlCol="0" anchor="ctr"/>
+          <a:lstStyle/>
+          <a:p>
+            <a:pPr algn="ctr"/>
+            <a:endParaRPr lang="en-US"/>
+          </a:p>
+        </p:txBody>
+      </p:sp>
+      <p:pic>
+        <p:nvPicPr>
+          <p:cNvPr id="8" name="Imagen 7">
+            <a:extLst>
+              <a:ext uri="{FF2B5EF4-FFF2-40B4-BE49-F238E27FC236}">
+                <a16:creationId xmlns:a16="http://schemas.microsoft.com/office/drawing/2014/main" id="{E06E5E57-2F4F-4C4E-90B6-ABA65EC54A59}"/>
+              </a:ext>
+            </a:extLst>
+          </p:cNvPr>
+          <p:cNvPicPr>
+            <a:picLocks noChangeAspect="1"/>
+          </p:cNvPicPr>
+          <p:nvPr/>
+        </p:nvPicPr>
+        <p:blipFill>
+          <a:blip r:embed="rId2"/>
+          <a:stretch>
+            <a:fillRect/>
+          </a:stretch>
+        </p:blipFill>
+        <p:spPr>
+          <a:xfrm>
+            <a:off x="620973" y="1260526"/>
+            <a:ext cx="3438815" cy="2046094"/>
+          </a:xfrm>
+          <a:prstGeom prst="rect">
+            <a:avLst/>
+          </a:prstGeom>
+        </p:spPr>
+      </p:pic>
+      <p:pic>
+        <p:nvPicPr>
+          <p:cNvPr id="6" name="Imagen 5">
+            <a:extLst>
+              <a:ext uri="{FF2B5EF4-FFF2-40B4-BE49-F238E27FC236}">
+                <a16:creationId xmlns:a16="http://schemas.microsoft.com/office/drawing/2014/main" id="{95D47E5C-D4BE-489E-8938-F015626D43A0}"/>
+              </a:ext>
+            </a:extLst>
+          </p:cNvPr>
+          <p:cNvPicPr>
+            <a:picLocks noChangeAspect="1"/>
+          </p:cNvPicPr>
+          <p:nvPr/>
+        </p:nvPicPr>
+        <p:blipFill>
+          <a:blip r:embed="rId3"/>
+          <a:stretch>
+            <a:fillRect/>
+          </a:stretch>
+        </p:blipFill>
+        <p:spPr>
+          <a:xfrm>
+            <a:off x="4359027" y="849192"/>
+            <a:ext cx="3416322" cy="2920955"/>
+          </a:xfrm>
+          <a:prstGeom prst="rect">
+            <a:avLst/>
+          </a:prstGeom>
+        </p:spPr>
+      </p:pic>
+      <p:pic>
+        <p:nvPicPr>
+          <p:cNvPr id="1026" name="Picture 2" descr="Buy TB6600 9V - 42V Stepper Motor Driver Online at the ...">
+            <a:extLst>
+              <a:ext uri="{FF2B5EF4-FFF2-40B4-BE49-F238E27FC236}">
+                <a16:creationId xmlns:a16="http://schemas.microsoft.com/office/drawing/2014/main" id="{230435B2-7201-413C-9490-154D542F53C3}"/>
+              </a:ext>
+            </a:extLst>
+          </p:cNvPr>
+          <p:cNvPicPr>
+            <a:picLocks noChangeAspect="1" noChangeArrowheads="1"/>
+          </p:cNvPicPr>
+          <p:nvPr/>
+        </p:nvPicPr>
+        <p:blipFill>
+          <a:blip r:embed="rId4">
+            <a:extLst>
+              <a:ext uri="{28A0092B-C50C-407E-A947-70E740481C1C}">
+                <a14:useLocalDpi xmlns:a14="http://schemas.microsoft.com/office/drawing/2010/main" val="0"/>
+              </a:ext>
+            </a:extLst>
+          </a:blip>
+          <a:stretch>
+            <a:fillRect/>
+          </a:stretch>
+        </p:blipFill>
+        <p:spPr bwMode="auto">
+          <a:xfrm>
+            <a:off x="8198224" y="643467"/>
+            <a:ext cx="3280212" cy="3280212"/>
+          </a:xfrm>
+          <a:prstGeom prst="rect">
+            <a:avLst/>
+          </a:prstGeom>
+          <a:noFill/>
+          <a:extLst>
+            <a:ext uri="{909E8E84-426E-40DD-AFC4-6F175D3DCCD1}">
+              <a14:hiddenFill xmlns:a14="http://schemas.microsoft.com/office/drawing/2010/main">
+                <a:solidFill>
+                  <a:srgbClr val="FFFFFF"/>
+                </a:solidFill>
+              </a14:hiddenFill>
+            </a:ext>
+          </a:extLst>
+        </p:spPr>
+      </p:pic>
+      <p:sp>
+        <p:nvSpPr>
+          <p:cNvPr id="73" name="Rectangle 72">
+            <a:extLst>
+              <a:ext uri="{FF2B5EF4-FFF2-40B4-BE49-F238E27FC236}">
+                <a16:creationId xmlns:a16="http://schemas.microsoft.com/office/drawing/2014/main" id="{23D97D8B-CFC5-431A-AA32-93C4522A6EE6}"/>
+              </a:ext>
+              <a:ext uri="{C183D7F6-B498-43B3-948B-1728B52AA6E4}">
+                <adec:decorative xmlns:adec="http://schemas.microsoft.com/office/drawing/2017/decorative" val="1"/>
+              </a:ext>
+            </a:extLst>
+          </p:cNvPr>
+          <p:cNvSpPr>
+            <a:spLocks noGrp="1" noRot="1" noChangeAspect="1" noMove="1" noResize="1" noEditPoints="1" noAdjustHandles="1" noChangeArrowheads="1" noChangeShapeType="1" noTextEdit="1"/>
+          </p:cNvSpPr>
+          <p:nvPr>
+            <p:extLst>
+              <p:ext uri="{386F3935-93C4-4BCD-93E2-E3B085C9AB24}">
+                <p16:designElem xmlns:p16="http://schemas.microsoft.com/office/powerpoint/2015/main" val="1"/>
+              </p:ext>
+            </p:extLst>
+          </p:nvPr>
+        </p:nvSpPr>
+        <p:spPr>
+          <a:xfrm>
+            <a:off x="1" y="4233674"/>
+            <a:ext cx="12192000" cy="2624326"/>
+          </a:xfrm>
+          <a:prstGeom prst="rect">
+            <a:avLst/>
+          </a:prstGeom>
+          <a:solidFill>
+            <a:schemeClr val="tx1"/>
+          </a:solidFill>
+          <a:ln>
+            <a:noFill/>
+          </a:ln>
+        </p:spPr>
+        <p:style>
+          <a:lnRef idx="2">
+            <a:schemeClr val="accent1">
+              <a:shade val="50000"/>
+            </a:schemeClr>
+          </a:lnRef>
+          <a:fillRef idx="1">
+            <a:schemeClr val="accent1"/>
+          </a:fillRef>
+          <a:effectRef idx="0">
+            <a:schemeClr val="accent1"/>
+          </a:effectRef>
+          <a:fontRef idx="minor">
+            <a:schemeClr val="lt1"/>
+          </a:fontRef>
+        </p:style>
+        <p:txBody>
+          <a:bodyPr rtlCol="0" anchor="ctr"/>
+          <a:lstStyle/>
+          <a:p>
+            <a:pPr algn="ctr"/>
+            <a:endParaRPr lang="en-US"/>
+          </a:p>
+        </p:txBody>
+      </p:sp>
+      <p:sp>
+        <p:nvSpPr>
+          <p:cNvPr id="2" name="Título 1">
+            <a:extLst>
+              <a:ext uri="{FF2B5EF4-FFF2-40B4-BE49-F238E27FC236}">
+                <a16:creationId xmlns:a16="http://schemas.microsoft.com/office/drawing/2014/main" id="{D1E405B9-B136-48BC-B499-359751EE15FD}"/>
+              </a:ext>
+            </a:extLst>
+          </p:cNvPr>
+          <p:cNvSpPr>
+            <a:spLocks noGrp="1"/>
+          </p:cNvSpPr>
+          <p:nvPr>
+            <p:ph type="title"/>
+          </p:nvPr>
+        </p:nvSpPr>
+        <p:spPr>
+          <a:xfrm>
+            <a:off x="969264" y="4535424"/>
+            <a:ext cx="3685032" cy="1499616"/>
+          </a:xfrm>
+        </p:spPr>
+        <p:txBody>
+          <a:bodyPr vert="horz" lIns="91440" tIns="45720" rIns="91440" bIns="45720" rtlCol="0" anchor="t">
+            <a:normAutofit/>
+          </a:bodyPr>
+          <a:lstStyle/>
+          <a:p>
+            <a:r>
+              <a:rPr lang="en-US" sz="3400">
+                <a:solidFill>
+                  <a:schemeClr val="bg1"/>
+                </a:solidFill>
+              </a:rPr>
+              <a:t>TB 6600 Driver</a:t>
+            </a:r>
+          </a:p>
+        </p:txBody>
+      </p:sp>
+      <p:sp>
+        <p:nvSpPr>
+          <p:cNvPr id="5" name="Rectángulo 4">
+            <a:extLst>
+              <a:ext uri="{FF2B5EF4-FFF2-40B4-BE49-F238E27FC236}">
+                <a16:creationId xmlns:a16="http://schemas.microsoft.com/office/drawing/2014/main" id="{39358C89-FBE1-4C1A-9DF7-34060FFC436A}"/>
+              </a:ext>
+            </a:extLst>
+          </p:cNvPr>
+          <p:cNvSpPr/>
+          <p:nvPr/>
+        </p:nvSpPr>
+        <p:spPr>
+          <a:xfrm>
+            <a:off x="5074920" y="4535423"/>
+            <a:ext cx="4930626" cy="1586163"/>
+          </a:xfrm>
+          <a:prstGeom prst="rect">
+            <a:avLst/>
+          </a:prstGeom>
+        </p:spPr>
+        <p:txBody>
+          <a:bodyPr vert="horz" lIns="91440" tIns="45720" rIns="91440" bIns="45720" rtlCol="0">
+            <a:normAutofit/>
+          </a:bodyPr>
+          <a:lstStyle/>
+          <a:p>
+            <a:pPr indent="-228600">
+              <a:lnSpc>
+                <a:spcPct val="90000"/>
+              </a:lnSpc>
+              <a:spcAft>
+                <a:spcPts val="600"/>
+              </a:spcAft>
+              <a:buFont typeface="Arial" panose="020B0604020202020204" pitchFamily="34" charset="0"/>
+              <a:buChar char="•"/>
+            </a:pPr>
+            <a:r>
+              <a:rPr lang="en-US" sz="2000" b="0" cap="none" spc="0" dirty="0">
+                <a:ln w="0"/>
+                <a:solidFill>
+                  <a:schemeClr val="bg1"/>
+                </a:solidFill>
+                <a:effectLst>
+                  <a:outerShdw blurRad="38100" dist="19050" dir="2700000" algn="tl" rotWithShape="0">
+                    <a:schemeClr val="dk1">
+                      <a:alpha val="40000"/>
+                    </a:schemeClr>
+                  </a:outerShdw>
+                </a:effectLst>
+              </a:rPr>
+              <a:t>The configuration of the switches so that the driver can command the NEMA 17 stepper motor is shown in the images shown</a:t>
+            </a:r>
+          </a:p>
+        </p:txBody>
+      </p:sp>
+      <p:grpSp>
+        <p:nvGrpSpPr>
+          <p:cNvPr id="75" name="Group 74">
+            <a:extLst>
+              <a:ext uri="{FF2B5EF4-FFF2-40B4-BE49-F238E27FC236}">
+                <a16:creationId xmlns:a16="http://schemas.microsoft.com/office/drawing/2014/main" id="{F91EAA54-AC0A-4AEF-ACE5-B1DD3DC8173B}"/>
+              </a:ext>
+              <a:ext uri="{C183D7F6-B498-43B3-948B-1728B52AA6E4}">
+                <adec:decorative xmlns:adec="http://schemas.microsoft.com/office/drawing/2017/decorative" val="1"/>
+              </a:ext>
+            </a:extLst>
+          </p:cNvPr>
+          <p:cNvGrpSpPr>
+            <a:grpSpLocks noGrp="1" noUngrp="1" noRot="1" noChangeAspect="1" noMove="1" noResize="1"/>
+          </p:cNvGrpSpPr>
+          <p:nvPr>
+            <p:extLst>
+              <p:ext uri="{386F3935-93C4-4BCD-93E2-E3B085C9AB24}">
+                <p16:designElem xmlns:p16="http://schemas.microsoft.com/office/powerpoint/2015/main" val="1"/>
+              </p:ext>
+            </p:extLst>
+          </p:nvPr>
+        </p:nvGrpSpPr>
+        <p:grpSpPr>
+          <a:xfrm>
+            <a:off x="10208171" y="4821439"/>
+            <a:ext cx="1128382" cy="847206"/>
+            <a:chOff x="8183879" y="1000124"/>
+            <a:chExt cx="1562267" cy="1172973"/>
+          </a:xfrm>
+        </p:grpSpPr>
+        <p:sp>
+          <p:nvSpPr>
+            <p:cNvPr id="76" name="Freeform 5">
+              <a:extLst>
+                <a:ext uri="{FF2B5EF4-FFF2-40B4-BE49-F238E27FC236}">
+                  <a16:creationId xmlns:a16="http://schemas.microsoft.com/office/drawing/2014/main" id="{57EE6F04-B543-44E1-BA29-3DD44C5AEDF2}"/>
+                </a:ext>
+                <a:ext uri="{C183D7F6-B498-43B3-948B-1728B52AA6E4}">
+                  <adec:decorative xmlns:adec="http://schemas.microsoft.com/office/drawing/2017/decorative" val="1"/>
+                </a:ext>
+              </a:extLst>
+            </p:cNvPr>
+            <p:cNvSpPr>
+              <a:spLocks/>
+            </p:cNvSpPr>
+            <p:nvPr>
+              <p:extLst>
+                <p:ext uri="{386F3935-93C4-4BCD-93E2-E3B085C9AB24}">
+                  <p16:designElem xmlns:p16="http://schemas.microsoft.com/office/powerpoint/2015/main" val="1"/>
+                </p:ext>
+              </p:extLst>
+            </p:nvPr>
+          </p:nvSpPr>
+          <p:spPr bwMode="auto">
+            <a:xfrm>
+              <a:off x="8183879" y="1348782"/>
+              <a:ext cx="935037" cy="824315"/>
+            </a:xfrm>
+            <a:custGeom>
+              <a:avLst/>
+              <a:gdLst>
+                <a:gd name="T0" fmla="*/ 225 w 785"/>
+                <a:gd name="T1" fmla="*/ 692 h 692"/>
+                <a:gd name="T2" fmla="*/ 177 w 785"/>
+                <a:gd name="T3" fmla="*/ 665 h 692"/>
+                <a:gd name="T4" fmla="*/ 9 w 785"/>
+                <a:gd name="T5" fmla="*/ 374 h 692"/>
+                <a:gd name="T6" fmla="*/ 9 w 785"/>
+                <a:gd name="T7" fmla="*/ 318 h 692"/>
+                <a:gd name="T8" fmla="*/ 177 w 785"/>
+                <a:gd name="T9" fmla="*/ 27 h 692"/>
+                <a:gd name="T10" fmla="*/ 225 w 785"/>
+                <a:gd name="T11" fmla="*/ 0 h 692"/>
+                <a:gd name="T12" fmla="*/ 561 w 785"/>
+                <a:gd name="T13" fmla="*/ 0 h 692"/>
+                <a:gd name="T14" fmla="*/ 609 w 785"/>
+                <a:gd name="T15" fmla="*/ 27 h 692"/>
+                <a:gd name="T16" fmla="*/ 777 w 785"/>
+                <a:gd name="T17" fmla="*/ 318 h 692"/>
+                <a:gd name="T18" fmla="*/ 777 w 785"/>
+                <a:gd name="T19" fmla="*/ 374 h 692"/>
+                <a:gd name="T20" fmla="*/ 609 w 785"/>
+                <a:gd name="T21" fmla="*/ 665 h 692"/>
+                <a:gd name="T22" fmla="*/ 561 w 785"/>
+                <a:gd name="T23" fmla="*/ 692 h 692"/>
+                <a:gd name="T24" fmla="*/ 225 w 785"/>
+                <a:gd name="T25" fmla="*/ 692 h 692"/>
+              </a:gdLst>
+              <a:ahLst/>
+              <a:cxnLst>
+                <a:cxn ang="0">
+                  <a:pos x="T0" y="T1"/>
+                </a:cxn>
+                <a:cxn ang="0">
+                  <a:pos x="T2" y="T3"/>
+                </a:cxn>
+                <a:cxn ang="0">
+                  <a:pos x="T4" y="T5"/>
+                </a:cxn>
+                <a:cxn ang="0">
+                  <a:pos x="T6" y="T7"/>
+                </a:cxn>
+                <a:cxn ang="0">
+                  <a:pos x="T8" y="T9"/>
+                </a:cxn>
+                <a:cxn ang="0">
+                  <a:pos x="T10" y="T11"/>
+                </a:cxn>
+                <a:cxn ang="0">
+                  <a:pos x="T12" y="T13"/>
+                </a:cxn>
+                <a:cxn ang="0">
+                  <a:pos x="T14" y="T15"/>
+                </a:cxn>
+                <a:cxn ang="0">
+                  <a:pos x="T16" y="T17"/>
+                </a:cxn>
+                <a:cxn ang="0">
+                  <a:pos x="T18" y="T19"/>
+                </a:cxn>
+                <a:cxn ang="0">
+                  <a:pos x="T20" y="T21"/>
+                </a:cxn>
+                <a:cxn ang="0">
+                  <a:pos x="T22" y="T23"/>
+                </a:cxn>
+                <a:cxn ang="0">
+                  <a:pos x="T24" y="T25"/>
+                </a:cxn>
+              </a:cxnLst>
+              <a:rect l="0" t="0" r="r" b="b"/>
+              <a:pathLst>
+                <a:path w="785" h="692">
+                  <a:moveTo>
+                    <a:pt x="225" y="692"/>
+                  </a:moveTo>
+                  <a:cubicBezTo>
+                    <a:pt x="207" y="692"/>
+                    <a:pt x="185" y="680"/>
+                    <a:pt x="177" y="665"/>
+                  </a:cubicBezTo>
+                  <a:cubicBezTo>
+                    <a:pt x="9" y="374"/>
+                    <a:pt x="9" y="374"/>
+                    <a:pt x="9" y="374"/>
+                  </a:cubicBezTo>
+                  <a:cubicBezTo>
+                    <a:pt x="0" y="358"/>
+                    <a:pt x="0" y="334"/>
+                    <a:pt x="9" y="318"/>
+                  </a:cubicBezTo>
+                  <a:cubicBezTo>
+                    <a:pt x="177" y="27"/>
+                    <a:pt x="177" y="27"/>
+                    <a:pt x="177" y="27"/>
+                  </a:cubicBezTo>
+                  <a:cubicBezTo>
+                    <a:pt x="185" y="12"/>
+                    <a:pt x="207" y="0"/>
+                    <a:pt x="225" y="0"/>
+                  </a:cubicBezTo>
+                  <a:cubicBezTo>
+                    <a:pt x="561" y="0"/>
+                    <a:pt x="561" y="0"/>
+                    <a:pt x="561" y="0"/>
+                  </a:cubicBezTo>
+                  <a:cubicBezTo>
+                    <a:pt x="578" y="0"/>
+                    <a:pt x="600" y="12"/>
+                    <a:pt x="609" y="27"/>
+                  </a:cubicBezTo>
+                  <a:cubicBezTo>
+                    <a:pt x="777" y="318"/>
+                    <a:pt x="777" y="318"/>
+                    <a:pt x="777" y="318"/>
+                  </a:cubicBezTo>
+                  <a:cubicBezTo>
+                    <a:pt x="785" y="334"/>
+                    <a:pt x="785" y="358"/>
+                    <a:pt x="777" y="374"/>
+                  </a:cubicBezTo>
+                  <a:cubicBezTo>
+                    <a:pt x="609" y="665"/>
+                    <a:pt x="609" y="665"/>
+                    <a:pt x="609" y="665"/>
+                  </a:cubicBezTo>
+                  <a:cubicBezTo>
+                    <a:pt x="600" y="680"/>
+                    <a:pt x="578" y="692"/>
+                    <a:pt x="561" y="692"/>
+                  </a:cubicBezTo>
+                  <a:lnTo>
+                    <a:pt x="225" y="692"/>
+                  </a:lnTo>
+                  <a:close/>
+                </a:path>
+              </a:pathLst>
+            </a:custGeom>
+            <a:noFill/>
+            <a:ln w="28575" cmpd="sng">
+              <a:solidFill>
+                <a:schemeClr val="bg1"/>
+              </a:solidFill>
+            </a:ln>
+          </p:spPr>
+          <p:txBody>
+            <a:bodyPr vert="horz" wrap="square" lIns="91440" tIns="45720" rIns="91440" bIns="45720" numCol="1" anchor="t" anchorCtr="0" compatLnSpc="1">
+              <a:prstTxWarp prst="textNoShape">
+                <a:avLst/>
+              </a:prstTxWarp>
+            </a:bodyPr>
+            <a:lstStyle/>
+            <a:p>
+              <a:endParaRPr lang="en-US"/>
+            </a:p>
+          </p:txBody>
+        </p:sp>
+        <p:sp>
+          <p:nvSpPr>
+            <p:cNvPr id="77" name="Freeform 5">
+              <a:extLst>
+                <a:ext uri="{FF2B5EF4-FFF2-40B4-BE49-F238E27FC236}">
+                  <a16:creationId xmlns:a16="http://schemas.microsoft.com/office/drawing/2014/main" id="{D5559A4F-CFAC-4ECC-B04A-670D559B9600}"/>
+                </a:ext>
+                <a:ext uri="{C183D7F6-B498-43B3-948B-1728B52AA6E4}">
+                  <adec:decorative xmlns:adec="http://schemas.microsoft.com/office/drawing/2017/decorative" val="1"/>
+                </a:ext>
+              </a:extLst>
+            </p:cNvPr>
+            <p:cNvSpPr>
+              <a:spLocks/>
+            </p:cNvSpPr>
+            <p:nvPr>
+              <p:extLst>
+                <p:ext uri="{386F3935-93C4-4BCD-93E2-E3B085C9AB24}">
+                  <p16:designElem xmlns:p16="http://schemas.microsoft.com/office/powerpoint/2015/main" val="1"/>
+                </p:ext>
+              </p:extLst>
+            </p:nvPr>
+          </p:nvSpPr>
+          <p:spPr bwMode="auto">
+            <a:xfrm>
+              <a:off x="8983979" y="1000124"/>
+              <a:ext cx="762167" cy="671915"/>
+            </a:xfrm>
+            <a:custGeom>
+              <a:avLst/>
+              <a:gdLst>
+                <a:gd name="T0" fmla="*/ 225 w 785"/>
+                <a:gd name="T1" fmla="*/ 692 h 692"/>
+                <a:gd name="T2" fmla="*/ 177 w 785"/>
+                <a:gd name="T3" fmla="*/ 665 h 692"/>
+                <a:gd name="T4" fmla="*/ 9 w 785"/>
+                <a:gd name="T5" fmla="*/ 374 h 692"/>
+                <a:gd name="T6" fmla="*/ 9 w 785"/>
+                <a:gd name="T7" fmla="*/ 318 h 692"/>
+                <a:gd name="T8" fmla="*/ 177 w 785"/>
+                <a:gd name="T9" fmla="*/ 27 h 692"/>
+                <a:gd name="T10" fmla="*/ 225 w 785"/>
+                <a:gd name="T11" fmla="*/ 0 h 692"/>
+                <a:gd name="T12" fmla="*/ 561 w 785"/>
+                <a:gd name="T13" fmla="*/ 0 h 692"/>
+                <a:gd name="T14" fmla="*/ 609 w 785"/>
+                <a:gd name="T15" fmla="*/ 27 h 692"/>
+                <a:gd name="T16" fmla="*/ 777 w 785"/>
+                <a:gd name="T17" fmla="*/ 318 h 692"/>
+                <a:gd name="T18" fmla="*/ 777 w 785"/>
+                <a:gd name="T19" fmla="*/ 374 h 692"/>
+                <a:gd name="T20" fmla="*/ 609 w 785"/>
+                <a:gd name="T21" fmla="*/ 665 h 692"/>
+                <a:gd name="T22" fmla="*/ 561 w 785"/>
+                <a:gd name="T23" fmla="*/ 692 h 692"/>
+                <a:gd name="T24" fmla="*/ 225 w 785"/>
+                <a:gd name="T25" fmla="*/ 692 h 692"/>
+              </a:gdLst>
+              <a:ahLst/>
+              <a:cxnLst>
+                <a:cxn ang="0">
+                  <a:pos x="T0" y="T1"/>
+                </a:cxn>
+                <a:cxn ang="0">
+                  <a:pos x="T2" y="T3"/>
+                </a:cxn>
+                <a:cxn ang="0">
+                  <a:pos x="T4" y="T5"/>
+                </a:cxn>
+                <a:cxn ang="0">
+                  <a:pos x="T6" y="T7"/>
+                </a:cxn>
+                <a:cxn ang="0">
+                  <a:pos x="T8" y="T9"/>
+                </a:cxn>
+                <a:cxn ang="0">
+                  <a:pos x="T10" y="T11"/>
+                </a:cxn>
+                <a:cxn ang="0">
+                  <a:pos x="T12" y="T13"/>
+                </a:cxn>
+                <a:cxn ang="0">
+                  <a:pos x="T14" y="T15"/>
+                </a:cxn>
+                <a:cxn ang="0">
+                  <a:pos x="T16" y="T17"/>
+                </a:cxn>
+                <a:cxn ang="0">
+                  <a:pos x="T18" y="T19"/>
+                </a:cxn>
+                <a:cxn ang="0">
+                  <a:pos x="T20" y="T21"/>
+                </a:cxn>
+                <a:cxn ang="0">
+                  <a:pos x="T22" y="T23"/>
+                </a:cxn>
+                <a:cxn ang="0">
+                  <a:pos x="T24" y="T25"/>
+                </a:cxn>
+              </a:cxnLst>
+              <a:rect l="0" t="0" r="r" b="b"/>
+              <a:pathLst>
+                <a:path w="785" h="692">
+                  <a:moveTo>
+                    <a:pt x="225" y="692"/>
+                  </a:moveTo>
+                  <a:cubicBezTo>
+                    <a:pt x="207" y="692"/>
+                    <a:pt x="185" y="680"/>
+                    <a:pt x="177" y="665"/>
+                  </a:cubicBezTo>
+                  <a:cubicBezTo>
+                    <a:pt x="9" y="374"/>
+                    <a:pt x="9" y="374"/>
+                    <a:pt x="9" y="374"/>
+                  </a:cubicBezTo>
+                  <a:cubicBezTo>
+                    <a:pt x="0" y="358"/>
+                    <a:pt x="0" y="334"/>
+                    <a:pt x="9" y="318"/>
+                  </a:cubicBezTo>
+                  <a:cubicBezTo>
+                    <a:pt x="177" y="27"/>
+                    <a:pt x="177" y="27"/>
+                    <a:pt x="177" y="27"/>
+                  </a:cubicBezTo>
+                  <a:cubicBezTo>
+                    <a:pt x="185" y="12"/>
+                    <a:pt x="207" y="0"/>
+                    <a:pt x="225" y="0"/>
+                  </a:cubicBezTo>
+                  <a:cubicBezTo>
+                    <a:pt x="561" y="0"/>
+                    <a:pt x="561" y="0"/>
+                    <a:pt x="561" y="0"/>
+                  </a:cubicBezTo>
+                  <a:cubicBezTo>
+                    <a:pt x="578" y="0"/>
+                    <a:pt x="600" y="12"/>
+                    <a:pt x="609" y="27"/>
+                  </a:cubicBezTo>
+                  <a:cubicBezTo>
+                    <a:pt x="777" y="318"/>
+                    <a:pt x="777" y="318"/>
+                    <a:pt x="777" y="318"/>
+                  </a:cubicBezTo>
+                  <a:cubicBezTo>
+                    <a:pt x="785" y="334"/>
+                    <a:pt x="785" y="358"/>
+                    <a:pt x="777" y="374"/>
+                  </a:cubicBezTo>
+                  <a:cubicBezTo>
+                    <a:pt x="609" y="665"/>
+                    <a:pt x="609" y="665"/>
+                    <a:pt x="609" y="665"/>
+                  </a:cubicBezTo>
+                  <a:cubicBezTo>
+                    <a:pt x="600" y="680"/>
+                    <a:pt x="578" y="692"/>
+                    <a:pt x="561" y="692"/>
+                  </a:cubicBezTo>
+                  <a:lnTo>
+                    <a:pt x="225" y="692"/>
+                  </a:lnTo>
+                  <a:close/>
+                </a:path>
+              </a:pathLst>
+            </a:custGeom>
+            <a:noFill/>
+            <a:ln w="28575" cmpd="sng">
+              <a:solidFill>
+                <a:schemeClr val="bg1"/>
+              </a:solidFill>
+            </a:ln>
+          </p:spPr>
+          <p:txBody>
+            <a:bodyPr vert="horz" wrap="square" lIns="91440" tIns="45720" rIns="91440" bIns="45720" numCol="1" anchor="t" anchorCtr="0" compatLnSpc="1">
+              <a:prstTxWarp prst="textNoShape">
+                <a:avLst/>
+              </a:prstTxWarp>
+            </a:bodyPr>
+            <a:lstStyle/>
+            <a:p>
+              <a:endParaRPr lang="en-US"/>
+            </a:p>
+          </p:txBody>
+        </p:sp>
+      </p:grpSp>
+      <p:sp>
+        <p:nvSpPr>
+          <p:cNvPr id="9" name="Rectángulo 8">
+            <a:extLst>
+              <a:ext uri="{FF2B5EF4-FFF2-40B4-BE49-F238E27FC236}">
+                <a16:creationId xmlns:a16="http://schemas.microsoft.com/office/drawing/2014/main" id="{60622956-2F05-4BE5-BEFA-8C06F09FFCB5}"/>
+              </a:ext>
+            </a:extLst>
+          </p:cNvPr>
+          <p:cNvSpPr/>
+          <p:nvPr/>
+        </p:nvSpPr>
+        <p:spPr>
+          <a:xfrm>
+            <a:off x="620973" y="2150772"/>
+            <a:ext cx="3416322" cy="218941"/>
+          </a:xfrm>
+          <a:prstGeom prst="rect">
+            <a:avLst/>
+          </a:prstGeom>
+          <a:noFill/>
+          <a:ln w="28575">
+            <a:solidFill>
+              <a:srgbClr val="C00000"/>
+            </a:solidFill>
+          </a:ln>
+        </p:spPr>
+        <p:style>
+          <a:lnRef idx="2">
+            <a:schemeClr val="accent1">
+              <a:shade val="50000"/>
+            </a:schemeClr>
+          </a:lnRef>
+          <a:fillRef idx="1">
+            <a:schemeClr val="accent1"/>
+          </a:fillRef>
+          <a:effectRef idx="0">
+            <a:schemeClr val="accent1"/>
+          </a:effectRef>
+          <a:fontRef idx="minor">
+            <a:schemeClr val="lt1"/>
+          </a:fontRef>
+        </p:style>
+        <p:txBody>
+          <a:bodyPr rtlCol="0" anchor="ctr"/>
+          <a:lstStyle/>
+          <a:p>
+            <a:pPr algn="ctr"/>
+            <a:endParaRPr lang="es-ES"/>
+          </a:p>
+        </p:txBody>
+      </p:sp>
+      <p:sp>
+        <p:nvSpPr>
+          <p:cNvPr id="11" name="Rectángulo 10">
+            <a:extLst>
+              <a:ext uri="{FF2B5EF4-FFF2-40B4-BE49-F238E27FC236}">
+                <a16:creationId xmlns:a16="http://schemas.microsoft.com/office/drawing/2014/main" id="{AF928FCE-59B8-4B65-B001-8C4F12FEC319}"/>
+              </a:ext>
+            </a:extLst>
+          </p:cNvPr>
+          <p:cNvSpPr/>
+          <p:nvPr/>
+        </p:nvSpPr>
+        <p:spPr>
+          <a:xfrm>
+            <a:off x="4359027" y="1863961"/>
+            <a:ext cx="3416322" cy="252876"/>
+          </a:xfrm>
+          <a:prstGeom prst="rect">
+            <a:avLst/>
+          </a:prstGeom>
+          <a:noFill/>
+          <a:ln w="28575">
+            <a:solidFill>
+              <a:srgbClr val="C00000"/>
+            </a:solidFill>
+          </a:ln>
+        </p:spPr>
+        <p:style>
+          <a:lnRef idx="2">
+            <a:schemeClr val="accent1">
+              <a:shade val="50000"/>
+            </a:schemeClr>
+          </a:lnRef>
+          <a:fillRef idx="1">
+            <a:schemeClr val="accent1"/>
+          </a:fillRef>
+          <a:effectRef idx="0">
+            <a:schemeClr val="accent1"/>
+          </a:effectRef>
+          <a:fontRef idx="minor">
+            <a:schemeClr val="lt1"/>
+          </a:fontRef>
+        </p:style>
+        <p:txBody>
+          <a:bodyPr rtlCol="0" anchor="ctr"/>
+          <a:lstStyle/>
+          <a:p>
+            <a:pPr algn="ctr"/>
+            <a:endParaRPr lang="es-ES"/>
+          </a:p>
+        </p:txBody>
+      </p:sp>
+    </p:spTree>
+    <p:extLst>
+      <p:ext uri="{BB962C8B-B14F-4D97-AF65-F5344CB8AC3E}">
+        <p14:creationId xmlns:p14="http://schemas.microsoft.com/office/powerpoint/2010/main" val="2881460071"/>
+      </p:ext>
+    </p:extLst>
+  </p:cSld>
+  <p:clrMapOvr>
+    <a:masterClrMapping/>
+  </p:clrMapOvr>
+</p:sld>
+</file>
+
+<file path=ppt/slides/slide5.xml><?xml version="1.0" encoding="utf-8"?>
+<p:sld xmlns:a="http://schemas.openxmlformats.org/drawingml/2006/main" xmlns:r="http://schemas.openxmlformats.org/officeDocument/2006/relationships" xmlns:p="http://schemas.openxmlformats.org/presentationml/2006/main">
+  <p:cSld>
+    <p:bg>
+      <p:bgPr>
+        <a:solidFill>
+          <a:schemeClr val="bg1"/>
+        </a:solidFill>
+        <a:effectLst/>
+      </p:bgPr>
+    </p:bg>
+    <p:spTree>
+      <p:nvGrpSpPr>
+        <p:cNvPr id="1" name=""/>
+        <p:cNvGrpSpPr/>
+        <p:nvPr/>
+      </p:nvGrpSpPr>
+      <p:grpSpPr>
+        <a:xfrm>
+          <a:off x="0" y="0"/>
+          <a:ext cx="0" cy="0"/>
+          <a:chOff x="0" y="0"/>
+          <a:chExt cx="0" cy="0"/>
+        </a:xfrm>
+      </p:grpSpPr>
+      <p:sp>
+        <p:nvSpPr>
+          <p:cNvPr id="2" name="Título 1">
+            <a:extLst>
+              <a:ext uri="{FF2B5EF4-FFF2-40B4-BE49-F238E27FC236}">
+                <a16:creationId xmlns:a16="http://schemas.microsoft.com/office/drawing/2014/main" id="{D1E405B9-B136-48BC-B499-359751EE15FD}"/>
+              </a:ext>
+            </a:extLst>
+          </p:cNvPr>
+          <p:cNvSpPr>
+            <a:spLocks noGrp="1"/>
+          </p:cNvSpPr>
+          <p:nvPr>
+            <p:ph type="title"/>
+          </p:nvPr>
+        </p:nvSpPr>
+        <p:spPr>
+          <a:xfrm>
+            <a:off x="648929" y="629266"/>
+            <a:ext cx="3667039" cy="1676603"/>
+          </a:xfrm>
+        </p:spPr>
+        <p:txBody>
+          <a:bodyPr vert="horz" lIns="91440" tIns="45720" rIns="91440" bIns="45720" rtlCol="0" anchor="ctr">
+            <a:normAutofit/>
+          </a:bodyPr>
+          <a:lstStyle/>
+          <a:p>
+            <a:r>
+              <a:rPr lang="en-US" sz="3600"/>
+              <a:t>STEP MOTORS</a:t>
+            </a:r>
+          </a:p>
+        </p:txBody>
+      </p:sp>
+      <p:sp>
+        <p:nvSpPr>
+          <p:cNvPr id="4" name="Rectángulo 3">
+            <a:extLst>
+              <a:ext uri="{FF2B5EF4-FFF2-40B4-BE49-F238E27FC236}">
+                <a16:creationId xmlns:a16="http://schemas.microsoft.com/office/drawing/2014/main" id="{DE691A28-19E7-4315-BCA3-8B99366B6AD5}"/>
+              </a:ext>
+            </a:extLst>
+          </p:cNvPr>
+          <p:cNvSpPr/>
+          <p:nvPr/>
+        </p:nvSpPr>
+        <p:spPr>
+          <a:xfrm>
+            <a:off x="648931" y="2438401"/>
+            <a:ext cx="3667036" cy="3779520"/>
+          </a:xfrm>
+          <a:prstGeom prst="rect">
+            <a:avLst/>
+          </a:prstGeom>
+        </p:spPr>
+        <p:txBody>
+          <a:bodyPr vert="horz" lIns="91440" tIns="45720" rIns="91440" bIns="45720" rtlCol="0">
+            <a:normAutofit/>
+          </a:bodyPr>
+          <a:lstStyle/>
+          <a:p>
+            <a:pPr indent="-228600">
+              <a:lnSpc>
+                <a:spcPct val="90000"/>
+              </a:lnSpc>
+              <a:spcAft>
+                <a:spcPts val="600"/>
+              </a:spcAft>
+              <a:buFont typeface="Arial" panose="020B0604020202020204" pitchFamily="34" charset="0"/>
+              <a:buChar char="•"/>
+            </a:pPr>
+            <a:r>
+              <a:rPr lang="en-US" b="0" cap="none" spc="0">
+                <a:ln w="0"/>
+                <a:effectLst>
+                  <a:outerShdw blurRad="38100" dist="19050" dir="2700000" algn="tl" rotWithShape="0">
+                    <a:schemeClr val="dk1">
+                      <a:alpha val="40000"/>
+                    </a:schemeClr>
+                  </a:outerShdw>
+                </a:effectLst>
+              </a:rPr>
+              <a:t>Each motor cable is connected according to the color in the connection diagram</a:t>
+            </a:r>
+          </a:p>
+        </p:txBody>
+      </p:sp>
+      <p:sp>
+        <p:nvSpPr>
+          <p:cNvPr id="16" name="Rectangle 11">
+            <a:extLst>
+              <a:ext uri="{FF2B5EF4-FFF2-40B4-BE49-F238E27FC236}">
+                <a16:creationId xmlns:a16="http://schemas.microsoft.com/office/drawing/2014/main" id="{F2B38F72-8FC4-4001-8C67-FA6B86DEC767}"/>
+              </a:ext>
+              <a:ext uri="{C183D7F6-B498-43B3-948B-1728B52AA6E4}">
+                <adec:decorative xmlns:adec="http://schemas.microsoft.com/office/drawing/2017/decorative" val="1"/>
+              </a:ext>
+            </a:extLst>
+          </p:cNvPr>
+          <p:cNvSpPr>
+            <a:spLocks noGrp="1" noRot="1" noChangeAspect="1" noMove="1" noResize="1" noEditPoints="1" noAdjustHandles="1" noChangeArrowheads="1" noChangeShapeType="1" noTextEdit="1"/>
+          </p:cNvSpPr>
+          <p:nvPr>
+            <p:extLst>
+              <p:ext uri="{386F3935-93C4-4BCD-93E2-E3B085C9AB24}">
+                <p16:designElem xmlns:p16="http://schemas.microsoft.com/office/powerpoint/2015/main" val="1"/>
+              </p:ext>
+            </p:extLst>
+          </p:nvPr>
+        </p:nvSpPr>
+        <p:spPr>
+          <a:xfrm>
+            <a:off x="4636008" y="2"/>
+            <a:ext cx="7555992" cy="6857998"/>
+          </a:xfrm>
+          <a:prstGeom prst="rect">
+            <a:avLst/>
+          </a:prstGeom>
+          <a:solidFill>
+            <a:schemeClr val="tx1"/>
+          </a:solidFill>
+          <a:ln>
+            <a:noFill/>
+          </a:ln>
+        </p:spPr>
+        <p:style>
+          <a:lnRef idx="2">
+            <a:schemeClr val="accent1">
+              <a:shade val="50000"/>
+            </a:schemeClr>
+          </a:lnRef>
+          <a:fillRef idx="1">
+            <a:schemeClr val="accent1"/>
+          </a:fillRef>
+          <a:effectRef idx="0">
+            <a:schemeClr val="accent1"/>
+          </a:effectRef>
+          <a:fontRef idx="minor">
+            <a:schemeClr val="lt1"/>
+          </a:fontRef>
+        </p:style>
+        <p:txBody>
+          <a:bodyPr rtlCol="0" anchor="ctr"/>
+          <a:lstStyle/>
+          <a:p>
+            <a:pPr algn="ctr"/>
+            <a:endParaRPr lang="en-US"/>
+          </a:p>
+        </p:txBody>
+      </p:sp>
+      <p:pic>
+        <p:nvPicPr>
+          <p:cNvPr id="7" name="Picture 4" descr="Buy NEMA 17 Stepper Motor | 3D Printer Stepper Motor">
+            <a:extLst>
+              <a:ext uri="{FF2B5EF4-FFF2-40B4-BE49-F238E27FC236}">
+                <a16:creationId xmlns:a16="http://schemas.microsoft.com/office/drawing/2014/main" id="{98B43740-45BB-4835-A368-F0BC9F7DAA6C}"/>
+              </a:ext>
+            </a:extLst>
+          </p:cNvPr>
+          <p:cNvPicPr>
+            <a:picLocks noChangeAspect="1" noChangeArrowheads="1"/>
+          </p:cNvPicPr>
+          <p:nvPr/>
+        </p:nvPicPr>
+        <p:blipFill rotWithShape="1">
+          <a:blip r:embed="rId2">
+            <a:extLst>
+              <a:ext uri="{28A0092B-C50C-407E-A947-70E740481C1C}">
+                <a14:useLocalDpi xmlns:a14="http://schemas.microsoft.com/office/drawing/2010/main" val="0"/>
+              </a:ext>
+            </a:extLst>
+          </a:blip>
+          <a:srcRect l="15609" r="1" b="1"/>
+          <a:stretch/>
+        </p:blipFill>
+        <p:spPr bwMode="auto">
+          <a:xfrm>
+            <a:off x="5481039" y="629266"/>
+            <a:ext cx="6276250" cy="5577838"/>
+          </a:xfrm>
+          <a:prstGeom prst="rect">
+            <a:avLst/>
+          </a:prstGeom>
+          <a:noFill/>
+          <a:effectLst/>
+          <a:extLst>
+            <a:ext uri="{909E8E84-426E-40DD-AFC4-6F175D3DCCD1}">
+              <a14:hiddenFill xmlns:a14="http://schemas.microsoft.com/office/drawing/2010/main">
+                <a:solidFill>
+                  <a:srgbClr val="FFFFFF"/>
+                </a:solidFill>
+              </a14:hiddenFill>
+            </a:ext>
+          </a:extLst>
+        </p:spPr>
+      </p:pic>
+    </p:spTree>
+    <p:extLst>
+      <p:ext uri="{BB962C8B-B14F-4D97-AF65-F5344CB8AC3E}">
+        <p14:creationId xmlns:p14="http://schemas.microsoft.com/office/powerpoint/2010/main" val="3333777433"/>
+      </p:ext>
+    </p:extLst>
+  </p:cSld>
+  <p:clrMapOvr>
+    <a:overrideClrMapping bg1="dk1" tx1="lt1" bg2="dk2" tx2="lt2" accent1="accent1" accent2="accent2" accent3="accent3" accent4="accent4" accent5="accent5" accent6="accent6" hlink="hlink" folHlink="folHlink"/>
+  </p:clrMapOvr>
+</p:sld>
+</file>
+
+<file path=ppt/slides/slide6.xml><?xml version="1.0" encoding="utf-8"?>
+<p:sld xmlns:a="http://schemas.openxmlformats.org/drawingml/2006/main" xmlns:r="http://schemas.openxmlformats.org/officeDocument/2006/relationships" xmlns:p="http://schemas.openxmlformats.org/presentationml/2006/main">
+  <p:cSld>
+    <p:spTree>
+      <p:nvGrpSpPr>
+        <p:cNvPr id="1" name=""/>
+        <p:cNvGrpSpPr/>
+        <p:nvPr/>
+      </p:nvGrpSpPr>
+      <p:grpSpPr>
+        <a:xfrm>
+          <a:off x="0" y="0"/>
+          <a:ext cx="0" cy="0"/>
+          <a:chOff x="0" y="0"/>
+          <a:chExt cx="0" cy="0"/>
+        </a:xfrm>
+      </p:grpSpPr>
+      <p:sp>
+        <p:nvSpPr>
+          <p:cNvPr id="2" name="Título 1">
+            <a:extLst>
+              <a:ext uri="{FF2B5EF4-FFF2-40B4-BE49-F238E27FC236}">
+                <a16:creationId xmlns:a16="http://schemas.microsoft.com/office/drawing/2014/main" id="{D1E405B9-B136-48BC-B499-359751EE15FD}"/>
+              </a:ext>
+            </a:extLst>
+          </p:cNvPr>
+          <p:cNvSpPr>
+            <a:spLocks noGrp="1"/>
+          </p:cNvSpPr>
+          <p:nvPr>
+            <p:ph type="title"/>
+          </p:nvPr>
+        </p:nvSpPr>
+        <p:spPr/>
+        <p:txBody>
+          <a:bodyPr/>
+          <a:lstStyle/>
+          <a:p>
+            <a:r>
+              <a:rPr lang="es-ES"/>
+              <a:t>POWER SOURCE</a:t>
+            </a:r>
+            <a:endParaRPr lang="es-ES" dirty="0"/>
+          </a:p>
+        </p:txBody>
+      </p:sp>
+      <p:pic>
+        <p:nvPicPr>
+          <p:cNvPr id="5" name="Imagen 4">
+            <a:extLst>
+              <a:ext uri="{FF2B5EF4-FFF2-40B4-BE49-F238E27FC236}">
+                <a16:creationId xmlns:a16="http://schemas.microsoft.com/office/drawing/2014/main" id="{B10B4CA3-027C-45F3-B99D-95D1F467EAF4}"/>
+              </a:ext>
+            </a:extLst>
+          </p:cNvPr>
+          <p:cNvPicPr>
+            <a:picLocks noChangeAspect="1"/>
+          </p:cNvPicPr>
+          <p:nvPr/>
+        </p:nvPicPr>
+        <p:blipFill>
+          <a:blip r:embed="rId2"/>
+          <a:stretch>
+            <a:fillRect/>
+          </a:stretch>
+        </p:blipFill>
+        <p:spPr>
+          <a:xfrm>
+            <a:off x="838200" y="1690688"/>
+            <a:ext cx="2543175" cy="3590925"/>
+          </a:xfrm>
+          <a:prstGeom prst="rect">
+            <a:avLst/>
+          </a:prstGeom>
+        </p:spPr>
+      </p:pic>
+      <p:pic>
+        <p:nvPicPr>
+          <p:cNvPr id="6" name="Imagen 5">
+            <a:extLst>
+              <a:ext uri="{FF2B5EF4-FFF2-40B4-BE49-F238E27FC236}">
+                <a16:creationId xmlns:a16="http://schemas.microsoft.com/office/drawing/2014/main" id="{3274617B-9DF8-4DFA-862A-3DB27F61A8F5}"/>
+              </a:ext>
+            </a:extLst>
+          </p:cNvPr>
+          <p:cNvPicPr>
+            <a:picLocks noChangeAspect="1"/>
+          </p:cNvPicPr>
+          <p:nvPr/>
+        </p:nvPicPr>
+        <p:blipFill>
+          <a:blip r:embed="rId3"/>
+          <a:stretch>
+            <a:fillRect/>
+          </a:stretch>
+        </p:blipFill>
+        <p:spPr>
+          <a:xfrm>
+            <a:off x="4063628" y="4966466"/>
+            <a:ext cx="1323975" cy="419100"/>
+          </a:xfrm>
+          <a:prstGeom prst="rect">
+            <a:avLst/>
+          </a:prstGeom>
+        </p:spPr>
+      </p:pic>
+      <p:cxnSp>
+        <p:nvCxnSpPr>
+          <p:cNvPr id="7" name="Conector: angular 6">
+            <a:extLst>
+              <a:ext uri="{FF2B5EF4-FFF2-40B4-BE49-F238E27FC236}">
+                <a16:creationId xmlns:a16="http://schemas.microsoft.com/office/drawing/2014/main" id="{AE1AAE57-68BE-440C-8DC2-C09446BD764E}"/>
+              </a:ext>
+            </a:extLst>
+          </p:cNvPr>
+          <p:cNvCxnSpPr/>
+          <p:nvPr/>
+        </p:nvCxnSpPr>
+        <p:spPr>
+          <a:xfrm>
+            <a:off x="3381375" y="4584519"/>
+            <a:ext cx="682253" cy="381947"/>
+          </a:xfrm>
+          <a:prstGeom prst="bentConnector3">
+            <a:avLst/>
+          </a:prstGeom>
+          <a:ln w="12700">
+            <a:solidFill>
+              <a:schemeClr val="tx1"/>
+            </a:solidFill>
+            <a:tailEnd type="triangle"/>
+          </a:ln>
+        </p:spPr>
+        <p:style>
+          <a:lnRef idx="1">
+            <a:schemeClr val="accent1"/>
+          </a:lnRef>
+          <a:fillRef idx="0">
+            <a:schemeClr val="accent1"/>
+          </a:fillRef>
+          <a:effectRef idx="0">
+            <a:schemeClr val="accent1"/>
+          </a:effectRef>
+          <a:fontRef idx="minor">
+            <a:schemeClr val="tx1"/>
+          </a:fontRef>
+        </p:style>
+      </p:cxnSp>
+      <p:cxnSp>
+        <p:nvCxnSpPr>
+          <p:cNvPr id="8" name="Conector: angular 7">
+            <a:extLst>
+              <a:ext uri="{FF2B5EF4-FFF2-40B4-BE49-F238E27FC236}">
+                <a16:creationId xmlns:a16="http://schemas.microsoft.com/office/drawing/2014/main" id="{D5400B3C-DF13-4161-BAE8-4F66E969B638}"/>
+              </a:ext>
+            </a:extLst>
+          </p:cNvPr>
+          <p:cNvCxnSpPr/>
+          <p:nvPr/>
+        </p:nvCxnSpPr>
+        <p:spPr>
+          <a:xfrm>
+            <a:off x="3381375" y="4794069"/>
+            <a:ext cx="682253" cy="381947"/>
+          </a:xfrm>
+          <a:prstGeom prst="bentConnector3">
+            <a:avLst>
+              <a:gd name="adj1" fmla="val 27347"/>
+            </a:avLst>
+          </a:prstGeom>
+          <a:ln w="12700">
+            <a:solidFill>
+              <a:srgbClr val="FF0000"/>
+            </a:solidFill>
+            <a:tailEnd type="triangle"/>
+          </a:ln>
+        </p:spPr>
+        <p:style>
+          <a:lnRef idx="1">
+            <a:schemeClr val="accent1"/>
+          </a:lnRef>
+          <a:fillRef idx="0">
+            <a:schemeClr val="accent1"/>
+          </a:fillRef>
+          <a:effectRef idx="0">
+            <a:schemeClr val="accent1"/>
+          </a:effectRef>
+          <a:fontRef idx="minor">
+            <a:schemeClr val="tx1"/>
+          </a:fontRef>
+        </p:style>
+      </p:cxnSp>
+      <p:pic>
+        <p:nvPicPr>
+          <p:cNvPr id="2050" name="Picture 2">
+            <a:extLst>
+              <a:ext uri="{FF2B5EF4-FFF2-40B4-BE49-F238E27FC236}">
+                <a16:creationId xmlns:a16="http://schemas.microsoft.com/office/drawing/2014/main" id="{FF5B80BE-92E3-4501-A448-3036E1558031}"/>
+              </a:ext>
+            </a:extLst>
+          </p:cNvPr>
+          <p:cNvPicPr>
+            <a:picLocks noChangeAspect="1" noChangeArrowheads="1"/>
+          </p:cNvPicPr>
+          <p:nvPr/>
+        </p:nvPicPr>
+        <p:blipFill>
+          <a:blip r:embed="rId4">
+            <a:extLst>
+              <a:ext uri="{28A0092B-C50C-407E-A947-70E740481C1C}">
+                <a14:useLocalDpi xmlns:a14="http://schemas.microsoft.com/office/drawing/2010/main" val="0"/>
+              </a:ext>
+            </a:extLst>
+          </a:blip>
+          <a:srcRect/>
+          <a:stretch>
+            <a:fillRect/>
+          </a:stretch>
+        </p:blipFill>
+        <p:spPr bwMode="auto">
+          <a:xfrm rot="5400000">
+            <a:off x="7299883" y="1518892"/>
+            <a:ext cx="5207683" cy="2900150"/>
+          </a:xfrm>
+          <a:prstGeom prst="rect">
+            <a:avLst/>
+          </a:prstGeom>
+          <a:noFill/>
+          <a:extLst>
+            <a:ext uri="{909E8E84-426E-40DD-AFC4-6F175D3DCCD1}">
+              <a14:hiddenFill xmlns:a14="http://schemas.microsoft.com/office/drawing/2010/main">
+                <a:solidFill>
+                  <a:srgbClr val="FFFFFF"/>
+                </a:solidFill>
+              </a14:hiddenFill>
+            </a:ext>
+          </a:extLst>
+        </p:spPr>
+      </p:pic>
+      <p:pic>
+        <p:nvPicPr>
+          <p:cNvPr id="9" name="Picture 2" descr="ESP32 Wroom32 DevKit Analog Read Example | Circuits4you.com">
+            <a:extLst>
+              <a:ext uri="{FF2B5EF4-FFF2-40B4-BE49-F238E27FC236}">
+                <a16:creationId xmlns:a16="http://schemas.microsoft.com/office/drawing/2014/main" id="{364B6894-4C83-4914-83D2-7551F246231B}"/>
+              </a:ext>
+            </a:extLst>
+          </p:cNvPr>
+          <p:cNvPicPr>
+            <a:picLocks noChangeAspect="1" noChangeArrowheads="1"/>
+          </p:cNvPicPr>
+          <p:nvPr/>
+        </p:nvPicPr>
+        <p:blipFill rotWithShape="1">
+          <a:blip r:embed="rId5">
+            <a:extLst>
+              <a:ext uri="{28A0092B-C50C-407E-A947-70E740481C1C}">
+                <a14:useLocalDpi xmlns:a14="http://schemas.microsoft.com/office/drawing/2010/main" val="0"/>
+              </a:ext>
+            </a:extLst>
+          </a:blip>
+          <a:srcRect l="18996" r="18243" b="26775"/>
+          <a:stretch/>
+        </p:blipFill>
+        <p:spPr bwMode="auto">
+          <a:xfrm>
+            <a:off x="4308037" y="1617904"/>
+            <a:ext cx="3019254" cy="2174909"/>
+          </a:xfrm>
+          <a:prstGeom prst="rect">
+            <a:avLst/>
+          </a:prstGeom>
+          <a:noFill/>
+          <a:extLst>
+            <a:ext uri="{909E8E84-426E-40DD-AFC4-6F175D3DCCD1}">
+              <a14:hiddenFill xmlns:a14="http://schemas.microsoft.com/office/drawing/2010/main">
+                <a:solidFill>
+                  <a:srgbClr val="FFFFFF"/>
+                </a:solidFill>
+              </a14:hiddenFill>
+            </a:ext>
+          </a:extLst>
+        </p:spPr>
+      </p:pic>
+      <p:sp>
+        <p:nvSpPr>
+          <p:cNvPr id="11" name="Rectángulo 10">
+            <a:extLst>
+              <a:ext uri="{FF2B5EF4-FFF2-40B4-BE49-F238E27FC236}">
+                <a16:creationId xmlns:a16="http://schemas.microsoft.com/office/drawing/2014/main" id="{E7AC9D79-00E6-41EA-BD82-5858268122FB}"/>
+              </a:ext>
+            </a:extLst>
+          </p:cNvPr>
+          <p:cNvSpPr/>
+          <p:nvPr/>
+        </p:nvSpPr>
+        <p:spPr>
+          <a:xfrm>
+            <a:off x="900224" y="5439603"/>
+            <a:ext cx="5436182" cy="707886"/>
+          </a:xfrm>
+          <a:prstGeom prst="rect">
+            <a:avLst/>
+          </a:prstGeom>
+          <a:noFill/>
+        </p:spPr>
+        <p:txBody>
+          <a:bodyPr wrap="square" lIns="91440" tIns="45720" rIns="91440" bIns="45720">
+            <a:spAutoFit/>
+          </a:bodyPr>
+          <a:lstStyle/>
+          <a:p>
+            <a:pPr algn="just"/>
+            <a:r>
+              <a:rPr lang="en-US" sz="2000" b="0" cap="none" spc="0" dirty="0">
+                <a:ln w="0"/>
+                <a:solidFill>
+                  <a:schemeClr val="tx1"/>
+                </a:solidFill>
+                <a:effectLst>
+                  <a:outerShdw blurRad="38100" dist="19050" dir="2700000" algn="tl" rotWithShape="0">
+                    <a:schemeClr val="dk1">
+                      <a:alpha val="40000"/>
+                    </a:schemeClr>
+                  </a:outerShdw>
+                </a:effectLst>
+              </a:rPr>
+              <a:t>The driver must be connected from 9 to 42V and the ESP-32 Card must be connected with 3.3 V.</a:t>
+            </a:r>
+            <a:endParaRPr lang="es-ES" sz="2000" b="0" cap="none" spc="0" dirty="0">
+              <a:ln w="0"/>
+              <a:solidFill>
+                <a:schemeClr val="tx1"/>
+              </a:solidFill>
+              <a:effectLst>
+                <a:outerShdw blurRad="38100" dist="19050" dir="2700000" algn="tl" rotWithShape="0">
+                  <a:schemeClr val="dk1">
+                    <a:alpha val="40000"/>
+                  </a:schemeClr>
+                </a:outerShdw>
+              </a:effectLst>
+            </a:endParaRPr>
+          </a:p>
+        </p:txBody>
+      </p:sp>
+    </p:spTree>
+    <p:extLst>
+      <p:ext uri="{BB962C8B-B14F-4D97-AF65-F5344CB8AC3E}">
+        <p14:creationId xmlns:p14="http://schemas.microsoft.com/office/powerpoint/2010/main" val="2795281708"/>
       </p:ext>
     </p:extLst>
   </p:cSld>

--- a/connections/connections.pptx
+++ b/connections/connections.pptx
@@ -11,6 +11,7 @@
     <p:sldId id="259" r:id="rId5"/>
     <p:sldId id="260" r:id="rId6"/>
     <p:sldId id="261" r:id="rId7"/>
+    <p:sldId id="264" r:id="rId8"/>
   </p:sldIdLst>
   <p:sldSz cx="12192000" cy="6858000"/>
   <p:notesSz cx="6858000" cy="9144000"/>
@@ -117,6 +118,18 @@
 </p:presentation>
 </file>
 
+<file path=ppt/commentAuthors.xml><?xml version="1.0" encoding="utf-8"?>
+<p:cmAuthorLst xmlns:a="http://schemas.openxmlformats.org/drawingml/2006/main" xmlns:r="http://schemas.openxmlformats.org/officeDocument/2006/relationships" xmlns:p="http://schemas.openxmlformats.org/presentationml/2006/main">
+  <p:cmAuthor id="1" name="Jazmin Rodriguez" initials="JR" lastIdx="1" clrIdx="0">
+    <p:extLst>
+      <p:ext uri="{19B8F6BF-5375-455C-9EA6-DF929625EA0E}">
+        <p15:presenceInfo xmlns:p15="http://schemas.microsoft.com/office/powerpoint/2012/main" userId="3ba8c228bbe8e8db" providerId="Windows Live"/>
+      </p:ext>
+    </p:extLst>
+  </p:cmAuthor>
+</p:cmAuthorLst>
+</file>
+
 <file path=ppt/slideLayouts/slideLayout1.xml><?xml version="1.0" encoding="utf-8"?>
 <p:sldLayout xmlns:a="http://schemas.openxmlformats.org/drawingml/2006/main" xmlns:r="http://schemas.openxmlformats.org/officeDocument/2006/relationships" xmlns:p="http://schemas.openxmlformats.org/presentationml/2006/main" type="title" preserve="1">
   <p:cSld name="Diapositiva de título">
@@ -264,7 +277,7 @@
           <a:p>
             <a:fld id="{07AAE364-0E33-47A9-924B-88C103971447}" type="datetimeFigureOut">
               <a:rPr lang="es-ES" smtClean="0"/>
-              <a:t>15/07/2020</a:t>
+              <a:t>18/07/2020</a:t>
             </a:fld>
             <a:endParaRPr lang="es-ES"/>
           </a:p>
@@ -462,7 +475,7 @@
           <a:p>
             <a:fld id="{07AAE364-0E33-47A9-924B-88C103971447}" type="datetimeFigureOut">
               <a:rPr lang="es-ES" smtClean="0"/>
-              <a:t>15/07/2020</a:t>
+              <a:t>18/07/2020</a:t>
             </a:fld>
             <a:endParaRPr lang="es-ES"/>
           </a:p>
@@ -670,7 +683,7 @@
           <a:p>
             <a:fld id="{07AAE364-0E33-47A9-924B-88C103971447}" type="datetimeFigureOut">
               <a:rPr lang="es-ES" smtClean="0"/>
-              <a:t>15/07/2020</a:t>
+              <a:t>18/07/2020</a:t>
             </a:fld>
             <a:endParaRPr lang="es-ES"/>
           </a:p>
@@ -868,7 +881,7 @@
           <a:p>
             <a:fld id="{07AAE364-0E33-47A9-924B-88C103971447}" type="datetimeFigureOut">
               <a:rPr lang="es-ES" smtClean="0"/>
-              <a:t>15/07/2020</a:t>
+              <a:t>18/07/2020</a:t>
             </a:fld>
             <a:endParaRPr lang="es-ES"/>
           </a:p>
@@ -1143,7 +1156,7 @@
           <a:p>
             <a:fld id="{07AAE364-0E33-47A9-924B-88C103971447}" type="datetimeFigureOut">
               <a:rPr lang="es-ES" smtClean="0"/>
-              <a:t>15/07/2020</a:t>
+              <a:t>18/07/2020</a:t>
             </a:fld>
             <a:endParaRPr lang="es-ES"/>
           </a:p>
@@ -1408,7 +1421,7 @@
           <a:p>
             <a:fld id="{07AAE364-0E33-47A9-924B-88C103971447}" type="datetimeFigureOut">
               <a:rPr lang="es-ES" smtClean="0"/>
-              <a:t>15/07/2020</a:t>
+              <a:t>18/07/2020</a:t>
             </a:fld>
             <a:endParaRPr lang="es-ES"/>
           </a:p>
@@ -1820,7 +1833,7 @@
           <a:p>
             <a:fld id="{07AAE364-0E33-47A9-924B-88C103971447}" type="datetimeFigureOut">
               <a:rPr lang="es-ES" smtClean="0"/>
-              <a:t>15/07/2020</a:t>
+              <a:t>18/07/2020</a:t>
             </a:fld>
             <a:endParaRPr lang="es-ES"/>
           </a:p>
@@ -1961,7 +1974,7 @@
           <a:p>
             <a:fld id="{07AAE364-0E33-47A9-924B-88C103971447}" type="datetimeFigureOut">
               <a:rPr lang="es-ES" smtClean="0"/>
-              <a:t>15/07/2020</a:t>
+              <a:t>18/07/2020</a:t>
             </a:fld>
             <a:endParaRPr lang="es-ES"/>
           </a:p>
@@ -2074,7 +2087,7 @@
           <a:p>
             <a:fld id="{07AAE364-0E33-47A9-924B-88C103971447}" type="datetimeFigureOut">
               <a:rPr lang="es-ES" smtClean="0"/>
-              <a:t>15/07/2020</a:t>
+              <a:t>18/07/2020</a:t>
             </a:fld>
             <a:endParaRPr lang="es-ES"/>
           </a:p>
@@ -2385,7 +2398,7 @@
           <a:p>
             <a:fld id="{07AAE364-0E33-47A9-924B-88C103971447}" type="datetimeFigureOut">
               <a:rPr lang="es-ES" smtClean="0"/>
-              <a:t>15/07/2020</a:t>
+              <a:t>18/07/2020</a:t>
             </a:fld>
             <a:endParaRPr lang="es-ES"/>
           </a:p>
@@ -2673,7 +2686,7 @@
           <a:p>
             <a:fld id="{07AAE364-0E33-47A9-924B-88C103971447}" type="datetimeFigureOut">
               <a:rPr lang="es-ES" smtClean="0"/>
-              <a:t>15/07/2020</a:t>
+              <a:t>18/07/2020</a:t>
             </a:fld>
             <a:endParaRPr lang="es-ES"/>
           </a:p>
@@ -2914,7 +2927,7 @@
           <a:p>
             <a:fld id="{07AAE364-0E33-47A9-924B-88C103971447}" type="datetimeFigureOut">
               <a:rPr lang="es-ES" smtClean="0"/>
-              <a:t>15/07/2020</a:t>
+              <a:t>18/07/2020</a:t>
             </a:fld>
             <a:endParaRPr lang="es-ES"/>
           </a:p>
@@ -7042,6 +7055,786 @@
 </p:sld>
 </file>
 
+<file path=ppt/slides/slide7.xml><?xml version="1.0" encoding="utf-8"?>
+<p:sld xmlns:a="http://schemas.openxmlformats.org/drawingml/2006/main" xmlns:r="http://schemas.openxmlformats.org/officeDocument/2006/relationships" xmlns:p="http://schemas.openxmlformats.org/presentationml/2006/main">
+  <p:cSld>
+    <p:spTree>
+      <p:nvGrpSpPr>
+        <p:cNvPr id="1" name=""/>
+        <p:cNvGrpSpPr/>
+        <p:nvPr/>
+      </p:nvGrpSpPr>
+      <p:grpSpPr>
+        <a:xfrm>
+          <a:off x="0" y="0"/>
+          <a:ext cx="0" cy="0"/>
+          <a:chOff x="0" y="0"/>
+          <a:chExt cx="0" cy="0"/>
+        </a:xfrm>
+      </p:grpSpPr>
+      <p:sp>
+        <p:nvSpPr>
+          <p:cNvPr id="2" name="Rectangle 1">
+            <a:extLst>
+              <a:ext uri="{FF2B5EF4-FFF2-40B4-BE49-F238E27FC236}">
+                <a16:creationId xmlns:a16="http://schemas.microsoft.com/office/drawing/2014/main" id="{8F76E4B7-E97D-4123-931F-D26047C87FD9}"/>
+              </a:ext>
+            </a:extLst>
+          </p:cNvPr>
+          <p:cNvSpPr>
+            <a:spLocks noChangeArrowheads="1"/>
+          </p:cNvSpPr>
+          <p:nvPr/>
+        </p:nvSpPr>
+        <p:spPr bwMode="auto">
+          <a:xfrm>
+            <a:off x="965916" y="567503"/>
+            <a:ext cx="4250028" cy="2490397"/>
+          </a:xfrm>
+          <a:prstGeom prst="rect">
+            <a:avLst/>
+          </a:prstGeom>
+          <a:solidFill>
+            <a:srgbClr val="EEEEEE"/>
+          </a:solidFill>
+          <a:ln>
+            <a:noFill/>
+          </a:ln>
+          <a:effectLst/>
+          <a:extLst>
+            <a:ext uri="{91240B29-F687-4F45-9708-019B960494DF}">
+              <a14:hiddenLine xmlns:a14="http://schemas.microsoft.com/office/drawing/2010/main" w="9525">
+                <a:solidFill>
+                  <a:schemeClr val="tx1"/>
+                </a:solidFill>
+                <a:miter lim="800000"/>
+                <a:headEnd/>
+                <a:tailEnd/>
+              </a14:hiddenLine>
+            </a:ext>
+            <a:ext uri="{AF507438-7753-43E0-B8FC-AC1667EBCBE1}">
+              <a14:hiddenEffects xmlns:a14="http://schemas.microsoft.com/office/drawing/2010/main">
+                <a:effectLst>
+                  <a:outerShdw dist="35921" dir="2700000" algn="ctr" rotWithShape="0">
+                    <a:schemeClr val="bg2"/>
+                  </a:outerShdw>
+                </a:effectLst>
+              </a14:hiddenEffects>
+            </a:ext>
+          </a:extLst>
+        </p:spPr>
+        <p:txBody>
+          <a:bodyPr vert="horz" wrap="square" lIns="91440" tIns="0" rIns="91440" bIns="88872" numCol="1" anchor="ctr" anchorCtr="0" compatLnSpc="1">
+            <a:prstTxWarp prst="textNoShape">
+              <a:avLst/>
+            </a:prstTxWarp>
+            <a:spAutoFit/>
+          </a:bodyPr>
+          <a:lstStyle>
+            <a:lvl1pPr eaLnBrk="0" fontAlgn="base" hangingPunct="0">
+              <a:spcBef>
+                <a:spcPct val="0"/>
+              </a:spcBef>
+              <a:spcAft>
+                <a:spcPct val="0"/>
+              </a:spcAft>
+              <a:defRPr>
+                <a:solidFill>
+                  <a:schemeClr val="tx1"/>
+                </a:solidFill>
+                <a:latin typeface="Arial" panose="020B0604020202020204" pitchFamily="34" charset="0"/>
+              </a:defRPr>
+            </a:lvl1pPr>
+            <a:lvl2pPr eaLnBrk="0" fontAlgn="base" hangingPunct="0">
+              <a:spcBef>
+                <a:spcPct val="0"/>
+              </a:spcBef>
+              <a:spcAft>
+                <a:spcPct val="0"/>
+              </a:spcAft>
+              <a:defRPr>
+                <a:solidFill>
+                  <a:schemeClr val="tx1"/>
+                </a:solidFill>
+                <a:latin typeface="Arial" panose="020B0604020202020204" pitchFamily="34" charset="0"/>
+              </a:defRPr>
+            </a:lvl2pPr>
+            <a:lvl3pPr eaLnBrk="0" fontAlgn="base" hangingPunct="0">
+              <a:spcBef>
+                <a:spcPct val="0"/>
+              </a:spcBef>
+              <a:spcAft>
+                <a:spcPct val="0"/>
+              </a:spcAft>
+              <a:defRPr>
+                <a:solidFill>
+                  <a:schemeClr val="tx1"/>
+                </a:solidFill>
+                <a:latin typeface="Arial" panose="020B0604020202020204" pitchFamily="34" charset="0"/>
+              </a:defRPr>
+            </a:lvl3pPr>
+            <a:lvl4pPr eaLnBrk="0" fontAlgn="base" hangingPunct="0">
+              <a:spcBef>
+                <a:spcPct val="0"/>
+              </a:spcBef>
+              <a:spcAft>
+                <a:spcPct val="0"/>
+              </a:spcAft>
+              <a:defRPr>
+                <a:solidFill>
+                  <a:schemeClr val="tx1"/>
+                </a:solidFill>
+                <a:latin typeface="Arial" panose="020B0604020202020204" pitchFamily="34" charset="0"/>
+              </a:defRPr>
+            </a:lvl4pPr>
+            <a:lvl5pPr eaLnBrk="0" fontAlgn="base" hangingPunct="0">
+              <a:spcBef>
+                <a:spcPct val="0"/>
+              </a:spcBef>
+              <a:spcAft>
+                <a:spcPct val="0"/>
+              </a:spcAft>
+              <a:defRPr>
+                <a:solidFill>
+                  <a:schemeClr val="tx1"/>
+                </a:solidFill>
+                <a:latin typeface="Arial" panose="020B0604020202020204" pitchFamily="34" charset="0"/>
+              </a:defRPr>
+            </a:lvl5pPr>
+            <a:lvl6pPr eaLnBrk="0" fontAlgn="base" hangingPunct="0">
+              <a:spcBef>
+                <a:spcPct val="0"/>
+              </a:spcBef>
+              <a:spcAft>
+                <a:spcPct val="0"/>
+              </a:spcAft>
+              <a:defRPr>
+                <a:solidFill>
+                  <a:schemeClr val="tx1"/>
+                </a:solidFill>
+                <a:latin typeface="Arial" panose="020B0604020202020204" pitchFamily="34" charset="0"/>
+              </a:defRPr>
+            </a:lvl6pPr>
+            <a:lvl7pPr eaLnBrk="0" fontAlgn="base" hangingPunct="0">
+              <a:spcBef>
+                <a:spcPct val="0"/>
+              </a:spcBef>
+              <a:spcAft>
+                <a:spcPct val="0"/>
+              </a:spcAft>
+              <a:defRPr>
+                <a:solidFill>
+                  <a:schemeClr val="tx1"/>
+                </a:solidFill>
+                <a:latin typeface="Arial" panose="020B0604020202020204" pitchFamily="34" charset="0"/>
+              </a:defRPr>
+            </a:lvl7pPr>
+            <a:lvl8pPr eaLnBrk="0" fontAlgn="base" hangingPunct="0">
+              <a:spcBef>
+                <a:spcPct val="0"/>
+              </a:spcBef>
+              <a:spcAft>
+                <a:spcPct val="0"/>
+              </a:spcAft>
+              <a:defRPr>
+                <a:solidFill>
+                  <a:schemeClr val="tx1"/>
+                </a:solidFill>
+                <a:latin typeface="Arial" panose="020B0604020202020204" pitchFamily="34" charset="0"/>
+              </a:defRPr>
+            </a:lvl8pPr>
+            <a:lvl9pPr eaLnBrk="0" fontAlgn="base" hangingPunct="0">
+              <a:spcBef>
+                <a:spcPct val="0"/>
+              </a:spcBef>
+              <a:spcAft>
+                <a:spcPct val="0"/>
+              </a:spcAft>
+              <a:defRPr>
+                <a:solidFill>
+                  <a:schemeClr val="tx1"/>
+                </a:solidFill>
+                <a:latin typeface="Arial" panose="020B0604020202020204" pitchFamily="34" charset="0"/>
+              </a:defRPr>
+            </a:lvl9pPr>
+          </a:lstStyle>
+          <a:p>
+            <a:pPr marL="0" marR="0" lvl="0" indent="0" algn="l" defTabSz="914400" rtl="0" eaLnBrk="0" fontAlgn="base" latinLnBrk="0" hangingPunct="0">
+              <a:lnSpc>
+                <a:spcPct val="100000"/>
+              </a:lnSpc>
+              <a:spcBef>
+                <a:spcPct val="0"/>
+              </a:spcBef>
+              <a:spcAft>
+                <a:spcPct val="0"/>
+              </a:spcAft>
+              <a:buClrTx/>
+              <a:buSzTx/>
+              <a:buFontTx/>
+              <a:buNone/>
+              <a:tabLst/>
+            </a:pPr>
+            <a:r>
+              <a:rPr kumimoji="0" lang="es-EC" altLang="es-EC" sz="1800" b="1" i="0" u="none" strike="noStrike" cap="none" normalizeH="0" baseline="0" dirty="0" err="1">
+                <a:ln>
+                  <a:noFill/>
+                </a:ln>
+                <a:solidFill>
+                  <a:srgbClr val="313131"/>
+                </a:solidFill>
+                <a:effectLst/>
+                <a:latin typeface="roboto"/>
+              </a:rPr>
+              <a:t>SPECIFICATION</a:t>
+            </a:r>
+            <a:br>
+              <a:rPr kumimoji="0" lang="es-EC" altLang="es-EC" sz="1800" b="1" i="0" u="none" strike="noStrike" cap="none" normalizeH="0" baseline="0" dirty="0">
+                <a:ln>
+                  <a:noFill/>
+                </a:ln>
+                <a:solidFill>
+                  <a:srgbClr val="313131"/>
+                </a:solidFill>
+                <a:effectLst/>
+                <a:latin typeface="roboto"/>
+              </a:rPr>
+            </a:br>
+            <a:endParaRPr kumimoji="0" lang="es-EC" altLang="es-EC" sz="1800" b="1" i="0" u="none" strike="noStrike" cap="none" normalizeH="0" baseline="0" dirty="0">
+              <a:ln>
+                <a:noFill/>
+              </a:ln>
+              <a:solidFill>
+                <a:srgbClr val="313131"/>
+              </a:solidFill>
+              <a:effectLst/>
+              <a:latin typeface="roboto"/>
+            </a:endParaRPr>
+          </a:p>
+          <a:p>
+            <a:pPr marL="0" marR="0" lvl="0" indent="133350" algn="l" defTabSz="914400" rtl="0" eaLnBrk="0" fontAlgn="base" latinLnBrk="0" hangingPunct="0">
+              <a:lnSpc>
+                <a:spcPct val="100000"/>
+              </a:lnSpc>
+              <a:spcBef>
+                <a:spcPct val="0"/>
+              </a:spcBef>
+              <a:spcAft>
+                <a:spcPct val="0"/>
+              </a:spcAft>
+              <a:buClrTx/>
+              <a:buSzTx/>
+              <a:buFontTx/>
+              <a:buChar char="•"/>
+              <a:tabLst/>
+            </a:pPr>
+            <a:r>
+              <a:rPr kumimoji="0" lang="es-EC" altLang="es-EC" sz="1200" b="0" i="0" u="none" strike="noStrike" cap="none" normalizeH="0" baseline="0" dirty="0">
+                <a:ln>
+                  <a:noFill/>
+                </a:ln>
+                <a:solidFill>
+                  <a:srgbClr val="535353"/>
+                </a:solidFill>
+                <a:effectLst/>
+                <a:latin typeface="roboto"/>
+              </a:rPr>
+              <a:t>Input </a:t>
+            </a:r>
+            <a:r>
+              <a:rPr kumimoji="0" lang="es-EC" altLang="es-EC" sz="1200" b="0" i="0" u="none" strike="noStrike" cap="none" normalizeH="0" baseline="0" dirty="0" err="1">
+                <a:ln>
+                  <a:noFill/>
+                </a:ln>
+                <a:solidFill>
+                  <a:srgbClr val="535353"/>
+                </a:solidFill>
+                <a:effectLst/>
+                <a:latin typeface="roboto"/>
+              </a:rPr>
+              <a:t>Current</a:t>
+            </a:r>
+            <a:r>
+              <a:rPr kumimoji="0" lang="es-EC" altLang="es-EC" sz="1200" b="0" i="0" u="none" strike="noStrike" cap="none" normalizeH="0" baseline="0" dirty="0">
+                <a:ln>
+                  <a:noFill/>
+                </a:ln>
+                <a:solidFill>
+                  <a:srgbClr val="535353"/>
+                </a:solidFill>
+                <a:effectLst/>
+                <a:latin typeface="roboto"/>
+              </a:rPr>
+              <a:t>: 0~5A</a:t>
+            </a:r>
+          </a:p>
+          <a:p>
+            <a:pPr marL="0" marR="0" lvl="0" indent="133350" algn="l" defTabSz="914400" rtl="0" eaLnBrk="0" fontAlgn="base" latinLnBrk="0" hangingPunct="0">
+              <a:lnSpc>
+                <a:spcPct val="100000"/>
+              </a:lnSpc>
+              <a:spcBef>
+                <a:spcPct val="0"/>
+              </a:spcBef>
+              <a:spcAft>
+                <a:spcPct val="0"/>
+              </a:spcAft>
+              <a:buClrTx/>
+              <a:buSzTx/>
+              <a:buFontTx/>
+              <a:buChar char="•"/>
+              <a:tabLst/>
+            </a:pPr>
+            <a:r>
+              <a:rPr kumimoji="0" lang="es-EC" altLang="es-EC" sz="1200" b="0" i="0" u="none" strike="noStrike" cap="none" normalizeH="0" baseline="0" dirty="0">
+                <a:ln>
+                  <a:noFill/>
+                </a:ln>
+                <a:solidFill>
+                  <a:srgbClr val="535353"/>
+                </a:solidFill>
+                <a:effectLst/>
+                <a:latin typeface="roboto"/>
+              </a:rPr>
+              <a:t>Output </a:t>
+            </a:r>
+            <a:r>
+              <a:rPr kumimoji="0" lang="es-EC" altLang="es-EC" sz="1200" b="0" i="0" u="none" strike="noStrike" cap="none" normalizeH="0" baseline="0" dirty="0" err="1">
+                <a:ln>
+                  <a:noFill/>
+                </a:ln>
+                <a:solidFill>
+                  <a:srgbClr val="535353"/>
+                </a:solidFill>
+                <a:effectLst/>
+                <a:latin typeface="roboto"/>
+              </a:rPr>
+              <a:t>Current</a:t>
+            </a:r>
+            <a:r>
+              <a:rPr kumimoji="0" lang="es-EC" altLang="es-EC" sz="1200" b="0" i="0" u="none" strike="noStrike" cap="none" normalizeH="0" baseline="0" dirty="0">
+                <a:ln>
+                  <a:noFill/>
+                </a:ln>
+                <a:solidFill>
+                  <a:srgbClr val="535353"/>
+                </a:solidFill>
+                <a:effectLst/>
+                <a:latin typeface="roboto"/>
+              </a:rPr>
+              <a:t>: 0.5-4.0A</a:t>
+            </a:r>
+          </a:p>
+          <a:p>
+            <a:pPr marL="0" marR="0" lvl="0" indent="133350" algn="l" defTabSz="914400" rtl="0" eaLnBrk="0" fontAlgn="base" latinLnBrk="0" hangingPunct="0">
+              <a:lnSpc>
+                <a:spcPct val="100000"/>
+              </a:lnSpc>
+              <a:spcBef>
+                <a:spcPct val="0"/>
+              </a:spcBef>
+              <a:spcAft>
+                <a:spcPct val="0"/>
+              </a:spcAft>
+              <a:buClrTx/>
+              <a:buSzTx/>
+              <a:buFontTx/>
+              <a:buChar char="•"/>
+              <a:tabLst/>
+            </a:pPr>
+            <a:r>
+              <a:rPr kumimoji="0" lang="es-EC" altLang="es-EC" sz="1200" b="0" i="0" u="none" strike="noStrike" cap="none" normalizeH="0" baseline="0" dirty="0">
+                <a:ln>
+                  <a:noFill/>
+                </a:ln>
+                <a:solidFill>
+                  <a:srgbClr val="535353"/>
+                </a:solidFill>
+                <a:effectLst/>
+                <a:latin typeface="roboto"/>
+              </a:rPr>
+              <a:t>Control </a:t>
+            </a:r>
+            <a:r>
+              <a:rPr kumimoji="0" lang="es-EC" altLang="es-EC" sz="1200" b="0" i="0" u="none" strike="noStrike" cap="none" normalizeH="0" baseline="0" dirty="0" err="1">
+                <a:ln>
+                  <a:noFill/>
+                </a:ln>
+                <a:solidFill>
+                  <a:srgbClr val="535353"/>
+                </a:solidFill>
+                <a:effectLst/>
+                <a:latin typeface="roboto"/>
+              </a:rPr>
+              <a:t>Signal</a:t>
+            </a:r>
+            <a:r>
+              <a:rPr kumimoji="0" lang="es-EC" altLang="es-EC" sz="1200" b="0" i="0" u="none" strike="noStrike" cap="none" normalizeH="0" baseline="0" dirty="0">
+                <a:ln>
+                  <a:noFill/>
+                </a:ln>
+                <a:solidFill>
+                  <a:srgbClr val="535353"/>
+                </a:solidFill>
+                <a:effectLst/>
+                <a:latin typeface="roboto"/>
+              </a:rPr>
+              <a:t>: 3.3~24V</a:t>
+            </a:r>
+          </a:p>
+          <a:p>
+            <a:pPr marL="0" marR="0" lvl="0" indent="133350" algn="l" defTabSz="914400" rtl="0" eaLnBrk="0" fontAlgn="base" latinLnBrk="0" hangingPunct="0">
+              <a:lnSpc>
+                <a:spcPct val="100000"/>
+              </a:lnSpc>
+              <a:spcBef>
+                <a:spcPct val="0"/>
+              </a:spcBef>
+              <a:spcAft>
+                <a:spcPct val="0"/>
+              </a:spcAft>
+              <a:buClrTx/>
+              <a:buSzTx/>
+              <a:buFontTx/>
+              <a:buChar char="•"/>
+              <a:tabLst/>
+            </a:pPr>
+            <a:r>
+              <a:rPr kumimoji="0" lang="es-EC" altLang="es-EC" sz="1200" b="0" i="0" u="none" strike="noStrike" cap="none" normalizeH="0" baseline="0" dirty="0" err="1">
+                <a:ln>
+                  <a:noFill/>
+                </a:ln>
+                <a:solidFill>
+                  <a:srgbClr val="535353"/>
+                </a:solidFill>
+                <a:effectLst/>
+                <a:latin typeface="roboto"/>
+              </a:rPr>
+              <a:t>Power</a:t>
+            </a:r>
+            <a:r>
+              <a:rPr kumimoji="0" lang="es-EC" altLang="es-EC" sz="1200" b="0" i="0" u="none" strike="noStrike" cap="none" normalizeH="0" baseline="0" dirty="0">
+                <a:ln>
+                  <a:noFill/>
+                </a:ln>
+                <a:solidFill>
+                  <a:srgbClr val="535353"/>
+                </a:solidFill>
+                <a:effectLst/>
+                <a:latin typeface="roboto"/>
+              </a:rPr>
+              <a:t> (MAX): 160W</a:t>
+            </a:r>
+          </a:p>
+          <a:p>
+            <a:pPr marL="0" marR="0" lvl="0" indent="133350" algn="l" defTabSz="914400" rtl="0" eaLnBrk="0" fontAlgn="base" latinLnBrk="0" hangingPunct="0">
+              <a:lnSpc>
+                <a:spcPct val="100000"/>
+              </a:lnSpc>
+              <a:spcBef>
+                <a:spcPct val="0"/>
+              </a:spcBef>
+              <a:spcAft>
+                <a:spcPct val="0"/>
+              </a:spcAft>
+              <a:buClrTx/>
+              <a:buSzTx/>
+              <a:buFontTx/>
+              <a:buChar char="•"/>
+              <a:tabLst/>
+            </a:pPr>
+            <a:r>
+              <a:rPr kumimoji="0" lang="es-EC" altLang="es-EC" sz="1200" b="0" i="0" u="none" strike="noStrike" cap="none" normalizeH="0" baseline="0" dirty="0">
+                <a:ln>
+                  <a:noFill/>
+                </a:ln>
+                <a:solidFill>
+                  <a:srgbClr val="535353"/>
+                </a:solidFill>
+                <a:effectLst/>
+                <a:latin typeface="roboto"/>
+              </a:rPr>
+              <a:t>Micro Step: 1, 2/A, 2/B, 4, 8, 16, 32</a:t>
+            </a:r>
+          </a:p>
+          <a:p>
+            <a:pPr marL="0" marR="0" lvl="0" indent="133350" algn="l" defTabSz="914400" rtl="0" eaLnBrk="0" fontAlgn="base" latinLnBrk="0" hangingPunct="0">
+              <a:lnSpc>
+                <a:spcPct val="100000"/>
+              </a:lnSpc>
+              <a:spcBef>
+                <a:spcPct val="0"/>
+              </a:spcBef>
+              <a:spcAft>
+                <a:spcPct val="0"/>
+              </a:spcAft>
+              <a:buClrTx/>
+              <a:buSzTx/>
+              <a:buFontTx/>
+              <a:buChar char="•"/>
+              <a:tabLst/>
+            </a:pPr>
+            <a:r>
+              <a:rPr kumimoji="0" lang="es-EC" altLang="es-EC" sz="1200" b="0" i="0" u="none" strike="noStrike" cap="none" normalizeH="0" baseline="0" dirty="0" err="1">
+                <a:ln>
+                  <a:noFill/>
+                </a:ln>
+                <a:solidFill>
+                  <a:srgbClr val="535353"/>
+                </a:solidFill>
+                <a:effectLst/>
+                <a:latin typeface="roboto"/>
+              </a:rPr>
+              <a:t>Temperature</a:t>
+            </a:r>
+            <a:r>
+              <a:rPr kumimoji="0" lang="es-EC" altLang="es-EC" sz="1200" b="0" i="0" u="none" strike="noStrike" cap="none" normalizeH="0" baseline="0" dirty="0">
+                <a:ln>
+                  <a:noFill/>
+                </a:ln>
+                <a:solidFill>
+                  <a:srgbClr val="535353"/>
+                </a:solidFill>
+                <a:effectLst/>
+                <a:latin typeface="roboto"/>
+              </a:rPr>
+              <a:t>: -10～45℃</a:t>
+            </a:r>
+          </a:p>
+          <a:p>
+            <a:pPr marL="0" marR="0" lvl="0" indent="133350" algn="l" defTabSz="914400" rtl="0" eaLnBrk="0" fontAlgn="base" latinLnBrk="0" hangingPunct="0">
+              <a:lnSpc>
+                <a:spcPct val="100000"/>
+              </a:lnSpc>
+              <a:spcBef>
+                <a:spcPct val="0"/>
+              </a:spcBef>
+              <a:spcAft>
+                <a:spcPct val="0"/>
+              </a:spcAft>
+              <a:buClrTx/>
+              <a:buSzTx/>
+              <a:buFontTx/>
+              <a:buChar char="•"/>
+              <a:tabLst/>
+            </a:pPr>
+            <a:r>
+              <a:rPr kumimoji="0" lang="es-EC" altLang="es-EC" sz="1200" b="0" i="0" u="none" strike="noStrike" cap="none" normalizeH="0" baseline="0" dirty="0" err="1">
+                <a:ln>
+                  <a:noFill/>
+                </a:ln>
+                <a:solidFill>
+                  <a:srgbClr val="535353"/>
+                </a:solidFill>
+                <a:effectLst/>
+                <a:latin typeface="roboto"/>
+              </a:rPr>
+              <a:t>Humidity</a:t>
+            </a:r>
+            <a:r>
+              <a:rPr kumimoji="0" lang="es-EC" altLang="es-EC" sz="1200" b="0" i="0" u="none" strike="noStrike" cap="none" normalizeH="0" baseline="0" dirty="0">
+                <a:ln>
+                  <a:noFill/>
+                </a:ln>
+                <a:solidFill>
+                  <a:srgbClr val="535353"/>
+                </a:solidFill>
+                <a:effectLst/>
+                <a:latin typeface="roboto"/>
+              </a:rPr>
+              <a:t>: No </a:t>
+            </a:r>
+            <a:r>
+              <a:rPr kumimoji="0" lang="es-EC" altLang="es-EC" sz="1200" b="0" i="0" u="none" strike="noStrike" cap="none" normalizeH="0" baseline="0" dirty="0" err="1">
+                <a:ln>
+                  <a:noFill/>
+                </a:ln>
+                <a:solidFill>
+                  <a:srgbClr val="535353"/>
+                </a:solidFill>
+                <a:effectLst/>
+                <a:latin typeface="roboto"/>
+              </a:rPr>
+              <a:t>Condensation</a:t>
+            </a:r>
+            <a:endParaRPr kumimoji="0" lang="es-EC" altLang="es-EC" sz="1200" b="0" i="0" u="none" strike="noStrike" cap="none" normalizeH="0" baseline="0" dirty="0">
+              <a:ln>
+                <a:noFill/>
+              </a:ln>
+              <a:solidFill>
+                <a:srgbClr val="535353"/>
+              </a:solidFill>
+              <a:effectLst/>
+              <a:latin typeface="roboto"/>
+            </a:endParaRPr>
+          </a:p>
+          <a:p>
+            <a:pPr marL="0" marR="0" lvl="0" indent="133350" algn="l" defTabSz="914400" rtl="0" eaLnBrk="0" fontAlgn="base" latinLnBrk="0" hangingPunct="0">
+              <a:lnSpc>
+                <a:spcPct val="100000"/>
+              </a:lnSpc>
+              <a:spcBef>
+                <a:spcPct val="0"/>
+              </a:spcBef>
+              <a:spcAft>
+                <a:spcPct val="0"/>
+              </a:spcAft>
+              <a:buClrTx/>
+              <a:buSzTx/>
+              <a:buFontTx/>
+              <a:buChar char="•"/>
+              <a:tabLst/>
+            </a:pPr>
+            <a:r>
+              <a:rPr kumimoji="0" lang="es-EC" altLang="es-EC" sz="1200" b="0" i="0" u="none" strike="noStrike" cap="none" normalizeH="0" baseline="0" dirty="0" err="1">
+                <a:ln>
+                  <a:noFill/>
+                </a:ln>
+                <a:solidFill>
+                  <a:srgbClr val="535353"/>
+                </a:solidFill>
+                <a:effectLst/>
+                <a:latin typeface="roboto"/>
+              </a:rPr>
+              <a:t>Dimension</a:t>
+            </a:r>
+            <a:r>
+              <a:rPr kumimoji="0" lang="es-EC" altLang="es-EC" sz="1200" b="0" i="0" u="none" strike="noStrike" cap="none" normalizeH="0" baseline="0" dirty="0">
+                <a:ln>
+                  <a:noFill/>
+                </a:ln>
+                <a:solidFill>
+                  <a:srgbClr val="535353"/>
+                </a:solidFill>
+                <a:effectLst/>
+                <a:latin typeface="roboto"/>
+              </a:rPr>
+              <a:t>: 96*56*33 mm/ 3.78*2.2*1.3 </a:t>
+            </a:r>
+            <a:r>
+              <a:rPr kumimoji="0" lang="es-EC" altLang="es-EC" sz="1200" b="0" i="0" u="none" strike="noStrike" cap="none" normalizeH="0" baseline="0" dirty="0" err="1">
+                <a:ln>
+                  <a:noFill/>
+                </a:ln>
+                <a:solidFill>
+                  <a:srgbClr val="535353"/>
+                </a:solidFill>
+                <a:effectLst/>
+                <a:latin typeface="roboto"/>
+              </a:rPr>
+              <a:t>inches</a:t>
+            </a:r>
+            <a:endParaRPr kumimoji="0" lang="es-EC" altLang="es-EC" sz="1200" b="0" i="0" u="none" strike="noStrike" cap="none" normalizeH="0" baseline="0" dirty="0">
+              <a:ln>
+                <a:noFill/>
+              </a:ln>
+              <a:solidFill>
+                <a:srgbClr val="535353"/>
+              </a:solidFill>
+              <a:effectLst/>
+              <a:latin typeface="roboto"/>
+            </a:endParaRPr>
+          </a:p>
+          <a:p>
+            <a:pPr marL="0" marR="0" lvl="0" indent="133350" algn="l" defTabSz="914400" rtl="0" eaLnBrk="0" fontAlgn="base" latinLnBrk="0" hangingPunct="0">
+              <a:lnSpc>
+                <a:spcPct val="100000"/>
+              </a:lnSpc>
+              <a:spcBef>
+                <a:spcPct val="0"/>
+              </a:spcBef>
+              <a:spcAft>
+                <a:spcPct val="0"/>
+              </a:spcAft>
+              <a:buClrTx/>
+              <a:buSzTx/>
+              <a:buFontTx/>
+              <a:buChar char="•"/>
+              <a:tabLst/>
+            </a:pPr>
+            <a:r>
+              <a:rPr kumimoji="0" lang="es-EC" altLang="es-EC" sz="1200" b="0" i="0" u="none" strike="noStrike" cap="none" normalizeH="0" baseline="0" dirty="0" err="1">
+                <a:ln>
+                  <a:noFill/>
+                </a:ln>
+                <a:solidFill>
+                  <a:srgbClr val="535353"/>
+                </a:solidFill>
+                <a:effectLst/>
+                <a:latin typeface="roboto"/>
+              </a:rPr>
+              <a:t>Weight</a:t>
+            </a:r>
+            <a:r>
+              <a:rPr kumimoji="0" lang="es-EC" altLang="es-EC" sz="1200" b="0" i="0" u="none" strike="noStrike" cap="none" normalizeH="0" baseline="0" dirty="0">
+                <a:ln>
+                  <a:noFill/>
+                </a:ln>
+                <a:solidFill>
+                  <a:srgbClr val="535353"/>
+                </a:solidFill>
+                <a:effectLst/>
+                <a:latin typeface="roboto"/>
+              </a:rPr>
+              <a:t>: 0.2 kg</a:t>
+            </a:r>
+          </a:p>
+          <a:p>
+            <a:pPr marL="0" marR="0" lvl="0" indent="133350" algn="l" defTabSz="914400" rtl="0" eaLnBrk="0" fontAlgn="base" latinLnBrk="0" hangingPunct="0">
+              <a:lnSpc>
+                <a:spcPct val="100000"/>
+              </a:lnSpc>
+              <a:spcBef>
+                <a:spcPct val="0"/>
+              </a:spcBef>
+              <a:spcAft>
+                <a:spcPct val="0"/>
+              </a:spcAft>
+              <a:buClrTx/>
+              <a:buSzTx/>
+              <a:buFontTx/>
+              <a:buChar char="•"/>
+              <a:tabLst/>
+            </a:pPr>
+            <a:r>
+              <a:rPr kumimoji="0" lang="es-EC" altLang="es-EC" sz="1200" b="0" i="0" u="none" strike="noStrike" cap="none" normalizeH="0" baseline="0" dirty="0">
+                <a:ln>
+                  <a:noFill/>
+                </a:ln>
+                <a:solidFill>
+                  <a:srgbClr val="535353"/>
+                </a:solidFill>
+                <a:effectLst/>
+                <a:latin typeface="roboto"/>
+              </a:rPr>
+              <a:t>Drive IC: TB67S109AFTG</a:t>
+            </a:r>
+            <a:endParaRPr kumimoji="0" lang="es-EC" altLang="es-EC" sz="1800" b="0" i="0" u="none" strike="noStrike" cap="none" normalizeH="0" baseline="0" dirty="0">
+              <a:ln>
+                <a:noFill/>
+              </a:ln>
+              <a:solidFill>
+                <a:schemeClr val="tx1"/>
+              </a:solidFill>
+              <a:effectLst/>
+              <a:latin typeface="Arial" panose="020B0604020202020204" pitchFamily="34" charset="0"/>
+            </a:endParaRPr>
+          </a:p>
+        </p:txBody>
+      </p:sp>
+    </p:spTree>
+    <p:extLst>
+      <p:ext uri="{BB962C8B-B14F-4D97-AF65-F5344CB8AC3E}">
+        <p14:creationId xmlns:p14="http://schemas.microsoft.com/office/powerpoint/2010/main" val="4265179218"/>
+      </p:ext>
+    </p:extLst>
+  </p:cSld>
+  <p:clrMapOvr>
+    <a:masterClrMapping/>
+  </p:clrMapOvr>
+</p:sld>
+</file>
+
 <file path=ppt/theme/theme1.xml><?xml version="1.0" encoding="utf-8"?>
 <a:theme xmlns:a="http://schemas.openxmlformats.org/drawingml/2006/main" name="Tema de Office">
   <a:themeElements>

--- a/connections/connections.pptx
+++ b/connections/connections.pptx
@@ -12,6 +12,7 @@
     <p:sldId id="260" r:id="rId6"/>
     <p:sldId id="261" r:id="rId7"/>
     <p:sldId id="264" r:id="rId8"/>
+    <p:sldId id="266" r:id="rId9"/>
   </p:sldIdLst>
   <p:sldSz cx="12192000" cy="6858000"/>
   <p:notesSz cx="6858000" cy="9144000"/>
@@ -277,7 +278,7 @@
           <a:p>
             <a:fld id="{07AAE364-0E33-47A9-924B-88C103971447}" type="datetimeFigureOut">
               <a:rPr lang="es-ES" smtClean="0"/>
-              <a:t>18/07/2020</a:t>
+              <a:t>21/07/2020</a:t>
             </a:fld>
             <a:endParaRPr lang="es-ES"/>
           </a:p>
@@ -475,7 +476,7 @@
           <a:p>
             <a:fld id="{07AAE364-0E33-47A9-924B-88C103971447}" type="datetimeFigureOut">
               <a:rPr lang="es-ES" smtClean="0"/>
-              <a:t>18/07/2020</a:t>
+              <a:t>21/07/2020</a:t>
             </a:fld>
             <a:endParaRPr lang="es-ES"/>
           </a:p>
@@ -683,7 +684,7 @@
           <a:p>
             <a:fld id="{07AAE364-0E33-47A9-924B-88C103971447}" type="datetimeFigureOut">
               <a:rPr lang="es-ES" smtClean="0"/>
-              <a:t>18/07/2020</a:t>
+              <a:t>21/07/2020</a:t>
             </a:fld>
             <a:endParaRPr lang="es-ES"/>
           </a:p>
@@ -881,7 +882,7 @@
           <a:p>
             <a:fld id="{07AAE364-0E33-47A9-924B-88C103971447}" type="datetimeFigureOut">
               <a:rPr lang="es-ES" smtClean="0"/>
-              <a:t>18/07/2020</a:t>
+              <a:t>21/07/2020</a:t>
             </a:fld>
             <a:endParaRPr lang="es-ES"/>
           </a:p>
@@ -1156,7 +1157,7 @@
           <a:p>
             <a:fld id="{07AAE364-0E33-47A9-924B-88C103971447}" type="datetimeFigureOut">
               <a:rPr lang="es-ES" smtClean="0"/>
-              <a:t>18/07/2020</a:t>
+              <a:t>21/07/2020</a:t>
             </a:fld>
             <a:endParaRPr lang="es-ES"/>
           </a:p>
@@ -1421,7 +1422,7 @@
           <a:p>
             <a:fld id="{07AAE364-0E33-47A9-924B-88C103971447}" type="datetimeFigureOut">
               <a:rPr lang="es-ES" smtClean="0"/>
-              <a:t>18/07/2020</a:t>
+              <a:t>21/07/2020</a:t>
             </a:fld>
             <a:endParaRPr lang="es-ES"/>
           </a:p>
@@ -1833,7 +1834,7 @@
           <a:p>
             <a:fld id="{07AAE364-0E33-47A9-924B-88C103971447}" type="datetimeFigureOut">
               <a:rPr lang="es-ES" smtClean="0"/>
-              <a:t>18/07/2020</a:t>
+              <a:t>21/07/2020</a:t>
             </a:fld>
             <a:endParaRPr lang="es-ES"/>
           </a:p>
@@ -1974,7 +1975,7 @@
           <a:p>
             <a:fld id="{07AAE364-0E33-47A9-924B-88C103971447}" type="datetimeFigureOut">
               <a:rPr lang="es-ES" smtClean="0"/>
-              <a:t>18/07/2020</a:t>
+              <a:t>21/07/2020</a:t>
             </a:fld>
             <a:endParaRPr lang="es-ES"/>
           </a:p>
@@ -2087,7 +2088,7 @@
           <a:p>
             <a:fld id="{07AAE364-0E33-47A9-924B-88C103971447}" type="datetimeFigureOut">
               <a:rPr lang="es-ES" smtClean="0"/>
-              <a:t>18/07/2020</a:t>
+              <a:t>21/07/2020</a:t>
             </a:fld>
             <a:endParaRPr lang="es-ES"/>
           </a:p>
@@ -2398,7 +2399,7 @@
           <a:p>
             <a:fld id="{07AAE364-0E33-47A9-924B-88C103971447}" type="datetimeFigureOut">
               <a:rPr lang="es-ES" smtClean="0"/>
-              <a:t>18/07/2020</a:t>
+              <a:t>21/07/2020</a:t>
             </a:fld>
             <a:endParaRPr lang="es-ES"/>
           </a:p>
@@ -2686,7 +2687,7 @@
           <a:p>
             <a:fld id="{07AAE364-0E33-47A9-924B-88C103971447}" type="datetimeFigureOut">
               <a:rPr lang="es-ES" smtClean="0"/>
-              <a:t>18/07/2020</a:t>
+              <a:t>21/07/2020</a:t>
             </a:fld>
             <a:endParaRPr lang="es-ES"/>
           </a:p>
@@ -2927,7 +2928,7 @@
           <a:p>
             <a:fld id="{07AAE364-0E33-47A9-924B-88C103971447}" type="datetimeFigureOut">
               <a:rPr lang="es-ES" smtClean="0"/>
-              <a:t>18/07/2020</a:t>
+              <a:t>21/07/2020</a:t>
             </a:fld>
             <a:endParaRPr lang="es-ES"/>
           </a:p>
@@ -3755,10 +3756,10 @@
       </p:cxnSp>
       <p:cxnSp>
         <p:nvCxnSpPr>
-          <p:cNvPr id="28" name="Conector: angular 27">
-            <a:extLst>
-              <a:ext uri="{FF2B5EF4-FFF2-40B4-BE49-F238E27FC236}">
-                <a16:creationId xmlns:a16="http://schemas.microsoft.com/office/drawing/2014/main" id="{94565DB2-AB63-4646-94A1-9EF9A78DA23B}"/>
+          <p:cNvPr id="30" name="Conector: angular 29">
+            <a:extLst>
+              <a:ext uri="{FF2B5EF4-FFF2-40B4-BE49-F238E27FC236}">
+                <a16:creationId xmlns:a16="http://schemas.microsoft.com/office/drawing/2014/main" id="{2622BD32-B898-4F13-9721-AF3E261AF7DD}"/>
               </a:ext>
             </a:extLst>
           </p:cNvPr>
@@ -3769,8 +3770,8 @@
         </p:nvCxnSpPr>
         <p:spPr>
           <a:xfrm flipV="1">
-            <a:off x="3388014" y="686785"/>
-            <a:ext cx="3554458" cy="1496389"/>
+            <a:off x="3388013" y="686785"/>
+            <a:ext cx="3554459" cy="1929061"/>
           </a:xfrm>
           <a:prstGeom prst="bentConnector3">
             <a:avLst>
@@ -3801,10 +3802,10 @@
       </p:cxnSp>
       <p:cxnSp>
         <p:nvCxnSpPr>
-          <p:cNvPr id="30" name="Conector: angular 29">
-            <a:extLst>
-              <a:ext uri="{FF2B5EF4-FFF2-40B4-BE49-F238E27FC236}">
-                <a16:creationId xmlns:a16="http://schemas.microsoft.com/office/drawing/2014/main" id="{2622BD32-B898-4F13-9721-AF3E261AF7DD}"/>
+          <p:cNvPr id="32" name="Conector: angular 31">
+            <a:extLst>
+              <a:ext uri="{FF2B5EF4-FFF2-40B4-BE49-F238E27FC236}">
+                <a16:creationId xmlns:a16="http://schemas.microsoft.com/office/drawing/2014/main" id="{97EFC839-CB7F-4F72-BB91-692A44CDEF94}"/>
               </a:ext>
             </a:extLst>
           </p:cNvPr>
@@ -3815,8 +3816,8 @@
         </p:nvCxnSpPr>
         <p:spPr>
           <a:xfrm flipV="1">
-            <a:off x="3388013" y="686785"/>
-            <a:ext cx="3554459" cy="1929061"/>
+            <a:off x="3388012" y="700926"/>
+            <a:ext cx="3554460" cy="2360621"/>
           </a:xfrm>
           <a:prstGeom prst="bentConnector3">
             <a:avLst>
@@ -3847,10 +3848,10 @@
       </p:cxnSp>
       <p:cxnSp>
         <p:nvCxnSpPr>
-          <p:cNvPr id="32" name="Conector: angular 31">
-            <a:extLst>
-              <a:ext uri="{FF2B5EF4-FFF2-40B4-BE49-F238E27FC236}">
-                <a16:creationId xmlns:a16="http://schemas.microsoft.com/office/drawing/2014/main" id="{97EFC839-CB7F-4F72-BB91-692A44CDEF94}"/>
+          <p:cNvPr id="18" name="Conector: angular 17">
+            <a:extLst>
+              <a:ext uri="{FF2B5EF4-FFF2-40B4-BE49-F238E27FC236}">
+                <a16:creationId xmlns:a16="http://schemas.microsoft.com/office/drawing/2014/main" id="{C5EC32E0-6B1B-4CC9-9576-F5CF13DCDB2C}"/>
               </a:ext>
             </a:extLst>
           </p:cNvPr>
@@ -3861,101 +3862,12 @@
         </p:nvCxnSpPr>
         <p:spPr>
           <a:xfrm flipV="1">
-            <a:off x="3388012" y="700926"/>
-            <a:ext cx="3554460" cy="2360621"/>
+            <a:off x="3450525" y="1229710"/>
+            <a:ext cx="3416697" cy="1163017"/>
           </a:xfrm>
           <a:prstGeom prst="bentConnector3">
             <a:avLst>
-              <a:gd name="adj1" fmla="val 50000"/>
-            </a:avLst>
-          </a:prstGeom>
-          <a:ln w="12700">
-            <a:solidFill>
-              <a:srgbClr val="FF0000"/>
-            </a:solidFill>
-            <a:tailEnd type="triangle"/>
-          </a:ln>
-        </p:spPr>
-        <p:style>
-          <a:lnRef idx="1">
-            <a:schemeClr val="accent1"/>
-          </a:lnRef>
-          <a:fillRef idx="0">
-            <a:schemeClr val="accent1"/>
-          </a:fillRef>
-          <a:effectRef idx="0">
-            <a:schemeClr val="accent1"/>
-          </a:effectRef>
-          <a:fontRef idx="minor">
-            <a:schemeClr val="tx1"/>
-          </a:fontRef>
-        </p:style>
-      </p:cxnSp>
-      <p:cxnSp>
-        <p:nvCxnSpPr>
-          <p:cNvPr id="16" name="Conector: angular 15">
-            <a:extLst>
-              <a:ext uri="{FF2B5EF4-FFF2-40B4-BE49-F238E27FC236}">
-                <a16:creationId xmlns:a16="http://schemas.microsoft.com/office/drawing/2014/main" id="{B7CEC4FF-D82C-4CD5-BB89-F03DAD40A566}"/>
-              </a:ext>
-            </a:extLst>
-          </p:cNvPr>
-          <p:cNvCxnSpPr>
-            <a:cxnSpLocks/>
-          </p:cNvCxnSpPr>
-          <p:nvPr/>
-        </p:nvCxnSpPr>
-        <p:spPr>
-          <a:xfrm flipV="1">
-            <a:off x="3388012" y="1028001"/>
-            <a:ext cx="3554460" cy="945623"/>
-          </a:xfrm>
-          <a:prstGeom prst="bentConnector3">
-            <a:avLst>
-              <a:gd name="adj1" fmla="val 58334"/>
-            </a:avLst>
-          </a:prstGeom>
-          <a:ln>
-            <a:tailEnd type="triangle"/>
-          </a:ln>
-        </p:spPr>
-        <p:style>
-          <a:lnRef idx="1">
-            <a:schemeClr val="dk1"/>
-          </a:lnRef>
-          <a:fillRef idx="0">
-            <a:schemeClr val="dk1"/>
-          </a:fillRef>
-          <a:effectRef idx="0">
-            <a:schemeClr val="dk1"/>
-          </a:effectRef>
-          <a:fontRef idx="minor">
-            <a:schemeClr val="tx1"/>
-          </a:fontRef>
-        </p:style>
-      </p:cxnSp>
-      <p:cxnSp>
-        <p:nvCxnSpPr>
-          <p:cNvPr id="18" name="Conector: angular 17">
-            <a:extLst>
-              <a:ext uri="{FF2B5EF4-FFF2-40B4-BE49-F238E27FC236}">
-                <a16:creationId xmlns:a16="http://schemas.microsoft.com/office/drawing/2014/main" id="{C5EC32E0-6B1B-4CC9-9576-F5CF13DCDB2C}"/>
-              </a:ext>
-            </a:extLst>
-          </p:cNvPr>
-          <p:cNvCxnSpPr>
-            <a:cxnSpLocks/>
-          </p:cNvCxnSpPr>
-          <p:nvPr/>
-        </p:nvCxnSpPr>
-        <p:spPr>
-          <a:xfrm flipV="1">
-            <a:off x="3450525" y="1172450"/>
-            <a:ext cx="3491947" cy="1220275"/>
-          </a:xfrm>
-          <a:prstGeom prst="bentConnector3">
-            <a:avLst>
-              <a:gd name="adj1" fmla="val 63277"/>
+              <a:gd name="adj1" fmla="val 64911"/>
             </a:avLst>
           </a:prstGeom>
           <a:ln>
@@ -4025,10 +3937,10 @@
       </p:cxnSp>
       <p:pic>
         <p:nvPicPr>
-          <p:cNvPr id="2" name="Picture 2" descr="Wireless Energy Monitoring System using ESP32 with Blynk ...">
-            <a:extLst>
-              <a:ext uri="{FF2B5EF4-FFF2-40B4-BE49-F238E27FC236}">
-                <a16:creationId xmlns:a16="http://schemas.microsoft.com/office/drawing/2014/main" id="{7E5C0E54-F98E-40C0-8CDB-A2B42B781F80}"/>
+          <p:cNvPr id="1026" name="Picture 2" descr="Insight Into ESP32 Features &amp; Using It With Arduino IDE ...">
+            <a:extLst>
+              <a:ext uri="{FF2B5EF4-FFF2-40B4-BE49-F238E27FC236}">
+                <a16:creationId xmlns:a16="http://schemas.microsoft.com/office/drawing/2014/main" id="{F880BAE7-A5B1-4AEB-87BD-075CC195862D}"/>
               </a:ext>
             </a:extLst>
           </p:cNvPr>
@@ -4045,13 +3957,13 @@
               </a:ext>
             </a:extLst>
           </a:blip>
-          <a:srcRect l="21303" r="21259"/>
+          <a:srcRect l="18237" r="18250" b="25800"/>
           <a:stretch/>
         </p:blipFill>
         <p:spPr bwMode="auto">
           <a:xfrm>
-            <a:off x="6942472" y="366086"/>
-            <a:ext cx="3862791" cy="3539875"/>
+            <a:off x="6929732" y="372879"/>
+            <a:ext cx="4585636" cy="3307623"/>
           </a:xfrm>
           <a:prstGeom prst="rect">
             <a:avLst/>
@@ -4509,10 +4421,10 @@
       </p:cxnSp>
       <p:cxnSp>
         <p:nvCxnSpPr>
-          <p:cNvPr id="28" name="Conector: angular 27">
-            <a:extLst>
-              <a:ext uri="{FF2B5EF4-FFF2-40B4-BE49-F238E27FC236}">
-                <a16:creationId xmlns:a16="http://schemas.microsoft.com/office/drawing/2014/main" id="{94565DB2-AB63-4646-94A1-9EF9A78DA23B}"/>
+          <p:cNvPr id="30" name="Conector: angular 29">
+            <a:extLst>
+              <a:ext uri="{FF2B5EF4-FFF2-40B4-BE49-F238E27FC236}">
+                <a16:creationId xmlns:a16="http://schemas.microsoft.com/office/drawing/2014/main" id="{2622BD32-B898-4F13-9721-AF3E261AF7DD}"/>
               </a:ext>
             </a:extLst>
           </p:cNvPr>
@@ -4523,8 +4435,8 @@
         </p:nvCxnSpPr>
         <p:spPr>
           <a:xfrm flipV="1">
-            <a:off x="3388014" y="686785"/>
-            <a:ext cx="3554458" cy="1496389"/>
+            <a:off x="3388013" y="686785"/>
+            <a:ext cx="3554459" cy="1929061"/>
           </a:xfrm>
           <a:prstGeom prst="bentConnector3">
             <a:avLst>
@@ -4555,10 +4467,10 @@
       </p:cxnSp>
       <p:cxnSp>
         <p:nvCxnSpPr>
-          <p:cNvPr id="30" name="Conector: angular 29">
-            <a:extLst>
-              <a:ext uri="{FF2B5EF4-FFF2-40B4-BE49-F238E27FC236}">
-                <a16:creationId xmlns:a16="http://schemas.microsoft.com/office/drawing/2014/main" id="{2622BD32-B898-4F13-9721-AF3E261AF7DD}"/>
+          <p:cNvPr id="32" name="Conector: angular 31">
+            <a:extLst>
+              <a:ext uri="{FF2B5EF4-FFF2-40B4-BE49-F238E27FC236}">
+                <a16:creationId xmlns:a16="http://schemas.microsoft.com/office/drawing/2014/main" id="{97EFC839-CB7F-4F72-BB91-692A44CDEF94}"/>
               </a:ext>
             </a:extLst>
           </p:cNvPr>
@@ -4569,8 +4481,8 @@
         </p:nvCxnSpPr>
         <p:spPr>
           <a:xfrm flipV="1">
-            <a:off x="3388013" y="686785"/>
-            <a:ext cx="3554459" cy="1929061"/>
+            <a:off x="3388012" y="700926"/>
+            <a:ext cx="3554460" cy="2360621"/>
           </a:xfrm>
           <a:prstGeom prst="bentConnector3">
             <a:avLst>
@@ -4601,10 +4513,10 @@
       </p:cxnSp>
       <p:cxnSp>
         <p:nvCxnSpPr>
-          <p:cNvPr id="32" name="Conector: angular 31">
-            <a:extLst>
-              <a:ext uri="{FF2B5EF4-FFF2-40B4-BE49-F238E27FC236}">
-                <a16:creationId xmlns:a16="http://schemas.microsoft.com/office/drawing/2014/main" id="{97EFC839-CB7F-4F72-BB91-692A44CDEF94}"/>
+          <p:cNvPr id="18" name="Conector: angular 17">
+            <a:extLst>
+              <a:ext uri="{FF2B5EF4-FFF2-40B4-BE49-F238E27FC236}">
+                <a16:creationId xmlns:a16="http://schemas.microsoft.com/office/drawing/2014/main" id="{C5EC32E0-6B1B-4CC9-9576-F5CF13DCDB2C}"/>
               </a:ext>
             </a:extLst>
           </p:cNvPr>
@@ -4615,101 +4527,12 @@
         </p:nvCxnSpPr>
         <p:spPr>
           <a:xfrm flipV="1">
-            <a:off x="3388012" y="700926"/>
-            <a:ext cx="3554460" cy="2360621"/>
+            <a:off x="3432528" y="1504748"/>
+            <a:ext cx="3497204" cy="901002"/>
           </a:xfrm>
           <a:prstGeom prst="bentConnector3">
             <a:avLst>
-              <a:gd name="adj1" fmla="val 50000"/>
-            </a:avLst>
-          </a:prstGeom>
-          <a:ln w="12700">
-            <a:solidFill>
-              <a:srgbClr val="FF0000"/>
-            </a:solidFill>
-            <a:tailEnd type="triangle"/>
-          </a:ln>
-        </p:spPr>
-        <p:style>
-          <a:lnRef idx="1">
-            <a:schemeClr val="accent1"/>
-          </a:lnRef>
-          <a:fillRef idx="0">
-            <a:schemeClr val="accent1"/>
-          </a:fillRef>
-          <a:effectRef idx="0">
-            <a:schemeClr val="accent1"/>
-          </a:effectRef>
-          <a:fontRef idx="minor">
-            <a:schemeClr val="tx1"/>
-          </a:fontRef>
-        </p:style>
-      </p:cxnSp>
-      <p:cxnSp>
-        <p:nvCxnSpPr>
-          <p:cNvPr id="16" name="Conector: angular 15">
-            <a:extLst>
-              <a:ext uri="{FF2B5EF4-FFF2-40B4-BE49-F238E27FC236}">
-                <a16:creationId xmlns:a16="http://schemas.microsoft.com/office/drawing/2014/main" id="{B7CEC4FF-D82C-4CD5-BB89-F03DAD40A566}"/>
-              </a:ext>
-            </a:extLst>
-          </p:cNvPr>
-          <p:cNvCxnSpPr>
-            <a:cxnSpLocks/>
-          </p:cNvCxnSpPr>
-          <p:nvPr/>
-        </p:nvCxnSpPr>
-        <p:spPr>
-          <a:xfrm flipV="1">
-            <a:off x="3388012" y="1528837"/>
-            <a:ext cx="3554460" cy="444788"/>
-          </a:xfrm>
-          <a:prstGeom prst="bentConnector3">
-            <a:avLst>
-              <a:gd name="adj1" fmla="val 63406"/>
-            </a:avLst>
-          </a:prstGeom>
-          <a:ln>
-            <a:tailEnd type="triangle"/>
-          </a:ln>
-        </p:spPr>
-        <p:style>
-          <a:lnRef idx="1">
-            <a:schemeClr val="dk1"/>
-          </a:lnRef>
-          <a:fillRef idx="0">
-            <a:schemeClr val="dk1"/>
-          </a:fillRef>
-          <a:effectRef idx="0">
-            <a:schemeClr val="dk1"/>
-          </a:effectRef>
-          <a:fontRef idx="minor">
-            <a:schemeClr val="tx1"/>
-          </a:fontRef>
-        </p:style>
-      </p:cxnSp>
-      <p:cxnSp>
-        <p:nvCxnSpPr>
-          <p:cNvPr id="18" name="Conector: angular 17">
-            <a:extLst>
-              <a:ext uri="{FF2B5EF4-FFF2-40B4-BE49-F238E27FC236}">
-                <a16:creationId xmlns:a16="http://schemas.microsoft.com/office/drawing/2014/main" id="{C5EC32E0-6B1B-4CC9-9576-F5CF13DCDB2C}"/>
-              </a:ext>
-            </a:extLst>
-          </p:cNvPr>
-          <p:cNvCxnSpPr>
-            <a:cxnSpLocks/>
-          </p:cNvCxnSpPr>
-          <p:nvPr/>
-        </p:nvCxnSpPr>
-        <p:spPr>
-          <a:xfrm flipV="1">
-            <a:off x="3432528" y="1658374"/>
-            <a:ext cx="3509944" cy="747376"/>
-          </a:xfrm>
-          <a:prstGeom prst="bentConnector3">
-            <a:avLst>
-              <a:gd name="adj1" fmla="val 68713"/>
+              <a:gd name="adj1" fmla="val 67929"/>
             </a:avLst>
           </a:prstGeom>
           <a:ln>
@@ -4747,12 +4570,12 @@
         </p:nvCxnSpPr>
         <p:spPr>
           <a:xfrm flipV="1">
-            <a:off x="3450525" y="1783918"/>
-            <a:ext cx="3491947" cy="1080434"/>
+            <a:off x="3388011" y="1626721"/>
+            <a:ext cx="3554461" cy="1198675"/>
           </a:xfrm>
           <a:prstGeom prst="bentConnector3">
             <a:avLst>
-              <a:gd name="adj1" fmla="val 75448"/>
+              <a:gd name="adj1" fmla="val 73520"/>
             </a:avLst>
           </a:prstGeom>
           <a:ln>
@@ -4779,10 +4602,10 @@
       </p:cxnSp>
       <p:pic>
         <p:nvPicPr>
-          <p:cNvPr id="2" name="Picture 2" descr="Wireless Energy Monitoring System using ESP32 with Blynk ...">
-            <a:extLst>
-              <a:ext uri="{FF2B5EF4-FFF2-40B4-BE49-F238E27FC236}">
-                <a16:creationId xmlns:a16="http://schemas.microsoft.com/office/drawing/2014/main" id="{7E5C0E54-F98E-40C0-8CDB-A2B42B781F80}"/>
+          <p:cNvPr id="3" name="Picture 2" descr="Insight Into ESP32 Features &amp; Using It With Arduino IDE ...">
+            <a:extLst>
+              <a:ext uri="{FF2B5EF4-FFF2-40B4-BE49-F238E27FC236}">
+                <a16:creationId xmlns:a16="http://schemas.microsoft.com/office/drawing/2014/main" id="{23BF5F24-8BC4-4B3C-9A8C-388AF73A7EAA}"/>
               </a:ext>
             </a:extLst>
           </p:cNvPr>
@@ -4799,13 +4622,13 @@
               </a:ext>
             </a:extLst>
           </a:blip>
-          <a:srcRect l="21303" r="21259"/>
+          <a:srcRect l="18237" r="18250" b="25800"/>
           <a:stretch/>
         </p:blipFill>
         <p:spPr bwMode="auto">
           <a:xfrm>
-            <a:off x="6942472" y="366086"/>
-            <a:ext cx="3862791" cy="3539875"/>
+            <a:off x="6929732" y="372879"/>
+            <a:ext cx="4585636" cy="3307623"/>
           </a:xfrm>
           <a:prstGeom prst="rect">
             <a:avLst/>
@@ -5263,10 +5086,10 @@
       </p:cxnSp>
       <p:cxnSp>
         <p:nvCxnSpPr>
-          <p:cNvPr id="28" name="Conector: angular 27">
-            <a:extLst>
-              <a:ext uri="{FF2B5EF4-FFF2-40B4-BE49-F238E27FC236}">
-                <a16:creationId xmlns:a16="http://schemas.microsoft.com/office/drawing/2014/main" id="{94565DB2-AB63-4646-94A1-9EF9A78DA23B}"/>
+          <p:cNvPr id="30" name="Conector: angular 29">
+            <a:extLst>
+              <a:ext uri="{FF2B5EF4-FFF2-40B4-BE49-F238E27FC236}">
+                <a16:creationId xmlns:a16="http://schemas.microsoft.com/office/drawing/2014/main" id="{2622BD32-B898-4F13-9721-AF3E261AF7DD}"/>
               </a:ext>
             </a:extLst>
           </p:cNvPr>
@@ -5277,8 +5100,8 @@
         </p:nvCxnSpPr>
         <p:spPr>
           <a:xfrm flipV="1">
-            <a:off x="3388014" y="686785"/>
-            <a:ext cx="3554458" cy="1496389"/>
+            <a:off x="3388013" y="686785"/>
+            <a:ext cx="3554459" cy="1929061"/>
           </a:xfrm>
           <a:prstGeom prst="bentConnector3">
             <a:avLst>
@@ -5309,10 +5132,10 @@
       </p:cxnSp>
       <p:cxnSp>
         <p:nvCxnSpPr>
-          <p:cNvPr id="30" name="Conector: angular 29">
-            <a:extLst>
-              <a:ext uri="{FF2B5EF4-FFF2-40B4-BE49-F238E27FC236}">
-                <a16:creationId xmlns:a16="http://schemas.microsoft.com/office/drawing/2014/main" id="{2622BD32-B898-4F13-9721-AF3E261AF7DD}"/>
+          <p:cNvPr id="32" name="Conector: angular 31">
+            <a:extLst>
+              <a:ext uri="{FF2B5EF4-FFF2-40B4-BE49-F238E27FC236}">
+                <a16:creationId xmlns:a16="http://schemas.microsoft.com/office/drawing/2014/main" id="{97EFC839-CB7F-4F72-BB91-692A44CDEF94}"/>
               </a:ext>
             </a:extLst>
           </p:cNvPr>
@@ -5323,8 +5146,8 @@
         </p:nvCxnSpPr>
         <p:spPr>
           <a:xfrm flipV="1">
-            <a:off x="3388013" y="686785"/>
-            <a:ext cx="3554459" cy="1929061"/>
+            <a:off x="3388012" y="700926"/>
+            <a:ext cx="3554460" cy="2360621"/>
           </a:xfrm>
           <a:prstGeom prst="bentConnector3">
             <a:avLst>
@@ -5355,10 +5178,10 @@
       </p:cxnSp>
       <p:cxnSp>
         <p:nvCxnSpPr>
-          <p:cNvPr id="32" name="Conector: angular 31">
-            <a:extLst>
-              <a:ext uri="{FF2B5EF4-FFF2-40B4-BE49-F238E27FC236}">
-                <a16:creationId xmlns:a16="http://schemas.microsoft.com/office/drawing/2014/main" id="{97EFC839-CB7F-4F72-BB91-692A44CDEF94}"/>
+          <p:cNvPr id="18" name="Conector: angular 17">
+            <a:extLst>
+              <a:ext uri="{FF2B5EF4-FFF2-40B4-BE49-F238E27FC236}">
+                <a16:creationId xmlns:a16="http://schemas.microsoft.com/office/drawing/2014/main" id="{C5EC32E0-6B1B-4CC9-9576-F5CF13DCDB2C}"/>
               </a:ext>
             </a:extLst>
           </p:cNvPr>
@@ -5369,102 +5192,12 @@
         </p:nvCxnSpPr>
         <p:spPr>
           <a:xfrm flipV="1">
-            <a:off x="3388012" y="700926"/>
-            <a:ext cx="3554460" cy="2360621"/>
+            <a:off x="3450525" y="1801906"/>
+            <a:ext cx="3491947" cy="590820"/>
           </a:xfrm>
           <a:prstGeom prst="bentConnector3">
             <a:avLst>
-              <a:gd name="adj1" fmla="val 50000"/>
-            </a:avLst>
-          </a:prstGeom>
-          <a:ln w="12700">
-            <a:solidFill>
-              <a:srgbClr val="FF0000"/>
-            </a:solidFill>
-            <a:tailEnd type="triangle"/>
-          </a:ln>
-        </p:spPr>
-        <p:style>
-          <a:lnRef idx="1">
-            <a:schemeClr val="accent1"/>
-          </a:lnRef>
-          <a:fillRef idx="0">
-            <a:schemeClr val="accent1"/>
-          </a:fillRef>
-          <a:effectRef idx="0">
-            <a:schemeClr val="accent1"/>
-          </a:effectRef>
-          <a:fontRef idx="minor">
-            <a:schemeClr val="tx1"/>
-          </a:fontRef>
-        </p:style>
-      </p:cxnSp>
-      <p:cxnSp>
-        <p:nvCxnSpPr>
-          <p:cNvPr id="16" name="Conector: angular 15">
-            <a:extLst>
-              <a:ext uri="{FF2B5EF4-FFF2-40B4-BE49-F238E27FC236}">
-                <a16:creationId xmlns:a16="http://schemas.microsoft.com/office/drawing/2014/main" id="{B7CEC4FF-D82C-4CD5-BB89-F03DAD40A566}"/>
-              </a:ext>
-            </a:extLst>
-          </p:cNvPr>
-          <p:cNvCxnSpPr>
-            <a:cxnSpLocks/>
-          </p:cNvCxnSpPr>
-          <p:nvPr/>
-        </p:nvCxnSpPr>
-        <p:spPr>
-          <a:xfrm flipV="1">
-            <a:off x="3388012" y="1973624"/>
-            <a:ext cx="3554460" cy="1"/>
-          </a:xfrm>
-          <a:prstGeom prst="bentConnector3">
-            <a:avLst>
-              <a:gd name="adj1" fmla="val 50000"/>
-            </a:avLst>
-          </a:prstGeom>
-          <a:ln>
-            <a:tailEnd type="triangle"/>
-          </a:ln>
-        </p:spPr>
-        <p:style>
-          <a:lnRef idx="1">
-            <a:schemeClr val="dk1"/>
-          </a:lnRef>
-          <a:fillRef idx="0">
-            <a:schemeClr val="dk1"/>
-          </a:fillRef>
-          <a:effectRef idx="0">
-            <a:schemeClr val="dk1"/>
-          </a:effectRef>
-          <a:fontRef idx="minor">
-            <a:schemeClr val="tx1"/>
-          </a:fontRef>
-        </p:style>
-      </p:cxnSp>
-      <p:cxnSp>
-        <p:nvCxnSpPr>
-          <p:cNvPr id="18" name="Conector: angular 17">
-            <a:extLst>
-              <a:ext uri="{FF2B5EF4-FFF2-40B4-BE49-F238E27FC236}">
-                <a16:creationId xmlns:a16="http://schemas.microsoft.com/office/drawing/2014/main" id="{C5EC32E0-6B1B-4CC9-9576-F5CF13DCDB2C}"/>
-              </a:ext>
-            </a:extLst>
-          </p:cNvPr>
-          <p:cNvCxnSpPr>
-            <a:cxnSpLocks/>
-            <a:endCxn id="2" idx="1"/>
-          </p:cNvCxnSpPr>
-          <p:nvPr/>
-        </p:nvCxnSpPr>
-        <p:spPr>
-          <a:xfrm flipV="1">
-            <a:off x="3450525" y="2136024"/>
-            <a:ext cx="3491947" cy="256702"/>
-          </a:xfrm>
-          <a:prstGeom prst="bentConnector3">
-            <a:avLst>
-              <a:gd name="adj1" fmla="val 71760"/>
+              <a:gd name="adj1" fmla="val 75801"/>
             </a:avLst>
           </a:prstGeom>
           <a:ln>
@@ -5502,12 +5235,12 @@
         </p:nvCxnSpPr>
         <p:spPr>
           <a:xfrm flipV="1">
-            <a:off x="3450525" y="2330526"/>
-            <a:ext cx="3491947" cy="533826"/>
+            <a:off x="3450525" y="1986994"/>
+            <a:ext cx="3491947" cy="877359"/>
           </a:xfrm>
           <a:prstGeom prst="bentConnector3">
             <a:avLst>
-              <a:gd name="adj1" fmla="val 79137"/>
+              <a:gd name="adj1" fmla="val 82732"/>
             </a:avLst>
           </a:prstGeom>
           <a:ln>
@@ -5534,10 +5267,10 @@
       </p:cxnSp>
       <p:pic>
         <p:nvPicPr>
-          <p:cNvPr id="2" name="Picture 2" descr="Wireless Energy Monitoring System using ESP32 with Blynk ...">
-            <a:extLst>
-              <a:ext uri="{FF2B5EF4-FFF2-40B4-BE49-F238E27FC236}">
-                <a16:creationId xmlns:a16="http://schemas.microsoft.com/office/drawing/2014/main" id="{7E5C0E54-F98E-40C0-8CDB-A2B42B781F80}"/>
+          <p:cNvPr id="3" name="Picture 2" descr="Insight Into ESP32 Features &amp; Using It With Arduino IDE ...">
+            <a:extLst>
+              <a:ext uri="{FF2B5EF4-FFF2-40B4-BE49-F238E27FC236}">
+                <a16:creationId xmlns:a16="http://schemas.microsoft.com/office/drawing/2014/main" id="{62E78008-6694-4949-8FCD-8B84B439D07E}"/>
               </a:ext>
             </a:extLst>
           </p:cNvPr>
@@ -5554,13 +5287,13 @@
               </a:ext>
             </a:extLst>
           </a:blip>
-          <a:srcRect l="21303" r="21259"/>
+          <a:srcRect l="18237" r="18250" b="25800"/>
           <a:stretch/>
         </p:blipFill>
         <p:spPr bwMode="auto">
           <a:xfrm>
-            <a:off x="6942472" y="366086"/>
-            <a:ext cx="3862791" cy="3539875"/>
+            <a:off x="6970073" y="359432"/>
+            <a:ext cx="4585636" cy="3307623"/>
           </a:xfrm>
           <a:prstGeom prst="rect">
             <a:avLst/>
@@ -7835,6 +7568,1113 @@
 </p:sld>
 </file>
 
+<file path=ppt/slides/slide8.xml><?xml version="1.0" encoding="utf-8"?>
+<p:sld xmlns:a="http://schemas.openxmlformats.org/drawingml/2006/main" xmlns:r="http://schemas.openxmlformats.org/officeDocument/2006/relationships" xmlns:p="http://schemas.openxmlformats.org/presentationml/2006/main">
+  <p:cSld>
+    <p:spTree>
+      <p:nvGrpSpPr>
+        <p:cNvPr id="1" name=""/>
+        <p:cNvGrpSpPr/>
+        <p:nvPr/>
+      </p:nvGrpSpPr>
+      <p:grpSpPr>
+        <a:xfrm>
+          <a:off x="0" y="0"/>
+          <a:ext cx="0" cy="0"/>
+          <a:chOff x="0" y="0"/>
+          <a:chExt cx="0" cy="0"/>
+        </a:xfrm>
+      </p:grpSpPr>
+      <p:sp>
+        <p:nvSpPr>
+          <p:cNvPr id="2" name="Título 1">
+            <a:extLst>
+              <a:ext uri="{FF2B5EF4-FFF2-40B4-BE49-F238E27FC236}">
+                <a16:creationId xmlns:a16="http://schemas.microsoft.com/office/drawing/2014/main" id="{32186612-4B34-41E9-B422-2E9D920601B4}"/>
+              </a:ext>
+            </a:extLst>
+          </p:cNvPr>
+          <p:cNvSpPr>
+            <a:spLocks noGrp="1"/>
+          </p:cNvSpPr>
+          <p:nvPr>
+            <p:ph type="title"/>
+          </p:nvPr>
+        </p:nvSpPr>
+        <p:spPr/>
+        <p:txBody>
+          <a:bodyPr/>
+          <a:lstStyle/>
+          <a:p>
+            <a:r>
+              <a:rPr lang="es-ES" dirty="0" err="1"/>
+              <a:t>Program</a:t>
+            </a:r>
+            <a:endParaRPr lang="es-ES" dirty="0"/>
+          </a:p>
+        </p:txBody>
+      </p:sp>
+      <p:sp>
+        <p:nvSpPr>
+          <p:cNvPr id="4" name="CuadroTexto 3">
+            <a:extLst>
+              <a:ext uri="{FF2B5EF4-FFF2-40B4-BE49-F238E27FC236}">
+                <a16:creationId xmlns:a16="http://schemas.microsoft.com/office/drawing/2014/main" id="{E3B23348-25B3-4791-A104-5F0C08FE110E}"/>
+              </a:ext>
+            </a:extLst>
+          </p:cNvPr>
+          <p:cNvSpPr txBox="1"/>
+          <p:nvPr/>
+        </p:nvSpPr>
+        <p:spPr>
+          <a:xfrm>
+            <a:off x="838200" y="1422742"/>
+            <a:ext cx="10800806" cy="4524315"/>
+          </a:xfrm>
+          <a:prstGeom prst="rect">
+            <a:avLst/>
+          </a:prstGeom>
+          <a:noFill/>
+        </p:spPr>
+        <p:txBody>
+          <a:bodyPr wrap="square">
+            <a:spAutoFit/>
+          </a:bodyPr>
+          <a:lstStyle/>
+          <a:p>
+            <a:r>
+              <a:rPr lang="es-ES" dirty="0" err="1"/>
+              <a:t>The</a:t>
+            </a:r>
+            <a:r>
+              <a:rPr lang="es-ES" dirty="0"/>
+              <a:t> </a:t>
+            </a:r>
+            <a:r>
+              <a:rPr lang="es-ES" dirty="0" err="1"/>
+              <a:t>program</a:t>
+            </a:r>
+            <a:r>
+              <a:rPr lang="es-ES" dirty="0"/>
+              <a:t> </a:t>
+            </a:r>
+            <a:r>
+              <a:rPr lang="es-ES" dirty="0" err="1"/>
+              <a:t>is</a:t>
+            </a:r>
+            <a:r>
+              <a:rPr lang="es-ES" dirty="0"/>
+              <a:t> </a:t>
+            </a:r>
+            <a:r>
+              <a:rPr lang="es-ES" dirty="0" err="1"/>
+              <a:t>configured</a:t>
+            </a:r>
+            <a:r>
+              <a:rPr lang="es-ES" dirty="0"/>
+              <a:t> as </a:t>
+            </a:r>
+            <a:r>
+              <a:rPr lang="es-ES" dirty="0" err="1"/>
+              <a:t>indicated</a:t>
+            </a:r>
+            <a:r>
+              <a:rPr lang="es-ES" dirty="0"/>
+              <a:t> </a:t>
+            </a:r>
+            <a:r>
+              <a:rPr lang="es-ES" dirty="0" err="1"/>
+              <a:t>by</a:t>
+            </a:r>
+            <a:r>
+              <a:rPr lang="es-ES" dirty="0"/>
+              <a:t> </a:t>
+            </a:r>
+            <a:r>
+              <a:rPr lang="es-ES" dirty="0" err="1"/>
+              <a:t>the</a:t>
+            </a:r>
+            <a:r>
+              <a:rPr lang="es-ES" dirty="0"/>
+              <a:t> 30-pin ESP32.</a:t>
+            </a:r>
+          </a:p>
+          <a:p>
+            <a:endParaRPr lang="es-ES" dirty="0"/>
+          </a:p>
+          <a:p>
+            <a:r>
+              <a:rPr lang="es-ES" dirty="0" err="1"/>
+              <a:t>If</a:t>
+            </a:r>
+            <a:r>
+              <a:rPr lang="es-ES" dirty="0"/>
+              <a:t> </a:t>
+            </a:r>
+            <a:r>
+              <a:rPr lang="es-ES" dirty="0" err="1"/>
+              <a:t>you</a:t>
+            </a:r>
+            <a:r>
+              <a:rPr lang="es-ES" dirty="0"/>
+              <a:t> </a:t>
+            </a:r>
+            <a:r>
+              <a:rPr lang="es-ES" dirty="0" err="1"/>
+              <a:t>already</a:t>
+            </a:r>
+            <a:r>
+              <a:rPr lang="es-ES" dirty="0"/>
+              <a:t> </a:t>
+            </a:r>
+            <a:r>
+              <a:rPr lang="es-ES" dirty="0" err="1"/>
+              <a:t>have</a:t>
+            </a:r>
+            <a:r>
+              <a:rPr lang="es-ES" dirty="0"/>
+              <a:t> a </a:t>
+            </a:r>
+            <a:r>
+              <a:rPr lang="es-ES" dirty="0" err="1"/>
+              <a:t>connection</a:t>
+            </a:r>
+            <a:r>
+              <a:rPr lang="es-ES" dirty="0"/>
+              <a:t> </a:t>
+            </a:r>
+            <a:r>
+              <a:rPr lang="es-ES" dirty="0" err="1"/>
+              <a:t>we</a:t>
+            </a:r>
+            <a:r>
+              <a:rPr lang="es-ES" dirty="0"/>
+              <a:t> </a:t>
+            </a:r>
+            <a:r>
+              <a:rPr lang="es-ES" dirty="0" err="1"/>
+              <a:t>only</a:t>
+            </a:r>
+            <a:r>
+              <a:rPr lang="es-ES" dirty="0"/>
+              <a:t> </a:t>
+            </a:r>
+            <a:r>
+              <a:rPr lang="es-ES" dirty="0" err="1"/>
+              <a:t>have</a:t>
+            </a:r>
+            <a:r>
+              <a:rPr lang="es-ES" dirty="0"/>
+              <a:t> </a:t>
+            </a:r>
+            <a:r>
+              <a:rPr lang="es-ES" dirty="0" err="1"/>
+              <a:t>to</a:t>
+            </a:r>
+            <a:r>
+              <a:rPr lang="es-ES" dirty="0"/>
+              <a:t> </a:t>
+            </a:r>
+            <a:r>
+              <a:rPr lang="es-ES" dirty="0" err="1"/>
+              <a:t>change</a:t>
+            </a:r>
+            <a:r>
+              <a:rPr lang="es-ES" dirty="0"/>
+              <a:t> </a:t>
+            </a:r>
+            <a:r>
+              <a:rPr lang="es-ES" dirty="0" err="1"/>
+              <a:t>the</a:t>
+            </a:r>
+            <a:r>
+              <a:rPr lang="es-ES" dirty="0"/>
+              <a:t> </a:t>
+            </a:r>
+            <a:r>
+              <a:rPr lang="es-ES" dirty="0" err="1"/>
+              <a:t>pins</a:t>
+            </a:r>
+            <a:r>
+              <a:rPr lang="es-ES" dirty="0"/>
+              <a:t> and at </a:t>
+            </a:r>
+            <a:r>
+              <a:rPr lang="es-ES" dirty="0" err="1"/>
+              <a:t>the</a:t>
+            </a:r>
+            <a:r>
+              <a:rPr lang="es-ES" dirty="0"/>
+              <a:t> time </a:t>
+            </a:r>
+            <a:r>
+              <a:rPr lang="es-ES" dirty="0" err="1"/>
+              <a:t>of</a:t>
+            </a:r>
+            <a:r>
+              <a:rPr lang="es-ES" dirty="0"/>
+              <a:t> </a:t>
+            </a:r>
+            <a:r>
+              <a:rPr lang="es-ES" dirty="0" err="1"/>
+              <a:t>adapting</a:t>
+            </a:r>
+            <a:r>
+              <a:rPr lang="es-ES" dirty="0"/>
+              <a:t> </a:t>
+            </a:r>
+            <a:r>
+              <a:rPr lang="es-ES" dirty="0" err="1"/>
+              <a:t>it</a:t>
+            </a:r>
+            <a:r>
+              <a:rPr lang="es-ES" dirty="0"/>
+              <a:t>, </a:t>
+            </a:r>
+            <a:r>
+              <a:rPr lang="es-ES" dirty="0" err="1"/>
+              <a:t>see</a:t>
+            </a:r>
+            <a:r>
+              <a:rPr lang="es-ES" dirty="0"/>
+              <a:t> </a:t>
+            </a:r>
+            <a:r>
+              <a:rPr lang="es-ES" dirty="0" err="1"/>
+              <a:t>that</a:t>
+            </a:r>
+            <a:r>
+              <a:rPr lang="es-ES" dirty="0"/>
+              <a:t> </a:t>
+            </a:r>
+            <a:r>
+              <a:rPr lang="es-ES" dirty="0" err="1"/>
+              <a:t>it</a:t>
+            </a:r>
+            <a:r>
+              <a:rPr lang="es-ES" dirty="0"/>
+              <a:t> </a:t>
+            </a:r>
+            <a:r>
+              <a:rPr lang="es-ES" dirty="0" err="1"/>
+              <a:t>is</a:t>
+            </a:r>
+            <a:r>
+              <a:rPr lang="es-ES" dirty="0"/>
+              <a:t> </a:t>
+            </a:r>
+            <a:r>
+              <a:rPr lang="es-ES" dirty="0" err="1"/>
+              <a:t>actually</a:t>
+            </a:r>
+            <a:r>
+              <a:rPr lang="es-ES" dirty="0"/>
+              <a:t> </a:t>
+            </a:r>
+            <a:r>
+              <a:rPr lang="es-ES" dirty="0" err="1"/>
+              <a:t>opening</a:t>
+            </a:r>
+            <a:r>
+              <a:rPr lang="es-ES" dirty="0"/>
+              <a:t> and </a:t>
+            </a:r>
+            <a:r>
+              <a:rPr lang="es-ES" dirty="0" err="1"/>
+              <a:t>closing</a:t>
+            </a:r>
+            <a:r>
+              <a:rPr lang="es-ES" dirty="0"/>
+              <a:t> </a:t>
+            </a:r>
+            <a:r>
+              <a:rPr lang="es-ES" dirty="0" err="1"/>
+              <a:t>the</a:t>
+            </a:r>
+            <a:r>
+              <a:rPr lang="es-ES" dirty="0"/>
+              <a:t> </a:t>
+            </a:r>
+            <a:r>
+              <a:rPr lang="es-ES" dirty="0" err="1"/>
+              <a:t>valve</a:t>
+            </a:r>
+            <a:r>
+              <a:rPr lang="es-ES" dirty="0"/>
+              <a:t> </a:t>
+            </a:r>
+            <a:r>
+              <a:rPr lang="es-ES" dirty="0" err="1"/>
+              <a:t>when</a:t>
+            </a:r>
+            <a:r>
+              <a:rPr lang="es-ES" dirty="0"/>
+              <a:t> </a:t>
+            </a:r>
+            <a:r>
+              <a:rPr lang="es-ES" dirty="0" err="1"/>
+              <a:t>the</a:t>
+            </a:r>
+            <a:r>
+              <a:rPr lang="es-ES" dirty="0"/>
+              <a:t> </a:t>
+            </a:r>
+            <a:r>
+              <a:rPr lang="es-ES" dirty="0" err="1"/>
+              <a:t>instruction</a:t>
+            </a:r>
+            <a:r>
+              <a:rPr lang="es-ES" dirty="0"/>
+              <a:t> </a:t>
+            </a:r>
+            <a:r>
+              <a:rPr lang="es-ES" dirty="0" err="1"/>
+              <a:t>is</a:t>
+            </a:r>
+            <a:r>
+              <a:rPr lang="es-ES" dirty="0"/>
+              <a:t> </a:t>
+            </a:r>
+            <a:r>
+              <a:rPr lang="es-ES" dirty="0" err="1"/>
+              <a:t>sent</a:t>
+            </a:r>
+            <a:r>
+              <a:rPr lang="es-ES" dirty="0"/>
+              <a:t> </a:t>
+            </a:r>
+            <a:r>
+              <a:rPr lang="es-ES" dirty="0" err="1"/>
+              <a:t>if</a:t>
+            </a:r>
+            <a:r>
+              <a:rPr lang="es-ES" dirty="0"/>
+              <a:t> </a:t>
+            </a:r>
+            <a:r>
+              <a:rPr lang="es-ES" dirty="0" err="1"/>
+              <a:t>the</a:t>
+            </a:r>
+            <a:r>
+              <a:rPr lang="es-ES" dirty="0"/>
+              <a:t> </a:t>
+            </a:r>
+            <a:r>
+              <a:rPr lang="es-ES" dirty="0" err="1"/>
+              <a:t>address</a:t>
+            </a:r>
+            <a:r>
+              <a:rPr lang="es-ES" dirty="0"/>
+              <a:t> </a:t>
+            </a:r>
+            <a:r>
+              <a:rPr lang="es-ES" dirty="0" err="1"/>
+              <a:t>must</a:t>
+            </a:r>
+            <a:r>
+              <a:rPr lang="es-ES" dirty="0"/>
+              <a:t> </a:t>
+            </a:r>
+            <a:r>
+              <a:rPr lang="es-ES" dirty="0" err="1"/>
+              <a:t>not</a:t>
+            </a:r>
+            <a:r>
+              <a:rPr lang="es-ES" dirty="0"/>
+              <a:t> be </a:t>
+            </a:r>
+            <a:r>
+              <a:rPr lang="es-ES" dirty="0" err="1"/>
+              <a:t>changed</a:t>
+            </a:r>
+            <a:r>
+              <a:rPr lang="es-ES" dirty="0"/>
+              <a:t> in </a:t>
+            </a:r>
+            <a:r>
+              <a:rPr lang="es-ES" dirty="0" err="1"/>
+              <a:t>the</a:t>
+            </a:r>
+            <a:r>
+              <a:rPr lang="es-ES" dirty="0"/>
+              <a:t> </a:t>
+            </a:r>
+            <a:r>
+              <a:rPr lang="es-ES" dirty="0" err="1"/>
+              <a:t>opening</a:t>
+            </a:r>
+            <a:r>
+              <a:rPr lang="es-ES" dirty="0"/>
+              <a:t> and </a:t>
+            </a:r>
+            <a:r>
+              <a:rPr lang="es-ES" dirty="0" err="1"/>
+              <a:t>closing</a:t>
+            </a:r>
+            <a:r>
+              <a:rPr lang="es-ES" dirty="0"/>
+              <a:t> </a:t>
+            </a:r>
+            <a:r>
+              <a:rPr lang="es-ES" dirty="0" err="1"/>
+              <a:t>functions</a:t>
+            </a:r>
+            <a:r>
+              <a:rPr lang="es-ES" dirty="0"/>
+              <a:t>.</a:t>
+            </a:r>
+          </a:p>
+          <a:p>
+            <a:r>
+              <a:rPr lang="es-ES" dirty="0" err="1"/>
+              <a:t>The</a:t>
+            </a:r>
+            <a:r>
+              <a:rPr lang="es-ES" dirty="0"/>
+              <a:t> </a:t>
+            </a:r>
+            <a:r>
+              <a:rPr lang="es-ES" dirty="0" err="1"/>
+              <a:t>program</a:t>
+            </a:r>
+            <a:r>
+              <a:rPr lang="es-ES" dirty="0"/>
+              <a:t> </a:t>
+            </a:r>
+            <a:r>
+              <a:rPr lang="es-ES" dirty="0" err="1"/>
+              <a:t>is</a:t>
+            </a:r>
+            <a:r>
+              <a:rPr lang="es-ES" dirty="0"/>
+              <a:t> </a:t>
+            </a:r>
+            <a:r>
+              <a:rPr lang="es-ES" dirty="0" err="1"/>
+              <a:t>functional</a:t>
+            </a:r>
+            <a:r>
+              <a:rPr lang="es-ES" dirty="0"/>
+              <a:t>.</a:t>
+            </a:r>
+          </a:p>
+          <a:p>
+            <a:endParaRPr lang="es-ES" dirty="0"/>
+          </a:p>
+          <a:p>
+            <a:r>
+              <a:rPr lang="es-ES" dirty="0" err="1"/>
+              <a:t>Ypu</a:t>
+            </a:r>
+            <a:r>
+              <a:rPr lang="es-ES" dirty="0"/>
+              <a:t> </a:t>
+            </a:r>
+            <a:r>
+              <a:rPr lang="es-ES" dirty="0" err="1"/>
+              <a:t>must</a:t>
+            </a:r>
+            <a:r>
+              <a:rPr lang="es-ES" dirty="0"/>
+              <a:t> </a:t>
+            </a:r>
+            <a:r>
+              <a:rPr lang="es-ES" dirty="0" err="1"/>
+              <a:t>enter</a:t>
+            </a:r>
+            <a:r>
+              <a:rPr lang="es-ES" dirty="0"/>
+              <a:t> </a:t>
+            </a:r>
+            <a:r>
+              <a:rPr lang="es-ES" dirty="0" err="1"/>
+              <a:t>the</a:t>
+            </a:r>
+            <a:r>
+              <a:rPr lang="es-ES" dirty="0"/>
+              <a:t> </a:t>
+            </a:r>
+            <a:r>
+              <a:rPr lang="es-ES" dirty="0" err="1"/>
+              <a:t>valve</a:t>
+            </a:r>
+            <a:r>
+              <a:rPr lang="es-ES" dirty="0"/>
+              <a:t> </a:t>
+            </a:r>
+            <a:r>
+              <a:rPr lang="es-ES" dirty="0" err="1"/>
+              <a:t>to</a:t>
+            </a:r>
+            <a:r>
+              <a:rPr lang="es-ES" dirty="0"/>
+              <a:t> be </a:t>
+            </a:r>
+            <a:r>
+              <a:rPr lang="es-ES" dirty="0" err="1"/>
+              <a:t>operated</a:t>
+            </a:r>
+            <a:r>
+              <a:rPr lang="es-ES" dirty="0"/>
+              <a:t> </a:t>
+            </a:r>
+            <a:r>
+              <a:rPr lang="es-ES" dirty="0" err="1"/>
+              <a:t>with</a:t>
+            </a:r>
+            <a:r>
+              <a:rPr lang="es-ES" dirty="0"/>
+              <a:t> </a:t>
+            </a:r>
+            <a:r>
+              <a:rPr lang="es-ES" dirty="0" err="1"/>
+              <a:t>the</a:t>
+            </a:r>
+            <a:r>
+              <a:rPr lang="es-ES" dirty="0"/>
+              <a:t> </a:t>
+            </a:r>
+            <a:r>
+              <a:rPr lang="es-ES" dirty="0" err="1"/>
+              <a:t>angle</a:t>
+            </a:r>
+            <a:r>
+              <a:rPr lang="es-ES" dirty="0"/>
+              <a:t> </a:t>
+            </a:r>
+            <a:r>
+              <a:rPr lang="es-ES" dirty="0" err="1"/>
+              <a:t>separated</a:t>
+            </a:r>
+            <a:r>
+              <a:rPr lang="es-ES" dirty="0"/>
+              <a:t> </a:t>
+            </a:r>
+            <a:r>
+              <a:rPr lang="es-ES" dirty="0" err="1"/>
+              <a:t>by</a:t>
+            </a:r>
+            <a:r>
+              <a:rPr lang="es-ES" dirty="0"/>
+              <a:t> a </a:t>
+            </a:r>
+            <a:r>
+              <a:rPr lang="es-ES" dirty="0" err="1"/>
+              <a:t>comma</a:t>
+            </a:r>
+            <a:r>
+              <a:rPr lang="es-ES" dirty="0"/>
+              <a:t>, </a:t>
+            </a:r>
+            <a:r>
+              <a:rPr lang="es-ES" dirty="0" err="1"/>
+              <a:t>Example</a:t>
+            </a:r>
+            <a:r>
+              <a:rPr lang="es-ES" dirty="0"/>
+              <a:t>:</a:t>
+            </a:r>
+          </a:p>
+          <a:p>
+            <a:r>
+              <a:rPr lang="es-ES" dirty="0" err="1"/>
+              <a:t>If</a:t>
+            </a:r>
+            <a:r>
+              <a:rPr lang="es-ES" dirty="0"/>
+              <a:t> I </a:t>
+            </a:r>
+            <a:r>
+              <a:rPr lang="es-ES" dirty="0" err="1"/>
+              <a:t>want</a:t>
+            </a:r>
+            <a:r>
+              <a:rPr lang="es-ES" dirty="0"/>
+              <a:t> </a:t>
+            </a:r>
+            <a:r>
+              <a:rPr lang="es-ES" dirty="0" err="1"/>
+              <a:t>to</a:t>
+            </a:r>
+            <a:r>
+              <a:rPr lang="es-ES" dirty="0"/>
+              <a:t> </a:t>
+            </a:r>
+            <a:r>
+              <a:rPr lang="es-ES" dirty="0" err="1"/>
+              <a:t>move</a:t>
+            </a:r>
+            <a:r>
+              <a:rPr lang="es-ES" dirty="0"/>
+              <a:t> </a:t>
+            </a:r>
+            <a:r>
+              <a:rPr lang="es-ES" dirty="0" err="1"/>
+              <a:t>valve</a:t>
+            </a:r>
+            <a:r>
+              <a:rPr lang="es-ES" dirty="0"/>
+              <a:t> 2 </a:t>
+            </a:r>
+            <a:r>
+              <a:rPr lang="es-ES" dirty="0" err="1"/>
+              <a:t>to</a:t>
+            </a:r>
+            <a:r>
+              <a:rPr lang="es-ES" dirty="0"/>
+              <a:t> </a:t>
+            </a:r>
+            <a:r>
+              <a:rPr lang="es-ES" dirty="0" err="1"/>
+              <a:t>the</a:t>
+            </a:r>
+            <a:r>
+              <a:rPr lang="es-ES" dirty="0"/>
+              <a:t> 75-degree position </a:t>
+            </a:r>
+            <a:r>
+              <a:rPr lang="es-ES" dirty="0" err="1"/>
+              <a:t>you</a:t>
+            </a:r>
+            <a:r>
+              <a:rPr lang="es-ES" dirty="0"/>
+              <a:t> </a:t>
+            </a:r>
+            <a:r>
+              <a:rPr lang="es-ES" dirty="0" err="1"/>
+              <a:t>should</a:t>
+            </a:r>
+            <a:r>
+              <a:rPr lang="es-ES" dirty="0"/>
+              <a:t> </a:t>
+            </a:r>
+            <a:r>
+              <a:rPr lang="es-ES" dirty="0" err="1"/>
+              <a:t>send</a:t>
+            </a:r>
+            <a:r>
+              <a:rPr lang="es-ES" dirty="0"/>
+              <a:t>: </a:t>
+            </a:r>
+            <a:r>
+              <a:rPr lang="es-ES" b="1" dirty="0"/>
+              <a:t>2,75.</a:t>
+            </a:r>
+          </a:p>
+          <a:p>
+            <a:endParaRPr lang="es-ES" b="1" dirty="0"/>
+          </a:p>
+          <a:p>
+            <a:r>
+              <a:rPr lang="es-ES" dirty="0"/>
+              <a:t>I </a:t>
+            </a:r>
+            <a:r>
+              <a:rPr lang="es-ES" dirty="0" err="1"/>
+              <a:t>think</a:t>
+            </a:r>
+            <a:r>
+              <a:rPr lang="es-ES" dirty="0"/>
+              <a:t> </a:t>
+            </a:r>
+            <a:r>
+              <a:rPr lang="es-ES" dirty="0" err="1"/>
+              <a:t>you</a:t>
+            </a:r>
+            <a:r>
+              <a:rPr lang="es-ES" dirty="0"/>
+              <a:t> </a:t>
+            </a:r>
+            <a:r>
+              <a:rPr lang="es-ES" dirty="0" err="1"/>
+              <a:t>could</a:t>
+            </a:r>
+            <a:r>
+              <a:rPr lang="es-ES" dirty="0"/>
+              <a:t> </a:t>
+            </a:r>
+            <a:r>
+              <a:rPr lang="es-ES" dirty="0" err="1"/>
+              <a:t>increase</a:t>
+            </a:r>
+            <a:r>
+              <a:rPr lang="es-ES" dirty="0"/>
+              <a:t> a safety </a:t>
+            </a:r>
+            <a:r>
+              <a:rPr lang="es-ES" dirty="0" err="1"/>
+              <a:t>measure</a:t>
+            </a:r>
+            <a:r>
+              <a:rPr lang="es-ES" dirty="0"/>
+              <a:t> </a:t>
+            </a:r>
+            <a:r>
+              <a:rPr lang="es-ES" dirty="0" err="1"/>
+              <a:t>of</a:t>
+            </a:r>
+            <a:r>
+              <a:rPr lang="es-ES" dirty="0"/>
+              <a:t> </a:t>
+            </a:r>
+            <a:r>
+              <a:rPr lang="es-ES" dirty="0" err="1"/>
+              <a:t>the</a:t>
+            </a:r>
+            <a:r>
+              <a:rPr lang="es-ES" dirty="0"/>
+              <a:t> </a:t>
+            </a:r>
+            <a:r>
+              <a:rPr lang="es-ES" dirty="0" err="1"/>
+              <a:t>maximum</a:t>
+            </a:r>
+            <a:r>
+              <a:rPr lang="es-ES" dirty="0"/>
+              <a:t> </a:t>
+            </a:r>
+            <a:r>
+              <a:rPr lang="es-ES" dirty="0" err="1"/>
+              <a:t>degree</a:t>
+            </a:r>
+            <a:r>
+              <a:rPr lang="es-ES" dirty="0"/>
+              <a:t> </a:t>
+            </a:r>
+            <a:r>
+              <a:rPr lang="es-ES" dirty="0" err="1"/>
+              <a:t>of</a:t>
+            </a:r>
+            <a:r>
+              <a:rPr lang="es-ES" dirty="0"/>
+              <a:t> </a:t>
+            </a:r>
+            <a:r>
+              <a:rPr lang="es-ES" dirty="0" err="1"/>
+              <a:t>opening</a:t>
+            </a:r>
+            <a:r>
+              <a:rPr lang="es-ES" dirty="0"/>
+              <a:t> and </a:t>
+            </a:r>
+            <a:r>
+              <a:rPr lang="es-ES" dirty="0" err="1"/>
+              <a:t>closing</a:t>
+            </a:r>
+            <a:r>
+              <a:rPr lang="es-ES" dirty="0"/>
+              <a:t> </a:t>
+            </a:r>
+            <a:r>
+              <a:rPr lang="es-ES" dirty="0" err="1"/>
+              <a:t>by</a:t>
+            </a:r>
+            <a:r>
+              <a:rPr lang="es-ES" dirty="0"/>
+              <a:t> </a:t>
+            </a:r>
+            <a:r>
+              <a:rPr lang="es-ES" dirty="0" err="1"/>
+              <a:t>looking</a:t>
+            </a:r>
+            <a:r>
+              <a:rPr lang="es-ES" dirty="0"/>
+              <a:t> at </a:t>
+            </a:r>
+            <a:r>
+              <a:rPr lang="es-ES" dirty="0" err="1"/>
+              <a:t>the</a:t>
+            </a:r>
+            <a:r>
+              <a:rPr lang="es-ES" dirty="0"/>
+              <a:t> </a:t>
+            </a:r>
+            <a:r>
+              <a:rPr lang="es-ES" dirty="0" err="1"/>
+              <a:t>degrees</a:t>
+            </a:r>
+            <a:r>
+              <a:rPr lang="es-ES" dirty="0"/>
+              <a:t> </a:t>
+            </a:r>
+            <a:r>
+              <a:rPr lang="es-ES" dirty="0" err="1"/>
+              <a:t>of</a:t>
+            </a:r>
+            <a:r>
+              <a:rPr lang="es-ES" dirty="0"/>
+              <a:t> </a:t>
+            </a:r>
+            <a:r>
+              <a:rPr lang="es-ES" dirty="0" err="1"/>
+              <a:t>valve</a:t>
+            </a:r>
+            <a:r>
+              <a:rPr lang="es-ES" dirty="0"/>
+              <a:t> </a:t>
+            </a:r>
+            <a:r>
+              <a:rPr lang="es-ES" dirty="0" err="1"/>
+              <a:t>opening</a:t>
+            </a:r>
+            <a:r>
+              <a:rPr lang="es-ES" dirty="0"/>
+              <a:t>.</a:t>
+            </a:r>
+          </a:p>
+          <a:p>
+            <a:endParaRPr lang="es-ES" dirty="0"/>
+          </a:p>
+          <a:p>
+            <a:r>
+              <a:rPr lang="es-ES" dirty="0"/>
+              <a:t>I can </a:t>
+            </a:r>
+            <a:r>
+              <a:rPr lang="es-ES" dirty="0" err="1"/>
+              <a:t>add</a:t>
+            </a:r>
+            <a:r>
+              <a:rPr lang="es-ES" dirty="0"/>
+              <a:t> </a:t>
+            </a:r>
+            <a:r>
+              <a:rPr lang="es-ES" dirty="0" err="1"/>
+              <a:t>that</a:t>
+            </a:r>
+            <a:r>
+              <a:rPr lang="es-ES" dirty="0"/>
+              <a:t> </a:t>
+            </a:r>
+            <a:r>
+              <a:rPr lang="es-ES" dirty="0" err="1"/>
+              <a:t>when</a:t>
+            </a:r>
+            <a:r>
+              <a:rPr lang="es-ES" dirty="0"/>
+              <a:t> </a:t>
+            </a:r>
+            <a:r>
+              <a:rPr lang="es-ES" dirty="0" err="1"/>
+              <a:t>observing</a:t>
+            </a:r>
+            <a:r>
+              <a:rPr lang="es-ES" dirty="0"/>
+              <a:t> </a:t>
+            </a:r>
+            <a:r>
+              <a:rPr lang="es-ES" dirty="0" err="1"/>
+              <a:t>the</a:t>
+            </a:r>
+            <a:r>
+              <a:rPr lang="es-ES" dirty="0"/>
+              <a:t> </a:t>
+            </a:r>
+            <a:r>
+              <a:rPr lang="es-ES" dirty="0" err="1"/>
+              <a:t>necessary</a:t>
+            </a:r>
+            <a:r>
+              <a:rPr lang="es-ES" dirty="0"/>
+              <a:t> </a:t>
+            </a:r>
+            <a:r>
+              <a:rPr lang="es-ES" dirty="0" err="1"/>
+              <a:t>changes</a:t>
+            </a:r>
+            <a:r>
+              <a:rPr lang="es-ES" dirty="0"/>
+              <a:t> once </a:t>
+            </a:r>
+            <a:r>
+              <a:rPr lang="es-ES" dirty="0" err="1"/>
+              <a:t>the</a:t>
+            </a:r>
+            <a:r>
+              <a:rPr lang="es-ES" dirty="0"/>
+              <a:t> </a:t>
+            </a:r>
+            <a:r>
+              <a:rPr lang="es-ES" dirty="0" err="1"/>
+              <a:t>system</a:t>
+            </a:r>
+            <a:r>
+              <a:rPr lang="es-ES" dirty="0"/>
+              <a:t> has </a:t>
+            </a:r>
+            <a:r>
+              <a:rPr lang="es-ES" dirty="0" err="1"/>
+              <a:t>been</a:t>
+            </a:r>
+            <a:r>
+              <a:rPr lang="es-ES" dirty="0"/>
+              <a:t> </a:t>
+            </a:r>
+            <a:r>
+              <a:rPr lang="es-ES" dirty="0" err="1"/>
+              <a:t>tested</a:t>
+            </a:r>
+            <a:r>
+              <a:rPr lang="es-ES" dirty="0"/>
+              <a:t>.</a:t>
+            </a:r>
+          </a:p>
+          <a:p>
+            <a:endParaRPr lang="es-ES" dirty="0"/>
+          </a:p>
+          <a:p>
+            <a:r>
+              <a:rPr lang="es-ES" dirty="0" err="1"/>
+              <a:t>If</a:t>
+            </a:r>
+            <a:r>
+              <a:rPr lang="es-ES" dirty="0"/>
+              <a:t> </a:t>
+            </a:r>
+            <a:r>
+              <a:rPr lang="es-ES" dirty="0" err="1"/>
+              <a:t>you</a:t>
+            </a:r>
+            <a:r>
+              <a:rPr lang="es-ES" dirty="0"/>
+              <a:t> </a:t>
+            </a:r>
+            <a:r>
+              <a:rPr lang="es-ES" dirty="0" err="1"/>
+              <a:t>have</a:t>
+            </a:r>
+            <a:r>
+              <a:rPr lang="es-ES" dirty="0"/>
+              <a:t> </a:t>
+            </a:r>
+            <a:r>
+              <a:rPr lang="es-ES" dirty="0" err="1"/>
+              <a:t>the</a:t>
+            </a:r>
+            <a:r>
+              <a:rPr lang="es-ES" dirty="0"/>
+              <a:t> driver </a:t>
+            </a:r>
+            <a:r>
+              <a:rPr lang="es-ES" dirty="0" err="1"/>
+              <a:t>connections</a:t>
+            </a:r>
+            <a:r>
+              <a:rPr lang="es-ES" dirty="0"/>
+              <a:t> </a:t>
+            </a:r>
+            <a:r>
+              <a:rPr lang="es-ES" dirty="0" err="1"/>
+              <a:t>on</a:t>
+            </a:r>
+            <a:r>
+              <a:rPr lang="es-ES" dirty="0"/>
+              <a:t> </a:t>
+            </a:r>
+            <a:r>
+              <a:rPr lang="es-ES" dirty="0" err="1"/>
+              <a:t>other</a:t>
+            </a:r>
+            <a:r>
+              <a:rPr lang="es-ES" dirty="0"/>
+              <a:t> </a:t>
+            </a:r>
+            <a:r>
+              <a:rPr lang="es-ES" dirty="0" err="1"/>
+              <a:t>pins</a:t>
+            </a:r>
+            <a:r>
+              <a:rPr lang="es-ES" dirty="0"/>
+              <a:t> </a:t>
+            </a:r>
+            <a:r>
+              <a:rPr lang="es-ES" dirty="0" err="1"/>
+              <a:t>than</a:t>
+            </a:r>
+            <a:r>
+              <a:rPr lang="es-ES" dirty="0"/>
+              <a:t> </a:t>
+            </a:r>
+            <a:r>
+              <a:rPr lang="es-ES" dirty="0" err="1"/>
+              <a:t>suggested</a:t>
+            </a:r>
+            <a:r>
+              <a:rPr lang="es-ES" dirty="0"/>
+              <a:t> </a:t>
+            </a:r>
+            <a:r>
+              <a:rPr lang="es-ES" dirty="0" err="1"/>
+              <a:t>then</a:t>
+            </a:r>
+            <a:r>
+              <a:rPr lang="es-ES" dirty="0"/>
+              <a:t> </a:t>
+            </a:r>
+            <a:r>
+              <a:rPr lang="es-ES" dirty="0" err="1"/>
+              <a:t>we</a:t>
+            </a:r>
+            <a:r>
+              <a:rPr lang="es-ES" dirty="0"/>
+              <a:t> </a:t>
+            </a:r>
+            <a:r>
+              <a:rPr lang="es-ES" dirty="0" err="1"/>
+              <a:t>should</a:t>
+            </a:r>
+            <a:r>
+              <a:rPr lang="es-ES" dirty="0"/>
+              <a:t> </a:t>
+            </a:r>
+            <a:r>
+              <a:rPr lang="es-ES" dirty="0" err="1"/>
+              <a:t>only</a:t>
+            </a:r>
+            <a:r>
+              <a:rPr lang="es-ES" dirty="0"/>
+              <a:t> </a:t>
+            </a:r>
+            <a:r>
+              <a:rPr lang="es-ES" dirty="0" err="1"/>
+              <a:t>modify</a:t>
+            </a:r>
+            <a:r>
+              <a:rPr lang="es-ES" dirty="0"/>
+              <a:t> </a:t>
+            </a:r>
+            <a:r>
+              <a:rPr lang="es-ES" dirty="0" err="1"/>
+              <a:t>the</a:t>
+            </a:r>
+            <a:r>
+              <a:rPr lang="es-ES" dirty="0"/>
+              <a:t> </a:t>
+            </a:r>
+            <a:r>
+              <a:rPr lang="es-ES" dirty="0" err="1"/>
+              <a:t>program</a:t>
+            </a:r>
+            <a:r>
+              <a:rPr lang="es-ES" dirty="0"/>
+              <a:t>.</a:t>
+            </a:r>
+          </a:p>
+        </p:txBody>
+      </p:sp>
+    </p:spTree>
+    <p:extLst>
+      <p:ext uri="{BB962C8B-B14F-4D97-AF65-F5344CB8AC3E}">
+        <p14:creationId xmlns:p14="http://schemas.microsoft.com/office/powerpoint/2010/main" val="1637200703"/>
+      </p:ext>
+    </p:extLst>
+  </p:cSld>
+  <p:clrMapOvr>
+    <a:masterClrMapping/>
+  </p:clrMapOvr>
+</p:sld>
+</file>
+
 <file path=ppt/theme/theme1.xml><?xml version="1.0" encoding="utf-8"?>
 <a:theme xmlns:a="http://schemas.openxmlformats.org/drawingml/2006/main" name="Tema de Office">
   <a:themeElements>

--- a/connections/connections.pptx
+++ b/connections/connections.pptx
@@ -5,14 +5,15 @@
     <p:sldMasterId id="2147483648" r:id="rId1"/>
   </p:sldMasterIdLst>
   <p:sldIdLst>
-    <p:sldId id="256" r:id="rId2"/>
-    <p:sldId id="262" r:id="rId3"/>
-    <p:sldId id="263" r:id="rId4"/>
-    <p:sldId id="259" r:id="rId5"/>
-    <p:sldId id="260" r:id="rId6"/>
-    <p:sldId id="261" r:id="rId7"/>
-    <p:sldId id="264" r:id="rId8"/>
-    <p:sldId id="266" r:id="rId9"/>
+    <p:sldId id="266" r:id="rId2"/>
+    <p:sldId id="261" r:id="rId3"/>
+    <p:sldId id="267" r:id="rId4"/>
+    <p:sldId id="268" r:id="rId5"/>
+    <p:sldId id="256" r:id="rId6"/>
+    <p:sldId id="259" r:id="rId7"/>
+    <p:sldId id="260" r:id="rId8"/>
+    <p:sldId id="269" r:id="rId9"/>
+    <p:sldId id="270" r:id="rId10"/>
   </p:sldIdLst>
   <p:sldSz cx="12192000" cy="6858000"/>
   <p:notesSz cx="6858000" cy="9144000"/>
@@ -278,7 +279,7 @@
           <a:p>
             <a:fld id="{07AAE364-0E33-47A9-924B-88C103971447}" type="datetimeFigureOut">
               <a:rPr lang="es-ES" smtClean="0"/>
-              <a:t>21/07/2020</a:t>
+              <a:t>28/08/2020</a:t>
             </a:fld>
             <a:endParaRPr lang="es-ES"/>
           </a:p>
@@ -476,7 +477,7 @@
           <a:p>
             <a:fld id="{07AAE364-0E33-47A9-924B-88C103971447}" type="datetimeFigureOut">
               <a:rPr lang="es-ES" smtClean="0"/>
-              <a:t>21/07/2020</a:t>
+              <a:t>28/08/2020</a:t>
             </a:fld>
             <a:endParaRPr lang="es-ES"/>
           </a:p>
@@ -684,7 +685,7 @@
           <a:p>
             <a:fld id="{07AAE364-0E33-47A9-924B-88C103971447}" type="datetimeFigureOut">
               <a:rPr lang="es-ES" smtClean="0"/>
-              <a:t>21/07/2020</a:t>
+              <a:t>28/08/2020</a:t>
             </a:fld>
             <a:endParaRPr lang="es-ES"/>
           </a:p>
@@ -882,7 +883,7 @@
           <a:p>
             <a:fld id="{07AAE364-0E33-47A9-924B-88C103971447}" type="datetimeFigureOut">
               <a:rPr lang="es-ES" smtClean="0"/>
-              <a:t>21/07/2020</a:t>
+              <a:t>28/08/2020</a:t>
             </a:fld>
             <a:endParaRPr lang="es-ES"/>
           </a:p>
@@ -1157,7 +1158,7 @@
           <a:p>
             <a:fld id="{07AAE364-0E33-47A9-924B-88C103971447}" type="datetimeFigureOut">
               <a:rPr lang="es-ES" smtClean="0"/>
-              <a:t>21/07/2020</a:t>
+              <a:t>28/08/2020</a:t>
             </a:fld>
             <a:endParaRPr lang="es-ES"/>
           </a:p>
@@ -1422,7 +1423,7 @@
           <a:p>
             <a:fld id="{07AAE364-0E33-47A9-924B-88C103971447}" type="datetimeFigureOut">
               <a:rPr lang="es-ES" smtClean="0"/>
-              <a:t>21/07/2020</a:t>
+              <a:t>28/08/2020</a:t>
             </a:fld>
             <a:endParaRPr lang="es-ES"/>
           </a:p>
@@ -1834,7 +1835,7 @@
           <a:p>
             <a:fld id="{07AAE364-0E33-47A9-924B-88C103971447}" type="datetimeFigureOut">
               <a:rPr lang="es-ES" smtClean="0"/>
-              <a:t>21/07/2020</a:t>
+              <a:t>28/08/2020</a:t>
             </a:fld>
             <a:endParaRPr lang="es-ES"/>
           </a:p>
@@ -1975,7 +1976,7 @@
           <a:p>
             <a:fld id="{07AAE364-0E33-47A9-924B-88C103971447}" type="datetimeFigureOut">
               <a:rPr lang="es-ES" smtClean="0"/>
-              <a:t>21/07/2020</a:t>
+              <a:t>28/08/2020</a:t>
             </a:fld>
             <a:endParaRPr lang="es-ES"/>
           </a:p>
@@ -2088,7 +2089,7 @@
           <a:p>
             <a:fld id="{07AAE364-0E33-47A9-924B-88C103971447}" type="datetimeFigureOut">
               <a:rPr lang="es-ES" smtClean="0"/>
-              <a:t>21/07/2020</a:t>
+              <a:t>28/08/2020</a:t>
             </a:fld>
             <a:endParaRPr lang="es-ES"/>
           </a:p>
@@ -2399,7 +2400,7 @@
           <a:p>
             <a:fld id="{07AAE364-0E33-47A9-924B-88C103971447}" type="datetimeFigureOut">
               <a:rPr lang="es-ES" smtClean="0"/>
-              <a:t>21/07/2020</a:t>
+              <a:t>28/08/2020</a:t>
             </a:fld>
             <a:endParaRPr lang="es-ES"/>
           </a:p>
@@ -2687,7 +2688,7 @@
           <a:p>
             <a:fld id="{07AAE364-0E33-47A9-924B-88C103971447}" type="datetimeFigureOut">
               <a:rPr lang="es-ES" smtClean="0"/>
-              <a:t>21/07/2020</a:t>
+              <a:t>28/08/2020</a:t>
             </a:fld>
             <a:endParaRPr lang="es-ES"/>
           </a:p>
@@ -2928,7 +2929,7 @@
           <a:p>
             <a:fld id="{07AAE364-0E33-47A9-924B-88C103971447}" type="datetimeFigureOut">
               <a:rPr lang="es-ES" smtClean="0"/>
-              <a:t>21/07/2020</a:t>
+              <a:t>28/08/2020</a:t>
             </a:fld>
             <a:endParaRPr lang="es-ES"/>
           </a:p>
@@ -3347,10 +3348,390 @@
       </p:grpSpPr>
       <p:sp>
         <p:nvSpPr>
-          <p:cNvPr id="4" name="Rectángulo 3">
-            <a:extLst>
-              <a:ext uri="{FF2B5EF4-FFF2-40B4-BE49-F238E27FC236}">
-                <a16:creationId xmlns:a16="http://schemas.microsoft.com/office/drawing/2014/main" id="{1A8A97F7-4E6F-4739-A9E3-E64DE17F3EFE}"/>
+          <p:cNvPr id="2" name="Título 1">
+            <a:extLst>
+              <a:ext uri="{FF2B5EF4-FFF2-40B4-BE49-F238E27FC236}">
+                <a16:creationId xmlns:a16="http://schemas.microsoft.com/office/drawing/2014/main" id="{32186612-4B34-41E9-B422-2E9D920601B4}"/>
+              </a:ext>
+            </a:extLst>
+          </p:cNvPr>
+          <p:cNvSpPr>
+            <a:spLocks noGrp="1"/>
+          </p:cNvSpPr>
+          <p:nvPr>
+            <p:ph type="title"/>
+          </p:nvPr>
+        </p:nvSpPr>
+        <p:spPr/>
+        <p:txBody>
+          <a:bodyPr/>
+          <a:lstStyle/>
+          <a:p>
+            <a:r>
+              <a:rPr lang="es-ES" dirty="0" err="1"/>
+              <a:t>Dear</a:t>
+            </a:r>
+            <a:r>
+              <a:rPr lang="es-ES" dirty="0"/>
+              <a:t> Duilio,</a:t>
+            </a:r>
+          </a:p>
+        </p:txBody>
+      </p:sp>
+      <p:sp>
+        <p:nvSpPr>
+          <p:cNvPr id="4" name="CuadroTexto 3">
+            <a:extLst>
+              <a:ext uri="{FF2B5EF4-FFF2-40B4-BE49-F238E27FC236}">
+                <a16:creationId xmlns:a16="http://schemas.microsoft.com/office/drawing/2014/main" id="{E3B23348-25B3-4791-A104-5F0C08FE110E}"/>
+              </a:ext>
+            </a:extLst>
+          </p:cNvPr>
+          <p:cNvSpPr txBox="1"/>
+          <p:nvPr/>
+        </p:nvSpPr>
+        <p:spPr>
+          <a:xfrm>
+            <a:off x="838200" y="1422742"/>
+            <a:ext cx="10800806" cy="3046988"/>
+          </a:xfrm>
+          <a:prstGeom prst="rect">
+            <a:avLst/>
+          </a:prstGeom>
+          <a:noFill/>
+        </p:spPr>
+        <p:txBody>
+          <a:bodyPr wrap="square">
+            <a:spAutoFit/>
+          </a:bodyPr>
+          <a:lstStyle/>
+          <a:p>
+            <a:pPr algn="just"/>
+            <a:r>
+              <a:rPr lang="en-US" sz="2400" dirty="0"/>
+              <a:t>This document specifies both the connection diagram and the assembly scheme of the system according to the photo that you sent me of the valves, considering the averages.</a:t>
+            </a:r>
+          </a:p>
+          <a:p>
+            <a:pPr algn="just"/>
+            <a:r>
+              <a:rPr lang="en-US" sz="2400" dirty="0"/>
+              <a:t>The proof of concept is made for a valve as requested, but I was thinking that a mobile or desktop application could be made to communicate with the ESP-32 since it is a card that works as IoT, I put that suggestion to your criterion.</a:t>
+            </a:r>
+          </a:p>
+          <a:p>
+            <a:pPr algn="just"/>
+            <a:r>
+              <a:rPr lang="en-US" sz="2400" dirty="0"/>
+              <a:t>Do not hesitate to contact me if you have any questions or difficulties, I will be willing to help</a:t>
+            </a:r>
+            <a:endParaRPr lang="es-ES" sz="2400" dirty="0"/>
+          </a:p>
+        </p:txBody>
+      </p:sp>
+    </p:spTree>
+    <p:extLst>
+      <p:ext uri="{BB962C8B-B14F-4D97-AF65-F5344CB8AC3E}">
+        <p14:creationId xmlns:p14="http://schemas.microsoft.com/office/powerpoint/2010/main" val="3968795275"/>
+      </p:ext>
+    </p:extLst>
+  </p:cSld>
+  <p:clrMapOvr>
+    <a:masterClrMapping/>
+  </p:clrMapOvr>
+</p:sld>
+</file>
+
+<file path=ppt/slides/slide2.xml><?xml version="1.0" encoding="utf-8"?>
+<p:sld xmlns:a="http://schemas.openxmlformats.org/drawingml/2006/main" xmlns:r="http://schemas.openxmlformats.org/officeDocument/2006/relationships" xmlns:p="http://schemas.openxmlformats.org/presentationml/2006/main">
+  <p:cSld>
+    <p:spTree>
+      <p:nvGrpSpPr>
+        <p:cNvPr id="1" name=""/>
+        <p:cNvGrpSpPr/>
+        <p:nvPr/>
+      </p:nvGrpSpPr>
+      <p:grpSpPr>
+        <a:xfrm>
+          <a:off x="0" y="0"/>
+          <a:ext cx="0" cy="0"/>
+          <a:chOff x="0" y="0"/>
+          <a:chExt cx="0" cy="0"/>
+        </a:xfrm>
+      </p:grpSpPr>
+      <p:sp>
+        <p:nvSpPr>
+          <p:cNvPr id="2" name="Título 1">
+            <a:extLst>
+              <a:ext uri="{FF2B5EF4-FFF2-40B4-BE49-F238E27FC236}">
+                <a16:creationId xmlns:a16="http://schemas.microsoft.com/office/drawing/2014/main" id="{D1E405B9-B136-48BC-B499-359751EE15FD}"/>
+              </a:ext>
+            </a:extLst>
+          </p:cNvPr>
+          <p:cNvSpPr>
+            <a:spLocks noGrp="1"/>
+          </p:cNvSpPr>
+          <p:nvPr>
+            <p:ph type="title"/>
+          </p:nvPr>
+        </p:nvSpPr>
+        <p:spPr/>
+        <p:txBody>
+          <a:bodyPr/>
+          <a:lstStyle/>
+          <a:p>
+            <a:r>
+              <a:rPr lang="es-ES" dirty="0" err="1"/>
+              <a:t>ELEMENTS</a:t>
+            </a:r>
+            <a:endParaRPr lang="es-ES" dirty="0"/>
+          </a:p>
+        </p:txBody>
+      </p:sp>
+      <p:pic>
+        <p:nvPicPr>
+          <p:cNvPr id="5" name="Imagen 4">
+            <a:extLst>
+              <a:ext uri="{FF2B5EF4-FFF2-40B4-BE49-F238E27FC236}">
+                <a16:creationId xmlns:a16="http://schemas.microsoft.com/office/drawing/2014/main" id="{B10B4CA3-027C-45F3-B99D-95D1F467EAF4}"/>
+              </a:ext>
+            </a:extLst>
+          </p:cNvPr>
+          <p:cNvPicPr>
+            <a:picLocks noChangeAspect="1"/>
+          </p:cNvPicPr>
+          <p:nvPr/>
+        </p:nvPicPr>
+        <p:blipFill>
+          <a:blip r:embed="rId2"/>
+          <a:stretch>
+            <a:fillRect/>
+          </a:stretch>
+        </p:blipFill>
+        <p:spPr>
+          <a:xfrm>
+            <a:off x="612413" y="1472434"/>
+            <a:ext cx="2543175" cy="3590925"/>
+          </a:xfrm>
+          <a:prstGeom prst="rect">
+            <a:avLst/>
+          </a:prstGeom>
+        </p:spPr>
+      </p:pic>
+      <p:pic>
+        <p:nvPicPr>
+          <p:cNvPr id="6" name="Imagen 5">
+            <a:extLst>
+              <a:ext uri="{FF2B5EF4-FFF2-40B4-BE49-F238E27FC236}">
+                <a16:creationId xmlns:a16="http://schemas.microsoft.com/office/drawing/2014/main" id="{3274617B-9DF8-4DFA-862A-3DB27F61A8F5}"/>
+              </a:ext>
+            </a:extLst>
+          </p:cNvPr>
+          <p:cNvPicPr>
+            <a:picLocks noChangeAspect="1"/>
+          </p:cNvPicPr>
+          <p:nvPr/>
+        </p:nvPicPr>
+        <p:blipFill>
+          <a:blip r:embed="rId3"/>
+          <a:stretch>
+            <a:fillRect/>
+          </a:stretch>
+        </p:blipFill>
+        <p:spPr>
+          <a:xfrm>
+            <a:off x="3893463" y="4757826"/>
+            <a:ext cx="1323975" cy="419100"/>
+          </a:xfrm>
+          <a:prstGeom prst="rect">
+            <a:avLst/>
+          </a:prstGeom>
+        </p:spPr>
+      </p:pic>
+      <p:cxnSp>
+        <p:nvCxnSpPr>
+          <p:cNvPr id="7" name="Conector: angular 6">
+            <a:extLst>
+              <a:ext uri="{FF2B5EF4-FFF2-40B4-BE49-F238E27FC236}">
+                <a16:creationId xmlns:a16="http://schemas.microsoft.com/office/drawing/2014/main" id="{AE1AAE57-68BE-440C-8DC2-C09446BD764E}"/>
+              </a:ext>
+            </a:extLst>
+          </p:cNvPr>
+          <p:cNvCxnSpPr/>
+          <p:nvPr/>
+        </p:nvCxnSpPr>
+        <p:spPr>
+          <a:xfrm>
+            <a:off x="3211210" y="4372705"/>
+            <a:ext cx="682253" cy="381947"/>
+          </a:xfrm>
+          <a:prstGeom prst="bentConnector3">
+            <a:avLst/>
+          </a:prstGeom>
+          <a:ln w="12700">
+            <a:solidFill>
+              <a:schemeClr val="tx1"/>
+            </a:solidFill>
+            <a:tailEnd type="triangle"/>
+          </a:ln>
+        </p:spPr>
+        <p:style>
+          <a:lnRef idx="1">
+            <a:schemeClr val="accent1"/>
+          </a:lnRef>
+          <a:fillRef idx="0">
+            <a:schemeClr val="accent1"/>
+          </a:fillRef>
+          <a:effectRef idx="0">
+            <a:schemeClr val="accent1"/>
+          </a:effectRef>
+          <a:fontRef idx="minor">
+            <a:schemeClr val="tx1"/>
+          </a:fontRef>
+        </p:style>
+      </p:cxnSp>
+      <p:cxnSp>
+        <p:nvCxnSpPr>
+          <p:cNvPr id="8" name="Conector: angular 7">
+            <a:extLst>
+              <a:ext uri="{FF2B5EF4-FFF2-40B4-BE49-F238E27FC236}">
+                <a16:creationId xmlns:a16="http://schemas.microsoft.com/office/drawing/2014/main" id="{D5400B3C-DF13-4161-BAE8-4F66E969B638}"/>
+              </a:ext>
+            </a:extLst>
+          </p:cNvPr>
+          <p:cNvCxnSpPr/>
+          <p:nvPr/>
+        </p:nvCxnSpPr>
+        <p:spPr>
+          <a:xfrm>
+            <a:off x="3211210" y="4582255"/>
+            <a:ext cx="682253" cy="381947"/>
+          </a:xfrm>
+          <a:prstGeom prst="bentConnector3">
+            <a:avLst>
+              <a:gd name="adj1" fmla="val 27347"/>
+            </a:avLst>
+          </a:prstGeom>
+          <a:ln w="12700">
+            <a:solidFill>
+              <a:srgbClr val="FF0000"/>
+            </a:solidFill>
+            <a:tailEnd type="triangle"/>
+          </a:ln>
+        </p:spPr>
+        <p:style>
+          <a:lnRef idx="1">
+            <a:schemeClr val="accent1"/>
+          </a:lnRef>
+          <a:fillRef idx="0">
+            <a:schemeClr val="accent1"/>
+          </a:fillRef>
+          <a:effectRef idx="0">
+            <a:schemeClr val="accent1"/>
+          </a:effectRef>
+          <a:fontRef idx="minor">
+            <a:schemeClr val="tx1"/>
+          </a:fontRef>
+        </p:style>
+      </p:cxnSp>
+      <p:pic>
+        <p:nvPicPr>
+          <p:cNvPr id="2050" name="Picture 2">
+            <a:extLst>
+              <a:ext uri="{FF2B5EF4-FFF2-40B4-BE49-F238E27FC236}">
+                <a16:creationId xmlns:a16="http://schemas.microsoft.com/office/drawing/2014/main" id="{FF5B80BE-92E3-4501-A448-3036E1558031}"/>
+              </a:ext>
+            </a:extLst>
+          </p:cNvPr>
+          <p:cNvPicPr>
+            <a:picLocks noChangeAspect="1" noChangeArrowheads="1"/>
+          </p:cNvPicPr>
+          <p:nvPr/>
+        </p:nvPicPr>
+        <p:blipFill>
+          <a:blip r:embed="rId4">
+            <a:extLst>
+              <a:ext uri="{28A0092B-C50C-407E-A947-70E740481C1C}">
+                <a14:useLocalDpi xmlns:a14="http://schemas.microsoft.com/office/drawing/2010/main" val="0"/>
+              </a:ext>
+            </a:extLst>
+          </a:blip>
+          <a:srcRect/>
+          <a:stretch>
+            <a:fillRect/>
+          </a:stretch>
+        </p:blipFill>
+        <p:spPr bwMode="auto">
+          <a:xfrm rot="5400000">
+            <a:off x="7187910" y="4124839"/>
+            <a:ext cx="3293791" cy="1834307"/>
+          </a:xfrm>
+          <a:prstGeom prst="rect">
+            <a:avLst/>
+          </a:prstGeom>
+          <a:noFill/>
+          <a:extLst>
+            <a:ext uri="{909E8E84-426E-40DD-AFC4-6F175D3DCCD1}">
+              <a14:hiddenFill xmlns:a14="http://schemas.microsoft.com/office/drawing/2010/main">
+                <a:solidFill>
+                  <a:srgbClr val="FFFFFF"/>
+                </a:solidFill>
+              </a14:hiddenFill>
+            </a:ext>
+          </a:extLst>
+        </p:spPr>
+      </p:pic>
+      <p:pic>
+        <p:nvPicPr>
+          <p:cNvPr id="9" name="Picture 2" descr="ESP32 Wroom32 DevKit Analog Read Example | Circuits4you.com">
+            <a:extLst>
+              <a:ext uri="{FF2B5EF4-FFF2-40B4-BE49-F238E27FC236}">
+                <a16:creationId xmlns:a16="http://schemas.microsoft.com/office/drawing/2014/main" id="{364B6894-4C83-4914-83D2-7551F246231B}"/>
+              </a:ext>
+            </a:extLst>
+          </p:cNvPr>
+          <p:cNvPicPr>
+            <a:picLocks noChangeAspect="1" noChangeArrowheads="1"/>
+          </p:cNvPicPr>
+          <p:nvPr/>
+        </p:nvPicPr>
+        <p:blipFill rotWithShape="1">
+          <a:blip r:embed="rId5">
+            <a:extLst>
+              <a:ext uri="{28A0092B-C50C-407E-A947-70E740481C1C}">
+                <a14:useLocalDpi xmlns:a14="http://schemas.microsoft.com/office/drawing/2010/main" val="0"/>
+              </a:ext>
+            </a:extLst>
+          </a:blip>
+          <a:srcRect l="18996" r="18243" b="26775"/>
+          <a:stretch/>
+        </p:blipFill>
+        <p:spPr bwMode="auto">
+          <a:xfrm>
+            <a:off x="7479304" y="521220"/>
+            <a:ext cx="3881585" cy="2796086"/>
+          </a:xfrm>
+          <a:prstGeom prst="rect">
+            <a:avLst/>
+          </a:prstGeom>
+          <a:noFill/>
+          <a:extLst>
+            <a:ext uri="{909E8E84-426E-40DD-AFC4-6F175D3DCCD1}">
+              <a14:hiddenFill xmlns:a14="http://schemas.microsoft.com/office/drawing/2010/main">
+                <a:solidFill>
+                  <a:srgbClr val="FFFFFF"/>
+                </a:solidFill>
+              </a14:hiddenFill>
+            </a:ext>
+          </a:extLst>
+        </p:spPr>
+      </p:pic>
+      <p:sp>
+        <p:nvSpPr>
+          <p:cNvPr id="11" name="Rectángulo 10">
+            <a:extLst>
+              <a:ext uri="{FF2B5EF4-FFF2-40B4-BE49-F238E27FC236}">
+                <a16:creationId xmlns:a16="http://schemas.microsoft.com/office/drawing/2014/main" id="{E7AC9D79-00E6-41EA-BD82-5858268122FB}"/>
               </a:ext>
             </a:extLst>
           </p:cNvPr>
@@ -3359,8 +3740,1015 @@
         </p:nvSpPr>
         <p:spPr>
           <a:xfrm>
-            <a:off x="350607" y="133983"/>
-            <a:ext cx="4381649" cy="923330"/>
+            <a:off x="368437" y="5430736"/>
+            <a:ext cx="5436182" cy="707886"/>
+          </a:xfrm>
+          <a:prstGeom prst="rect">
+            <a:avLst/>
+          </a:prstGeom>
+          <a:noFill/>
+        </p:spPr>
+        <p:txBody>
+          <a:bodyPr wrap="square" lIns="91440" tIns="45720" rIns="91440" bIns="45720">
+            <a:spAutoFit/>
+          </a:bodyPr>
+          <a:lstStyle/>
+          <a:p>
+            <a:pPr algn="just"/>
+            <a:r>
+              <a:rPr lang="en-US" sz="2000" b="0" cap="none" spc="0" dirty="0">
+                <a:ln w="0"/>
+                <a:solidFill>
+                  <a:schemeClr val="tx1"/>
+                </a:solidFill>
+                <a:effectLst>
+                  <a:outerShdw blurRad="38100" dist="19050" dir="2700000" algn="tl" rotWithShape="0">
+                    <a:schemeClr val="dk1">
+                      <a:alpha val="40000"/>
+                    </a:schemeClr>
+                  </a:outerShdw>
+                </a:effectLst>
+              </a:rPr>
+              <a:t>The driver must be connected from 9 to 42V and the ESP-32 Card must be connected with 3.3 V.</a:t>
+            </a:r>
+            <a:endParaRPr lang="es-ES" sz="2000" b="0" cap="none" spc="0" dirty="0">
+              <a:ln w="0"/>
+              <a:solidFill>
+                <a:schemeClr val="tx1"/>
+              </a:solidFill>
+              <a:effectLst>
+                <a:outerShdw blurRad="38100" dist="19050" dir="2700000" algn="tl" rotWithShape="0">
+                  <a:schemeClr val="dk1">
+                    <a:alpha val="40000"/>
+                  </a:schemeClr>
+                </a:outerShdw>
+              </a:effectLst>
+            </a:endParaRPr>
+          </a:p>
+        </p:txBody>
+      </p:sp>
+      <p:sp>
+        <p:nvSpPr>
+          <p:cNvPr id="3" name="Rectangle 1">
+            <a:extLst>
+              <a:ext uri="{FF2B5EF4-FFF2-40B4-BE49-F238E27FC236}">
+                <a16:creationId xmlns:a16="http://schemas.microsoft.com/office/drawing/2014/main" id="{99A93245-128E-48BF-BA02-AF4852C0BB60}"/>
+              </a:ext>
+            </a:extLst>
+          </p:cNvPr>
+          <p:cNvSpPr>
+            <a:spLocks noChangeArrowheads="1"/>
+          </p:cNvSpPr>
+          <p:nvPr/>
+        </p:nvSpPr>
+        <p:spPr bwMode="auto">
+          <a:xfrm>
+            <a:off x="3381375" y="1593938"/>
+            <a:ext cx="3568065" cy="2490397"/>
+          </a:xfrm>
+          <a:prstGeom prst="rect">
+            <a:avLst/>
+          </a:prstGeom>
+          <a:solidFill>
+            <a:srgbClr val="EEEEEE"/>
+          </a:solidFill>
+          <a:ln>
+            <a:noFill/>
+          </a:ln>
+          <a:effectLst/>
+          <a:extLst>
+            <a:ext uri="{91240B29-F687-4F45-9708-019B960494DF}">
+              <a14:hiddenLine xmlns:a14="http://schemas.microsoft.com/office/drawing/2010/main" w="9525">
+                <a:solidFill>
+                  <a:schemeClr val="tx1"/>
+                </a:solidFill>
+                <a:miter lim="800000"/>
+                <a:headEnd/>
+                <a:tailEnd/>
+              </a14:hiddenLine>
+            </a:ext>
+            <a:ext uri="{AF507438-7753-43E0-B8FC-AC1667EBCBE1}">
+              <a14:hiddenEffects xmlns:a14="http://schemas.microsoft.com/office/drawing/2010/main">
+                <a:effectLst>
+                  <a:outerShdw dist="35921" dir="2700000" algn="ctr" rotWithShape="0">
+                    <a:schemeClr val="bg2"/>
+                  </a:outerShdw>
+                </a:effectLst>
+              </a14:hiddenEffects>
+            </a:ext>
+          </a:extLst>
+        </p:spPr>
+        <p:txBody>
+          <a:bodyPr vert="horz" wrap="square" lIns="91440" tIns="0" rIns="91440" bIns="88872" numCol="1" anchor="ctr" anchorCtr="0" compatLnSpc="1">
+            <a:prstTxWarp prst="textNoShape">
+              <a:avLst/>
+            </a:prstTxWarp>
+            <a:spAutoFit/>
+          </a:bodyPr>
+          <a:lstStyle>
+            <a:lvl1pPr eaLnBrk="0" fontAlgn="base" hangingPunct="0">
+              <a:spcBef>
+                <a:spcPct val="0"/>
+              </a:spcBef>
+              <a:spcAft>
+                <a:spcPct val="0"/>
+              </a:spcAft>
+              <a:defRPr>
+                <a:solidFill>
+                  <a:schemeClr val="tx1"/>
+                </a:solidFill>
+                <a:latin typeface="Arial" panose="020B0604020202020204" pitchFamily="34" charset="0"/>
+              </a:defRPr>
+            </a:lvl1pPr>
+            <a:lvl2pPr eaLnBrk="0" fontAlgn="base" hangingPunct="0">
+              <a:spcBef>
+                <a:spcPct val="0"/>
+              </a:spcBef>
+              <a:spcAft>
+                <a:spcPct val="0"/>
+              </a:spcAft>
+              <a:defRPr>
+                <a:solidFill>
+                  <a:schemeClr val="tx1"/>
+                </a:solidFill>
+                <a:latin typeface="Arial" panose="020B0604020202020204" pitchFamily="34" charset="0"/>
+              </a:defRPr>
+            </a:lvl2pPr>
+            <a:lvl3pPr eaLnBrk="0" fontAlgn="base" hangingPunct="0">
+              <a:spcBef>
+                <a:spcPct val="0"/>
+              </a:spcBef>
+              <a:spcAft>
+                <a:spcPct val="0"/>
+              </a:spcAft>
+              <a:defRPr>
+                <a:solidFill>
+                  <a:schemeClr val="tx1"/>
+                </a:solidFill>
+                <a:latin typeface="Arial" panose="020B0604020202020204" pitchFamily="34" charset="0"/>
+              </a:defRPr>
+            </a:lvl3pPr>
+            <a:lvl4pPr eaLnBrk="0" fontAlgn="base" hangingPunct="0">
+              <a:spcBef>
+                <a:spcPct val="0"/>
+              </a:spcBef>
+              <a:spcAft>
+                <a:spcPct val="0"/>
+              </a:spcAft>
+              <a:defRPr>
+                <a:solidFill>
+                  <a:schemeClr val="tx1"/>
+                </a:solidFill>
+                <a:latin typeface="Arial" panose="020B0604020202020204" pitchFamily="34" charset="0"/>
+              </a:defRPr>
+            </a:lvl4pPr>
+            <a:lvl5pPr eaLnBrk="0" fontAlgn="base" hangingPunct="0">
+              <a:spcBef>
+                <a:spcPct val="0"/>
+              </a:spcBef>
+              <a:spcAft>
+                <a:spcPct val="0"/>
+              </a:spcAft>
+              <a:defRPr>
+                <a:solidFill>
+                  <a:schemeClr val="tx1"/>
+                </a:solidFill>
+                <a:latin typeface="Arial" panose="020B0604020202020204" pitchFamily="34" charset="0"/>
+              </a:defRPr>
+            </a:lvl5pPr>
+            <a:lvl6pPr eaLnBrk="0" fontAlgn="base" hangingPunct="0">
+              <a:spcBef>
+                <a:spcPct val="0"/>
+              </a:spcBef>
+              <a:spcAft>
+                <a:spcPct val="0"/>
+              </a:spcAft>
+              <a:defRPr>
+                <a:solidFill>
+                  <a:schemeClr val="tx1"/>
+                </a:solidFill>
+                <a:latin typeface="Arial" panose="020B0604020202020204" pitchFamily="34" charset="0"/>
+              </a:defRPr>
+            </a:lvl6pPr>
+            <a:lvl7pPr eaLnBrk="0" fontAlgn="base" hangingPunct="0">
+              <a:spcBef>
+                <a:spcPct val="0"/>
+              </a:spcBef>
+              <a:spcAft>
+                <a:spcPct val="0"/>
+              </a:spcAft>
+              <a:defRPr>
+                <a:solidFill>
+                  <a:schemeClr val="tx1"/>
+                </a:solidFill>
+                <a:latin typeface="Arial" panose="020B0604020202020204" pitchFamily="34" charset="0"/>
+              </a:defRPr>
+            </a:lvl7pPr>
+            <a:lvl8pPr eaLnBrk="0" fontAlgn="base" hangingPunct="0">
+              <a:spcBef>
+                <a:spcPct val="0"/>
+              </a:spcBef>
+              <a:spcAft>
+                <a:spcPct val="0"/>
+              </a:spcAft>
+              <a:defRPr>
+                <a:solidFill>
+                  <a:schemeClr val="tx1"/>
+                </a:solidFill>
+                <a:latin typeface="Arial" panose="020B0604020202020204" pitchFamily="34" charset="0"/>
+              </a:defRPr>
+            </a:lvl8pPr>
+            <a:lvl9pPr eaLnBrk="0" fontAlgn="base" hangingPunct="0">
+              <a:spcBef>
+                <a:spcPct val="0"/>
+              </a:spcBef>
+              <a:spcAft>
+                <a:spcPct val="0"/>
+              </a:spcAft>
+              <a:defRPr>
+                <a:solidFill>
+                  <a:schemeClr val="tx1"/>
+                </a:solidFill>
+                <a:latin typeface="Arial" panose="020B0604020202020204" pitchFamily="34" charset="0"/>
+              </a:defRPr>
+            </a:lvl9pPr>
+          </a:lstStyle>
+          <a:p>
+            <a:pPr marL="0" marR="0" lvl="0" indent="0" algn="l" defTabSz="914400" rtl="0" eaLnBrk="0" fontAlgn="base" latinLnBrk="0" hangingPunct="0">
+              <a:lnSpc>
+                <a:spcPct val="100000"/>
+              </a:lnSpc>
+              <a:spcBef>
+                <a:spcPct val="0"/>
+              </a:spcBef>
+              <a:spcAft>
+                <a:spcPct val="0"/>
+              </a:spcAft>
+              <a:buClrTx/>
+              <a:buSzTx/>
+              <a:buFontTx/>
+              <a:buNone/>
+              <a:tabLst/>
+            </a:pPr>
+            <a:r>
+              <a:rPr kumimoji="0" lang="es-EC" altLang="es-EC" sz="1800" b="1" i="0" u="none" strike="noStrike" cap="none" normalizeH="0" baseline="0" dirty="0" err="1">
+                <a:ln>
+                  <a:noFill/>
+                </a:ln>
+                <a:solidFill>
+                  <a:srgbClr val="313131"/>
+                </a:solidFill>
+                <a:effectLst/>
+                <a:latin typeface="roboto"/>
+              </a:rPr>
+              <a:t>SPECIFICATION</a:t>
+            </a:r>
+            <a:br>
+              <a:rPr kumimoji="0" lang="es-EC" altLang="es-EC" sz="1800" b="1" i="0" u="none" strike="noStrike" cap="none" normalizeH="0" baseline="0" dirty="0">
+                <a:ln>
+                  <a:noFill/>
+                </a:ln>
+                <a:solidFill>
+                  <a:srgbClr val="313131"/>
+                </a:solidFill>
+                <a:effectLst/>
+                <a:latin typeface="roboto"/>
+              </a:rPr>
+            </a:br>
+            <a:endParaRPr kumimoji="0" lang="es-EC" altLang="es-EC" sz="1800" b="1" i="0" u="none" strike="noStrike" cap="none" normalizeH="0" baseline="0" dirty="0">
+              <a:ln>
+                <a:noFill/>
+              </a:ln>
+              <a:solidFill>
+                <a:srgbClr val="313131"/>
+              </a:solidFill>
+              <a:effectLst/>
+              <a:latin typeface="roboto"/>
+            </a:endParaRPr>
+          </a:p>
+          <a:p>
+            <a:pPr marL="0" marR="0" lvl="0" indent="133350" algn="l" defTabSz="914400" rtl="0" eaLnBrk="0" fontAlgn="base" latinLnBrk="0" hangingPunct="0">
+              <a:lnSpc>
+                <a:spcPct val="100000"/>
+              </a:lnSpc>
+              <a:spcBef>
+                <a:spcPct val="0"/>
+              </a:spcBef>
+              <a:spcAft>
+                <a:spcPct val="0"/>
+              </a:spcAft>
+              <a:buClrTx/>
+              <a:buSzTx/>
+              <a:buFontTx/>
+              <a:buChar char="•"/>
+              <a:tabLst/>
+            </a:pPr>
+            <a:r>
+              <a:rPr kumimoji="0" lang="es-EC" altLang="es-EC" sz="1200" b="0" i="0" u="none" strike="noStrike" cap="none" normalizeH="0" baseline="0" dirty="0">
+                <a:ln>
+                  <a:noFill/>
+                </a:ln>
+                <a:solidFill>
+                  <a:srgbClr val="535353"/>
+                </a:solidFill>
+                <a:effectLst/>
+                <a:latin typeface="roboto"/>
+              </a:rPr>
+              <a:t>Input </a:t>
+            </a:r>
+            <a:r>
+              <a:rPr kumimoji="0" lang="es-EC" altLang="es-EC" sz="1200" b="0" i="0" u="none" strike="noStrike" cap="none" normalizeH="0" baseline="0" dirty="0" err="1">
+                <a:ln>
+                  <a:noFill/>
+                </a:ln>
+                <a:solidFill>
+                  <a:srgbClr val="535353"/>
+                </a:solidFill>
+                <a:effectLst/>
+                <a:latin typeface="roboto"/>
+              </a:rPr>
+              <a:t>Current</a:t>
+            </a:r>
+            <a:r>
+              <a:rPr kumimoji="0" lang="es-EC" altLang="es-EC" sz="1200" b="0" i="0" u="none" strike="noStrike" cap="none" normalizeH="0" baseline="0" dirty="0">
+                <a:ln>
+                  <a:noFill/>
+                </a:ln>
+                <a:solidFill>
+                  <a:srgbClr val="535353"/>
+                </a:solidFill>
+                <a:effectLst/>
+                <a:latin typeface="roboto"/>
+              </a:rPr>
+              <a:t>: 0~5A</a:t>
+            </a:r>
+          </a:p>
+          <a:p>
+            <a:pPr marL="0" marR="0" lvl="0" indent="133350" algn="l" defTabSz="914400" rtl="0" eaLnBrk="0" fontAlgn="base" latinLnBrk="0" hangingPunct="0">
+              <a:lnSpc>
+                <a:spcPct val="100000"/>
+              </a:lnSpc>
+              <a:spcBef>
+                <a:spcPct val="0"/>
+              </a:spcBef>
+              <a:spcAft>
+                <a:spcPct val="0"/>
+              </a:spcAft>
+              <a:buClrTx/>
+              <a:buSzTx/>
+              <a:buFontTx/>
+              <a:buChar char="•"/>
+              <a:tabLst/>
+            </a:pPr>
+            <a:r>
+              <a:rPr kumimoji="0" lang="es-EC" altLang="es-EC" sz="1200" b="0" i="0" u="none" strike="noStrike" cap="none" normalizeH="0" baseline="0" dirty="0">
+                <a:ln>
+                  <a:noFill/>
+                </a:ln>
+                <a:solidFill>
+                  <a:srgbClr val="535353"/>
+                </a:solidFill>
+                <a:effectLst/>
+                <a:latin typeface="roboto"/>
+              </a:rPr>
+              <a:t>Output </a:t>
+            </a:r>
+            <a:r>
+              <a:rPr kumimoji="0" lang="es-EC" altLang="es-EC" sz="1200" b="0" i="0" u="none" strike="noStrike" cap="none" normalizeH="0" baseline="0" dirty="0" err="1">
+                <a:ln>
+                  <a:noFill/>
+                </a:ln>
+                <a:solidFill>
+                  <a:srgbClr val="535353"/>
+                </a:solidFill>
+                <a:effectLst/>
+                <a:latin typeface="roboto"/>
+              </a:rPr>
+              <a:t>Current</a:t>
+            </a:r>
+            <a:r>
+              <a:rPr kumimoji="0" lang="es-EC" altLang="es-EC" sz="1200" b="0" i="0" u="none" strike="noStrike" cap="none" normalizeH="0" baseline="0" dirty="0">
+                <a:ln>
+                  <a:noFill/>
+                </a:ln>
+                <a:solidFill>
+                  <a:srgbClr val="535353"/>
+                </a:solidFill>
+                <a:effectLst/>
+                <a:latin typeface="roboto"/>
+              </a:rPr>
+              <a:t>: 0.5-4.0A</a:t>
+            </a:r>
+          </a:p>
+          <a:p>
+            <a:pPr marL="0" marR="0" lvl="0" indent="133350" algn="l" defTabSz="914400" rtl="0" eaLnBrk="0" fontAlgn="base" latinLnBrk="0" hangingPunct="0">
+              <a:lnSpc>
+                <a:spcPct val="100000"/>
+              </a:lnSpc>
+              <a:spcBef>
+                <a:spcPct val="0"/>
+              </a:spcBef>
+              <a:spcAft>
+                <a:spcPct val="0"/>
+              </a:spcAft>
+              <a:buClrTx/>
+              <a:buSzTx/>
+              <a:buFontTx/>
+              <a:buChar char="•"/>
+              <a:tabLst/>
+            </a:pPr>
+            <a:r>
+              <a:rPr kumimoji="0" lang="es-EC" altLang="es-EC" sz="1200" b="0" i="0" u="none" strike="noStrike" cap="none" normalizeH="0" baseline="0" dirty="0">
+                <a:ln>
+                  <a:noFill/>
+                </a:ln>
+                <a:solidFill>
+                  <a:srgbClr val="535353"/>
+                </a:solidFill>
+                <a:effectLst/>
+                <a:latin typeface="roboto"/>
+              </a:rPr>
+              <a:t>Control </a:t>
+            </a:r>
+            <a:r>
+              <a:rPr kumimoji="0" lang="es-EC" altLang="es-EC" sz="1200" b="0" i="0" u="none" strike="noStrike" cap="none" normalizeH="0" baseline="0" dirty="0" err="1">
+                <a:ln>
+                  <a:noFill/>
+                </a:ln>
+                <a:solidFill>
+                  <a:srgbClr val="535353"/>
+                </a:solidFill>
+                <a:effectLst/>
+                <a:latin typeface="roboto"/>
+              </a:rPr>
+              <a:t>Signal</a:t>
+            </a:r>
+            <a:r>
+              <a:rPr kumimoji="0" lang="es-EC" altLang="es-EC" sz="1200" b="0" i="0" u="none" strike="noStrike" cap="none" normalizeH="0" baseline="0" dirty="0">
+                <a:ln>
+                  <a:noFill/>
+                </a:ln>
+                <a:solidFill>
+                  <a:srgbClr val="535353"/>
+                </a:solidFill>
+                <a:effectLst/>
+                <a:latin typeface="roboto"/>
+              </a:rPr>
+              <a:t>: 3.3~24V</a:t>
+            </a:r>
+          </a:p>
+          <a:p>
+            <a:pPr marL="0" marR="0" lvl="0" indent="133350" algn="l" defTabSz="914400" rtl="0" eaLnBrk="0" fontAlgn="base" latinLnBrk="0" hangingPunct="0">
+              <a:lnSpc>
+                <a:spcPct val="100000"/>
+              </a:lnSpc>
+              <a:spcBef>
+                <a:spcPct val="0"/>
+              </a:spcBef>
+              <a:spcAft>
+                <a:spcPct val="0"/>
+              </a:spcAft>
+              <a:buClrTx/>
+              <a:buSzTx/>
+              <a:buFontTx/>
+              <a:buChar char="•"/>
+              <a:tabLst/>
+            </a:pPr>
+            <a:r>
+              <a:rPr kumimoji="0" lang="es-EC" altLang="es-EC" sz="1200" b="0" i="0" u="none" strike="noStrike" cap="none" normalizeH="0" baseline="0" dirty="0" err="1">
+                <a:ln>
+                  <a:noFill/>
+                </a:ln>
+                <a:solidFill>
+                  <a:srgbClr val="535353"/>
+                </a:solidFill>
+                <a:effectLst/>
+                <a:latin typeface="roboto"/>
+              </a:rPr>
+              <a:t>Power</a:t>
+            </a:r>
+            <a:r>
+              <a:rPr kumimoji="0" lang="es-EC" altLang="es-EC" sz="1200" b="0" i="0" u="none" strike="noStrike" cap="none" normalizeH="0" baseline="0" dirty="0">
+                <a:ln>
+                  <a:noFill/>
+                </a:ln>
+                <a:solidFill>
+                  <a:srgbClr val="535353"/>
+                </a:solidFill>
+                <a:effectLst/>
+                <a:latin typeface="roboto"/>
+              </a:rPr>
+              <a:t> (MAX): 160W</a:t>
+            </a:r>
+          </a:p>
+          <a:p>
+            <a:pPr marL="0" marR="0" lvl="0" indent="133350" algn="l" defTabSz="914400" rtl="0" eaLnBrk="0" fontAlgn="base" latinLnBrk="0" hangingPunct="0">
+              <a:lnSpc>
+                <a:spcPct val="100000"/>
+              </a:lnSpc>
+              <a:spcBef>
+                <a:spcPct val="0"/>
+              </a:spcBef>
+              <a:spcAft>
+                <a:spcPct val="0"/>
+              </a:spcAft>
+              <a:buClrTx/>
+              <a:buSzTx/>
+              <a:buFontTx/>
+              <a:buChar char="•"/>
+              <a:tabLst/>
+            </a:pPr>
+            <a:r>
+              <a:rPr kumimoji="0" lang="es-EC" altLang="es-EC" sz="1200" b="0" i="0" u="none" strike="noStrike" cap="none" normalizeH="0" baseline="0" dirty="0">
+                <a:ln>
+                  <a:noFill/>
+                </a:ln>
+                <a:solidFill>
+                  <a:srgbClr val="535353"/>
+                </a:solidFill>
+                <a:effectLst/>
+                <a:latin typeface="roboto"/>
+              </a:rPr>
+              <a:t>Micro Step: 1, 2/A, 2/B, 4, 8, 16, 32</a:t>
+            </a:r>
+          </a:p>
+          <a:p>
+            <a:pPr marL="0" marR="0" lvl="0" indent="133350" algn="l" defTabSz="914400" rtl="0" eaLnBrk="0" fontAlgn="base" latinLnBrk="0" hangingPunct="0">
+              <a:lnSpc>
+                <a:spcPct val="100000"/>
+              </a:lnSpc>
+              <a:spcBef>
+                <a:spcPct val="0"/>
+              </a:spcBef>
+              <a:spcAft>
+                <a:spcPct val="0"/>
+              </a:spcAft>
+              <a:buClrTx/>
+              <a:buSzTx/>
+              <a:buFontTx/>
+              <a:buChar char="•"/>
+              <a:tabLst/>
+            </a:pPr>
+            <a:r>
+              <a:rPr kumimoji="0" lang="es-EC" altLang="es-EC" sz="1200" b="0" i="0" u="none" strike="noStrike" cap="none" normalizeH="0" baseline="0" dirty="0" err="1">
+                <a:ln>
+                  <a:noFill/>
+                </a:ln>
+                <a:solidFill>
+                  <a:srgbClr val="535353"/>
+                </a:solidFill>
+                <a:effectLst/>
+                <a:latin typeface="roboto"/>
+              </a:rPr>
+              <a:t>Temperature</a:t>
+            </a:r>
+            <a:r>
+              <a:rPr kumimoji="0" lang="es-EC" altLang="es-EC" sz="1200" b="0" i="0" u="none" strike="noStrike" cap="none" normalizeH="0" baseline="0" dirty="0">
+                <a:ln>
+                  <a:noFill/>
+                </a:ln>
+                <a:solidFill>
+                  <a:srgbClr val="535353"/>
+                </a:solidFill>
+                <a:effectLst/>
+                <a:latin typeface="roboto"/>
+              </a:rPr>
+              <a:t>: -10～45℃</a:t>
+            </a:r>
+          </a:p>
+          <a:p>
+            <a:pPr marL="0" marR="0" lvl="0" indent="133350" algn="l" defTabSz="914400" rtl="0" eaLnBrk="0" fontAlgn="base" latinLnBrk="0" hangingPunct="0">
+              <a:lnSpc>
+                <a:spcPct val="100000"/>
+              </a:lnSpc>
+              <a:spcBef>
+                <a:spcPct val="0"/>
+              </a:spcBef>
+              <a:spcAft>
+                <a:spcPct val="0"/>
+              </a:spcAft>
+              <a:buClrTx/>
+              <a:buSzTx/>
+              <a:buFontTx/>
+              <a:buChar char="•"/>
+              <a:tabLst/>
+            </a:pPr>
+            <a:r>
+              <a:rPr kumimoji="0" lang="es-EC" altLang="es-EC" sz="1200" b="0" i="0" u="none" strike="noStrike" cap="none" normalizeH="0" baseline="0" dirty="0" err="1">
+                <a:ln>
+                  <a:noFill/>
+                </a:ln>
+                <a:solidFill>
+                  <a:srgbClr val="535353"/>
+                </a:solidFill>
+                <a:effectLst/>
+                <a:latin typeface="roboto"/>
+              </a:rPr>
+              <a:t>Humidity</a:t>
+            </a:r>
+            <a:r>
+              <a:rPr kumimoji="0" lang="es-EC" altLang="es-EC" sz="1200" b="0" i="0" u="none" strike="noStrike" cap="none" normalizeH="0" baseline="0" dirty="0">
+                <a:ln>
+                  <a:noFill/>
+                </a:ln>
+                <a:solidFill>
+                  <a:srgbClr val="535353"/>
+                </a:solidFill>
+                <a:effectLst/>
+                <a:latin typeface="roboto"/>
+              </a:rPr>
+              <a:t>: No </a:t>
+            </a:r>
+            <a:r>
+              <a:rPr kumimoji="0" lang="es-EC" altLang="es-EC" sz="1200" b="0" i="0" u="none" strike="noStrike" cap="none" normalizeH="0" baseline="0" dirty="0" err="1">
+                <a:ln>
+                  <a:noFill/>
+                </a:ln>
+                <a:solidFill>
+                  <a:srgbClr val="535353"/>
+                </a:solidFill>
+                <a:effectLst/>
+                <a:latin typeface="roboto"/>
+              </a:rPr>
+              <a:t>Condensation</a:t>
+            </a:r>
+            <a:endParaRPr kumimoji="0" lang="es-EC" altLang="es-EC" sz="1200" b="0" i="0" u="none" strike="noStrike" cap="none" normalizeH="0" baseline="0" dirty="0">
+              <a:ln>
+                <a:noFill/>
+              </a:ln>
+              <a:solidFill>
+                <a:srgbClr val="535353"/>
+              </a:solidFill>
+              <a:effectLst/>
+              <a:latin typeface="roboto"/>
+            </a:endParaRPr>
+          </a:p>
+          <a:p>
+            <a:pPr marL="0" marR="0" lvl="0" indent="133350" algn="l" defTabSz="914400" rtl="0" eaLnBrk="0" fontAlgn="base" latinLnBrk="0" hangingPunct="0">
+              <a:lnSpc>
+                <a:spcPct val="100000"/>
+              </a:lnSpc>
+              <a:spcBef>
+                <a:spcPct val="0"/>
+              </a:spcBef>
+              <a:spcAft>
+                <a:spcPct val="0"/>
+              </a:spcAft>
+              <a:buClrTx/>
+              <a:buSzTx/>
+              <a:buFontTx/>
+              <a:buChar char="•"/>
+              <a:tabLst/>
+            </a:pPr>
+            <a:r>
+              <a:rPr kumimoji="0" lang="es-EC" altLang="es-EC" sz="1200" b="0" i="0" u="none" strike="noStrike" cap="none" normalizeH="0" baseline="0" dirty="0" err="1">
+                <a:ln>
+                  <a:noFill/>
+                </a:ln>
+                <a:solidFill>
+                  <a:srgbClr val="535353"/>
+                </a:solidFill>
+                <a:effectLst/>
+                <a:latin typeface="roboto"/>
+              </a:rPr>
+              <a:t>Dimension</a:t>
+            </a:r>
+            <a:r>
+              <a:rPr kumimoji="0" lang="es-EC" altLang="es-EC" sz="1200" b="0" i="0" u="none" strike="noStrike" cap="none" normalizeH="0" baseline="0" dirty="0">
+                <a:ln>
+                  <a:noFill/>
+                </a:ln>
+                <a:solidFill>
+                  <a:srgbClr val="535353"/>
+                </a:solidFill>
+                <a:effectLst/>
+                <a:latin typeface="roboto"/>
+              </a:rPr>
+              <a:t>: 96*56*33 mm/ 3.78*2.2*1.3 </a:t>
+            </a:r>
+            <a:r>
+              <a:rPr kumimoji="0" lang="es-EC" altLang="es-EC" sz="1200" b="0" i="0" u="none" strike="noStrike" cap="none" normalizeH="0" baseline="0" dirty="0" err="1">
+                <a:ln>
+                  <a:noFill/>
+                </a:ln>
+                <a:solidFill>
+                  <a:srgbClr val="535353"/>
+                </a:solidFill>
+                <a:effectLst/>
+                <a:latin typeface="roboto"/>
+              </a:rPr>
+              <a:t>inches</a:t>
+            </a:r>
+            <a:endParaRPr kumimoji="0" lang="es-EC" altLang="es-EC" sz="1200" b="0" i="0" u="none" strike="noStrike" cap="none" normalizeH="0" baseline="0" dirty="0">
+              <a:ln>
+                <a:noFill/>
+              </a:ln>
+              <a:solidFill>
+                <a:srgbClr val="535353"/>
+              </a:solidFill>
+              <a:effectLst/>
+              <a:latin typeface="roboto"/>
+            </a:endParaRPr>
+          </a:p>
+          <a:p>
+            <a:pPr marL="0" marR="0" lvl="0" indent="133350" algn="l" defTabSz="914400" rtl="0" eaLnBrk="0" fontAlgn="base" latinLnBrk="0" hangingPunct="0">
+              <a:lnSpc>
+                <a:spcPct val="100000"/>
+              </a:lnSpc>
+              <a:spcBef>
+                <a:spcPct val="0"/>
+              </a:spcBef>
+              <a:spcAft>
+                <a:spcPct val="0"/>
+              </a:spcAft>
+              <a:buClrTx/>
+              <a:buSzTx/>
+              <a:buFontTx/>
+              <a:buChar char="•"/>
+              <a:tabLst/>
+            </a:pPr>
+            <a:r>
+              <a:rPr kumimoji="0" lang="es-EC" altLang="es-EC" sz="1200" b="0" i="0" u="none" strike="noStrike" cap="none" normalizeH="0" baseline="0" dirty="0" err="1">
+                <a:ln>
+                  <a:noFill/>
+                </a:ln>
+                <a:solidFill>
+                  <a:srgbClr val="535353"/>
+                </a:solidFill>
+                <a:effectLst/>
+                <a:latin typeface="roboto"/>
+              </a:rPr>
+              <a:t>Weight</a:t>
+            </a:r>
+            <a:r>
+              <a:rPr kumimoji="0" lang="es-EC" altLang="es-EC" sz="1200" b="0" i="0" u="none" strike="noStrike" cap="none" normalizeH="0" baseline="0" dirty="0">
+                <a:ln>
+                  <a:noFill/>
+                </a:ln>
+                <a:solidFill>
+                  <a:srgbClr val="535353"/>
+                </a:solidFill>
+                <a:effectLst/>
+                <a:latin typeface="roboto"/>
+              </a:rPr>
+              <a:t>: 0.2 kg</a:t>
+            </a:r>
+          </a:p>
+          <a:p>
+            <a:pPr marL="0" marR="0" lvl="0" indent="133350" algn="l" defTabSz="914400" rtl="0" eaLnBrk="0" fontAlgn="base" latinLnBrk="0" hangingPunct="0">
+              <a:lnSpc>
+                <a:spcPct val="100000"/>
+              </a:lnSpc>
+              <a:spcBef>
+                <a:spcPct val="0"/>
+              </a:spcBef>
+              <a:spcAft>
+                <a:spcPct val="0"/>
+              </a:spcAft>
+              <a:buClrTx/>
+              <a:buSzTx/>
+              <a:buFontTx/>
+              <a:buChar char="•"/>
+              <a:tabLst/>
+            </a:pPr>
+            <a:r>
+              <a:rPr kumimoji="0" lang="es-EC" altLang="es-EC" sz="1200" b="0" i="0" u="none" strike="noStrike" cap="none" normalizeH="0" baseline="0" dirty="0">
+                <a:ln>
+                  <a:noFill/>
+                </a:ln>
+                <a:solidFill>
+                  <a:srgbClr val="535353"/>
+                </a:solidFill>
+                <a:effectLst/>
+                <a:latin typeface="roboto"/>
+              </a:rPr>
+              <a:t>Drive IC: TB67S109AFTG</a:t>
+            </a:r>
+            <a:endParaRPr kumimoji="0" lang="es-EC" altLang="es-EC" sz="1800" b="0" i="0" u="none" strike="noStrike" cap="none" normalizeH="0" baseline="0" dirty="0">
+              <a:ln>
+                <a:noFill/>
+              </a:ln>
+              <a:solidFill>
+                <a:schemeClr val="tx1"/>
+              </a:solidFill>
+              <a:effectLst/>
+              <a:latin typeface="Arial" panose="020B0604020202020204" pitchFamily="34" charset="0"/>
+            </a:endParaRPr>
+          </a:p>
+        </p:txBody>
+      </p:sp>
+    </p:spTree>
+    <p:extLst>
+      <p:ext uri="{BB962C8B-B14F-4D97-AF65-F5344CB8AC3E}">
+        <p14:creationId xmlns:p14="http://schemas.microsoft.com/office/powerpoint/2010/main" val="2274817601"/>
+      </p:ext>
+    </p:extLst>
+  </p:cSld>
+  <p:clrMapOvr>
+    <a:masterClrMapping/>
+  </p:clrMapOvr>
+</p:sld>
+</file>
+
+<file path=ppt/slides/slide3.xml><?xml version="1.0" encoding="utf-8"?>
+<p:sld xmlns:a="http://schemas.openxmlformats.org/drawingml/2006/main" xmlns:r="http://schemas.openxmlformats.org/officeDocument/2006/relationships" xmlns:p="http://schemas.openxmlformats.org/presentationml/2006/main">
+  <p:cSld>
+    <p:spTree>
+      <p:nvGrpSpPr>
+        <p:cNvPr id="1" name=""/>
+        <p:cNvGrpSpPr/>
+        <p:nvPr/>
+      </p:nvGrpSpPr>
+      <p:grpSpPr>
+        <a:xfrm>
+          <a:off x="0" y="0"/>
+          <a:ext cx="0" cy="0"/>
+          <a:chOff x="0" y="0"/>
+          <a:chExt cx="0" cy="0"/>
+        </a:xfrm>
+      </p:grpSpPr>
+      <p:pic>
+        <p:nvPicPr>
+          <p:cNvPr id="1026" name="Picture 2">
+            <a:extLst>
+              <a:ext uri="{FF2B5EF4-FFF2-40B4-BE49-F238E27FC236}">
+                <a16:creationId xmlns:a16="http://schemas.microsoft.com/office/drawing/2014/main" id="{199F6534-3E7B-4FFB-83E8-BB272AADB0C4}"/>
+              </a:ext>
+            </a:extLst>
+          </p:cNvPr>
+          <p:cNvPicPr>
+            <a:picLocks noChangeAspect="1" noChangeArrowheads="1"/>
+          </p:cNvPicPr>
+          <p:nvPr/>
+        </p:nvPicPr>
+        <p:blipFill>
+          <a:blip r:embed="rId2">
+            <a:extLst>
+              <a:ext uri="{28A0092B-C50C-407E-A947-70E740481C1C}">
+                <a14:useLocalDpi xmlns:a14="http://schemas.microsoft.com/office/drawing/2010/main" val="0"/>
+              </a:ext>
+            </a:extLst>
+          </a:blip>
+          <a:stretch>
+            <a:fillRect/>
+          </a:stretch>
+        </p:blipFill>
+        <p:spPr bwMode="auto">
+          <a:xfrm>
+            <a:off x="1722438" y="643467"/>
+            <a:ext cx="3133724" cy="5571066"/>
+          </a:xfrm>
+          <a:prstGeom prst="rect">
+            <a:avLst/>
+          </a:prstGeom>
+          <a:noFill/>
+          <a:extLst>
+            <a:ext uri="{909E8E84-426E-40DD-AFC4-6F175D3DCCD1}">
+              <a14:hiddenFill xmlns:a14="http://schemas.microsoft.com/office/drawing/2010/main">
+                <a:solidFill>
+                  <a:srgbClr val="FFFFFF"/>
+                </a:solidFill>
+              </a14:hiddenFill>
+            </a:ext>
+          </a:extLst>
+        </p:spPr>
+      </p:pic>
+      <p:pic>
+        <p:nvPicPr>
+          <p:cNvPr id="5" name="Imagen 4">
+            <a:extLst>
+              <a:ext uri="{FF2B5EF4-FFF2-40B4-BE49-F238E27FC236}">
+                <a16:creationId xmlns:a16="http://schemas.microsoft.com/office/drawing/2014/main" id="{850C24FB-EDEC-4D1D-95D7-F266288228CF}"/>
+              </a:ext>
+            </a:extLst>
+          </p:cNvPr>
+          <p:cNvPicPr>
+            <a:picLocks noChangeAspect="1"/>
+          </p:cNvPicPr>
+          <p:nvPr/>
+        </p:nvPicPr>
+        <p:blipFill>
+          <a:blip r:embed="rId3"/>
+          <a:stretch>
+            <a:fillRect/>
+          </a:stretch>
+        </p:blipFill>
+        <p:spPr>
+          <a:xfrm>
+            <a:off x="6291371" y="851593"/>
+            <a:ext cx="5291667" cy="5154813"/>
+          </a:xfrm>
+          <a:prstGeom prst="rect">
+            <a:avLst/>
+          </a:prstGeom>
+        </p:spPr>
+      </p:pic>
+    </p:spTree>
+    <p:extLst>
+      <p:ext uri="{BB962C8B-B14F-4D97-AF65-F5344CB8AC3E}">
+        <p14:creationId xmlns:p14="http://schemas.microsoft.com/office/powerpoint/2010/main" val="2974354015"/>
+      </p:ext>
+    </p:extLst>
+  </p:cSld>
+  <p:clrMapOvr>
+    <a:masterClrMapping/>
+  </p:clrMapOvr>
+</p:sld>
+</file>
+
+<file path=ppt/slides/slide4.xml><?xml version="1.0" encoding="utf-8"?>
+<p:sld xmlns:a="http://schemas.openxmlformats.org/drawingml/2006/main" xmlns:r="http://schemas.openxmlformats.org/officeDocument/2006/relationships" xmlns:p="http://schemas.openxmlformats.org/presentationml/2006/main">
+  <p:cSld>
+    <p:spTree>
+      <p:nvGrpSpPr>
+        <p:cNvPr id="1" name=""/>
+        <p:cNvGrpSpPr/>
+        <p:nvPr/>
+      </p:nvGrpSpPr>
+      <p:grpSpPr>
+        <a:xfrm>
+          <a:off x="0" y="0"/>
+          <a:ext cx="0" cy="0"/>
+          <a:chOff x="0" y="0"/>
+          <a:chExt cx="0" cy="0"/>
+        </a:xfrm>
+      </p:grpSpPr>
+      <p:pic>
+        <p:nvPicPr>
+          <p:cNvPr id="2" name="Imagen 1">
+            <a:extLst>
+              <a:ext uri="{FF2B5EF4-FFF2-40B4-BE49-F238E27FC236}">
+                <a16:creationId xmlns:a16="http://schemas.microsoft.com/office/drawing/2014/main" id="{0ED10955-6DC2-40CB-8497-FF0F39362162}"/>
+              </a:ext>
+            </a:extLst>
+          </p:cNvPr>
+          <p:cNvPicPr>
+            <a:picLocks noChangeAspect="1"/>
+          </p:cNvPicPr>
+          <p:nvPr/>
+        </p:nvPicPr>
+        <p:blipFill>
+          <a:blip r:embed="rId2"/>
+          <a:stretch>
+            <a:fillRect/>
+          </a:stretch>
+        </p:blipFill>
+        <p:spPr>
+          <a:xfrm>
+            <a:off x="3456317" y="81773"/>
+            <a:ext cx="5279366" cy="6694454"/>
+          </a:xfrm>
+          <a:prstGeom prst="rect">
+            <a:avLst/>
+          </a:prstGeom>
+        </p:spPr>
+      </p:pic>
+    </p:spTree>
+    <p:extLst>
+      <p:ext uri="{BB962C8B-B14F-4D97-AF65-F5344CB8AC3E}">
+        <p14:creationId xmlns:p14="http://schemas.microsoft.com/office/powerpoint/2010/main" val="543414255"/>
+      </p:ext>
+    </p:extLst>
+  </p:cSld>
+  <p:clrMapOvr>
+    <a:masterClrMapping/>
+  </p:clrMapOvr>
+</p:sld>
+</file>
+
+<file path=ppt/slides/slide5.xml><?xml version="1.0" encoding="utf-8"?>
+<p:sld xmlns:a="http://schemas.openxmlformats.org/drawingml/2006/main" xmlns:r="http://schemas.openxmlformats.org/officeDocument/2006/relationships" xmlns:p="http://schemas.openxmlformats.org/presentationml/2006/main">
+  <p:cSld>
+    <p:spTree>
+      <p:nvGrpSpPr>
+        <p:cNvPr id="1" name=""/>
+        <p:cNvGrpSpPr/>
+        <p:nvPr/>
+      </p:nvGrpSpPr>
+      <p:grpSpPr>
+        <a:xfrm>
+          <a:off x="0" y="0"/>
+          <a:ext cx="0" cy="0"/>
+          <a:chOff x="0" y="0"/>
+          <a:chExt cx="0" cy="0"/>
+        </a:xfrm>
+      </p:grpSpPr>
+      <p:sp>
+        <p:nvSpPr>
+          <p:cNvPr id="4" name="Rectángulo 3">
+            <a:extLst>
+              <a:ext uri="{FF2B5EF4-FFF2-40B4-BE49-F238E27FC236}">
+                <a16:creationId xmlns:a16="http://schemas.microsoft.com/office/drawing/2014/main" id="{1A8A97F7-4E6F-4739-A9E3-E64DE17F3EFE}"/>
+              </a:ext>
+            </a:extLst>
+          </p:cNvPr>
+          <p:cNvSpPr/>
+          <p:nvPr/>
+        </p:nvSpPr>
+        <p:spPr>
+          <a:xfrm>
+            <a:off x="604683" y="133983"/>
+            <a:ext cx="3873496" cy="923330"/>
           </a:xfrm>
           <a:prstGeom prst="rect">
             <a:avLst/>
@@ -3388,7 +4776,7 @@
                   </a:outerShdw>
                 </a:effectLst>
               </a:rPr>
-              <a:t>STEP MOTOR 1</a:t>
+              <a:t>STEP MOTOR</a:t>
             </a:r>
           </a:p>
         </p:txBody>
@@ -3445,7 +4833,7 @@
         </p:blipFill>
         <p:spPr>
           <a:xfrm>
-            <a:off x="6679375" y="4756878"/>
+            <a:off x="6679375" y="4731478"/>
             <a:ext cx="3228503" cy="1348302"/>
           </a:xfrm>
           <a:prstGeom prst="rect">
@@ -3632,12 +5020,12 @@
         </p:nvCxnSpPr>
         <p:spPr>
           <a:xfrm>
-            <a:off x="3450525" y="3762229"/>
+            <a:off x="3450525" y="3736829"/>
             <a:ext cx="3228850" cy="1668800"/>
           </a:xfrm>
           <a:prstGeom prst="bentConnector3">
             <a:avLst>
-              <a:gd name="adj1" fmla="val 81910"/>
+              <a:gd name="adj1" fmla="val 81073"/>
             </a:avLst>
           </a:prstGeom>
           <a:ln w="12700">
@@ -3683,7 +5071,7 @@
           </a:xfrm>
           <a:prstGeom prst="bentConnector3">
             <a:avLst>
-              <a:gd name="adj1" fmla="val 65337"/>
+              <a:gd name="adj1" fmla="val 62378"/>
             </a:avLst>
           </a:prstGeom>
           <a:ln w="12700">
@@ -3769,9 +5157,9 @@
           <p:nvPr/>
         </p:nvCxnSpPr>
         <p:spPr>
-          <a:xfrm flipV="1">
-            <a:off x="3388013" y="686785"/>
-            <a:ext cx="3554459" cy="1929061"/>
+          <a:xfrm>
+            <a:off x="3388013" y="2615847"/>
+            <a:ext cx="3679563" cy="445700"/>
           </a:xfrm>
           <a:prstGeom prst="bentConnector3">
             <a:avLst>
@@ -3816,8 +5204,8 @@
         </p:nvCxnSpPr>
         <p:spPr>
           <a:xfrm flipV="1">
-            <a:off x="3388012" y="700926"/>
-            <a:ext cx="3554460" cy="2360621"/>
+            <a:off x="3388012" y="3061547"/>
+            <a:ext cx="4079588" cy="1"/>
           </a:xfrm>
           <a:prstGeom prst="bentConnector3">
             <a:avLst>
@@ -3862,12 +5250,12 @@
         </p:nvCxnSpPr>
         <p:spPr>
           <a:xfrm flipV="1">
-            <a:off x="3450525" y="1229710"/>
-            <a:ext cx="3416697" cy="1163017"/>
+            <a:off x="3395287" y="2384679"/>
+            <a:ext cx="3672289" cy="1"/>
           </a:xfrm>
           <a:prstGeom prst="bentConnector3">
             <a:avLst>
-              <a:gd name="adj1" fmla="val 64911"/>
+              <a:gd name="adj1" fmla="val 50000"/>
             </a:avLst>
           </a:prstGeom>
           <a:ln>
@@ -3905,12 +5293,12 @@
         </p:nvCxnSpPr>
         <p:spPr>
           <a:xfrm flipV="1">
-            <a:off x="3450525" y="1365156"/>
-            <a:ext cx="3491947" cy="1499195"/>
+            <a:off x="3450525" y="1308100"/>
+            <a:ext cx="3617051" cy="1556253"/>
           </a:xfrm>
           <a:prstGeom prst="bentConnector3">
             <a:avLst>
-              <a:gd name="adj1" fmla="val 69178"/>
+              <a:gd name="adj1" fmla="val 65800"/>
             </a:avLst>
           </a:prstGeom>
           <a:ln>
@@ -3961,8 +5349,8 @@
           <a:stretch/>
         </p:blipFill>
         <p:spPr bwMode="auto">
-          <a:xfrm>
-            <a:off x="6929732" y="372879"/>
+          <a:xfrm flipH="1">
+            <a:off x="7067576" y="523821"/>
             <a:ext cx="4585636" cy="3307623"/>
           </a:xfrm>
           <a:prstGeom prst="rect">
@@ -3993,1337 +5381,7 @@
 </p:sld>
 </file>
 
-<file path=ppt/slides/slide2.xml><?xml version="1.0" encoding="utf-8"?>
-<p:sld xmlns:a="http://schemas.openxmlformats.org/drawingml/2006/main" xmlns:r="http://schemas.openxmlformats.org/officeDocument/2006/relationships" xmlns:p="http://schemas.openxmlformats.org/presentationml/2006/main">
-  <p:cSld>
-    <p:spTree>
-      <p:nvGrpSpPr>
-        <p:cNvPr id="1" name=""/>
-        <p:cNvGrpSpPr/>
-        <p:nvPr/>
-      </p:nvGrpSpPr>
-      <p:grpSpPr>
-        <a:xfrm>
-          <a:off x="0" y="0"/>
-          <a:ext cx="0" cy="0"/>
-          <a:chOff x="0" y="0"/>
-          <a:chExt cx="0" cy="0"/>
-        </a:xfrm>
-      </p:grpSpPr>
-      <p:sp>
-        <p:nvSpPr>
-          <p:cNvPr id="4" name="Rectángulo 3">
-            <a:extLst>
-              <a:ext uri="{FF2B5EF4-FFF2-40B4-BE49-F238E27FC236}">
-                <a16:creationId xmlns:a16="http://schemas.microsoft.com/office/drawing/2014/main" id="{1A8A97F7-4E6F-4739-A9E3-E64DE17F3EFE}"/>
-              </a:ext>
-            </a:extLst>
-          </p:cNvPr>
-          <p:cNvSpPr/>
-          <p:nvPr/>
-        </p:nvSpPr>
-        <p:spPr>
-          <a:xfrm>
-            <a:off x="350607" y="133983"/>
-            <a:ext cx="4381649" cy="923330"/>
-          </a:xfrm>
-          <a:prstGeom prst="rect">
-            <a:avLst/>
-          </a:prstGeom>
-          <a:noFill/>
-        </p:spPr>
-        <p:txBody>
-          <a:bodyPr wrap="none" lIns="91440" tIns="45720" rIns="91440" bIns="45720">
-            <a:spAutoFit/>
-          </a:bodyPr>
-          <a:lstStyle/>
-          <a:p>
-            <a:pPr algn="ctr"/>
-            <a:r>
-              <a:rPr lang="es-ES" sz="5400" b="0" cap="none" spc="0" dirty="0">
-                <a:ln w="0"/>
-                <a:solidFill>
-                  <a:schemeClr val="tx1"/>
-                </a:solidFill>
-                <a:effectLst>
-                  <a:outerShdw blurRad="38100" dist="19050" dir="2700000" algn="tl" rotWithShape="0">
-                    <a:schemeClr val="dk1">
-                      <a:alpha val="40000"/>
-                    </a:schemeClr>
-                  </a:outerShdw>
-                </a:effectLst>
-              </a:rPr>
-              <a:t>STEP MOTOR 2</a:t>
-            </a:r>
-          </a:p>
-        </p:txBody>
-      </p:sp>
-      <p:pic>
-        <p:nvPicPr>
-          <p:cNvPr id="5" name="Imagen 4">
-            <a:extLst>
-              <a:ext uri="{FF2B5EF4-FFF2-40B4-BE49-F238E27FC236}">
-                <a16:creationId xmlns:a16="http://schemas.microsoft.com/office/drawing/2014/main" id="{ADA15C06-A964-4FEF-B2AD-8F49DA65238D}"/>
-              </a:ext>
-            </a:extLst>
-          </p:cNvPr>
-          <p:cNvPicPr>
-            <a:picLocks noChangeAspect="1"/>
-          </p:cNvPicPr>
-          <p:nvPr/>
-        </p:nvPicPr>
-        <p:blipFill>
-          <a:blip r:embed="rId2"/>
-          <a:stretch>
-            <a:fillRect/>
-          </a:stretch>
-        </p:blipFill>
-        <p:spPr>
-          <a:xfrm>
-            <a:off x="844840" y="1504748"/>
-            <a:ext cx="2543175" cy="3590925"/>
-          </a:xfrm>
-          <a:prstGeom prst="rect">
-            <a:avLst/>
-          </a:prstGeom>
-        </p:spPr>
-      </p:pic>
-      <p:pic>
-        <p:nvPicPr>
-          <p:cNvPr id="6" name="Imagen 5">
-            <a:extLst>
-              <a:ext uri="{FF2B5EF4-FFF2-40B4-BE49-F238E27FC236}">
-                <a16:creationId xmlns:a16="http://schemas.microsoft.com/office/drawing/2014/main" id="{2415C8A4-0123-4E17-AA69-391DA96641EF}"/>
-              </a:ext>
-            </a:extLst>
-          </p:cNvPr>
-          <p:cNvPicPr>
-            <a:picLocks noChangeAspect="1"/>
-          </p:cNvPicPr>
-          <p:nvPr/>
-        </p:nvPicPr>
-        <p:blipFill>
-          <a:blip r:embed="rId3"/>
-          <a:stretch>
-            <a:fillRect/>
-          </a:stretch>
-        </p:blipFill>
-        <p:spPr>
-          <a:xfrm>
-            <a:off x="6679375" y="4756878"/>
-            <a:ext cx="3228503" cy="1348302"/>
-          </a:xfrm>
-          <a:prstGeom prst="rect">
-            <a:avLst/>
-          </a:prstGeom>
-        </p:spPr>
-      </p:pic>
-      <p:pic>
-        <p:nvPicPr>
-          <p:cNvPr id="7" name="Imagen 6">
-            <a:extLst>
-              <a:ext uri="{FF2B5EF4-FFF2-40B4-BE49-F238E27FC236}">
-                <a16:creationId xmlns:a16="http://schemas.microsoft.com/office/drawing/2014/main" id="{140DA9D9-1894-4C7D-8568-D313EEA7ECEE}"/>
-              </a:ext>
-            </a:extLst>
-          </p:cNvPr>
-          <p:cNvPicPr>
-            <a:picLocks noChangeAspect="1"/>
-          </p:cNvPicPr>
-          <p:nvPr/>
-        </p:nvPicPr>
-        <p:blipFill>
-          <a:blip r:embed="rId4"/>
-          <a:stretch>
-            <a:fillRect/>
-          </a:stretch>
-        </p:blipFill>
-        <p:spPr>
-          <a:xfrm>
-            <a:off x="4070268" y="4780526"/>
-            <a:ext cx="1323975" cy="419100"/>
-          </a:xfrm>
-          <a:prstGeom prst="rect">
-            <a:avLst/>
-          </a:prstGeom>
-        </p:spPr>
-      </p:pic>
-      <p:cxnSp>
-        <p:nvCxnSpPr>
-          <p:cNvPr id="9" name="Conector: angular 8">
-            <a:extLst>
-              <a:ext uri="{FF2B5EF4-FFF2-40B4-BE49-F238E27FC236}">
-                <a16:creationId xmlns:a16="http://schemas.microsoft.com/office/drawing/2014/main" id="{86820B00-B22B-4B27-B764-8DD6A29361BD}"/>
-              </a:ext>
-            </a:extLst>
-          </p:cNvPr>
-          <p:cNvCxnSpPr/>
-          <p:nvPr/>
-        </p:nvCxnSpPr>
-        <p:spPr>
-          <a:xfrm>
-            <a:off x="3388015" y="4398579"/>
-            <a:ext cx="682253" cy="381947"/>
-          </a:xfrm>
-          <a:prstGeom prst="bentConnector3">
-            <a:avLst/>
-          </a:prstGeom>
-          <a:ln w="12700">
-            <a:solidFill>
-              <a:schemeClr val="tx1"/>
-            </a:solidFill>
-            <a:tailEnd type="triangle"/>
-          </a:ln>
-        </p:spPr>
-        <p:style>
-          <a:lnRef idx="1">
-            <a:schemeClr val="accent1"/>
-          </a:lnRef>
-          <a:fillRef idx="0">
-            <a:schemeClr val="accent1"/>
-          </a:fillRef>
-          <a:effectRef idx="0">
-            <a:schemeClr val="accent1"/>
-          </a:effectRef>
-          <a:fontRef idx="minor">
-            <a:schemeClr val="tx1"/>
-          </a:fontRef>
-        </p:style>
-      </p:cxnSp>
-      <p:cxnSp>
-        <p:nvCxnSpPr>
-          <p:cNvPr id="11" name="Conector: angular 10">
-            <a:extLst>
-              <a:ext uri="{FF2B5EF4-FFF2-40B4-BE49-F238E27FC236}">
-                <a16:creationId xmlns:a16="http://schemas.microsoft.com/office/drawing/2014/main" id="{2F47B22D-D330-488D-8696-756EC19958B1}"/>
-              </a:ext>
-            </a:extLst>
-          </p:cNvPr>
-          <p:cNvCxnSpPr/>
-          <p:nvPr/>
-        </p:nvCxnSpPr>
-        <p:spPr>
-          <a:xfrm>
-            <a:off x="3388015" y="4608129"/>
-            <a:ext cx="682253" cy="381947"/>
-          </a:xfrm>
-          <a:prstGeom prst="bentConnector3">
-            <a:avLst>
-              <a:gd name="adj1" fmla="val 27347"/>
-            </a:avLst>
-          </a:prstGeom>
-          <a:ln w="12700">
-            <a:solidFill>
-              <a:srgbClr val="FF0000"/>
-            </a:solidFill>
-            <a:tailEnd type="triangle"/>
-          </a:ln>
-        </p:spPr>
-        <p:style>
-          <a:lnRef idx="1">
-            <a:schemeClr val="accent1"/>
-          </a:lnRef>
-          <a:fillRef idx="0">
-            <a:schemeClr val="accent1"/>
-          </a:fillRef>
-          <a:effectRef idx="0">
-            <a:schemeClr val="accent1"/>
-          </a:effectRef>
-          <a:fontRef idx="minor">
-            <a:schemeClr val="tx1"/>
-          </a:fontRef>
-        </p:style>
-      </p:cxnSp>
-      <p:cxnSp>
-        <p:nvCxnSpPr>
-          <p:cNvPr id="14" name="Conector: angular 13">
-            <a:extLst>
-              <a:ext uri="{FF2B5EF4-FFF2-40B4-BE49-F238E27FC236}">
-                <a16:creationId xmlns:a16="http://schemas.microsoft.com/office/drawing/2014/main" id="{547ED3BE-E553-4F3D-A9EA-87C24DED7CB8}"/>
-              </a:ext>
-            </a:extLst>
-          </p:cNvPr>
-          <p:cNvCxnSpPr>
-            <a:cxnSpLocks/>
-          </p:cNvCxnSpPr>
-          <p:nvPr/>
-        </p:nvCxnSpPr>
-        <p:spPr>
-          <a:xfrm>
-            <a:off x="3388015" y="3507828"/>
-            <a:ext cx="3291360" cy="1654645"/>
-          </a:xfrm>
-          <a:prstGeom prst="bentConnector3">
-            <a:avLst>
-              <a:gd name="adj1" fmla="val 90303"/>
-            </a:avLst>
-          </a:prstGeom>
-          <a:ln w="12700">
-            <a:solidFill>
-              <a:schemeClr val="tx1"/>
-            </a:solidFill>
-            <a:tailEnd type="triangle"/>
-          </a:ln>
-        </p:spPr>
-        <p:style>
-          <a:lnRef idx="1">
-            <a:schemeClr val="accent1"/>
-          </a:lnRef>
-          <a:fillRef idx="0">
-            <a:schemeClr val="accent1"/>
-          </a:fillRef>
-          <a:effectRef idx="0">
-            <a:schemeClr val="accent1"/>
-          </a:effectRef>
-          <a:fontRef idx="minor">
-            <a:schemeClr val="tx1"/>
-          </a:fontRef>
-        </p:style>
-      </p:cxnSp>
-      <p:cxnSp>
-        <p:nvCxnSpPr>
-          <p:cNvPr id="17" name="Conector: angular 16">
-            <a:extLst>
-              <a:ext uri="{FF2B5EF4-FFF2-40B4-BE49-F238E27FC236}">
-                <a16:creationId xmlns:a16="http://schemas.microsoft.com/office/drawing/2014/main" id="{BF04249D-5249-4A84-8044-DFB2BC929381}"/>
-              </a:ext>
-            </a:extLst>
-          </p:cNvPr>
-          <p:cNvCxnSpPr>
-            <a:cxnSpLocks/>
-            <a:endCxn id="6" idx="1"/>
-          </p:cNvCxnSpPr>
-          <p:nvPr/>
-        </p:nvCxnSpPr>
-        <p:spPr>
-          <a:xfrm>
-            <a:off x="3450525" y="3762229"/>
-            <a:ext cx="3228850" cy="1668800"/>
-          </a:xfrm>
-          <a:prstGeom prst="bentConnector3">
-            <a:avLst>
-              <a:gd name="adj1" fmla="val 81910"/>
-            </a:avLst>
-          </a:prstGeom>
-          <a:ln w="12700">
-            <a:solidFill>
-              <a:srgbClr val="00B050"/>
-            </a:solidFill>
-            <a:tailEnd type="triangle"/>
-          </a:ln>
-        </p:spPr>
-        <p:style>
-          <a:lnRef idx="1">
-            <a:schemeClr val="accent1"/>
-          </a:lnRef>
-          <a:fillRef idx="0">
-            <a:schemeClr val="accent1"/>
-          </a:fillRef>
-          <a:effectRef idx="0">
-            <a:schemeClr val="accent1"/>
-          </a:effectRef>
-          <a:fontRef idx="minor">
-            <a:schemeClr val="tx1"/>
-          </a:fontRef>
-        </p:style>
-      </p:cxnSp>
-      <p:cxnSp>
-        <p:nvCxnSpPr>
-          <p:cNvPr id="21" name="Conector: angular 20">
-            <a:extLst>
-              <a:ext uri="{FF2B5EF4-FFF2-40B4-BE49-F238E27FC236}">
-                <a16:creationId xmlns:a16="http://schemas.microsoft.com/office/drawing/2014/main" id="{969E7FB1-2AD9-4EFC-A734-083D6D695596}"/>
-              </a:ext>
-            </a:extLst>
-          </p:cNvPr>
-          <p:cNvCxnSpPr>
-            <a:cxnSpLocks/>
-          </p:cNvCxnSpPr>
-          <p:nvPr/>
-        </p:nvCxnSpPr>
-        <p:spPr>
-          <a:xfrm>
-            <a:off x="3388015" y="3991228"/>
-            <a:ext cx="3862791" cy="2113952"/>
-          </a:xfrm>
-          <a:prstGeom prst="bentConnector3">
-            <a:avLst>
-              <a:gd name="adj1" fmla="val 65337"/>
-            </a:avLst>
-          </a:prstGeom>
-          <a:ln w="12700">
-            <a:solidFill>
-              <a:srgbClr val="FF0000"/>
-            </a:solidFill>
-            <a:tailEnd type="triangle"/>
-          </a:ln>
-        </p:spPr>
-        <p:style>
-          <a:lnRef idx="1">
-            <a:schemeClr val="accent1"/>
-          </a:lnRef>
-          <a:fillRef idx="0">
-            <a:schemeClr val="accent1"/>
-          </a:fillRef>
-          <a:effectRef idx="0">
-            <a:schemeClr val="accent1"/>
-          </a:effectRef>
-          <a:fontRef idx="minor">
-            <a:schemeClr val="tx1"/>
-          </a:fontRef>
-        </p:style>
-      </p:cxnSp>
-      <p:cxnSp>
-        <p:nvCxnSpPr>
-          <p:cNvPr id="25" name="Conector: angular 24">
-            <a:extLst>
-              <a:ext uri="{FF2B5EF4-FFF2-40B4-BE49-F238E27FC236}">
-                <a16:creationId xmlns:a16="http://schemas.microsoft.com/office/drawing/2014/main" id="{4C60193E-BEEF-43A9-A2EB-B0394AEA5EDB}"/>
-              </a:ext>
-            </a:extLst>
-          </p:cNvPr>
-          <p:cNvCxnSpPr>
-            <a:cxnSpLocks/>
-          </p:cNvCxnSpPr>
-          <p:nvPr/>
-        </p:nvCxnSpPr>
-        <p:spPr>
-          <a:xfrm>
-            <a:off x="3395287" y="4213804"/>
-            <a:ext cx="4190369" cy="2120375"/>
-          </a:xfrm>
-          <a:prstGeom prst="bentConnector3">
-            <a:avLst>
-              <a:gd name="adj1" fmla="val 50000"/>
-            </a:avLst>
-          </a:prstGeom>
-          <a:ln>
-            <a:solidFill>
-              <a:srgbClr val="190060"/>
-            </a:solidFill>
-            <a:tailEnd type="triangle"/>
-          </a:ln>
-        </p:spPr>
-        <p:style>
-          <a:lnRef idx="1">
-            <a:schemeClr val="accent1"/>
-          </a:lnRef>
-          <a:fillRef idx="0">
-            <a:schemeClr val="accent1"/>
-          </a:fillRef>
-          <a:effectRef idx="0">
-            <a:schemeClr val="accent1"/>
-          </a:effectRef>
-          <a:fontRef idx="minor">
-            <a:schemeClr val="tx1"/>
-          </a:fontRef>
-        </p:style>
-      </p:cxnSp>
-      <p:cxnSp>
-        <p:nvCxnSpPr>
-          <p:cNvPr id="30" name="Conector: angular 29">
-            <a:extLst>
-              <a:ext uri="{FF2B5EF4-FFF2-40B4-BE49-F238E27FC236}">
-                <a16:creationId xmlns:a16="http://schemas.microsoft.com/office/drawing/2014/main" id="{2622BD32-B898-4F13-9721-AF3E261AF7DD}"/>
-              </a:ext>
-            </a:extLst>
-          </p:cNvPr>
-          <p:cNvCxnSpPr>
-            <a:cxnSpLocks/>
-          </p:cNvCxnSpPr>
-          <p:nvPr/>
-        </p:nvCxnSpPr>
-        <p:spPr>
-          <a:xfrm flipV="1">
-            <a:off x="3388013" y="686785"/>
-            <a:ext cx="3554459" cy="1929061"/>
-          </a:xfrm>
-          <a:prstGeom prst="bentConnector3">
-            <a:avLst>
-              <a:gd name="adj1" fmla="val 50000"/>
-            </a:avLst>
-          </a:prstGeom>
-          <a:ln w="12700">
-            <a:solidFill>
-              <a:srgbClr val="FF0000"/>
-            </a:solidFill>
-            <a:tailEnd type="triangle"/>
-          </a:ln>
-        </p:spPr>
-        <p:style>
-          <a:lnRef idx="1">
-            <a:schemeClr val="accent1"/>
-          </a:lnRef>
-          <a:fillRef idx="0">
-            <a:schemeClr val="accent1"/>
-          </a:fillRef>
-          <a:effectRef idx="0">
-            <a:schemeClr val="accent1"/>
-          </a:effectRef>
-          <a:fontRef idx="minor">
-            <a:schemeClr val="tx1"/>
-          </a:fontRef>
-        </p:style>
-      </p:cxnSp>
-      <p:cxnSp>
-        <p:nvCxnSpPr>
-          <p:cNvPr id="32" name="Conector: angular 31">
-            <a:extLst>
-              <a:ext uri="{FF2B5EF4-FFF2-40B4-BE49-F238E27FC236}">
-                <a16:creationId xmlns:a16="http://schemas.microsoft.com/office/drawing/2014/main" id="{97EFC839-CB7F-4F72-BB91-692A44CDEF94}"/>
-              </a:ext>
-            </a:extLst>
-          </p:cNvPr>
-          <p:cNvCxnSpPr>
-            <a:cxnSpLocks/>
-          </p:cNvCxnSpPr>
-          <p:nvPr/>
-        </p:nvCxnSpPr>
-        <p:spPr>
-          <a:xfrm flipV="1">
-            <a:off x="3388012" y="700926"/>
-            <a:ext cx="3554460" cy="2360621"/>
-          </a:xfrm>
-          <a:prstGeom prst="bentConnector3">
-            <a:avLst>
-              <a:gd name="adj1" fmla="val 50000"/>
-            </a:avLst>
-          </a:prstGeom>
-          <a:ln w="12700">
-            <a:solidFill>
-              <a:srgbClr val="FF0000"/>
-            </a:solidFill>
-            <a:tailEnd type="triangle"/>
-          </a:ln>
-        </p:spPr>
-        <p:style>
-          <a:lnRef idx="1">
-            <a:schemeClr val="accent1"/>
-          </a:lnRef>
-          <a:fillRef idx="0">
-            <a:schemeClr val="accent1"/>
-          </a:fillRef>
-          <a:effectRef idx="0">
-            <a:schemeClr val="accent1"/>
-          </a:effectRef>
-          <a:fontRef idx="minor">
-            <a:schemeClr val="tx1"/>
-          </a:fontRef>
-        </p:style>
-      </p:cxnSp>
-      <p:cxnSp>
-        <p:nvCxnSpPr>
-          <p:cNvPr id="18" name="Conector: angular 17">
-            <a:extLst>
-              <a:ext uri="{FF2B5EF4-FFF2-40B4-BE49-F238E27FC236}">
-                <a16:creationId xmlns:a16="http://schemas.microsoft.com/office/drawing/2014/main" id="{C5EC32E0-6B1B-4CC9-9576-F5CF13DCDB2C}"/>
-              </a:ext>
-            </a:extLst>
-          </p:cNvPr>
-          <p:cNvCxnSpPr>
-            <a:cxnSpLocks/>
-          </p:cNvCxnSpPr>
-          <p:nvPr/>
-        </p:nvCxnSpPr>
-        <p:spPr>
-          <a:xfrm flipV="1">
-            <a:off x="3432528" y="1504748"/>
-            <a:ext cx="3497204" cy="901002"/>
-          </a:xfrm>
-          <a:prstGeom prst="bentConnector3">
-            <a:avLst>
-              <a:gd name="adj1" fmla="val 67929"/>
-            </a:avLst>
-          </a:prstGeom>
-          <a:ln>
-            <a:tailEnd type="triangle"/>
-          </a:ln>
-        </p:spPr>
-        <p:style>
-          <a:lnRef idx="1">
-            <a:schemeClr val="accent1"/>
-          </a:lnRef>
-          <a:fillRef idx="0">
-            <a:schemeClr val="accent1"/>
-          </a:fillRef>
-          <a:effectRef idx="0">
-            <a:schemeClr val="accent1"/>
-          </a:effectRef>
-          <a:fontRef idx="minor">
-            <a:schemeClr val="tx1"/>
-          </a:fontRef>
-        </p:style>
-      </p:cxnSp>
-      <p:cxnSp>
-        <p:nvCxnSpPr>
-          <p:cNvPr id="22" name="Conector: angular 21">
-            <a:extLst>
-              <a:ext uri="{FF2B5EF4-FFF2-40B4-BE49-F238E27FC236}">
-                <a16:creationId xmlns:a16="http://schemas.microsoft.com/office/drawing/2014/main" id="{C468AAAD-2C51-42E8-A8D1-D2BF4EC492E9}"/>
-              </a:ext>
-            </a:extLst>
-          </p:cNvPr>
-          <p:cNvCxnSpPr>
-            <a:cxnSpLocks/>
-          </p:cNvCxnSpPr>
-          <p:nvPr/>
-        </p:nvCxnSpPr>
-        <p:spPr>
-          <a:xfrm flipV="1">
-            <a:off x="3388011" y="1626721"/>
-            <a:ext cx="3554461" cy="1198675"/>
-          </a:xfrm>
-          <a:prstGeom prst="bentConnector3">
-            <a:avLst>
-              <a:gd name="adj1" fmla="val 73520"/>
-            </a:avLst>
-          </a:prstGeom>
-          <a:ln>
-            <a:solidFill>
-              <a:srgbClr val="00B050"/>
-            </a:solidFill>
-            <a:tailEnd type="triangle"/>
-          </a:ln>
-        </p:spPr>
-        <p:style>
-          <a:lnRef idx="1">
-            <a:schemeClr val="accent1"/>
-          </a:lnRef>
-          <a:fillRef idx="0">
-            <a:schemeClr val="accent1"/>
-          </a:fillRef>
-          <a:effectRef idx="0">
-            <a:schemeClr val="accent1"/>
-          </a:effectRef>
-          <a:fontRef idx="minor">
-            <a:schemeClr val="tx1"/>
-          </a:fontRef>
-        </p:style>
-      </p:cxnSp>
-      <p:pic>
-        <p:nvPicPr>
-          <p:cNvPr id="3" name="Picture 2" descr="Insight Into ESP32 Features &amp; Using It With Arduino IDE ...">
-            <a:extLst>
-              <a:ext uri="{FF2B5EF4-FFF2-40B4-BE49-F238E27FC236}">
-                <a16:creationId xmlns:a16="http://schemas.microsoft.com/office/drawing/2014/main" id="{23BF5F24-8BC4-4B3C-9A8C-388AF73A7EAA}"/>
-              </a:ext>
-            </a:extLst>
-          </p:cNvPr>
-          <p:cNvPicPr>
-            <a:picLocks noChangeAspect="1" noChangeArrowheads="1"/>
-          </p:cNvPicPr>
-          <p:nvPr/>
-        </p:nvPicPr>
-        <p:blipFill rotWithShape="1">
-          <a:blip r:embed="rId5">
-            <a:extLst>
-              <a:ext uri="{28A0092B-C50C-407E-A947-70E740481C1C}">
-                <a14:useLocalDpi xmlns:a14="http://schemas.microsoft.com/office/drawing/2010/main" val="0"/>
-              </a:ext>
-            </a:extLst>
-          </a:blip>
-          <a:srcRect l="18237" r="18250" b="25800"/>
-          <a:stretch/>
-        </p:blipFill>
-        <p:spPr bwMode="auto">
-          <a:xfrm>
-            <a:off x="6929732" y="372879"/>
-            <a:ext cx="4585636" cy="3307623"/>
-          </a:xfrm>
-          <a:prstGeom prst="rect">
-            <a:avLst/>
-          </a:prstGeom>
-          <a:noFill/>
-          <a:extLst>
-            <a:ext uri="{909E8E84-426E-40DD-AFC4-6F175D3DCCD1}">
-              <a14:hiddenFill xmlns:a14="http://schemas.microsoft.com/office/drawing/2010/main">
-                <a:solidFill>
-                  <a:srgbClr val="FFFFFF"/>
-                </a:solidFill>
-              </a14:hiddenFill>
-            </a:ext>
-          </a:extLst>
-        </p:spPr>
-      </p:pic>
-    </p:spTree>
-    <p:extLst>
-      <p:ext uri="{BB962C8B-B14F-4D97-AF65-F5344CB8AC3E}">
-        <p14:creationId xmlns:p14="http://schemas.microsoft.com/office/powerpoint/2010/main" val="3371950969"/>
-      </p:ext>
-    </p:extLst>
-  </p:cSld>
-  <p:clrMapOvr>
-    <a:masterClrMapping/>
-  </p:clrMapOvr>
-</p:sld>
-</file>
-
-<file path=ppt/slides/slide3.xml><?xml version="1.0" encoding="utf-8"?>
-<p:sld xmlns:a="http://schemas.openxmlformats.org/drawingml/2006/main" xmlns:r="http://schemas.openxmlformats.org/officeDocument/2006/relationships" xmlns:p="http://schemas.openxmlformats.org/presentationml/2006/main">
-  <p:cSld>
-    <p:spTree>
-      <p:nvGrpSpPr>
-        <p:cNvPr id="1" name=""/>
-        <p:cNvGrpSpPr/>
-        <p:nvPr/>
-      </p:nvGrpSpPr>
-      <p:grpSpPr>
-        <a:xfrm>
-          <a:off x="0" y="0"/>
-          <a:ext cx="0" cy="0"/>
-          <a:chOff x="0" y="0"/>
-          <a:chExt cx="0" cy="0"/>
-        </a:xfrm>
-      </p:grpSpPr>
-      <p:sp>
-        <p:nvSpPr>
-          <p:cNvPr id="4" name="Rectángulo 3">
-            <a:extLst>
-              <a:ext uri="{FF2B5EF4-FFF2-40B4-BE49-F238E27FC236}">
-                <a16:creationId xmlns:a16="http://schemas.microsoft.com/office/drawing/2014/main" id="{1A8A97F7-4E6F-4739-A9E3-E64DE17F3EFE}"/>
-              </a:ext>
-            </a:extLst>
-          </p:cNvPr>
-          <p:cNvSpPr/>
-          <p:nvPr/>
-        </p:nvSpPr>
-        <p:spPr>
-          <a:xfrm>
-            <a:off x="350607" y="133983"/>
-            <a:ext cx="4381649" cy="923330"/>
-          </a:xfrm>
-          <a:prstGeom prst="rect">
-            <a:avLst/>
-          </a:prstGeom>
-          <a:noFill/>
-        </p:spPr>
-        <p:txBody>
-          <a:bodyPr wrap="none" lIns="91440" tIns="45720" rIns="91440" bIns="45720">
-            <a:spAutoFit/>
-          </a:bodyPr>
-          <a:lstStyle/>
-          <a:p>
-            <a:pPr algn="ctr"/>
-            <a:r>
-              <a:rPr lang="es-ES" sz="5400" b="0" cap="none" spc="0" dirty="0">
-                <a:ln w="0"/>
-                <a:solidFill>
-                  <a:schemeClr val="tx1"/>
-                </a:solidFill>
-                <a:effectLst>
-                  <a:outerShdw blurRad="38100" dist="19050" dir="2700000" algn="tl" rotWithShape="0">
-                    <a:schemeClr val="dk1">
-                      <a:alpha val="40000"/>
-                    </a:schemeClr>
-                  </a:outerShdw>
-                </a:effectLst>
-              </a:rPr>
-              <a:t>STEP MOTOR 3</a:t>
-            </a:r>
-          </a:p>
-        </p:txBody>
-      </p:sp>
-      <p:pic>
-        <p:nvPicPr>
-          <p:cNvPr id="5" name="Imagen 4">
-            <a:extLst>
-              <a:ext uri="{FF2B5EF4-FFF2-40B4-BE49-F238E27FC236}">
-                <a16:creationId xmlns:a16="http://schemas.microsoft.com/office/drawing/2014/main" id="{ADA15C06-A964-4FEF-B2AD-8F49DA65238D}"/>
-              </a:ext>
-            </a:extLst>
-          </p:cNvPr>
-          <p:cNvPicPr>
-            <a:picLocks noChangeAspect="1"/>
-          </p:cNvPicPr>
-          <p:nvPr/>
-        </p:nvPicPr>
-        <p:blipFill>
-          <a:blip r:embed="rId2"/>
-          <a:stretch>
-            <a:fillRect/>
-          </a:stretch>
-        </p:blipFill>
-        <p:spPr>
-          <a:xfrm>
-            <a:off x="844840" y="1504748"/>
-            <a:ext cx="2543175" cy="3590925"/>
-          </a:xfrm>
-          <a:prstGeom prst="rect">
-            <a:avLst/>
-          </a:prstGeom>
-        </p:spPr>
-      </p:pic>
-      <p:pic>
-        <p:nvPicPr>
-          <p:cNvPr id="6" name="Imagen 5">
-            <a:extLst>
-              <a:ext uri="{FF2B5EF4-FFF2-40B4-BE49-F238E27FC236}">
-                <a16:creationId xmlns:a16="http://schemas.microsoft.com/office/drawing/2014/main" id="{2415C8A4-0123-4E17-AA69-391DA96641EF}"/>
-              </a:ext>
-            </a:extLst>
-          </p:cNvPr>
-          <p:cNvPicPr>
-            <a:picLocks noChangeAspect="1"/>
-          </p:cNvPicPr>
-          <p:nvPr/>
-        </p:nvPicPr>
-        <p:blipFill>
-          <a:blip r:embed="rId3"/>
-          <a:stretch>
-            <a:fillRect/>
-          </a:stretch>
-        </p:blipFill>
-        <p:spPr>
-          <a:xfrm>
-            <a:off x="6679375" y="4756878"/>
-            <a:ext cx="3228503" cy="1348302"/>
-          </a:xfrm>
-          <a:prstGeom prst="rect">
-            <a:avLst/>
-          </a:prstGeom>
-        </p:spPr>
-      </p:pic>
-      <p:pic>
-        <p:nvPicPr>
-          <p:cNvPr id="7" name="Imagen 6">
-            <a:extLst>
-              <a:ext uri="{FF2B5EF4-FFF2-40B4-BE49-F238E27FC236}">
-                <a16:creationId xmlns:a16="http://schemas.microsoft.com/office/drawing/2014/main" id="{140DA9D9-1894-4C7D-8568-D313EEA7ECEE}"/>
-              </a:ext>
-            </a:extLst>
-          </p:cNvPr>
-          <p:cNvPicPr>
-            <a:picLocks noChangeAspect="1"/>
-          </p:cNvPicPr>
-          <p:nvPr/>
-        </p:nvPicPr>
-        <p:blipFill>
-          <a:blip r:embed="rId4"/>
-          <a:stretch>
-            <a:fillRect/>
-          </a:stretch>
-        </p:blipFill>
-        <p:spPr>
-          <a:xfrm>
-            <a:off x="4070268" y="4780526"/>
-            <a:ext cx="1323975" cy="419100"/>
-          </a:xfrm>
-          <a:prstGeom prst="rect">
-            <a:avLst/>
-          </a:prstGeom>
-        </p:spPr>
-      </p:pic>
-      <p:cxnSp>
-        <p:nvCxnSpPr>
-          <p:cNvPr id="9" name="Conector: angular 8">
-            <a:extLst>
-              <a:ext uri="{FF2B5EF4-FFF2-40B4-BE49-F238E27FC236}">
-                <a16:creationId xmlns:a16="http://schemas.microsoft.com/office/drawing/2014/main" id="{86820B00-B22B-4B27-B764-8DD6A29361BD}"/>
-              </a:ext>
-            </a:extLst>
-          </p:cNvPr>
-          <p:cNvCxnSpPr/>
-          <p:nvPr/>
-        </p:nvCxnSpPr>
-        <p:spPr>
-          <a:xfrm>
-            <a:off x="3388015" y="4398579"/>
-            <a:ext cx="682253" cy="381947"/>
-          </a:xfrm>
-          <a:prstGeom prst="bentConnector3">
-            <a:avLst/>
-          </a:prstGeom>
-          <a:ln w="12700">
-            <a:solidFill>
-              <a:schemeClr val="tx1"/>
-            </a:solidFill>
-            <a:tailEnd type="triangle"/>
-          </a:ln>
-        </p:spPr>
-        <p:style>
-          <a:lnRef idx="1">
-            <a:schemeClr val="accent1"/>
-          </a:lnRef>
-          <a:fillRef idx="0">
-            <a:schemeClr val="accent1"/>
-          </a:fillRef>
-          <a:effectRef idx="0">
-            <a:schemeClr val="accent1"/>
-          </a:effectRef>
-          <a:fontRef idx="minor">
-            <a:schemeClr val="tx1"/>
-          </a:fontRef>
-        </p:style>
-      </p:cxnSp>
-      <p:cxnSp>
-        <p:nvCxnSpPr>
-          <p:cNvPr id="11" name="Conector: angular 10">
-            <a:extLst>
-              <a:ext uri="{FF2B5EF4-FFF2-40B4-BE49-F238E27FC236}">
-                <a16:creationId xmlns:a16="http://schemas.microsoft.com/office/drawing/2014/main" id="{2F47B22D-D330-488D-8696-756EC19958B1}"/>
-              </a:ext>
-            </a:extLst>
-          </p:cNvPr>
-          <p:cNvCxnSpPr/>
-          <p:nvPr/>
-        </p:nvCxnSpPr>
-        <p:spPr>
-          <a:xfrm>
-            <a:off x="3388015" y="4608129"/>
-            <a:ext cx="682253" cy="381947"/>
-          </a:xfrm>
-          <a:prstGeom prst="bentConnector3">
-            <a:avLst>
-              <a:gd name="adj1" fmla="val 27347"/>
-            </a:avLst>
-          </a:prstGeom>
-          <a:ln w="12700">
-            <a:solidFill>
-              <a:srgbClr val="FF0000"/>
-            </a:solidFill>
-            <a:tailEnd type="triangle"/>
-          </a:ln>
-        </p:spPr>
-        <p:style>
-          <a:lnRef idx="1">
-            <a:schemeClr val="accent1"/>
-          </a:lnRef>
-          <a:fillRef idx="0">
-            <a:schemeClr val="accent1"/>
-          </a:fillRef>
-          <a:effectRef idx="0">
-            <a:schemeClr val="accent1"/>
-          </a:effectRef>
-          <a:fontRef idx="minor">
-            <a:schemeClr val="tx1"/>
-          </a:fontRef>
-        </p:style>
-      </p:cxnSp>
-      <p:cxnSp>
-        <p:nvCxnSpPr>
-          <p:cNvPr id="14" name="Conector: angular 13">
-            <a:extLst>
-              <a:ext uri="{FF2B5EF4-FFF2-40B4-BE49-F238E27FC236}">
-                <a16:creationId xmlns:a16="http://schemas.microsoft.com/office/drawing/2014/main" id="{547ED3BE-E553-4F3D-A9EA-87C24DED7CB8}"/>
-              </a:ext>
-            </a:extLst>
-          </p:cNvPr>
-          <p:cNvCxnSpPr>
-            <a:cxnSpLocks/>
-          </p:cNvCxnSpPr>
-          <p:nvPr/>
-        </p:nvCxnSpPr>
-        <p:spPr>
-          <a:xfrm>
-            <a:off x="3388015" y="3507828"/>
-            <a:ext cx="3291360" cy="1654645"/>
-          </a:xfrm>
-          <a:prstGeom prst="bentConnector3">
-            <a:avLst>
-              <a:gd name="adj1" fmla="val 90303"/>
-            </a:avLst>
-          </a:prstGeom>
-          <a:ln w="12700">
-            <a:solidFill>
-              <a:schemeClr val="tx1"/>
-            </a:solidFill>
-            <a:tailEnd type="triangle"/>
-          </a:ln>
-        </p:spPr>
-        <p:style>
-          <a:lnRef idx="1">
-            <a:schemeClr val="accent1"/>
-          </a:lnRef>
-          <a:fillRef idx="0">
-            <a:schemeClr val="accent1"/>
-          </a:fillRef>
-          <a:effectRef idx="0">
-            <a:schemeClr val="accent1"/>
-          </a:effectRef>
-          <a:fontRef idx="minor">
-            <a:schemeClr val="tx1"/>
-          </a:fontRef>
-        </p:style>
-      </p:cxnSp>
-      <p:cxnSp>
-        <p:nvCxnSpPr>
-          <p:cNvPr id="17" name="Conector: angular 16">
-            <a:extLst>
-              <a:ext uri="{FF2B5EF4-FFF2-40B4-BE49-F238E27FC236}">
-                <a16:creationId xmlns:a16="http://schemas.microsoft.com/office/drawing/2014/main" id="{BF04249D-5249-4A84-8044-DFB2BC929381}"/>
-              </a:ext>
-            </a:extLst>
-          </p:cNvPr>
-          <p:cNvCxnSpPr>
-            <a:cxnSpLocks/>
-            <a:endCxn id="6" idx="1"/>
-          </p:cNvCxnSpPr>
-          <p:nvPr/>
-        </p:nvCxnSpPr>
-        <p:spPr>
-          <a:xfrm>
-            <a:off x="3450525" y="3762229"/>
-            <a:ext cx="3228850" cy="1668800"/>
-          </a:xfrm>
-          <a:prstGeom prst="bentConnector3">
-            <a:avLst>
-              <a:gd name="adj1" fmla="val 81910"/>
-            </a:avLst>
-          </a:prstGeom>
-          <a:ln w="12700">
-            <a:solidFill>
-              <a:srgbClr val="00B050"/>
-            </a:solidFill>
-            <a:tailEnd type="triangle"/>
-          </a:ln>
-        </p:spPr>
-        <p:style>
-          <a:lnRef idx="1">
-            <a:schemeClr val="accent1"/>
-          </a:lnRef>
-          <a:fillRef idx="0">
-            <a:schemeClr val="accent1"/>
-          </a:fillRef>
-          <a:effectRef idx="0">
-            <a:schemeClr val="accent1"/>
-          </a:effectRef>
-          <a:fontRef idx="minor">
-            <a:schemeClr val="tx1"/>
-          </a:fontRef>
-        </p:style>
-      </p:cxnSp>
-      <p:cxnSp>
-        <p:nvCxnSpPr>
-          <p:cNvPr id="21" name="Conector: angular 20">
-            <a:extLst>
-              <a:ext uri="{FF2B5EF4-FFF2-40B4-BE49-F238E27FC236}">
-                <a16:creationId xmlns:a16="http://schemas.microsoft.com/office/drawing/2014/main" id="{969E7FB1-2AD9-4EFC-A734-083D6D695596}"/>
-              </a:ext>
-            </a:extLst>
-          </p:cNvPr>
-          <p:cNvCxnSpPr>
-            <a:cxnSpLocks/>
-          </p:cNvCxnSpPr>
-          <p:nvPr/>
-        </p:nvCxnSpPr>
-        <p:spPr>
-          <a:xfrm>
-            <a:off x="3388015" y="3991228"/>
-            <a:ext cx="3862791" cy="2113952"/>
-          </a:xfrm>
-          <a:prstGeom prst="bentConnector3">
-            <a:avLst>
-              <a:gd name="adj1" fmla="val 65337"/>
-            </a:avLst>
-          </a:prstGeom>
-          <a:ln w="12700">
-            <a:solidFill>
-              <a:srgbClr val="FF0000"/>
-            </a:solidFill>
-            <a:tailEnd type="triangle"/>
-          </a:ln>
-        </p:spPr>
-        <p:style>
-          <a:lnRef idx="1">
-            <a:schemeClr val="accent1"/>
-          </a:lnRef>
-          <a:fillRef idx="0">
-            <a:schemeClr val="accent1"/>
-          </a:fillRef>
-          <a:effectRef idx="0">
-            <a:schemeClr val="accent1"/>
-          </a:effectRef>
-          <a:fontRef idx="minor">
-            <a:schemeClr val="tx1"/>
-          </a:fontRef>
-        </p:style>
-      </p:cxnSp>
-      <p:cxnSp>
-        <p:nvCxnSpPr>
-          <p:cNvPr id="25" name="Conector: angular 24">
-            <a:extLst>
-              <a:ext uri="{FF2B5EF4-FFF2-40B4-BE49-F238E27FC236}">
-                <a16:creationId xmlns:a16="http://schemas.microsoft.com/office/drawing/2014/main" id="{4C60193E-BEEF-43A9-A2EB-B0394AEA5EDB}"/>
-              </a:ext>
-            </a:extLst>
-          </p:cNvPr>
-          <p:cNvCxnSpPr>
-            <a:cxnSpLocks/>
-          </p:cNvCxnSpPr>
-          <p:nvPr/>
-        </p:nvCxnSpPr>
-        <p:spPr>
-          <a:xfrm>
-            <a:off x="3395287" y="4213804"/>
-            <a:ext cx="4190369" cy="2120375"/>
-          </a:xfrm>
-          <a:prstGeom prst="bentConnector3">
-            <a:avLst>
-              <a:gd name="adj1" fmla="val 50000"/>
-            </a:avLst>
-          </a:prstGeom>
-          <a:ln>
-            <a:solidFill>
-              <a:srgbClr val="190060"/>
-            </a:solidFill>
-            <a:tailEnd type="triangle"/>
-          </a:ln>
-        </p:spPr>
-        <p:style>
-          <a:lnRef idx="1">
-            <a:schemeClr val="accent1"/>
-          </a:lnRef>
-          <a:fillRef idx="0">
-            <a:schemeClr val="accent1"/>
-          </a:fillRef>
-          <a:effectRef idx="0">
-            <a:schemeClr val="accent1"/>
-          </a:effectRef>
-          <a:fontRef idx="minor">
-            <a:schemeClr val="tx1"/>
-          </a:fontRef>
-        </p:style>
-      </p:cxnSp>
-      <p:cxnSp>
-        <p:nvCxnSpPr>
-          <p:cNvPr id="30" name="Conector: angular 29">
-            <a:extLst>
-              <a:ext uri="{FF2B5EF4-FFF2-40B4-BE49-F238E27FC236}">
-                <a16:creationId xmlns:a16="http://schemas.microsoft.com/office/drawing/2014/main" id="{2622BD32-B898-4F13-9721-AF3E261AF7DD}"/>
-              </a:ext>
-            </a:extLst>
-          </p:cNvPr>
-          <p:cNvCxnSpPr>
-            <a:cxnSpLocks/>
-          </p:cNvCxnSpPr>
-          <p:nvPr/>
-        </p:nvCxnSpPr>
-        <p:spPr>
-          <a:xfrm flipV="1">
-            <a:off x="3388013" y="686785"/>
-            <a:ext cx="3554459" cy="1929061"/>
-          </a:xfrm>
-          <a:prstGeom prst="bentConnector3">
-            <a:avLst>
-              <a:gd name="adj1" fmla="val 50000"/>
-            </a:avLst>
-          </a:prstGeom>
-          <a:ln w="12700">
-            <a:solidFill>
-              <a:srgbClr val="FF0000"/>
-            </a:solidFill>
-            <a:tailEnd type="triangle"/>
-          </a:ln>
-        </p:spPr>
-        <p:style>
-          <a:lnRef idx="1">
-            <a:schemeClr val="accent1"/>
-          </a:lnRef>
-          <a:fillRef idx="0">
-            <a:schemeClr val="accent1"/>
-          </a:fillRef>
-          <a:effectRef idx="0">
-            <a:schemeClr val="accent1"/>
-          </a:effectRef>
-          <a:fontRef idx="minor">
-            <a:schemeClr val="tx1"/>
-          </a:fontRef>
-        </p:style>
-      </p:cxnSp>
-      <p:cxnSp>
-        <p:nvCxnSpPr>
-          <p:cNvPr id="32" name="Conector: angular 31">
-            <a:extLst>
-              <a:ext uri="{FF2B5EF4-FFF2-40B4-BE49-F238E27FC236}">
-                <a16:creationId xmlns:a16="http://schemas.microsoft.com/office/drawing/2014/main" id="{97EFC839-CB7F-4F72-BB91-692A44CDEF94}"/>
-              </a:ext>
-            </a:extLst>
-          </p:cNvPr>
-          <p:cNvCxnSpPr>
-            <a:cxnSpLocks/>
-          </p:cNvCxnSpPr>
-          <p:nvPr/>
-        </p:nvCxnSpPr>
-        <p:spPr>
-          <a:xfrm flipV="1">
-            <a:off x="3388012" y="700926"/>
-            <a:ext cx="3554460" cy="2360621"/>
-          </a:xfrm>
-          <a:prstGeom prst="bentConnector3">
-            <a:avLst>
-              <a:gd name="adj1" fmla="val 50000"/>
-            </a:avLst>
-          </a:prstGeom>
-          <a:ln w="12700">
-            <a:solidFill>
-              <a:srgbClr val="FF0000"/>
-            </a:solidFill>
-            <a:tailEnd type="triangle"/>
-          </a:ln>
-        </p:spPr>
-        <p:style>
-          <a:lnRef idx="1">
-            <a:schemeClr val="accent1"/>
-          </a:lnRef>
-          <a:fillRef idx="0">
-            <a:schemeClr val="accent1"/>
-          </a:fillRef>
-          <a:effectRef idx="0">
-            <a:schemeClr val="accent1"/>
-          </a:effectRef>
-          <a:fontRef idx="minor">
-            <a:schemeClr val="tx1"/>
-          </a:fontRef>
-        </p:style>
-      </p:cxnSp>
-      <p:cxnSp>
-        <p:nvCxnSpPr>
-          <p:cNvPr id="18" name="Conector: angular 17">
-            <a:extLst>
-              <a:ext uri="{FF2B5EF4-FFF2-40B4-BE49-F238E27FC236}">
-                <a16:creationId xmlns:a16="http://schemas.microsoft.com/office/drawing/2014/main" id="{C5EC32E0-6B1B-4CC9-9576-F5CF13DCDB2C}"/>
-              </a:ext>
-            </a:extLst>
-          </p:cNvPr>
-          <p:cNvCxnSpPr>
-            <a:cxnSpLocks/>
-          </p:cNvCxnSpPr>
-          <p:nvPr/>
-        </p:nvCxnSpPr>
-        <p:spPr>
-          <a:xfrm flipV="1">
-            <a:off x="3450525" y="1801906"/>
-            <a:ext cx="3491947" cy="590820"/>
-          </a:xfrm>
-          <a:prstGeom prst="bentConnector3">
-            <a:avLst>
-              <a:gd name="adj1" fmla="val 75801"/>
-            </a:avLst>
-          </a:prstGeom>
-          <a:ln>
-            <a:tailEnd type="triangle"/>
-          </a:ln>
-        </p:spPr>
-        <p:style>
-          <a:lnRef idx="1">
-            <a:schemeClr val="accent1"/>
-          </a:lnRef>
-          <a:fillRef idx="0">
-            <a:schemeClr val="accent1"/>
-          </a:fillRef>
-          <a:effectRef idx="0">
-            <a:schemeClr val="accent1"/>
-          </a:effectRef>
-          <a:fontRef idx="minor">
-            <a:schemeClr val="tx1"/>
-          </a:fontRef>
-        </p:style>
-      </p:cxnSp>
-      <p:cxnSp>
-        <p:nvCxnSpPr>
-          <p:cNvPr id="22" name="Conector: angular 21">
-            <a:extLst>
-              <a:ext uri="{FF2B5EF4-FFF2-40B4-BE49-F238E27FC236}">
-                <a16:creationId xmlns:a16="http://schemas.microsoft.com/office/drawing/2014/main" id="{C468AAAD-2C51-42E8-A8D1-D2BF4EC492E9}"/>
-              </a:ext>
-            </a:extLst>
-          </p:cNvPr>
-          <p:cNvCxnSpPr>
-            <a:cxnSpLocks/>
-          </p:cNvCxnSpPr>
-          <p:nvPr/>
-        </p:nvCxnSpPr>
-        <p:spPr>
-          <a:xfrm flipV="1">
-            <a:off x="3450525" y="1986994"/>
-            <a:ext cx="3491947" cy="877359"/>
-          </a:xfrm>
-          <a:prstGeom prst="bentConnector3">
-            <a:avLst>
-              <a:gd name="adj1" fmla="val 82732"/>
-            </a:avLst>
-          </a:prstGeom>
-          <a:ln>
-            <a:solidFill>
-              <a:srgbClr val="00B050"/>
-            </a:solidFill>
-            <a:tailEnd type="triangle"/>
-          </a:ln>
-        </p:spPr>
-        <p:style>
-          <a:lnRef idx="1">
-            <a:schemeClr val="accent1"/>
-          </a:lnRef>
-          <a:fillRef idx="0">
-            <a:schemeClr val="accent1"/>
-          </a:fillRef>
-          <a:effectRef idx="0">
-            <a:schemeClr val="accent1"/>
-          </a:effectRef>
-          <a:fontRef idx="minor">
-            <a:schemeClr val="tx1"/>
-          </a:fontRef>
-        </p:style>
-      </p:cxnSp>
-      <p:pic>
-        <p:nvPicPr>
-          <p:cNvPr id="3" name="Picture 2" descr="Insight Into ESP32 Features &amp; Using It With Arduino IDE ...">
-            <a:extLst>
-              <a:ext uri="{FF2B5EF4-FFF2-40B4-BE49-F238E27FC236}">
-                <a16:creationId xmlns:a16="http://schemas.microsoft.com/office/drawing/2014/main" id="{62E78008-6694-4949-8FCD-8B84B439D07E}"/>
-              </a:ext>
-            </a:extLst>
-          </p:cNvPr>
-          <p:cNvPicPr>
-            <a:picLocks noChangeAspect="1" noChangeArrowheads="1"/>
-          </p:cNvPicPr>
-          <p:nvPr/>
-        </p:nvPicPr>
-        <p:blipFill rotWithShape="1">
-          <a:blip r:embed="rId5">
-            <a:extLst>
-              <a:ext uri="{28A0092B-C50C-407E-A947-70E740481C1C}">
-                <a14:useLocalDpi xmlns:a14="http://schemas.microsoft.com/office/drawing/2010/main" val="0"/>
-              </a:ext>
-            </a:extLst>
-          </a:blip>
-          <a:srcRect l="18237" r="18250" b="25800"/>
-          <a:stretch/>
-        </p:blipFill>
-        <p:spPr bwMode="auto">
-          <a:xfrm>
-            <a:off x="6970073" y="359432"/>
-            <a:ext cx="4585636" cy="3307623"/>
-          </a:xfrm>
-          <a:prstGeom prst="rect">
-            <a:avLst/>
-          </a:prstGeom>
-          <a:noFill/>
-          <a:extLst>
-            <a:ext uri="{909E8E84-426E-40DD-AFC4-6F175D3DCCD1}">
-              <a14:hiddenFill xmlns:a14="http://schemas.microsoft.com/office/drawing/2010/main">
-                <a:solidFill>
-                  <a:srgbClr val="FFFFFF"/>
-                </a:solidFill>
-              </a14:hiddenFill>
-            </a:ext>
-          </a:extLst>
-        </p:spPr>
-      </p:pic>
-    </p:spTree>
-    <p:extLst>
-      <p:ext uri="{BB962C8B-B14F-4D97-AF65-F5344CB8AC3E}">
-        <p14:creationId xmlns:p14="http://schemas.microsoft.com/office/powerpoint/2010/main" val="1809177475"/>
-      </p:ext>
-    </p:extLst>
-  </p:cSld>
-  <p:clrMapOvr>
-    <a:masterClrMapping/>
-  </p:clrMapOvr>
-</p:sld>
-</file>
-
-<file path=ppt/slides/slide4.xml><?xml version="1.0" encoding="utf-8"?>
+<file path=ppt/slides/slide6.xml><?xml version="1.0" encoding="utf-8"?>
 <p:sld xmlns:a="http://schemas.openxmlformats.org/drawingml/2006/main" xmlns:r="http://schemas.openxmlformats.org/officeDocument/2006/relationships" xmlns:p="http://schemas.openxmlformats.org/presentationml/2006/main">
   <p:cSld>
     <p:bg>
@@ -6195,7 +6253,7 @@
 </p:sld>
 </file>
 
-<file path=ppt/slides/slide5.xml><?xml version="1.0" encoding="utf-8"?>
+<file path=ppt/slides/slide7.xml><?xml version="1.0" encoding="utf-8"?>
 <p:sld xmlns:a="http://schemas.openxmlformats.org/drawingml/2006/main" xmlns:r="http://schemas.openxmlformats.org/officeDocument/2006/relationships" xmlns:p="http://schemas.openxmlformats.org/presentationml/2006/main">
   <p:cSld>
     <p:bg>
@@ -6430,9 +6488,20 @@
 </p:sld>
 </file>
 
-<file path=ppt/slides/slide6.xml><?xml version="1.0" encoding="utf-8"?>
+<file path=ppt/slides/slide8.xml><?xml version="1.0" encoding="utf-8"?>
 <p:sld xmlns:a="http://schemas.openxmlformats.org/drawingml/2006/main" xmlns:r="http://schemas.openxmlformats.org/officeDocument/2006/relationships" xmlns:p="http://schemas.openxmlformats.org/presentationml/2006/main">
   <p:cSld>
+    <p:bg>
+      <p:bgPr>
+        <a:solidFill>
+          <a:schemeClr val="bg1">
+            <a:tint val="95000"/>
+            <a:satMod val="170000"/>
+          </a:schemeClr>
+        </a:solidFill>
+        <a:effectLst/>
+      </p:bgPr>
+    </p:bg>
     <p:spTree>
       <p:nvGrpSpPr>
         <p:cNvPr id="1" name=""/>
@@ -6447,41 +6516,12 @@
           <a:chExt cx="0" cy="0"/>
         </a:xfrm>
       </p:grpSpPr>
-      <p:sp>
-        <p:nvSpPr>
-          <p:cNvPr id="2" name="Título 1">
-            <a:extLst>
-              <a:ext uri="{FF2B5EF4-FFF2-40B4-BE49-F238E27FC236}">
-                <a16:creationId xmlns:a16="http://schemas.microsoft.com/office/drawing/2014/main" id="{D1E405B9-B136-48BC-B499-359751EE15FD}"/>
-              </a:ext>
-            </a:extLst>
-          </p:cNvPr>
-          <p:cNvSpPr>
-            <a:spLocks noGrp="1"/>
-          </p:cNvSpPr>
-          <p:nvPr>
-            <p:ph type="title"/>
-          </p:nvPr>
-        </p:nvSpPr>
-        <p:spPr/>
-        <p:txBody>
-          <a:bodyPr/>
-          <a:lstStyle/>
-          <a:p>
-            <a:r>
-              <a:rPr lang="es-ES"/>
-              <a:t>POWER SOURCE</a:t>
-            </a:r>
-            <a:endParaRPr lang="es-ES" dirty="0"/>
-          </a:p>
-        </p:txBody>
-      </p:sp>
       <p:pic>
         <p:nvPicPr>
-          <p:cNvPr id="5" name="Imagen 4">
-            <a:extLst>
-              <a:ext uri="{FF2B5EF4-FFF2-40B4-BE49-F238E27FC236}">
-                <a16:creationId xmlns:a16="http://schemas.microsoft.com/office/drawing/2014/main" id="{B10B4CA3-027C-45F3-B99D-95D1F467EAF4}"/>
+          <p:cNvPr id="4" name="Imagen 3" descr="Una captura de pantalla de una red social&#10;&#10;Descripción generada automáticamente">
+            <a:extLst>
+              <a:ext uri="{FF2B5EF4-FFF2-40B4-BE49-F238E27FC236}">
+                <a16:creationId xmlns:a16="http://schemas.microsoft.com/office/drawing/2014/main" id="{9B119621-DA74-41B8-BCF2-F19149DB760B}"/>
               </a:ext>
             </a:extLst>
           </p:cNvPr>
@@ -6490,307 +6530,48 @@
           </p:cNvPicPr>
           <p:nvPr/>
         </p:nvPicPr>
-        <p:blipFill>
+        <p:blipFill rotWithShape="1">
           <a:blip r:embed="rId2"/>
-          <a:stretch>
-            <a:fillRect/>
-          </a:stretch>
+          <a:srcRect r="4298" b="1"/>
+          <a:stretch/>
         </p:blipFill>
         <p:spPr>
           <a:xfrm>
-            <a:off x="838200" y="1690688"/>
-            <a:ext cx="2543175" cy="3590925"/>
+            <a:off x="321733" y="321733"/>
+            <a:ext cx="11387667" cy="6214534"/>
           </a:xfrm>
           <a:prstGeom prst="rect">
             <a:avLst/>
           </a:prstGeom>
         </p:spPr>
       </p:pic>
-      <p:pic>
-        <p:nvPicPr>
-          <p:cNvPr id="6" name="Imagen 5">
-            <a:extLst>
-              <a:ext uri="{FF2B5EF4-FFF2-40B4-BE49-F238E27FC236}">
-                <a16:creationId xmlns:a16="http://schemas.microsoft.com/office/drawing/2014/main" id="{3274617B-9DF8-4DFA-862A-3DB27F61A8F5}"/>
-              </a:ext>
-            </a:extLst>
-          </p:cNvPr>
-          <p:cNvPicPr>
-            <a:picLocks noChangeAspect="1"/>
-          </p:cNvPicPr>
-          <p:nvPr/>
-        </p:nvPicPr>
-        <p:blipFill>
-          <a:blip r:embed="rId3"/>
-          <a:stretch>
-            <a:fillRect/>
-          </a:stretch>
-        </p:blipFill>
-        <p:spPr>
-          <a:xfrm>
-            <a:off x="4063628" y="4966466"/>
-            <a:ext cx="1323975" cy="419100"/>
-          </a:xfrm>
-          <a:prstGeom prst="rect">
-            <a:avLst/>
-          </a:prstGeom>
-        </p:spPr>
-      </p:pic>
-      <p:cxnSp>
-        <p:nvCxnSpPr>
-          <p:cNvPr id="7" name="Conector: angular 6">
-            <a:extLst>
-              <a:ext uri="{FF2B5EF4-FFF2-40B4-BE49-F238E27FC236}">
-                <a16:creationId xmlns:a16="http://schemas.microsoft.com/office/drawing/2014/main" id="{AE1AAE57-68BE-440C-8DC2-C09446BD764E}"/>
-              </a:ext>
-            </a:extLst>
-          </p:cNvPr>
-          <p:cNvCxnSpPr/>
-          <p:nvPr/>
-        </p:nvCxnSpPr>
-        <p:spPr>
-          <a:xfrm>
-            <a:off x="3381375" y="4584519"/>
-            <a:ext cx="682253" cy="381947"/>
-          </a:xfrm>
-          <a:prstGeom prst="bentConnector3">
-            <a:avLst/>
-          </a:prstGeom>
-          <a:ln w="12700">
-            <a:solidFill>
-              <a:schemeClr val="tx1"/>
-            </a:solidFill>
-            <a:tailEnd type="triangle"/>
-          </a:ln>
-        </p:spPr>
-        <p:style>
-          <a:lnRef idx="1">
-            <a:schemeClr val="accent1"/>
-          </a:lnRef>
-          <a:fillRef idx="0">
-            <a:schemeClr val="accent1"/>
-          </a:fillRef>
-          <a:effectRef idx="0">
-            <a:schemeClr val="accent1"/>
-          </a:effectRef>
-          <a:fontRef idx="minor">
-            <a:schemeClr val="tx1"/>
-          </a:fontRef>
-        </p:style>
-      </p:cxnSp>
-      <p:cxnSp>
-        <p:nvCxnSpPr>
-          <p:cNvPr id="8" name="Conector: angular 7">
-            <a:extLst>
-              <a:ext uri="{FF2B5EF4-FFF2-40B4-BE49-F238E27FC236}">
-                <a16:creationId xmlns:a16="http://schemas.microsoft.com/office/drawing/2014/main" id="{D5400B3C-DF13-4161-BAE8-4F66E969B638}"/>
-              </a:ext>
-            </a:extLst>
-          </p:cNvPr>
-          <p:cNvCxnSpPr/>
-          <p:nvPr/>
-        </p:nvCxnSpPr>
-        <p:spPr>
-          <a:xfrm>
-            <a:off x="3381375" y="4794069"/>
-            <a:ext cx="682253" cy="381947"/>
-          </a:xfrm>
-          <a:prstGeom prst="bentConnector3">
-            <a:avLst>
-              <a:gd name="adj1" fmla="val 27347"/>
-            </a:avLst>
-          </a:prstGeom>
-          <a:ln w="12700">
-            <a:solidFill>
-              <a:srgbClr val="FF0000"/>
-            </a:solidFill>
-            <a:tailEnd type="triangle"/>
-          </a:ln>
-        </p:spPr>
-        <p:style>
-          <a:lnRef idx="1">
-            <a:schemeClr val="accent1"/>
-          </a:lnRef>
-          <a:fillRef idx="0">
-            <a:schemeClr val="accent1"/>
-          </a:fillRef>
-          <a:effectRef idx="0">
-            <a:schemeClr val="accent1"/>
-          </a:effectRef>
-          <a:fontRef idx="minor">
-            <a:schemeClr val="tx1"/>
-          </a:fontRef>
-        </p:style>
-      </p:cxnSp>
-      <p:pic>
-        <p:nvPicPr>
-          <p:cNvPr id="2050" name="Picture 2">
-            <a:extLst>
-              <a:ext uri="{FF2B5EF4-FFF2-40B4-BE49-F238E27FC236}">
-                <a16:creationId xmlns:a16="http://schemas.microsoft.com/office/drawing/2014/main" id="{FF5B80BE-92E3-4501-A448-3036E1558031}"/>
-              </a:ext>
-            </a:extLst>
-          </p:cNvPr>
-          <p:cNvPicPr>
-            <a:picLocks noChangeAspect="1" noChangeArrowheads="1"/>
-          </p:cNvPicPr>
-          <p:nvPr/>
-        </p:nvPicPr>
-        <p:blipFill>
-          <a:blip r:embed="rId4">
-            <a:extLst>
-              <a:ext uri="{28A0092B-C50C-407E-A947-70E740481C1C}">
-                <a14:useLocalDpi xmlns:a14="http://schemas.microsoft.com/office/drawing/2010/main" val="0"/>
-              </a:ext>
-            </a:extLst>
-          </a:blip>
-          <a:srcRect/>
-          <a:stretch>
-            <a:fillRect/>
-          </a:stretch>
-        </p:blipFill>
-        <p:spPr bwMode="auto">
-          <a:xfrm rot="5400000">
-            <a:off x="7299883" y="1518892"/>
-            <a:ext cx="5207683" cy="2900150"/>
-          </a:xfrm>
-          <a:prstGeom prst="rect">
-            <a:avLst/>
-          </a:prstGeom>
-          <a:noFill/>
-          <a:extLst>
-            <a:ext uri="{909E8E84-426E-40DD-AFC4-6F175D3DCCD1}">
-              <a14:hiddenFill xmlns:a14="http://schemas.microsoft.com/office/drawing/2010/main">
-                <a:solidFill>
-                  <a:srgbClr val="FFFFFF"/>
-                </a:solidFill>
-              </a14:hiddenFill>
-            </a:ext>
-          </a:extLst>
-        </p:spPr>
-      </p:pic>
-      <p:pic>
-        <p:nvPicPr>
-          <p:cNvPr id="9" name="Picture 2" descr="ESP32 Wroom32 DevKit Analog Read Example | Circuits4you.com">
-            <a:extLst>
-              <a:ext uri="{FF2B5EF4-FFF2-40B4-BE49-F238E27FC236}">
-                <a16:creationId xmlns:a16="http://schemas.microsoft.com/office/drawing/2014/main" id="{364B6894-4C83-4914-83D2-7551F246231B}"/>
-              </a:ext>
-            </a:extLst>
-          </p:cNvPr>
-          <p:cNvPicPr>
-            <a:picLocks noChangeAspect="1" noChangeArrowheads="1"/>
-          </p:cNvPicPr>
-          <p:nvPr/>
-        </p:nvPicPr>
-        <p:blipFill rotWithShape="1">
-          <a:blip r:embed="rId5">
-            <a:extLst>
-              <a:ext uri="{28A0092B-C50C-407E-A947-70E740481C1C}">
-                <a14:useLocalDpi xmlns:a14="http://schemas.microsoft.com/office/drawing/2010/main" val="0"/>
-              </a:ext>
-            </a:extLst>
-          </a:blip>
-          <a:srcRect l="18996" r="18243" b="26775"/>
-          <a:stretch/>
-        </p:blipFill>
-        <p:spPr bwMode="auto">
-          <a:xfrm>
-            <a:off x="4308037" y="1617904"/>
-            <a:ext cx="3019254" cy="2174909"/>
-          </a:xfrm>
-          <a:prstGeom prst="rect">
-            <a:avLst/>
-          </a:prstGeom>
-          <a:noFill/>
-          <a:extLst>
-            <a:ext uri="{909E8E84-426E-40DD-AFC4-6F175D3DCCD1}">
-              <a14:hiddenFill xmlns:a14="http://schemas.microsoft.com/office/drawing/2010/main">
-                <a:solidFill>
-                  <a:srgbClr val="FFFFFF"/>
-                </a:solidFill>
-              </a14:hiddenFill>
-            </a:ext>
-          </a:extLst>
-        </p:spPr>
-      </p:pic>
-      <p:sp>
-        <p:nvSpPr>
-          <p:cNvPr id="11" name="Rectángulo 10">
-            <a:extLst>
-              <a:ext uri="{FF2B5EF4-FFF2-40B4-BE49-F238E27FC236}">
-                <a16:creationId xmlns:a16="http://schemas.microsoft.com/office/drawing/2014/main" id="{E7AC9D79-00E6-41EA-BD82-5858268122FB}"/>
-              </a:ext>
-            </a:extLst>
-          </p:cNvPr>
-          <p:cNvSpPr/>
-          <p:nvPr/>
-        </p:nvSpPr>
-        <p:spPr>
-          <a:xfrm>
-            <a:off x="900224" y="5439603"/>
-            <a:ext cx="5436182" cy="707886"/>
-          </a:xfrm>
-          <a:prstGeom prst="rect">
-            <a:avLst/>
-          </a:prstGeom>
-          <a:noFill/>
-        </p:spPr>
-        <p:txBody>
-          <a:bodyPr wrap="square" lIns="91440" tIns="45720" rIns="91440" bIns="45720">
-            <a:spAutoFit/>
-          </a:bodyPr>
-          <a:lstStyle/>
-          <a:p>
-            <a:pPr algn="just"/>
-            <a:r>
-              <a:rPr lang="en-US" sz="2000" b="0" cap="none" spc="0" dirty="0">
-                <a:ln w="0"/>
-                <a:solidFill>
-                  <a:schemeClr val="tx1"/>
-                </a:solidFill>
-                <a:effectLst>
-                  <a:outerShdw blurRad="38100" dist="19050" dir="2700000" algn="tl" rotWithShape="0">
-                    <a:schemeClr val="dk1">
-                      <a:alpha val="40000"/>
-                    </a:schemeClr>
-                  </a:outerShdw>
-                </a:effectLst>
-              </a:rPr>
-              <a:t>The driver must be connected from 9 to 42V and the ESP-32 Card must be connected with 3.3 V.</a:t>
-            </a:r>
-            <a:endParaRPr lang="es-ES" sz="2000" b="0" cap="none" spc="0" dirty="0">
-              <a:ln w="0"/>
-              <a:solidFill>
-                <a:schemeClr val="tx1"/>
-              </a:solidFill>
-              <a:effectLst>
-                <a:outerShdw blurRad="38100" dist="19050" dir="2700000" algn="tl" rotWithShape="0">
-                  <a:schemeClr val="dk1">
-                    <a:alpha val="40000"/>
-                  </a:schemeClr>
-                </a:outerShdw>
-              </a:effectLst>
-            </a:endParaRPr>
-          </a:p>
-        </p:txBody>
-      </p:sp>
     </p:spTree>
     <p:extLst>
       <p:ext uri="{BB962C8B-B14F-4D97-AF65-F5344CB8AC3E}">
-        <p14:creationId xmlns:p14="http://schemas.microsoft.com/office/powerpoint/2010/main" val="2795281708"/>
+        <p14:creationId xmlns:p14="http://schemas.microsoft.com/office/powerpoint/2010/main" val="2619811869"/>
       </p:ext>
     </p:extLst>
   </p:cSld>
   <p:clrMapOvr>
-    <a:masterClrMapping/>
+    <a:overrideClrMapping bg1="dk1" tx1="lt1" bg2="dk2" tx2="lt2" accent1="accent1" accent2="accent2" accent3="accent3" accent4="accent4" accent5="accent5" accent6="accent6" hlink="hlink" folHlink="folHlink"/>
   </p:clrMapOvr>
 </p:sld>
 </file>
 
-<file path=ppt/slides/slide7.xml><?xml version="1.0" encoding="utf-8"?>
+<file path=ppt/slides/slide9.xml><?xml version="1.0" encoding="utf-8"?>
 <p:sld xmlns:a="http://schemas.openxmlformats.org/drawingml/2006/main" xmlns:r="http://schemas.openxmlformats.org/officeDocument/2006/relationships" xmlns:p="http://schemas.openxmlformats.org/presentationml/2006/main">
   <p:cSld>
+    <p:bg>
+      <p:bgPr>
+        <a:solidFill>
+          <a:schemeClr val="bg1">
+            <a:tint val="95000"/>
+            <a:satMod val="170000"/>
+          </a:schemeClr>
+        </a:solidFill>
+        <a:effectLst/>
+      </p:bgPr>
+    </p:bg>
     <p:spTree>
       <p:nvGrpSpPr>
         <p:cNvPr id="1" name=""/>
@@ -6805,1872 +6586,44 @@
           <a:chExt cx="0" cy="0"/>
         </a:xfrm>
       </p:grpSpPr>
-      <p:sp>
-        <p:nvSpPr>
-          <p:cNvPr id="2" name="Rectangle 1">
-            <a:extLst>
-              <a:ext uri="{FF2B5EF4-FFF2-40B4-BE49-F238E27FC236}">
-                <a16:creationId xmlns:a16="http://schemas.microsoft.com/office/drawing/2014/main" id="{8F76E4B7-E97D-4123-931F-D26047C87FD9}"/>
-              </a:ext>
-            </a:extLst>
-          </p:cNvPr>
-          <p:cNvSpPr>
-            <a:spLocks noChangeArrowheads="1"/>
-          </p:cNvSpPr>
+      <p:pic>
+        <p:nvPicPr>
+          <p:cNvPr id="2" name="Imagen 1" descr="Captura de pantalla de un celular&#10;&#10;Descripción generada automáticamente">
+            <a:extLst>
+              <a:ext uri="{FF2B5EF4-FFF2-40B4-BE49-F238E27FC236}">
+                <a16:creationId xmlns:a16="http://schemas.microsoft.com/office/drawing/2014/main" id="{D0D0788C-6F82-4A86-9F28-F977F9BBEAF6}"/>
+              </a:ext>
+            </a:extLst>
+          </p:cNvPr>
+          <p:cNvPicPr>
+            <a:picLocks noChangeAspect="1"/>
+          </p:cNvPicPr>
           <p:nvPr/>
-        </p:nvSpPr>
-        <p:spPr bwMode="auto">
+        </p:nvPicPr>
+        <p:blipFill rotWithShape="1">
+          <a:blip r:embed="rId2"/>
+          <a:srcRect t="3041" r="-1" b="-1"/>
+          <a:stretch/>
+        </p:blipFill>
+        <p:spPr>
           <a:xfrm>
-            <a:off x="965916" y="567503"/>
-            <a:ext cx="4250028" cy="2490397"/>
+            <a:off x="321733" y="321733"/>
+            <a:ext cx="11548534" cy="6214534"/>
           </a:xfrm>
           <a:prstGeom prst="rect">
             <a:avLst/>
           </a:prstGeom>
-          <a:solidFill>
-            <a:srgbClr val="EEEEEE"/>
-          </a:solidFill>
-          <a:ln>
-            <a:noFill/>
-          </a:ln>
-          <a:effectLst/>
-          <a:extLst>
-            <a:ext uri="{91240B29-F687-4F45-9708-019B960494DF}">
-              <a14:hiddenLine xmlns:a14="http://schemas.microsoft.com/office/drawing/2010/main" w="9525">
-                <a:solidFill>
-                  <a:schemeClr val="tx1"/>
-                </a:solidFill>
-                <a:miter lim="800000"/>
-                <a:headEnd/>
-                <a:tailEnd/>
-              </a14:hiddenLine>
-            </a:ext>
-            <a:ext uri="{AF507438-7753-43E0-B8FC-AC1667EBCBE1}">
-              <a14:hiddenEffects xmlns:a14="http://schemas.microsoft.com/office/drawing/2010/main">
-                <a:effectLst>
-                  <a:outerShdw dist="35921" dir="2700000" algn="ctr" rotWithShape="0">
-                    <a:schemeClr val="bg2"/>
-                  </a:outerShdw>
-                </a:effectLst>
-              </a14:hiddenEffects>
-            </a:ext>
-          </a:extLst>
         </p:spPr>
-        <p:txBody>
-          <a:bodyPr vert="horz" wrap="square" lIns="91440" tIns="0" rIns="91440" bIns="88872" numCol="1" anchor="ctr" anchorCtr="0" compatLnSpc="1">
-            <a:prstTxWarp prst="textNoShape">
-              <a:avLst/>
-            </a:prstTxWarp>
-            <a:spAutoFit/>
-          </a:bodyPr>
-          <a:lstStyle>
-            <a:lvl1pPr eaLnBrk="0" fontAlgn="base" hangingPunct="0">
-              <a:spcBef>
-                <a:spcPct val="0"/>
-              </a:spcBef>
-              <a:spcAft>
-                <a:spcPct val="0"/>
-              </a:spcAft>
-              <a:defRPr>
-                <a:solidFill>
-                  <a:schemeClr val="tx1"/>
-                </a:solidFill>
-                <a:latin typeface="Arial" panose="020B0604020202020204" pitchFamily="34" charset="0"/>
-              </a:defRPr>
-            </a:lvl1pPr>
-            <a:lvl2pPr eaLnBrk="0" fontAlgn="base" hangingPunct="0">
-              <a:spcBef>
-                <a:spcPct val="0"/>
-              </a:spcBef>
-              <a:spcAft>
-                <a:spcPct val="0"/>
-              </a:spcAft>
-              <a:defRPr>
-                <a:solidFill>
-                  <a:schemeClr val="tx1"/>
-                </a:solidFill>
-                <a:latin typeface="Arial" panose="020B0604020202020204" pitchFamily="34" charset="0"/>
-              </a:defRPr>
-            </a:lvl2pPr>
-            <a:lvl3pPr eaLnBrk="0" fontAlgn="base" hangingPunct="0">
-              <a:spcBef>
-                <a:spcPct val="0"/>
-              </a:spcBef>
-              <a:spcAft>
-                <a:spcPct val="0"/>
-              </a:spcAft>
-              <a:defRPr>
-                <a:solidFill>
-                  <a:schemeClr val="tx1"/>
-                </a:solidFill>
-                <a:latin typeface="Arial" panose="020B0604020202020204" pitchFamily="34" charset="0"/>
-              </a:defRPr>
-            </a:lvl3pPr>
-            <a:lvl4pPr eaLnBrk="0" fontAlgn="base" hangingPunct="0">
-              <a:spcBef>
-                <a:spcPct val="0"/>
-              </a:spcBef>
-              <a:spcAft>
-                <a:spcPct val="0"/>
-              </a:spcAft>
-              <a:defRPr>
-                <a:solidFill>
-                  <a:schemeClr val="tx1"/>
-                </a:solidFill>
-                <a:latin typeface="Arial" panose="020B0604020202020204" pitchFamily="34" charset="0"/>
-              </a:defRPr>
-            </a:lvl4pPr>
-            <a:lvl5pPr eaLnBrk="0" fontAlgn="base" hangingPunct="0">
-              <a:spcBef>
-                <a:spcPct val="0"/>
-              </a:spcBef>
-              <a:spcAft>
-                <a:spcPct val="0"/>
-              </a:spcAft>
-              <a:defRPr>
-                <a:solidFill>
-                  <a:schemeClr val="tx1"/>
-                </a:solidFill>
-                <a:latin typeface="Arial" panose="020B0604020202020204" pitchFamily="34" charset="0"/>
-              </a:defRPr>
-            </a:lvl5pPr>
-            <a:lvl6pPr eaLnBrk="0" fontAlgn="base" hangingPunct="0">
-              <a:spcBef>
-                <a:spcPct val="0"/>
-              </a:spcBef>
-              <a:spcAft>
-                <a:spcPct val="0"/>
-              </a:spcAft>
-              <a:defRPr>
-                <a:solidFill>
-                  <a:schemeClr val="tx1"/>
-                </a:solidFill>
-                <a:latin typeface="Arial" panose="020B0604020202020204" pitchFamily="34" charset="0"/>
-              </a:defRPr>
-            </a:lvl6pPr>
-            <a:lvl7pPr eaLnBrk="0" fontAlgn="base" hangingPunct="0">
-              <a:spcBef>
-                <a:spcPct val="0"/>
-              </a:spcBef>
-              <a:spcAft>
-                <a:spcPct val="0"/>
-              </a:spcAft>
-              <a:defRPr>
-                <a:solidFill>
-                  <a:schemeClr val="tx1"/>
-                </a:solidFill>
-                <a:latin typeface="Arial" panose="020B0604020202020204" pitchFamily="34" charset="0"/>
-              </a:defRPr>
-            </a:lvl7pPr>
-            <a:lvl8pPr eaLnBrk="0" fontAlgn="base" hangingPunct="0">
-              <a:spcBef>
-                <a:spcPct val="0"/>
-              </a:spcBef>
-              <a:spcAft>
-                <a:spcPct val="0"/>
-              </a:spcAft>
-              <a:defRPr>
-                <a:solidFill>
-                  <a:schemeClr val="tx1"/>
-                </a:solidFill>
-                <a:latin typeface="Arial" panose="020B0604020202020204" pitchFamily="34" charset="0"/>
-              </a:defRPr>
-            </a:lvl8pPr>
-            <a:lvl9pPr eaLnBrk="0" fontAlgn="base" hangingPunct="0">
-              <a:spcBef>
-                <a:spcPct val="0"/>
-              </a:spcBef>
-              <a:spcAft>
-                <a:spcPct val="0"/>
-              </a:spcAft>
-              <a:defRPr>
-                <a:solidFill>
-                  <a:schemeClr val="tx1"/>
-                </a:solidFill>
-                <a:latin typeface="Arial" panose="020B0604020202020204" pitchFamily="34" charset="0"/>
-              </a:defRPr>
-            </a:lvl9pPr>
-          </a:lstStyle>
-          <a:p>
-            <a:pPr marL="0" marR="0" lvl="0" indent="0" algn="l" defTabSz="914400" rtl="0" eaLnBrk="0" fontAlgn="base" latinLnBrk="0" hangingPunct="0">
-              <a:lnSpc>
-                <a:spcPct val="100000"/>
-              </a:lnSpc>
-              <a:spcBef>
-                <a:spcPct val="0"/>
-              </a:spcBef>
-              <a:spcAft>
-                <a:spcPct val="0"/>
-              </a:spcAft>
-              <a:buClrTx/>
-              <a:buSzTx/>
-              <a:buFontTx/>
-              <a:buNone/>
-              <a:tabLst/>
-            </a:pPr>
-            <a:r>
-              <a:rPr kumimoji="0" lang="es-EC" altLang="es-EC" sz="1800" b="1" i="0" u="none" strike="noStrike" cap="none" normalizeH="0" baseline="0" dirty="0" err="1">
-                <a:ln>
-                  <a:noFill/>
-                </a:ln>
-                <a:solidFill>
-                  <a:srgbClr val="313131"/>
-                </a:solidFill>
-                <a:effectLst/>
-                <a:latin typeface="roboto"/>
-              </a:rPr>
-              <a:t>SPECIFICATION</a:t>
-            </a:r>
-            <a:br>
-              <a:rPr kumimoji="0" lang="es-EC" altLang="es-EC" sz="1800" b="1" i="0" u="none" strike="noStrike" cap="none" normalizeH="0" baseline="0" dirty="0">
-                <a:ln>
-                  <a:noFill/>
-                </a:ln>
-                <a:solidFill>
-                  <a:srgbClr val="313131"/>
-                </a:solidFill>
-                <a:effectLst/>
-                <a:latin typeface="roboto"/>
-              </a:rPr>
-            </a:br>
-            <a:endParaRPr kumimoji="0" lang="es-EC" altLang="es-EC" sz="1800" b="1" i="0" u="none" strike="noStrike" cap="none" normalizeH="0" baseline="0" dirty="0">
-              <a:ln>
-                <a:noFill/>
-              </a:ln>
-              <a:solidFill>
-                <a:srgbClr val="313131"/>
-              </a:solidFill>
-              <a:effectLst/>
-              <a:latin typeface="roboto"/>
-            </a:endParaRPr>
-          </a:p>
-          <a:p>
-            <a:pPr marL="0" marR="0" lvl="0" indent="133350" algn="l" defTabSz="914400" rtl="0" eaLnBrk="0" fontAlgn="base" latinLnBrk="0" hangingPunct="0">
-              <a:lnSpc>
-                <a:spcPct val="100000"/>
-              </a:lnSpc>
-              <a:spcBef>
-                <a:spcPct val="0"/>
-              </a:spcBef>
-              <a:spcAft>
-                <a:spcPct val="0"/>
-              </a:spcAft>
-              <a:buClrTx/>
-              <a:buSzTx/>
-              <a:buFontTx/>
-              <a:buChar char="•"/>
-              <a:tabLst/>
-            </a:pPr>
-            <a:r>
-              <a:rPr kumimoji="0" lang="es-EC" altLang="es-EC" sz="1200" b="0" i="0" u="none" strike="noStrike" cap="none" normalizeH="0" baseline="0" dirty="0">
-                <a:ln>
-                  <a:noFill/>
-                </a:ln>
-                <a:solidFill>
-                  <a:srgbClr val="535353"/>
-                </a:solidFill>
-                <a:effectLst/>
-                <a:latin typeface="roboto"/>
-              </a:rPr>
-              <a:t>Input </a:t>
-            </a:r>
-            <a:r>
-              <a:rPr kumimoji="0" lang="es-EC" altLang="es-EC" sz="1200" b="0" i="0" u="none" strike="noStrike" cap="none" normalizeH="0" baseline="0" dirty="0" err="1">
-                <a:ln>
-                  <a:noFill/>
-                </a:ln>
-                <a:solidFill>
-                  <a:srgbClr val="535353"/>
-                </a:solidFill>
-                <a:effectLst/>
-                <a:latin typeface="roboto"/>
-              </a:rPr>
-              <a:t>Current</a:t>
-            </a:r>
-            <a:r>
-              <a:rPr kumimoji="0" lang="es-EC" altLang="es-EC" sz="1200" b="0" i="0" u="none" strike="noStrike" cap="none" normalizeH="0" baseline="0" dirty="0">
-                <a:ln>
-                  <a:noFill/>
-                </a:ln>
-                <a:solidFill>
-                  <a:srgbClr val="535353"/>
-                </a:solidFill>
-                <a:effectLst/>
-                <a:latin typeface="roboto"/>
-              </a:rPr>
-              <a:t>: 0~5A</a:t>
-            </a:r>
-          </a:p>
-          <a:p>
-            <a:pPr marL="0" marR="0" lvl="0" indent="133350" algn="l" defTabSz="914400" rtl="0" eaLnBrk="0" fontAlgn="base" latinLnBrk="0" hangingPunct="0">
-              <a:lnSpc>
-                <a:spcPct val="100000"/>
-              </a:lnSpc>
-              <a:spcBef>
-                <a:spcPct val="0"/>
-              </a:spcBef>
-              <a:spcAft>
-                <a:spcPct val="0"/>
-              </a:spcAft>
-              <a:buClrTx/>
-              <a:buSzTx/>
-              <a:buFontTx/>
-              <a:buChar char="•"/>
-              <a:tabLst/>
-            </a:pPr>
-            <a:r>
-              <a:rPr kumimoji="0" lang="es-EC" altLang="es-EC" sz="1200" b="0" i="0" u="none" strike="noStrike" cap="none" normalizeH="0" baseline="0" dirty="0">
-                <a:ln>
-                  <a:noFill/>
-                </a:ln>
-                <a:solidFill>
-                  <a:srgbClr val="535353"/>
-                </a:solidFill>
-                <a:effectLst/>
-                <a:latin typeface="roboto"/>
-              </a:rPr>
-              <a:t>Output </a:t>
-            </a:r>
-            <a:r>
-              <a:rPr kumimoji="0" lang="es-EC" altLang="es-EC" sz="1200" b="0" i="0" u="none" strike="noStrike" cap="none" normalizeH="0" baseline="0" dirty="0" err="1">
-                <a:ln>
-                  <a:noFill/>
-                </a:ln>
-                <a:solidFill>
-                  <a:srgbClr val="535353"/>
-                </a:solidFill>
-                <a:effectLst/>
-                <a:latin typeface="roboto"/>
-              </a:rPr>
-              <a:t>Current</a:t>
-            </a:r>
-            <a:r>
-              <a:rPr kumimoji="0" lang="es-EC" altLang="es-EC" sz="1200" b="0" i="0" u="none" strike="noStrike" cap="none" normalizeH="0" baseline="0" dirty="0">
-                <a:ln>
-                  <a:noFill/>
-                </a:ln>
-                <a:solidFill>
-                  <a:srgbClr val="535353"/>
-                </a:solidFill>
-                <a:effectLst/>
-                <a:latin typeface="roboto"/>
-              </a:rPr>
-              <a:t>: 0.5-4.0A</a:t>
-            </a:r>
-          </a:p>
-          <a:p>
-            <a:pPr marL="0" marR="0" lvl="0" indent="133350" algn="l" defTabSz="914400" rtl="0" eaLnBrk="0" fontAlgn="base" latinLnBrk="0" hangingPunct="0">
-              <a:lnSpc>
-                <a:spcPct val="100000"/>
-              </a:lnSpc>
-              <a:spcBef>
-                <a:spcPct val="0"/>
-              </a:spcBef>
-              <a:spcAft>
-                <a:spcPct val="0"/>
-              </a:spcAft>
-              <a:buClrTx/>
-              <a:buSzTx/>
-              <a:buFontTx/>
-              <a:buChar char="•"/>
-              <a:tabLst/>
-            </a:pPr>
-            <a:r>
-              <a:rPr kumimoji="0" lang="es-EC" altLang="es-EC" sz="1200" b="0" i="0" u="none" strike="noStrike" cap="none" normalizeH="0" baseline="0" dirty="0">
-                <a:ln>
-                  <a:noFill/>
-                </a:ln>
-                <a:solidFill>
-                  <a:srgbClr val="535353"/>
-                </a:solidFill>
-                <a:effectLst/>
-                <a:latin typeface="roboto"/>
-              </a:rPr>
-              <a:t>Control </a:t>
-            </a:r>
-            <a:r>
-              <a:rPr kumimoji="0" lang="es-EC" altLang="es-EC" sz="1200" b="0" i="0" u="none" strike="noStrike" cap="none" normalizeH="0" baseline="0" dirty="0" err="1">
-                <a:ln>
-                  <a:noFill/>
-                </a:ln>
-                <a:solidFill>
-                  <a:srgbClr val="535353"/>
-                </a:solidFill>
-                <a:effectLst/>
-                <a:latin typeface="roboto"/>
-              </a:rPr>
-              <a:t>Signal</a:t>
-            </a:r>
-            <a:r>
-              <a:rPr kumimoji="0" lang="es-EC" altLang="es-EC" sz="1200" b="0" i="0" u="none" strike="noStrike" cap="none" normalizeH="0" baseline="0" dirty="0">
-                <a:ln>
-                  <a:noFill/>
-                </a:ln>
-                <a:solidFill>
-                  <a:srgbClr val="535353"/>
-                </a:solidFill>
-                <a:effectLst/>
-                <a:latin typeface="roboto"/>
-              </a:rPr>
-              <a:t>: 3.3~24V</a:t>
-            </a:r>
-          </a:p>
-          <a:p>
-            <a:pPr marL="0" marR="0" lvl="0" indent="133350" algn="l" defTabSz="914400" rtl="0" eaLnBrk="0" fontAlgn="base" latinLnBrk="0" hangingPunct="0">
-              <a:lnSpc>
-                <a:spcPct val="100000"/>
-              </a:lnSpc>
-              <a:spcBef>
-                <a:spcPct val="0"/>
-              </a:spcBef>
-              <a:spcAft>
-                <a:spcPct val="0"/>
-              </a:spcAft>
-              <a:buClrTx/>
-              <a:buSzTx/>
-              <a:buFontTx/>
-              <a:buChar char="•"/>
-              <a:tabLst/>
-            </a:pPr>
-            <a:r>
-              <a:rPr kumimoji="0" lang="es-EC" altLang="es-EC" sz="1200" b="0" i="0" u="none" strike="noStrike" cap="none" normalizeH="0" baseline="0" dirty="0" err="1">
-                <a:ln>
-                  <a:noFill/>
-                </a:ln>
-                <a:solidFill>
-                  <a:srgbClr val="535353"/>
-                </a:solidFill>
-                <a:effectLst/>
-                <a:latin typeface="roboto"/>
-              </a:rPr>
-              <a:t>Power</a:t>
-            </a:r>
-            <a:r>
-              <a:rPr kumimoji="0" lang="es-EC" altLang="es-EC" sz="1200" b="0" i="0" u="none" strike="noStrike" cap="none" normalizeH="0" baseline="0" dirty="0">
-                <a:ln>
-                  <a:noFill/>
-                </a:ln>
-                <a:solidFill>
-                  <a:srgbClr val="535353"/>
-                </a:solidFill>
-                <a:effectLst/>
-                <a:latin typeface="roboto"/>
-              </a:rPr>
-              <a:t> (MAX): 160W</a:t>
-            </a:r>
-          </a:p>
-          <a:p>
-            <a:pPr marL="0" marR="0" lvl="0" indent="133350" algn="l" defTabSz="914400" rtl="0" eaLnBrk="0" fontAlgn="base" latinLnBrk="0" hangingPunct="0">
-              <a:lnSpc>
-                <a:spcPct val="100000"/>
-              </a:lnSpc>
-              <a:spcBef>
-                <a:spcPct val="0"/>
-              </a:spcBef>
-              <a:spcAft>
-                <a:spcPct val="0"/>
-              </a:spcAft>
-              <a:buClrTx/>
-              <a:buSzTx/>
-              <a:buFontTx/>
-              <a:buChar char="•"/>
-              <a:tabLst/>
-            </a:pPr>
-            <a:r>
-              <a:rPr kumimoji="0" lang="es-EC" altLang="es-EC" sz="1200" b="0" i="0" u="none" strike="noStrike" cap="none" normalizeH="0" baseline="0" dirty="0">
-                <a:ln>
-                  <a:noFill/>
-                </a:ln>
-                <a:solidFill>
-                  <a:srgbClr val="535353"/>
-                </a:solidFill>
-                <a:effectLst/>
-                <a:latin typeface="roboto"/>
-              </a:rPr>
-              <a:t>Micro Step: 1, 2/A, 2/B, 4, 8, 16, 32</a:t>
-            </a:r>
-          </a:p>
-          <a:p>
-            <a:pPr marL="0" marR="0" lvl="0" indent="133350" algn="l" defTabSz="914400" rtl="0" eaLnBrk="0" fontAlgn="base" latinLnBrk="0" hangingPunct="0">
-              <a:lnSpc>
-                <a:spcPct val="100000"/>
-              </a:lnSpc>
-              <a:spcBef>
-                <a:spcPct val="0"/>
-              </a:spcBef>
-              <a:spcAft>
-                <a:spcPct val="0"/>
-              </a:spcAft>
-              <a:buClrTx/>
-              <a:buSzTx/>
-              <a:buFontTx/>
-              <a:buChar char="•"/>
-              <a:tabLst/>
-            </a:pPr>
-            <a:r>
-              <a:rPr kumimoji="0" lang="es-EC" altLang="es-EC" sz="1200" b="0" i="0" u="none" strike="noStrike" cap="none" normalizeH="0" baseline="0" dirty="0" err="1">
-                <a:ln>
-                  <a:noFill/>
-                </a:ln>
-                <a:solidFill>
-                  <a:srgbClr val="535353"/>
-                </a:solidFill>
-                <a:effectLst/>
-                <a:latin typeface="roboto"/>
-              </a:rPr>
-              <a:t>Temperature</a:t>
-            </a:r>
-            <a:r>
-              <a:rPr kumimoji="0" lang="es-EC" altLang="es-EC" sz="1200" b="0" i="0" u="none" strike="noStrike" cap="none" normalizeH="0" baseline="0" dirty="0">
-                <a:ln>
-                  <a:noFill/>
-                </a:ln>
-                <a:solidFill>
-                  <a:srgbClr val="535353"/>
-                </a:solidFill>
-                <a:effectLst/>
-                <a:latin typeface="roboto"/>
-              </a:rPr>
-              <a:t>: -10～45℃</a:t>
-            </a:r>
-          </a:p>
-          <a:p>
-            <a:pPr marL="0" marR="0" lvl="0" indent="133350" algn="l" defTabSz="914400" rtl="0" eaLnBrk="0" fontAlgn="base" latinLnBrk="0" hangingPunct="0">
-              <a:lnSpc>
-                <a:spcPct val="100000"/>
-              </a:lnSpc>
-              <a:spcBef>
-                <a:spcPct val="0"/>
-              </a:spcBef>
-              <a:spcAft>
-                <a:spcPct val="0"/>
-              </a:spcAft>
-              <a:buClrTx/>
-              <a:buSzTx/>
-              <a:buFontTx/>
-              <a:buChar char="•"/>
-              <a:tabLst/>
-            </a:pPr>
-            <a:r>
-              <a:rPr kumimoji="0" lang="es-EC" altLang="es-EC" sz="1200" b="0" i="0" u="none" strike="noStrike" cap="none" normalizeH="0" baseline="0" dirty="0" err="1">
-                <a:ln>
-                  <a:noFill/>
-                </a:ln>
-                <a:solidFill>
-                  <a:srgbClr val="535353"/>
-                </a:solidFill>
-                <a:effectLst/>
-                <a:latin typeface="roboto"/>
-              </a:rPr>
-              <a:t>Humidity</a:t>
-            </a:r>
-            <a:r>
-              <a:rPr kumimoji="0" lang="es-EC" altLang="es-EC" sz="1200" b="0" i="0" u="none" strike="noStrike" cap="none" normalizeH="0" baseline="0" dirty="0">
-                <a:ln>
-                  <a:noFill/>
-                </a:ln>
-                <a:solidFill>
-                  <a:srgbClr val="535353"/>
-                </a:solidFill>
-                <a:effectLst/>
-                <a:latin typeface="roboto"/>
-              </a:rPr>
-              <a:t>: No </a:t>
-            </a:r>
-            <a:r>
-              <a:rPr kumimoji="0" lang="es-EC" altLang="es-EC" sz="1200" b="0" i="0" u="none" strike="noStrike" cap="none" normalizeH="0" baseline="0" dirty="0" err="1">
-                <a:ln>
-                  <a:noFill/>
-                </a:ln>
-                <a:solidFill>
-                  <a:srgbClr val="535353"/>
-                </a:solidFill>
-                <a:effectLst/>
-                <a:latin typeface="roboto"/>
-              </a:rPr>
-              <a:t>Condensation</a:t>
-            </a:r>
-            <a:endParaRPr kumimoji="0" lang="es-EC" altLang="es-EC" sz="1200" b="0" i="0" u="none" strike="noStrike" cap="none" normalizeH="0" baseline="0" dirty="0">
-              <a:ln>
-                <a:noFill/>
-              </a:ln>
-              <a:solidFill>
-                <a:srgbClr val="535353"/>
-              </a:solidFill>
-              <a:effectLst/>
-              <a:latin typeface="roboto"/>
-            </a:endParaRPr>
-          </a:p>
-          <a:p>
-            <a:pPr marL="0" marR="0" lvl="0" indent="133350" algn="l" defTabSz="914400" rtl="0" eaLnBrk="0" fontAlgn="base" latinLnBrk="0" hangingPunct="0">
-              <a:lnSpc>
-                <a:spcPct val="100000"/>
-              </a:lnSpc>
-              <a:spcBef>
-                <a:spcPct val="0"/>
-              </a:spcBef>
-              <a:spcAft>
-                <a:spcPct val="0"/>
-              </a:spcAft>
-              <a:buClrTx/>
-              <a:buSzTx/>
-              <a:buFontTx/>
-              <a:buChar char="•"/>
-              <a:tabLst/>
-            </a:pPr>
-            <a:r>
-              <a:rPr kumimoji="0" lang="es-EC" altLang="es-EC" sz="1200" b="0" i="0" u="none" strike="noStrike" cap="none" normalizeH="0" baseline="0" dirty="0" err="1">
-                <a:ln>
-                  <a:noFill/>
-                </a:ln>
-                <a:solidFill>
-                  <a:srgbClr val="535353"/>
-                </a:solidFill>
-                <a:effectLst/>
-                <a:latin typeface="roboto"/>
-              </a:rPr>
-              <a:t>Dimension</a:t>
-            </a:r>
-            <a:r>
-              <a:rPr kumimoji="0" lang="es-EC" altLang="es-EC" sz="1200" b="0" i="0" u="none" strike="noStrike" cap="none" normalizeH="0" baseline="0" dirty="0">
-                <a:ln>
-                  <a:noFill/>
-                </a:ln>
-                <a:solidFill>
-                  <a:srgbClr val="535353"/>
-                </a:solidFill>
-                <a:effectLst/>
-                <a:latin typeface="roboto"/>
-              </a:rPr>
-              <a:t>: 96*56*33 mm/ 3.78*2.2*1.3 </a:t>
-            </a:r>
-            <a:r>
-              <a:rPr kumimoji="0" lang="es-EC" altLang="es-EC" sz="1200" b="0" i="0" u="none" strike="noStrike" cap="none" normalizeH="0" baseline="0" dirty="0" err="1">
-                <a:ln>
-                  <a:noFill/>
-                </a:ln>
-                <a:solidFill>
-                  <a:srgbClr val="535353"/>
-                </a:solidFill>
-                <a:effectLst/>
-                <a:latin typeface="roboto"/>
-              </a:rPr>
-              <a:t>inches</a:t>
-            </a:r>
-            <a:endParaRPr kumimoji="0" lang="es-EC" altLang="es-EC" sz="1200" b="0" i="0" u="none" strike="noStrike" cap="none" normalizeH="0" baseline="0" dirty="0">
-              <a:ln>
-                <a:noFill/>
-              </a:ln>
-              <a:solidFill>
-                <a:srgbClr val="535353"/>
-              </a:solidFill>
-              <a:effectLst/>
-              <a:latin typeface="roboto"/>
-            </a:endParaRPr>
-          </a:p>
-          <a:p>
-            <a:pPr marL="0" marR="0" lvl="0" indent="133350" algn="l" defTabSz="914400" rtl="0" eaLnBrk="0" fontAlgn="base" latinLnBrk="0" hangingPunct="0">
-              <a:lnSpc>
-                <a:spcPct val="100000"/>
-              </a:lnSpc>
-              <a:spcBef>
-                <a:spcPct val="0"/>
-              </a:spcBef>
-              <a:spcAft>
-                <a:spcPct val="0"/>
-              </a:spcAft>
-              <a:buClrTx/>
-              <a:buSzTx/>
-              <a:buFontTx/>
-              <a:buChar char="•"/>
-              <a:tabLst/>
-            </a:pPr>
-            <a:r>
-              <a:rPr kumimoji="0" lang="es-EC" altLang="es-EC" sz="1200" b="0" i="0" u="none" strike="noStrike" cap="none" normalizeH="0" baseline="0" dirty="0" err="1">
-                <a:ln>
-                  <a:noFill/>
-                </a:ln>
-                <a:solidFill>
-                  <a:srgbClr val="535353"/>
-                </a:solidFill>
-                <a:effectLst/>
-                <a:latin typeface="roboto"/>
-              </a:rPr>
-              <a:t>Weight</a:t>
-            </a:r>
-            <a:r>
-              <a:rPr kumimoji="0" lang="es-EC" altLang="es-EC" sz="1200" b="0" i="0" u="none" strike="noStrike" cap="none" normalizeH="0" baseline="0" dirty="0">
-                <a:ln>
-                  <a:noFill/>
-                </a:ln>
-                <a:solidFill>
-                  <a:srgbClr val="535353"/>
-                </a:solidFill>
-                <a:effectLst/>
-                <a:latin typeface="roboto"/>
-              </a:rPr>
-              <a:t>: 0.2 kg</a:t>
-            </a:r>
-          </a:p>
-          <a:p>
-            <a:pPr marL="0" marR="0" lvl="0" indent="133350" algn="l" defTabSz="914400" rtl="0" eaLnBrk="0" fontAlgn="base" latinLnBrk="0" hangingPunct="0">
-              <a:lnSpc>
-                <a:spcPct val="100000"/>
-              </a:lnSpc>
-              <a:spcBef>
-                <a:spcPct val="0"/>
-              </a:spcBef>
-              <a:spcAft>
-                <a:spcPct val="0"/>
-              </a:spcAft>
-              <a:buClrTx/>
-              <a:buSzTx/>
-              <a:buFontTx/>
-              <a:buChar char="•"/>
-              <a:tabLst/>
-            </a:pPr>
-            <a:r>
-              <a:rPr kumimoji="0" lang="es-EC" altLang="es-EC" sz="1200" b="0" i="0" u="none" strike="noStrike" cap="none" normalizeH="0" baseline="0" dirty="0">
-                <a:ln>
-                  <a:noFill/>
-                </a:ln>
-                <a:solidFill>
-                  <a:srgbClr val="535353"/>
-                </a:solidFill>
-                <a:effectLst/>
-                <a:latin typeface="roboto"/>
-              </a:rPr>
-              <a:t>Drive IC: TB67S109AFTG</a:t>
-            </a:r>
-            <a:endParaRPr kumimoji="0" lang="es-EC" altLang="es-EC" sz="1800" b="0" i="0" u="none" strike="noStrike" cap="none" normalizeH="0" baseline="0" dirty="0">
-              <a:ln>
-                <a:noFill/>
-              </a:ln>
-              <a:solidFill>
-                <a:schemeClr val="tx1"/>
-              </a:solidFill>
-              <a:effectLst/>
-              <a:latin typeface="Arial" panose="020B0604020202020204" pitchFamily="34" charset="0"/>
-            </a:endParaRPr>
-          </a:p>
-        </p:txBody>
-      </p:sp>
+      </p:pic>
     </p:spTree>
     <p:extLst>
       <p:ext uri="{BB962C8B-B14F-4D97-AF65-F5344CB8AC3E}">
-        <p14:creationId xmlns:p14="http://schemas.microsoft.com/office/powerpoint/2010/main" val="4265179218"/>
+        <p14:creationId xmlns:p14="http://schemas.microsoft.com/office/powerpoint/2010/main" val="3289511808"/>
       </p:ext>
     </p:extLst>
   </p:cSld>
   <p:clrMapOvr>
-    <a:masterClrMapping/>
-  </p:clrMapOvr>
-</p:sld>
-</file>
-
-<file path=ppt/slides/slide8.xml><?xml version="1.0" encoding="utf-8"?>
-<p:sld xmlns:a="http://schemas.openxmlformats.org/drawingml/2006/main" xmlns:r="http://schemas.openxmlformats.org/officeDocument/2006/relationships" xmlns:p="http://schemas.openxmlformats.org/presentationml/2006/main">
-  <p:cSld>
-    <p:spTree>
-      <p:nvGrpSpPr>
-        <p:cNvPr id="1" name=""/>
-        <p:cNvGrpSpPr/>
-        <p:nvPr/>
-      </p:nvGrpSpPr>
-      <p:grpSpPr>
-        <a:xfrm>
-          <a:off x="0" y="0"/>
-          <a:ext cx="0" cy="0"/>
-          <a:chOff x="0" y="0"/>
-          <a:chExt cx="0" cy="0"/>
-        </a:xfrm>
-      </p:grpSpPr>
-      <p:sp>
-        <p:nvSpPr>
-          <p:cNvPr id="2" name="Título 1">
-            <a:extLst>
-              <a:ext uri="{FF2B5EF4-FFF2-40B4-BE49-F238E27FC236}">
-                <a16:creationId xmlns:a16="http://schemas.microsoft.com/office/drawing/2014/main" id="{32186612-4B34-41E9-B422-2E9D920601B4}"/>
-              </a:ext>
-            </a:extLst>
-          </p:cNvPr>
-          <p:cNvSpPr>
-            <a:spLocks noGrp="1"/>
-          </p:cNvSpPr>
-          <p:nvPr>
-            <p:ph type="title"/>
-          </p:nvPr>
-        </p:nvSpPr>
-        <p:spPr/>
-        <p:txBody>
-          <a:bodyPr/>
-          <a:lstStyle/>
-          <a:p>
-            <a:r>
-              <a:rPr lang="es-ES" dirty="0" err="1"/>
-              <a:t>Program</a:t>
-            </a:r>
-            <a:endParaRPr lang="es-ES" dirty="0"/>
-          </a:p>
-        </p:txBody>
-      </p:sp>
-      <p:sp>
-        <p:nvSpPr>
-          <p:cNvPr id="4" name="CuadroTexto 3">
-            <a:extLst>
-              <a:ext uri="{FF2B5EF4-FFF2-40B4-BE49-F238E27FC236}">
-                <a16:creationId xmlns:a16="http://schemas.microsoft.com/office/drawing/2014/main" id="{E3B23348-25B3-4791-A104-5F0C08FE110E}"/>
-              </a:ext>
-            </a:extLst>
-          </p:cNvPr>
-          <p:cNvSpPr txBox="1"/>
-          <p:nvPr/>
-        </p:nvSpPr>
-        <p:spPr>
-          <a:xfrm>
-            <a:off x="838200" y="1422742"/>
-            <a:ext cx="10800806" cy="4524315"/>
-          </a:xfrm>
-          <a:prstGeom prst="rect">
-            <a:avLst/>
-          </a:prstGeom>
-          <a:noFill/>
-        </p:spPr>
-        <p:txBody>
-          <a:bodyPr wrap="square">
-            <a:spAutoFit/>
-          </a:bodyPr>
-          <a:lstStyle/>
-          <a:p>
-            <a:r>
-              <a:rPr lang="es-ES" dirty="0" err="1"/>
-              <a:t>The</a:t>
-            </a:r>
-            <a:r>
-              <a:rPr lang="es-ES" dirty="0"/>
-              <a:t> </a:t>
-            </a:r>
-            <a:r>
-              <a:rPr lang="es-ES" dirty="0" err="1"/>
-              <a:t>program</a:t>
-            </a:r>
-            <a:r>
-              <a:rPr lang="es-ES" dirty="0"/>
-              <a:t> </a:t>
-            </a:r>
-            <a:r>
-              <a:rPr lang="es-ES" dirty="0" err="1"/>
-              <a:t>is</a:t>
-            </a:r>
-            <a:r>
-              <a:rPr lang="es-ES" dirty="0"/>
-              <a:t> </a:t>
-            </a:r>
-            <a:r>
-              <a:rPr lang="es-ES" dirty="0" err="1"/>
-              <a:t>configured</a:t>
-            </a:r>
-            <a:r>
-              <a:rPr lang="es-ES" dirty="0"/>
-              <a:t> as </a:t>
-            </a:r>
-            <a:r>
-              <a:rPr lang="es-ES" dirty="0" err="1"/>
-              <a:t>indicated</a:t>
-            </a:r>
-            <a:r>
-              <a:rPr lang="es-ES" dirty="0"/>
-              <a:t> </a:t>
-            </a:r>
-            <a:r>
-              <a:rPr lang="es-ES" dirty="0" err="1"/>
-              <a:t>by</a:t>
-            </a:r>
-            <a:r>
-              <a:rPr lang="es-ES" dirty="0"/>
-              <a:t> </a:t>
-            </a:r>
-            <a:r>
-              <a:rPr lang="es-ES" dirty="0" err="1"/>
-              <a:t>the</a:t>
-            </a:r>
-            <a:r>
-              <a:rPr lang="es-ES" dirty="0"/>
-              <a:t> 30-pin ESP32.</a:t>
-            </a:r>
-          </a:p>
-          <a:p>
-            <a:endParaRPr lang="es-ES" dirty="0"/>
-          </a:p>
-          <a:p>
-            <a:r>
-              <a:rPr lang="es-ES" dirty="0" err="1"/>
-              <a:t>If</a:t>
-            </a:r>
-            <a:r>
-              <a:rPr lang="es-ES" dirty="0"/>
-              <a:t> </a:t>
-            </a:r>
-            <a:r>
-              <a:rPr lang="es-ES" dirty="0" err="1"/>
-              <a:t>you</a:t>
-            </a:r>
-            <a:r>
-              <a:rPr lang="es-ES" dirty="0"/>
-              <a:t> </a:t>
-            </a:r>
-            <a:r>
-              <a:rPr lang="es-ES" dirty="0" err="1"/>
-              <a:t>already</a:t>
-            </a:r>
-            <a:r>
-              <a:rPr lang="es-ES" dirty="0"/>
-              <a:t> </a:t>
-            </a:r>
-            <a:r>
-              <a:rPr lang="es-ES" dirty="0" err="1"/>
-              <a:t>have</a:t>
-            </a:r>
-            <a:r>
-              <a:rPr lang="es-ES" dirty="0"/>
-              <a:t> a </a:t>
-            </a:r>
-            <a:r>
-              <a:rPr lang="es-ES" dirty="0" err="1"/>
-              <a:t>connection</a:t>
-            </a:r>
-            <a:r>
-              <a:rPr lang="es-ES" dirty="0"/>
-              <a:t> </a:t>
-            </a:r>
-            <a:r>
-              <a:rPr lang="es-ES" dirty="0" err="1"/>
-              <a:t>we</a:t>
-            </a:r>
-            <a:r>
-              <a:rPr lang="es-ES" dirty="0"/>
-              <a:t> </a:t>
-            </a:r>
-            <a:r>
-              <a:rPr lang="es-ES" dirty="0" err="1"/>
-              <a:t>only</a:t>
-            </a:r>
-            <a:r>
-              <a:rPr lang="es-ES" dirty="0"/>
-              <a:t> </a:t>
-            </a:r>
-            <a:r>
-              <a:rPr lang="es-ES" dirty="0" err="1"/>
-              <a:t>have</a:t>
-            </a:r>
-            <a:r>
-              <a:rPr lang="es-ES" dirty="0"/>
-              <a:t> </a:t>
-            </a:r>
-            <a:r>
-              <a:rPr lang="es-ES" dirty="0" err="1"/>
-              <a:t>to</a:t>
-            </a:r>
-            <a:r>
-              <a:rPr lang="es-ES" dirty="0"/>
-              <a:t> </a:t>
-            </a:r>
-            <a:r>
-              <a:rPr lang="es-ES" dirty="0" err="1"/>
-              <a:t>change</a:t>
-            </a:r>
-            <a:r>
-              <a:rPr lang="es-ES" dirty="0"/>
-              <a:t> </a:t>
-            </a:r>
-            <a:r>
-              <a:rPr lang="es-ES" dirty="0" err="1"/>
-              <a:t>the</a:t>
-            </a:r>
-            <a:r>
-              <a:rPr lang="es-ES" dirty="0"/>
-              <a:t> </a:t>
-            </a:r>
-            <a:r>
-              <a:rPr lang="es-ES" dirty="0" err="1"/>
-              <a:t>pins</a:t>
-            </a:r>
-            <a:r>
-              <a:rPr lang="es-ES" dirty="0"/>
-              <a:t> and at </a:t>
-            </a:r>
-            <a:r>
-              <a:rPr lang="es-ES" dirty="0" err="1"/>
-              <a:t>the</a:t>
-            </a:r>
-            <a:r>
-              <a:rPr lang="es-ES" dirty="0"/>
-              <a:t> time </a:t>
-            </a:r>
-            <a:r>
-              <a:rPr lang="es-ES" dirty="0" err="1"/>
-              <a:t>of</a:t>
-            </a:r>
-            <a:r>
-              <a:rPr lang="es-ES" dirty="0"/>
-              <a:t> </a:t>
-            </a:r>
-            <a:r>
-              <a:rPr lang="es-ES" dirty="0" err="1"/>
-              <a:t>adapting</a:t>
-            </a:r>
-            <a:r>
-              <a:rPr lang="es-ES" dirty="0"/>
-              <a:t> </a:t>
-            </a:r>
-            <a:r>
-              <a:rPr lang="es-ES" dirty="0" err="1"/>
-              <a:t>it</a:t>
-            </a:r>
-            <a:r>
-              <a:rPr lang="es-ES" dirty="0"/>
-              <a:t>, </a:t>
-            </a:r>
-            <a:r>
-              <a:rPr lang="es-ES" dirty="0" err="1"/>
-              <a:t>see</a:t>
-            </a:r>
-            <a:r>
-              <a:rPr lang="es-ES" dirty="0"/>
-              <a:t> </a:t>
-            </a:r>
-            <a:r>
-              <a:rPr lang="es-ES" dirty="0" err="1"/>
-              <a:t>that</a:t>
-            </a:r>
-            <a:r>
-              <a:rPr lang="es-ES" dirty="0"/>
-              <a:t> </a:t>
-            </a:r>
-            <a:r>
-              <a:rPr lang="es-ES" dirty="0" err="1"/>
-              <a:t>it</a:t>
-            </a:r>
-            <a:r>
-              <a:rPr lang="es-ES" dirty="0"/>
-              <a:t> </a:t>
-            </a:r>
-            <a:r>
-              <a:rPr lang="es-ES" dirty="0" err="1"/>
-              <a:t>is</a:t>
-            </a:r>
-            <a:r>
-              <a:rPr lang="es-ES" dirty="0"/>
-              <a:t> </a:t>
-            </a:r>
-            <a:r>
-              <a:rPr lang="es-ES" dirty="0" err="1"/>
-              <a:t>actually</a:t>
-            </a:r>
-            <a:r>
-              <a:rPr lang="es-ES" dirty="0"/>
-              <a:t> </a:t>
-            </a:r>
-            <a:r>
-              <a:rPr lang="es-ES" dirty="0" err="1"/>
-              <a:t>opening</a:t>
-            </a:r>
-            <a:r>
-              <a:rPr lang="es-ES" dirty="0"/>
-              <a:t> and </a:t>
-            </a:r>
-            <a:r>
-              <a:rPr lang="es-ES" dirty="0" err="1"/>
-              <a:t>closing</a:t>
-            </a:r>
-            <a:r>
-              <a:rPr lang="es-ES" dirty="0"/>
-              <a:t> </a:t>
-            </a:r>
-            <a:r>
-              <a:rPr lang="es-ES" dirty="0" err="1"/>
-              <a:t>the</a:t>
-            </a:r>
-            <a:r>
-              <a:rPr lang="es-ES" dirty="0"/>
-              <a:t> </a:t>
-            </a:r>
-            <a:r>
-              <a:rPr lang="es-ES" dirty="0" err="1"/>
-              <a:t>valve</a:t>
-            </a:r>
-            <a:r>
-              <a:rPr lang="es-ES" dirty="0"/>
-              <a:t> </a:t>
-            </a:r>
-            <a:r>
-              <a:rPr lang="es-ES" dirty="0" err="1"/>
-              <a:t>when</a:t>
-            </a:r>
-            <a:r>
-              <a:rPr lang="es-ES" dirty="0"/>
-              <a:t> </a:t>
-            </a:r>
-            <a:r>
-              <a:rPr lang="es-ES" dirty="0" err="1"/>
-              <a:t>the</a:t>
-            </a:r>
-            <a:r>
-              <a:rPr lang="es-ES" dirty="0"/>
-              <a:t> </a:t>
-            </a:r>
-            <a:r>
-              <a:rPr lang="es-ES" dirty="0" err="1"/>
-              <a:t>instruction</a:t>
-            </a:r>
-            <a:r>
-              <a:rPr lang="es-ES" dirty="0"/>
-              <a:t> </a:t>
-            </a:r>
-            <a:r>
-              <a:rPr lang="es-ES" dirty="0" err="1"/>
-              <a:t>is</a:t>
-            </a:r>
-            <a:r>
-              <a:rPr lang="es-ES" dirty="0"/>
-              <a:t> </a:t>
-            </a:r>
-            <a:r>
-              <a:rPr lang="es-ES" dirty="0" err="1"/>
-              <a:t>sent</a:t>
-            </a:r>
-            <a:r>
-              <a:rPr lang="es-ES" dirty="0"/>
-              <a:t> </a:t>
-            </a:r>
-            <a:r>
-              <a:rPr lang="es-ES" dirty="0" err="1"/>
-              <a:t>if</a:t>
-            </a:r>
-            <a:r>
-              <a:rPr lang="es-ES" dirty="0"/>
-              <a:t> </a:t>
-            </a:r>
-            <a:r>
-              <a:rPr lang="es-ES" dirty="0" err="1"/>
-              <a:t>the</a:t>
-            </a:r>
-            <a:r>
-              <a:rPr lang="es-ES" dirty="0"/>
-              <a:t> </a:t>
-            </a:r>
-            <a:r>
-              <a:rPr lang="es-ES" dirty="0" err="1"/>
-              <a:t>address</a:t>
-            </a:r>
-            <a:r>
-              <a:rPr lang="es-ES" dirty="0"/>
-              <a:t> </a:t>
-            </a:r>
-            <a:r>
-              <a:rPr lang="es-ES" dirty="0" err="1"/>
-              <a:t>must</a:t>
-            </a:r>
-            <a:r>
-              <a:rPr lang="es-ES" dirty="0"/>
-              <a:t> </a:t>
-            </a:r>
-            <a:r>
-              <a:rPr lang="es-ES" dirty="0" err="1"/>
-              <a:t>not</a:t>
-            </a:r>
-            <a:r>
-              <a:rPr lang="es-ES" dirty="0"/>
-              <a:t> be </a:t>
-            </a:r>
-            <a:r>
-              <a:rPr lang="es-ES" dirty="0" err="1"/>
-              <a:t>changed</a:t>
-            </a:r>
-            <a:r>
-              <a:rPr lang="es-ES" dirty="0"/>
-              <a:t> in </a:t>
-            </a:r>
-            <a:r>
-              <a:rPr lang="es-ES" dirty="0" err="1"/>
-              <a:t>the</a:t>
-            </a:r>
-            <a:r>
-              <a:rPr lang="es-ES" dirty="0"/>
-              <a:t> </a:t>
-            </a:r>
-            <a:r>
-              <a:rPr lang="es-ES" dirty="0" err="1"/>
-              <a:t>opening</a:t>
-            </a:r>
-            <a:r>
-              <a:rPr lang="es-ES" dirty="0"/>
-              <a:t> and </a:t>
-            </a:r>
-            <a:r>
-              <a:rPr lang="es-ES" dirty="0" err="1"/>
-              <a:t>closing</a:t>
-            </a:r>
-            <a:r>
-              <a:rPr lang="es-ES" dirty="0"/>
-              <a:t> </a:t>
-            </a:r>
-            <a:r>
-              <a:rPr lang="es-ES" dirty="0" err="1"/>
-              <a:t>functions</a:t>
-            </a:r>
-            <a:r>
-              <a:rPr lang="es-ES" dirty="0"/>
-              <a:t>.</a:t>
-            </a:r>
-          </a:p>
-          <a:p>
-            <a:r>
-              <a:rPr lang="es-ES" dirty="0" err="1"/>
-              <a:t>The</a:t>
-            </a:r>
-            <a:r>
-              <a:rPr lang="es-ES" dirty="0"/>
-              <a:t> </a:t>
-            </a:r>
-            <a:r>
-              <a:rPr lang="es-ES" dirty="0" err="1"/>
-              <a:t>program</a:t>
-            </a:r>
-            <a:r>
-              <a:rPr lang="es-ES" dirty="0"/>
-              <a:t> </a:t>
-            </a:r>
-            <a:r>
-              <a:rPr lang="es-ES" dirty="0" err="1"/>
-              <a:t>is</a:t>
-            </a:r>
-            <a:r>
-              <a:rPr lang="es-ES" dirty="0"/>
-              <a:t> </a:t>
-            </a:r>
-            <a:r>
-              <a:rPr lang="es-ES" dirty="0" err="1"/>
-              <a:t>functional</a:t>
-            </a:r>
-            <a:r>
-              <a:rPr lang="es-ES" dirty="0"/>
-              <a:t>.</a:t>
-            </a:r>
-          </a:p>
-          <a:p>
-            <a:endParaRPr lang="es-ES" dirty="0"/>
-          </a:p>
-          <a:p>
-            <a:r>
-              <a:rPr lang="es-ES" dirty="0" err="1"/>
-              <a:t>Ypu</a:t>
-            </a:r>
-            <a:r>
-              <a:rPr lang="es-ES" dirty="0"/>
-              <a:t> </a:t>
-            </a:r>
-            <a:r>
-              <a:rPr lang="es-ES" dirty="0" err="1"/>
-              <a:t>must</a:t>
-            </a:r>
-            <a:r>
-              <a:rPr lang="es-ES" dirty="0"/>
-              <a:t> </a:t>
-            </a:r>
-            <a:r>
-              <a:rPr lang="es-ES" dirty="0" err="1"/>
-              <a:t>enter</a:t>
-            </a:r>
-            <a:r>
-              <a:rPr lang="es-ES" dirty="0"/>
-              <a:t> </a:t>
-            </a:r>
-            <a:r>
-              <a:rPr lang="es-ES" dirty="0" err="1"/>
-              <a:t>the</a:t>
-            </a:r>
-            <a:r>
-              <a:rPr lang="es-ES" dirty="0"/>
-              <a:t> </a:t>
-            </a:r>
-            <a:r>
-              <a:rPr lang="es-ES" dirty="0" err="1"/>
-              <a:t>valve</a:t>
-            </a:r>
-            <a:r>
-              <a:rPr lang="es-ES" dirty="0"/>
-              <a:t> </a:t>
-            </a:r>
-            <a:r>
-              <a:rPr lang="es-ES" dirty="0" err="1"/>
-              <a:t>to</a:t>
-            </a:r>
-            <a:r>
-              <a:rPr lang="es-ES" dirty="0"/>
-              <a:t> be </a:t>
-            </a:r>
-            <a:r>
-              <a:rPr lang="es-ES" dirty="0" err="1"/>
-              <a:t>operated</a:t>
-            </a:r>
-            <a:r>
-              <a:rPr lang="es-ES" dirty="0"/>
-              <a:t> </a:t>
-            </a:r>
-            <a:r>
-              <a:rPr lang="es-ES" dirty="0" err="1"/>
-              <a:t>with</a:t>
-            </a:r>
-            <a:r>
-              <a:rPr lang="es-ES" dirty="0"/>
-              <a:t> </a:t>
-            </a:r>
-            <a:r>
-              <a:rPr lang="es-ES" dirty="0" err="1"/>
-              <a:t>the</a:t>
-            </a:r>
-            <a:r>
-              <a:rPr lang="es-ES" dirty="0"/>
-              <a:t> </a:t>
-            </a:r>
-            <a:r>
-              <a:rPr lang="es-ES" dirty="0" err="1"/>
-              <a:t>angle</a:t>
-            </a:r>
-            <a:r>
-              <a:rPr lang="es-ES" dirty="0"/>
-              <a:t> </a:t>
-            </a:r>
-            <a:r>
-              <a:rPr lang="es-ES" dirty="0" err="1"/>
-              <a:t>separated</a:t>
-            </a:r>
-            <a:r>
-              <a:rPr lang="es-ES" dirty="0"/>
-              <a:t> </a:t>
-            </a:r>
-            <a:r>
-              <a:rPr lang="es-ES" dirty="0" err="1"/>
-              <a:t>by</a:t>
-            </a:r>
-            <a:r>
-              <a:rPr lang="es-ES" dirty="0"/>
-              <a:t> a </a:t>
-            </a:r>
-            <a:r>
-              <a:rPr lang="es-ES" dirty="0" err="1"/>
-              <a:t>comma</a:t>
-            </a:r>
-            <a:r>
-              <a:rPr lang="es-ES" dirty="0"/>
-              <a:t>, </a:t>
-            </a:r>
-            <a:r>
-              <a:rPr lang="es-ES" dirty="0" err="1"/>
-              <a:t>Example</a:t>
-            </a:r>
-            <a:r>
-              <a:rPr lang="es-ES" dirty="0"/>
-              <a:t>:</a:t>
-            </a:r>
-          </a:p>
-          <a:p>
-            <a:r>
-              <a:rPr lang="es-ES" dirty="0" err="1"/>
-              <a:t>If</a:t>
-            </a:r>
-            <a:r>
-              <a:rPr lang="es-ES" dirty="0"/>
-              <a:t> I </a:t>
-            </a:r>
-            <a:r>
-              <a:rPr lang="es-ES" dirty="0" err="1"/>
-              <a:t>want</a:t>
-            </a:r>
-            <a:r>
-              <a:rPr lang="es-ES" dirty="0"/>
-              <a:t> </a:t>
-            </a:r>
-            <a:r>
-              <a:rPr lang="es-ES" dirty="0" err="1"/>
-              <a:t>to</a:t>
-            </a:r>
-            <a:r>
-              <a:rPr lang="es-ES" dirty="0"/>
-              <a:t> </a:t>
-            </a:r>
-            <a:r>
-              <a:rPr lang="es-ES" dirty="0" err="1"/>
-              <a:t>move</a:t>
-            </a:r>
-            <a:r>
-              <a:rPr lang="es-ES" dirty="0"/>
-              <a:t> </a:t>
-            </a:r>
-            <a:r>
-              <a:rPr lang="es-ES" dirty="0" err="1"/>
-              <a:t>valve</a:t>
-            </a:r>
-            <a:r>
-              <a:rPr lang="es-ES" dirty="0"/>
-              <a:t> 2 </a:t>
-            </a:r>
-            <a:r>
-              <a:rPr lang="es-ES" dirty="0" err="1"/>
-              <a:t>to</a:t>
-            </a:r>
-            <a:r>
-              <a:rPr lang="es-ES" dirty="0"/>
-              <a:t> </a:t>
-            </a:r>
-            <a:r>
-              <a:rPr lang="es-ES" dirty="0" err="1"/>
-              <a:t>the</a:t>
-            </a:r>
-            <a:r>
-              <a:rPr lang="es-ES" dirty="0"/>
-              <a:t> 75-degree position </a:t>
-            </a:r>
-            <a:r>
-              <a:rPr lang="es-ES" dirty="0" err="1"/>
-              <a:t>you</a:t>
-            </a:r>
-            <a:r>
-              <a:rPr lang="es-ES" dirty="0"/>
-              <a:t> </a:t>
-            </a:r>
-            <a:r>
-              <a:rPr lang="es-ES" dirty="0" err="1"/>
-              <a:t>should</a:t>
-            </a:r>
-            <a:r>
-              <a:rPr lang="es-ES" dirty="0"/>
-              <a:t> </a:t>
-            </a:r>
-            <a:r>
-              <a:rPr lang="es-ES" dirty="0" err="1"/>
-              <a:t>send</a:t>
-            </a:r>
-            <a:r>
-              <a:rPr lang="es-ES" dirty="0"/>
-              <a:t>: </a:t>
-            </a:r>
-            <a:r>
-              <a:rPr lang="es-ES" b="1" dirty="0"/>
-              <a:t>2,75.</a:t>
-            </a:r>
-          </a:p>
-          <a:p>
-            <a:endParaRPr lang="es-ES" b="1" dirty="0"/>
-          </a:p>
-          <a:p>
-            <a:r>
-              <a:rPr lang="es-ES" dirty="0"/>
-              <a:t>I </a:t>
-            </a:r>
-            <a:r>
-              <a:rPr lang="es-ES" dirty="0" err="1"/>
-              <a:t>think</a:t>
-            </a:r>
-            <a:r>
-              <a:rPr lang="es-ES" dirty="0"/>
-              <a:t> </a:t>
-            </a:r>
-            <a:r>
-              <a:rPr lang="es-ES" dirty="0" err="1"/>
-              <a:t>you</a:t>
-            </a:r>
-            <a:r>
-              <a:rPr lang="es-ES" dirty="0"/>
-              <a:t> </a:t>
-            </a:r>
-            <a:r>
-              <a:rPr lang="es-ES" dirty="0" err="1"/>
-              <a:t>could</a:t>
-            </a:r>
-            <a:r>
-              <a:rPr lang="es-ES" dirty="0"/>
-              <a:t> </a:t>
-            </a:r>
-            <a:r>
-              <a:rPr lang="es-ES" dirty="0" err="1"/>
-              <a:t>increase</a:t>
-            </a:r>
-            <a:r>
-              <a:rPr lang="es-ES" dirty="0"/>
-              <a:t> a safety </a:t>
-            </a:r>
-            <a:r>
-              <a:rPr lang="es-ES" dirty="0" err="1"/>
-              <a:t>measure</a:t>
-            </a:r>
-            <a:r>
-              <a:rPr lang="es-ES" dirty="0"/>
-              <a:t> </a:t>
-            </a:r>
-            <a:r>
-              <a:rPr lang="es-ES" dirty="0" err="1"/>
-              <a:t>of</a:t>
-            </a:r>
-            <a:r>
-              <a:rPr lang="es-ES" dirty="0"/>
-              <a:t> </a:t>
-            </a:r>
-            <a:r>
-              <a:rPr lang="es-ES" dirty="0" err="1"/>
-              <a:t>the</a:t>
-            </a:r>
-            <a:r>
-              <a:rPr lang="es-ES" dirty="0"/>
-              <a:t> </a:t>
-            </a:r>
-            <a:r>
-              <a:rPr lang="es-ES" dirty="0" err="1"/>
-              <a:t>maximum</a:t>
-            </a:r>
-            <a:r>
-              <a:rPr lang="es-ES" dirty="0"/>
-              <a:t> </a:t>
-            </a:r>
-            <a:r>
-              <a:rPr lang="es-ES" dirty="0" err="1"/>
-              <a:t>degree</a:t>
-            </a:r>
-            <a:r>
-              <a:rPr lang="es-ES" dirty="0"/>
-              <a:t> </a:t>
-            </a:r>
-            <a:r>
-              <a:rPr lang="es-ES" dirty="0" err="1"/>
-              <a:t>of</a:t>
-            </a:r>
-            <a:r>
-              <a:rPr lang="es-ES" dirty="0"/>
-              <a:t> </a:t>
-            </a:r>
-            <a:r>
-              <a:rPr lang="es-ES" dirty="0" err="1"/>
-              <a:t>opening</a:t>
-            </a:r>
-            <a:r>
-              <a:rPr lang="es-ES" dirty="0"/>
-              <a:t> and </a:t>
-            </a:r>
-            <a:r>
-              <a:rPr lang="es-ES" dirty="0" err="1"/>
-              <a:t>closing</a:t>
-            </a:r>
-            <a:r>
-              <a:rPr lang="es-ES" dirty="0"/>
-              <a:t> </a:t>
-            </a:r>
-            <a:r>
-              <a:rPr lang="es-ES" dirty="0" err="1"/>
-              <a:t>by</a:t>
-            </a:r>
-            <a:r>
-              <a:rPr lang="es-ES" dirty="0"/>
-              <a:t> </a:t>
-            </a:r>
-            <a:r>
-              <a:rPr lang="es-ES" dirty="0" err="1"/>
-              <a:t>looking</a:t>
-            </a:r>
-            <a:r>
-              <a:rPr lang="es-ES" dirty="0"/>
-              <a:t> at </a:t>
-            </a:r>
-            <a:r>
-              <a:rPr lang="es-ES" dirty="0" err="1"/>
-              <a:t>the</a:t>
-            </a:r>
-            <a:r>
-              <a:rPr lang="es-ES" dirty="0"/>
-              <a:t> </a:t>
-            </a:r>
-            <a:r>
-              <a:rPr lang="es-ES" dirty="0" err="1"/>
-              <a:t>degrees</a:t>
-            </a:r>
-            <a:r>
-              <a:rPr lang="es-ES" dirty="0"/>
-              <a:t> </a:t>
-            </a:r>
-            <a:r>
-              <a:rPr lang="es-ES" dirty="0" err="1"/>
-              <a:t>of</a:t>
-            </a:r>
-            <a:r>
-              <a:rPr lang="es-ES" dirty="0"/>
-              <a:t> </a:t>
-            </a:r>
-            <a:r>
-              <a:rPr lang="es-ES" dirty="0" err="1"/>
-              <a:t>valve</a:t>
-            </a:r>
-            <a:r>
-              <a:rPr lang="es-ES" dirty="0"/>
-              <a:t> </a:t>
-            </a:r>
-            <a:r>
-              <a:rPr lang="es-ES" dirty="0" err="1"/>
-              <a:t>opening</a:t>
-            </a:r>
-            <a:r>
-              <a:rPr lang="es-ES" dirty="0"/>
-              <a:t>.</a:t>
-            </a:r>
-          </a:p>
-          <a:p>
-            <a:endParaRPr lang="es-ES" dirty="0"/>
-          </a:p>
-          <a:p>
-            <a:r>
-              <a:rPr lang="es-ES" dirty="0"/>
-              <a:t>I can </a:t>
-            </a:r>
-            <a:r>
-              <a:rPr lang="es-ES" dirty="0" err="1"/>
-              <a:t>add</a:t>
-            </a:r>
-            <a:r>
-              <a:rPr lang="es-ES" dirty="0"/>
-              <a:t> </a:t>
-            </a:r>
-            <a:r>
-              <a:rPr lang="es-ES" dirty="0" err="1"/>
-              <a:t>that</a:t>
-            </a:r>
-            <a:r>
-              <a:rPr lang="es-ES" dirty="0"/>
-              <a:t> </a:t>
-            </a:r>
-            <a:r>
-              <a:rPr lang="es-ES" dirty="0" err="1"/>
-              <a:t>when</a:t>
-            </a:r>
-            <a:r>
-              <a:rPr lang="es-ES" dirty="0"/>
-              <a:t> </a:t>
-            </a:r>
-            <a:r>
-              <a:rPr lang="es-ES" dirty="0" err="1"/>
-              <a:t>observing</a:t>
-            </a:r>
-            <a:r>
-              <a:rPr lang="es-ES" dirty="0"/>
-              <a:t> </a:t>
-            </a:r>
-            <a:r>
-              <a:rPr lang="es-ES" dirty="0" err="1"/>
-              <a:t>the</a:t>
-            </a:r>
-            <a:r>
-              <a:rPr lang="es-ES" dirty="0"/>
-              <a:t> </a:t>
-            </a:r>
-            <a:r>
-              <a:rPr lang="es-ES" dirty="0" err="1"/>
-              <a:t>necessary</a:t>
-            </a:r>
-            <a:r>
-              <a:rPr lang="es-ES" dirty="0"/>
-              <a:t> </a:t>
-            </a:r>
-            <a:r>
-              <a:rPr lang="es-ES" dirty="0" err="1"/>
-              <a:t>changes</a:t>
-            </a:r>
-            <a:r>
-              <a:rPr lang="es-ES" dirty="0"/>
-              <a:t> once </a:t>
-            </a:r>
-            <a:r>
-              <a:rPr lang="es-ES" dirty="0" err="1"/>
-              <a:t>the</a:t>
-            </a:r>
-            <a:r>
-              <a:rPr lang="es-ES" dirty="0"/>
-              <a:t> </a:t>
-            </a:r>
-            <a:r>
-              <a:rPr lang="es-ES" dirty="0" err="1"/>
-              <a:t>system</a:t>
-            </a:r>
-            <a:r>
-              <a:rPr lang="es-ES" dirty="0"/>
-              <a:t> has </a:t>
-            </a:r>
-            <a:r>
-              <a:rPr lang="es-ES" dirty="0" err="1"/>
-              <a:t>been</a:t>
-            </a:r>
-            <a:r>
-              <a:rPr lang="es-ES" dirty="0"/>
-              <a:t> </a:t>
-            </a:r>
-            <a:r>
-              <a:rPr lang="es-ES" dirty="0" err="1"/>
-              <a:t>tested</a:t>
-            </a:r>
-            <a:r>
-              <a:rPr lang="es-ES" dirty="0"/>
-              <a:t>.</a:t>
-            </a:r>
-          </a:p>
-          <a:p>
-            <a:endParaRPr lang="es-ES" dirty="0"/>
-          </a:p>
-          <a:p>
-            <a:r>
-              <a:rPr lang="es-ES" dirty="0" err="1"/>
-              <a:t>If</a:t>
-            </a:r>
-            <a:r>
-              <a:rPr lang="es-ES" dirty="0"/>
-              <a:t> </a:t>
-            </a:r>
-            <a:r>
-              <a:rPr lang="es-ES" dirty="0" err="1"/>
-              <a:t>you</a:t>
-            </a:r>
-            <a:r>
-              <a:rPr lang="es-ES" dirty="0"/>
-              <a:t> </a:t>
-            </a:r>
-            <a:r>
-              <a:rPr lang="es-ES" dirty="0" err="1"/>
-              <a:t>have</a:t>
-            </a:r>
-            <a:r>
-              <a:rPr lang="es-ES" dirty="0"/>
-              <a:t> </a:t>
-            </a:r>
-            <a:r>
-              <a:rPr lang="es-ES" dirty="0" err="1"/>
-              <a:t>the</a:t>
-            </a:r>
-            <a:r>
-              <a:rPr lang="es-ES" dirty="0"/>
-              <a:t> driver </a:t>
-            </a:r>
-            <a:r>
-              <a:rPr lang="es-ES" dirty="0" err="1"/>
-              <a:t>connections</a:t>
-            </a:r>
-            <a:r>
-              <a:rPr lang="es-ES" dirty="0"/>
-              <a:t> </a:t>
-            </a:r>
-            <a:r>
-              <a:rPr lang="es-ES" dirty="0" err="1"/>
-              <a:t>on</a:t>
-            </a:r>
-            <a:r>
-              <a:rPr lang="es-ES" dirty="0"/>
-              <a:t> </a:t>
-            </a:r>
-            <a:r>
-              <a:rPr lang="es-ES" dirty="0" err="1"/>
-              <a:t>other</a:t>
-            </a:r>
-            <a:r>
-              <a:rPr lang="es-ES" dirty="0"/>
-              <a:t> </a:t>
-            </a:r>
-            <a:r>
-              <a:rPr lang="es-ES" dirty="0" err="1"/>
-              <a:t>pins</a:t>
-            </a:r>
-            <a:r>
-              <a:rPr lang="es-ES" dirty="0"/>
-              <a:t> </a:t>
-            </a:r>
-            <a:r>
-              <a:rPr lang="es-ES" dirty="0" err="1"/>
-              <a:t>than</a:t>
-            </a:r>
-            <a:r>
-              <a:rPr lang="es-ES" dirty="0"/>
-              <a:t> </a:t>
-            </a:r>
-            <a:r>
-              <a:rPr lang="es-ES" dirty="0" err="1"/>
-              <a:t>suggested</a:t>
-            </a:r>
-            <a:r>
-              <a:rPr lang="es-ES" dirty="0"/>
-              <a:t> </a:t>
-            </a:r>
-            <a:r>
-              <a:rPr lang="es-ES" dirty="0" err="1"/>
-              <a:t>then</a:t>
-            </a:r>
-            <a:r>
-              <a:rPr lang="es-ES" dirty="0"/>
-              <a:t> </a:t>
-            </a:r>
-            <a:r>
-              <a:rPr lang="es-ES" dirty="0" err="1"/>
-              <a:t>we</a:t>
-            </a:r>
-            <a:r>
-              <a:rPr lang="es-ES" dirty="0"/>
-              <a:t> </a:t>
-            </a:r>
-            <a:r>
-              <a:rPr lang="es-ES" dirty="0" err="1"/>
-              <a:t>should</a:t>
-            </a:r>
-            <a:r>
-              <a:rPr lang="es-ES" dirty="0"/>
-              <a:t> </a:t>
-            </a:r>
-            <a:r>
-              <a:rPr lang="es-ES" dirty="0" err="1"/>
-              <a:t>only</a:t>
-            </a:r>
-            <a:r>
-              <a:rPr lang="es-ES" dirty="0"/>
-              <a:t> </a:t>
-            </a:r>
-            <a:r>
-              <a:rPr lang="es-ES" dirty="0" err="1"/>
-              <a:t>modify</a:t>
-            </a:r>
-            <a:r>
-              <a:rPr lang="es-ES" dirty="0"/>
-              <a:t> </a:t>
-            </a:r>
-            <a:r>
-              <a:rPr lang="es-ES" dirty="0" err="1"/>
-              <a:t>the</a:t>
-            </a:r>
-            <a:r>
-              <a:rPr lang="es-ES" dirty="0"/>
-              <a:t> </a:t>
-            </a:r>
-            <a:r>
-              <a:rPr lang="es-ES" dirty="0" err="1"/>
-              <a:t>program</a:t>
-            </a:r>
-            <a:r>
-              <a:rPr lang="es-ES" dirty="0"/>
-              <a:t>.</a:t>
-            </a:r>
-          </a:p>
-        </p:txBody>
-      </p:sp>
-    </p:spTree>
-    <p:extLst>
-      <p:ext uri="{BB962C8B-B14F-4D97-AF65-F5344CB8AC3E}">
-        <p14:creationId xmlns:p14="http://schemas.microsoft.com/office/powerpoint/2010/main" val="1637200703"/>
-      </p:ext>
-    </p:extLst>
-  </p:cSld>
-  <p:clrMapOvr>
-    <a:masterClrMapping/>
+    <a:overrideClrMapping bg1="dk1" tx1="lt1" bg2="dk2" tx2="lt2" accent1="accent1" accent2="accent2" accent3="accent3" accent4="accent4" accent5="accent5" accent6="accent6" hlink="hlink" folHlink="folHlink"/>
   </p:clrMapOvr>
 </p:sld>
 </file>
